--- a/Multivar TS analysis and prediction.pptx
+++ b/Multivar TS analysis and prediction.pptx
@@ -3390,31 +3390,6 @@
           </a:p>
         </p:txBody>
       </p:sp>
-      <p:sp>
-        <p:nvSpPr>
-          <p:cNvPr id="3" name="Subtitle 2">
-            <a:extLst>
-              <a:ext uri="{FF2B5EF4-FFF2-40B4-BE49-F238E27FC236}">
-                <a16:creationId xmlns:a16="http://schemas.microsoft.com/office/drawing/2014/main" id="{27B8CE35-C3C4-5A2F-5AF4-F36F8E1B598D}"/>
-              </a:ext>
-            </a:extLst>
-          </p:cNvPr>
-          <p:cNvSpPr>
-            <a:spLocks noGrp="1"/>
-          </p:cNvSpPr>
-          <p:nvPr>
-            <p:ph type="subTitle" idx="1"/>
-          </p:nvPr>
-        </p:nvSpPr>
-        <p:spPr/>
-        <p:txBody>
-          <a:bodyPr/>
-          <a:lstStyle/>
-          <a:p>
-            <a:endParaRPr lang="en-US"/>
-          </a:p>
-        </p:txBody>
-      </p:sp>
     </p:spTree>
     <p:extLst>
       <p:ext uri="{BB962C8B-B14F-4D97-AF65-F5344CB8AC3E}">
@@ -6165,27 +6140,15 @@
               <a:rPr lang="en-SG" sz="1800" dirty="0">
                 <a:latin typeface="BentonSansRegular"/>
               </a:rPr>
-              <a:t>After observation, we can see that the eight figures above have something in common</a:t>
-            </a:r>
-            <a:r>
-              <a:rPr lang="en-SG" sz="1800">
-                <a:latin typeface="BentonSansRegular"/>
-              </a:rPr>
-              <a:t>. </a:t>
-            </a:r>
-          </a:p>
-          <a:p>
-            <a:r>
-              <a:rPr lang="en-SG" sz="1800">
-                <a:latin typeface="BentonSansRegular"/>
-              </a:rPr>
-              <a:t>When </a:t>
-            </a:r>
+              <a:t>After observation, we can see that the eight figures above have something in common. </a:t>
+            </a:r>
+          </a:p>
+          <a:p>
             <a:r>
               <a:rPr lang="en-SG" sz="1800" dirty="0">
                 <a:latin typeface="BentonSansRegular"/>
               </a:rPr>
-              <a:t>the variable ‘</a:t>
+              <a:t>When the variable ‘</a:t>
             </a:r>
             <a:r>
               <a:rPr lang="en-SG" sz="1800" dirty="0" err="1">

--- a/Multivar TS analysis and prediction.pptx
+++ b/Multivar TS analysis and prediction.pptx
@@ -11,26 +11,19 @@
     <p:sldId id="274" r:id="rId5"/>
     <p:sldId id="276" r:id="rId6"/>
     <p:sldId id="275" r:id="rId7"/>
-    <p:sldId id="277" r:id="rId8"/>
+    <p:sldId id="282" r:id="rId8"/>
     <p:sldId id="278" r:id="rId9"/>
     <p:sldId id="279" r:id="rId10"/>
     <p:sldId id="280" r:id="rId11"/>
     <p:sldId id="281" r:id="rId12"/>
-    <p:sldId id="257" r:id="rId13"/>
-    <p:sldId id="258" r:id="rId14"/>
-    <p:sldId id="259" r:id="rId15"/>
+    <p:sldId id="283" r:id="rId13"/>
+    <p:sldId id="257" r:id="rId14"/>
+    <p:sldId id="258" r:id="rId15"/>
     <p:sldId id="260" r:id="rId16"/>
     <p:sldId id="261" r:id="rId17"/>
     <p:sldId id="262" r:id="rId18"/>
     <p:sldId id="263" r:id="rId19"/>
-    <p:sldId id="266" r:id="rId20"/>
-    <p:sldId id="264" r:id="rId21"/>
-    <p:sldId id="265" r:id="rId22"/>
-    <p:sldId id="267" r:id="rId23"/>
-    <p:sldId id="268" r:id="rId24"/>
-    <p:sldId id="269" r:id="rId25"/>
-    <p:sldId id="270" r:id="rId26"/>
-    <p:sldId id="271" r:id="rId27"/>
+    <p:sldId id="270" r:id="rId20"/>
   </p:sldIdLst>
   <p:sldSz cx="12192000" cy="6858000"/>
   <p:notesSz cx="6858000" cy="9144000"/>
@@ -12648,7 +12641,10 @@
           <a:bodyPr/>
           <a:lstStyle/>
           <a:p>
-            <a:endParaRPr lang="en-SG"/>
+            <a:r>
+              <a:rPr lang="en-SG" dirty="0"/>
+              <a:t>Suggested approach</a:t>
+            </a:r>
           </a:p>
         </p:txBody>
       </p:sp>
@@ -12670,10 +12666,135 @@
         </p:nvSpPr>
         <p:spPr/>
         <p:txBody>
-          <a:bodyPr/>
+          <a:bodyPr>
+            <a:normAutofit/>
+          </a:bodyPr>
           <a:lstStyle/>
           <a:p>
-            <a:endParaRPr lang="en-SG"/>
+            <a:pPr marL="0" indent="0" algn="l">
+              <a:buNone/>
+            </a:pPr>
+            <a:r>
+              <a:rPr lang="en-US" b="0" i="0" dirty="0">
+                <a:solidFill>
+                  <a:srgbClr val="292929"/>
+                </a:solidFill>
+                <a:effectLst/>
+                <a:latin typeface="source-serif-pro"/>
+              </a:rPr>
+              <a:t>Combine the ability </a:t>
+            </a:r>
+            <a:r>
+              <a:rPr lang="en-US" dirty="0">
+                <a:solidFill>
+                  <a:srgbClr val="292929"/>
+                </a:solidFill>
+                <a:latin typeface="source-serif-pro"/>
+              </a:rPr>
+              <a:t>of statistics with deep RL</a:t>
+            </a:r>
+            <a:endParaRPr lang="en-US" b="0" i="0" dirty="0">
+              <a:solidFill>
+                <a:srgbClr val="292929"/>
+              </a:solidFill>
+              <a:effectLst/>
+              <a:latin typeface="source-serif-pro"/>
+            </a:endParaRPr>
+          </a:p>
+          <a:p>
+            <a:pPr marL="971550" lvl="1" indent="-514350">
+              <a:buFont typeface="+mj-lt"/>
+              <a:buAutoNum type="arabicPeriod"/>
+            </a:pPr>
+            <a:r>
+              <a:rPr lang="en-US" sz="2800" b="0" i="0" dirty="0">
+                <a:solidFill>
+                  <a:srgbClr val="292929"/>
+                </a:solidFill>
+                <a:effectLst/>
+                <a:latin typeface="source-serif-pro"/>
+              </a:rPr>
+              <a:t>Ensemble method with transfer learning</a:t>
+            </a:r>
+          </a:p>
+          <a:p>
+            <a:pPr marL="971550" lvl="1" indent="-514350">
+              <a:buFont typeface="+mj-lt"/>
+              <a:buAutoNum type="arabicPeriod"/>
+            </a:pPr>
+            <a:r>
+              <a:rPr lang="en-US" sz="2800" b="0" i="0" dirty="0">
+                <a:solidFill>
+                  <a:srgbClr val="292929"/>
+                </a:solidFill>
+                <a:effectLst/>
+                <a:latin typeface="source-serif-pro"/>
+              </a:rPr>
+              <a:t>Estimate a VAR properly on our training data</a:t>
+            </a:r>
+          </a:p>
+          <a:p>
+            <a:pPr marL="971550" lvl="1" indent="-514350">
+              <a:buFont typeface="+mj-lt"/>
+              <a:buAutoNum type="arabicPeriod"/>
+            </a:pPr>
+            <a:r>
+              <a:rPr lang="en-US" sz="2800" b="0" i="0" dirty="0">
+                <a:solidFill>
+                  <a:srgbClr val="292929"/>
+                </a:solidFill>
+                <a:effectLst/>
+                <a:latin typeface="source-serif-pro"/>
+              </a:rPr>
+              <a:t>Extract what VAR has learned </a:t>
+            </a:r>
+          </a:p>
+          <a:p>
+            <a:pPr marL="971550" lvl="1" indent="-514350">
+              <a:buFont typeface="+mj-lt"/>
+              <a:buAutoNum type="arabicPeriod"/>
+            </a:pPr>
+            <a:r>
+              <a:rPr lang="en-US" sz="2800" dirty="0">
+                <a:solidFill>
+                  <a:srgbClr val="292929"/>
+                </a:solidFill>
+                <a:latin typeface="source-serif-pro"/>
+              </a:rPr>
+              <a:t>U</a:t>
+            </a:r>
+            <a:r>
+              <a:rPr lang="en-US" sz="2800" b="0" i="0" dirty="0">
+                <a:solidFill>
+                  <a:srgbClr val="292929"/>
+                </a:solidFill>
+                <a:effectLst/>
+                <a:latin typeface="source-serif-pro"/>
+              </a:rPr>
+              <a:t>se </a:t>
+            </a:r>
+            <a:r>
+              <a:rPr lang="en-US" sz="2800" dirty="0">
+                <a:solidFill>
+                  <a:srgbClr val="292929"/>
+                </a:solidFill>
+                <a:latin typeface="source-serif-pro"/>
+              </a:rPr>
+              <a:t>for </a:t>
+            </a:r>
+            <a:r>
+              <a:rPr lang="en-US" sz="2800" b="0" i="0" dirty="0">
+                <a:solidFill>
+                  <a:srgbClr val="292929"/>
+                </a:solidFill>
+                <a:effectLst/>
+                <a:latin typeface="source-serif-pro"/>
+              </a:rPr>
+              <a:t>training LSTM model</a:t>
+            </a:r>
+          </a:p>
+          <a:p>
+            <a:endParaRPr lang="en-SG" dirty="0"/>
           </a:p>
         </p:txBody>
       </p:sp>
@@ -12709,6 +12830,199 @@
       </p:grpSpPr>
       <p:sp>
         <p:nvSpPr>
+          <p:cNvPr id="2" name="Title 1">
+            <a:extLst>
+              <a:ext uri="{FF2B5EF4-FFF2-40B4-BE49-F238E27FC236}">
+                <a16:creationId xmlns:a16="http://schemas.microsoft.com/office/drawing/2014/main" id="{8A1BEF72-307A-5F03-9891-E6B0CB3AAB2B}"/>
+              </a:ext>
+            </a:extLst>
+          </p:cNvPr>
+          <p:cNvSpPr>
+            <a:spLocks noGrp="1"/>
+          </p:cNvSpPr>
+          <p:nvPr>
+            <p:ph type="title"/>
+          </p:nvPr>
+        </p:nvSpPr>
+        <p:spPr/>
+        <p:txBody>
+          <a:bodyPr/>
+          <a:lstStyle/>
+          <a:p>
+            <a:r>
+              <a:rPr lang="en-SG" dirty="0"/>
+              <a:t>Why this approach</a:t>
+            </a:r>
+          </a:p>
+        </p:txBody>
+      </p:sp>
+      <p:sp>
+        <p:nvSpPr>
+          <p:cNvPr id="3" name="Content Placeholder 2">
+            <a:extLst>
+              <a:ext uri="{FF2B5EF4-FFF2-40B4-BE49-F238E27FC236}">
+                <a16:creationId xmlns:a16="http://schemas.microsoft.com/office/drawing/2014/main" id="{EEBEDF6F-2334-9AFB-22EA-DE3211EA9B8D}"/>
+              </a:ext>
+            </a:extLst>
+          </p:cNvPr>
+          <p:cNvSpPr>
+            <a:spLocks noGrp="1"/>
+          </p:cNvSpPr>
+          <p:nvPr>
+            <p:ph idx="1"/>
+          </p:nvPr>
+        </p:nvSpPr>
+        <p:spPr/>
+        <p:txBody>
+          <a:bodyPr>
+            <a:normAutofit/>
+          </a:bodyPr>
+          <a:lstStyle/>
+          <a:p>
+            <a:pPr marL="0" indent="0">
+              <a:buNone/>
+            </a:pPr>
+            <a:r>
+              <a:rPr lang="en-US" sz="3200" b="0" i="0" dirty="0">
+                <a:solidFill>
+                  <a:srgbClr val="374151"/>
+                </a:solidFill>
+                <a:effectLst/>
+                <a:latin typeface="Söhne"/>
+              </a:rPr>
+              <a:t>A model works well with specifi</a:t>
+            </a:r>
+            <a:r>
+              <a:rPr lang="en-US" sz="3200" dirty="0">
+                <a:solidFill>
+                  <a:srgbClr val="374151"/>
+                </a:solidFill>
+                <a:latin typeface="Söhne"/>
+              </a:rPr>
+              <a:t>c </a:t>
+            </a:r>
+            <a:r>
+              <a:rPr lang="en-US" sz="3200" b="0" i="0" dirty="0">
+                <a:solidFill>
+                  <a:srgbClr val="374151"/>
+                </a:solidFill>
+                <a:effectLst/>
+                <a:latin typeface="Söhne"/>
+              </a:rPr>
+              <a:t>characteristics of data – </a:t>
+            </a:r>
+          </a:p>
+          <a:p>
+            <a:pPr lvl="1"/>
+            <a:r>
+              <a:rPr lang="en-US" sz="3200" b="0" i="0" dirty="0">
+                <a:solidFill>
+                  <a:srgbClr val="374151"/>
+                </a:solidFill>
+                <a:effectLst/>
+                <a:latin typeface="Söhne"/>
+              </a:rPr>
+              <a:t>dimensionality</a:t>
+            </a:r>
+          </a:p>
+          <a:p>
+            <a:pPr lvl="1"/>
+            <a:r>
+              <a:rPr lang="en-US" sz="3200" b="0" i="0" dirty="0">
+                <a:solidFill>
+                  <a:srgbClr val="374151"/>
+                </a:solidFill>
+                <a:effectLst/>
+                <a:latin typeface="Söhne"/>
+              </a:rPr>
+              <a:t>presence of missing values</a:t>
+            </a:r>
+          </a:p>
+          <a:p>
+            <a:pPr lvl="1"/>
+            <a:r>
+              <a:rPr lang="en-US" sz="3200" b="0" i="0" dirty="0">
+                <a:solidFill>
+                  <a:srgbClr val="374151"/>
+                </a:solidFill>
+                <a:effectLst/>
+                <a:latin typeface="Söhne"/>
+              </a:rPr>
+              <a:t>nonlinearity</a:t>
+            </a:r>
+          </a:p>
+          <a:p>
+            <a:pPr lvl="1"/>
+            <a:r>
+              <a:rPr lang="en-US" sz="3200" b="0" i="0" dirty="0">
+                <a:solidFill>
+                  <a:srgbClr val="374151"/>
+                </a:solidFill>
+                <a:effectLst/>
+                <a:latin typeface="Söhne"/>
+              </a:rPr>
+              <a:t>the complexity of the underlying system</a:t>
+            </a:r>
+          </a:p>
+          <a:p>
+            <a:pPr lvl="1"/>
+            <a:r>
+              <a:rPr lang="en-US" sz="3200" dirty="0">
+                <a:solidFill>
+                  <a:srgbClr val="374151"/>
+                </a:solidFill>
+                <a:latin typeface="Söhne"/>
+              </a:rPr>
+              <a:t>Interpretability</a:t>
+            </a:r>
+          </a:p>
+          <a:p>
+            <a:pPr lvl="1"/>
+            <a:r>
+              <a:rPr lang="en-US" sz="3200" b="0" i="0" dirty="0">
+                <a:solidFill>
+                  <a:srgbClr val="374151"/>
+                </a:solidFill>
+                <a:effectLst/>
+                <a:latin typeface="Söhne"/>
+              </a:rPr>
+              <a:t>Computational requirement</a:t>
+            </a:r>
+          </a:p>
+        </p:txBody>
+      </p:sp>
+    </p:spTree>
+    <p:extLst>
+      <p:ext uri="{BB962C8B-B14F-4D97-AF65-F5344CB8AC3E}">
+        <p14:creationId xmlns:p14="http://schemas.microsoft.com/office/powerpoint/2010/main" val="557550615"/>
+      </p:ext>
+    </p:extLst>
+  </p:cSld>
+  <p:clrMapOvr>
+    <a:masterClrMapping/>
+  </p:clrMapOvr>
+</p:sld>
+</file>
+
+<file path=ppt/slides/slide13.xml><?xml version="1.0" encoding="utf-8"?>
+<p:sld xmlns:a="http://schemas.openxmlformats.org/drawingml/2006/main" xmlns:r="http://schemas.openxmlformats.org/officeDocument/2006/relationships" xmlns:p="http://schemas.openxmlformats.org/presentationml/2006/main">
+  <p:cSld>
+    <p:spTree>
+      <p:nvGrpSpPr>
+        <p:cNvPr id="1" name=""/>
+        <p:cNvGrpSpPr/>
+        <p:nvPr/>
+      </p:nvGrpSpPr>
+      <p:grpSpPr>
+        <a:xfrm>
+          <a:off x="0" y="0"/>
+          <a:ext cx="0" cy="0"/>
+          <a:chOff x="0" y="0"/>
+          <a:chExt cx="0" cy="0"/>
+        </a:xfrm>
+      </p:grpSpPr>
+      <p:sp>
+        <p:nvSpPr>
           <p:cNvPr id="3" name="Content Placeholder 2">
             <a:extLst>
               <a:ext uri="{FF2B5EF4-FFF2-40B4-BE49-F238E27FC236}">
@@ -12726,23 +13040,12 @@
         <p:spPr/>
         <p:txBody>
           <a:bodyPr>
-            <a:normAutofit/>
+            <a:noAutofit/>
           </a:bodyPr>
           <a:lstStyle/>
           <a:p>
             <a:r>
-              <a:rPr lang="en-SG" sz="1400" dirty="0">
-                <a:solidFill>
-                  <a:srgbClr val="444444"/>
-                </a:solidFill>
-                <a:latin typeface="BentonSansRegular"/>
-              </a:rPr>
-              <a:t>A Multivariate Time Series consist of more than one time-dependent variable and each variable depends not only on its past values but also has some dependency on other variables.</a:t>
-            </a:r>
-          </a:p>
-          <a:p>
-            <a:r>
-              <a:rPr lang="en-SG" sz="1400" dirty="0">
+              <a:rPr lang="en-SG" sz="2400" dirty="0">
                 <a:solidFill>
                   <a:srgbClr val="444444"/>
                 </a:solidFill>
@@ -12753,7 +13056,7 @@
           </a:p>
           <a:p>
             <a:r>
-              <a:rPr lang="en-SG" sz="1400" dirty="0">
+              <a:rPr lang="en-SG" sz="2400" dirty="0">
                 <a:solidFill>
                   <a:srgbClr val="444444"/>
                 </a:solidFill>
@@ -12762,7 +13065,7 @@
               <a:t>Yash P Mehra’s 1994 article: “Wage Growth and the Inflation Process: An Empirical Approach” Dataset link - </a:t>
             </a:r>
             <a:r>
-              <a:rPr lang="en-SG" sz="1400" dirty="0">
+              <a:rPr lang="en-SG" sz="2400" dirty="0">
                 <a:solidFill>
                   <a:srgbClr val="444444"/>
                 </a:solidFill>
@@ -12777,7 +13080,7 @@
               </a:rPr>
               <a:t>https://raw.githubusercontent.com/selva86/datasets/master/Raotbl6.csv</a:t>
             </a:r>
-            <a:endParaRPr lang="en-SG" sz="1400" dirty="0">
+            <a:endParaRPr lang="en-SG" sz="2400" dirty="0">
               <a:solidFill>
                 <a:srgbClr val="444444"/>
               </a:solidFill>
@@ -12787,246 +13090,49 @@
           <a:p>
             <a:pPr algn="l"/>
             <a:r>
-              <a:rPr lang="en-SG" sz="1400" b="0" i="0" dirty="0">
+              <a:rPr lang="en-SG" sz="2400" b="0" i="0" dirty="0">
                 <a:solidFill>
                   <a:srgbClr val="444444"/>
                 </a:solidFill>
                 <a:effectLst/>
                 <a:latin typeface="BentonSansRegular"/>
               </a:rPr>
-              <a:t>The dataset has 123 rows and 8 columns and the definition of columns are shown below.</a:t>
+              <a:t>The dataset has 123 rows and 8 columns.</a:t>
             </a:r>
+            <a:endParaRPr lang="en-US" sz="2400" dirty="0"/>
           </a:p>
+        </p:txBody>
+      </p:sp>
+      <p:sp>
+        <p:nvSpPr>
+          <p:cNvPr id="2" name="Title 1">
+            <a:extLst>
+              <a:ext uri="{FF2B5EF4-FFF2-40B4-BE49-F238E27FC236}">
+                <a16:creationId xmlns:a16="http://schemas.microsoft.com/office/drawing/2014/main" id="{38F0AA4E-3DAD-9CA4-69D4-3C4D3E83BA45}"/>
+              </a:ext>
+            </a:extLst>
+          </p:cNvPr>
+          <p:cNvSpPr>
+            <a:spLocks noGrp="1"/>
+          </p:cNvSpPr>
+          <p:nvPr>
+            <p:ph type="title"/>
+          </p:nvPr>
+        </p:nvSpPr>
+        <p:spPr>
+          <a:xfrm>
+            <a:off x="838200" y="365125"/>
+            <a:ext cx="10515600" cy="1325563"/>
+          </a:xfrm>
+        </p:spPr>
+        <p:txBody>
+          <a:bodyPr/>
+          <a:lstStyle/>
           <a:p>
-            <a:pPr lvl="1">
-              <a:buFont typeface="+mj-lt"/>
-              <a:buAutoNum type="arabicPeriod"/>
-            </a:pPr>
             <a:r>
-              <a:rPr lang="en-SG" sz="1400" b="0" i="0" dirty="0" err="1">
-                <a:solidFill>
-                  <a:srgbClr val="3C3C3C"/>
-                </a:solidFill>
-                <a:effectLst/>
-                <a:latin typeface="BentonSansRegular"/>
-              </a:rPr>
-              <a:t>rgnp</a:t>
+              <a:rPr lang="en-SG" dirty="0"/>
+              <a:t>VAR model</a:t>
             </a:r>
-            <a:r>
-              <a:rPr lang="en-SG" sz="1400" b="0" i="0" dirty="0">
-                <a:solidFill>
-                  <a:srgbClr val="3C3C3C"/>
-                </a:solidFill>
-                <a:effectLst/>
-                <a:latin typeface="BentonSansRegular"/>
-              </a:rPr>
-              <a:t> : Real GNP.</a:t>
-            </a:r>
-          </a:p>
-          <a:p>
-            <a:pPr lvl="1">
-              <a:buFont typeface="+mj-lt"/>
-              <a:buAutoNum type="arabicPeriod"/>
-            </a:pPr>
-            <a:r>
-              <a:rPr lang="en-SG" sz="1400" b="0" i="0" dirty="0" err="1">
-                <a:solidFill>
-                  <a:srgbClr val="3C3C3C"/>
-                </a:solidFill>
-                <a:effectLst/>
-                <a:latin typeface="BentonSansRegular"/>
-              </a:rPr>
-              <a:t>pgnp</a:t>
-            </a:r>
-            <a:r>
-              <a:rPr lang="en-SG" sz="1400" b="0" i="0" dirty="0">
-                <a:solidFill>
-                  <a:srgbClr val="3C3C3C"/>
-                </a:solidFill>
-                <a:effectLst/>
-                <a:latin typeface="BentonSansRegular"/>
-              </a:rPr>
-              <a:t> : Potential real GNP.</a:t>
-            </a:r>
-          </a:p>
-          <a:p>
-            <a:pPr lvl="1">
-              <a:buFont typeface="+mj-lt"/>
-              <a:buAutoNum type="arabicPeriod"/>
-            </a:pPr>
-            <a:r>
-              <a:rPr lang="en-SG" sz="1400" b="0" i="0" dirty="0" err="1">
-                <a:solidFill>
-                  <a:srgbClr val="3C3C3C"/>
-                </a:solidFill>
-                <a:effectLst/>
-                <a:latin typeface="BentonSansRegular"/>
-              </a:rPr>
-              <a:t>ulc</a:t>
-            </a:r>
-            <a:r>
-              <a:rPr lang="en-SG" sz="1400" b="0" i="0" dirty="0">
-                <a:solidFill>
-                  <a:srgbClr val="3C3C3C"/>
-                </a:solidFill>
-                <a:effectLst/>
-                <a:latin typeface="BentonSansRegular"/>
-              </a:rPr>
-              <a:t> : Unit </a:t>
-            </a:r>
-            <a:r>
-              <a:rPr lang="en-SG" sz="1400" b="0" i="0" dirty="0" err="1">
-                <a:solidFill>
-                  <a:srgbClr val="3C3C3C"/>
-                </a:solidFill>
-                <a:effectLst/>
-                <a:latin typeface="BentonSansRegular"/>
-              </a:rPr>
-              <a:t>labor</a:t>
-            </a:r>
-            <a:r>
-              <a:rPr lang="en-SG" sz="1400" b="0" i="0" dirty="0">
-                <a:solidFill>
-                  <a:srgbClr val="3C3C3C"/>
-                </a:solidFill>
-                <a:effectLst/>
-                <a:latin typeface="BentonSansRegular"/>
-              </a:rPr>
-              <a:t> cost.</a:t>
-            </a:r>
-          </a:p>
-          <a:p>
-            <a:pPr lvl="1">
-              <a:buFont typeface="+mj-lt"/>
-              <a:buAutoNum type="arabicPeriod"/>
-            </a:pPr>
-            <a:r>
-              <a:rPr lang="en-SG" sz="1400" b="0" i="0" dirty="0" err="1">
-                <a:solidFill>
-                  <a:srgbClr val="3C3C3C"/>
-                </a:solidFill>
-                <a:effectLst/>
-                <a:latin typeface="BentonSansRegular"/>
-              </a:rPr>
-              <a:t>gdfco</a:t>
-            </a:r>
-            <a:r>
-              <a:rPr lang="en-SG" sz="1400" b="0" i="0" dirty="0">
-                <a:solidFill>
-                  <a:srgbClr val="3C3C3C"/>
-                </a:solidFill>
-                <a:effectLst/>
-                <a:latin typeface="BentonSansRegular"/>
-              </a:rPr>
-              <a:t> : Fixed weight deflator for personal consumption expenditure excluding food and energy.</a:t>
-            </a:r>
-          </a:p>
-          <a:p>
-            <a:pPr lvl="1">
-              <a:buFont typeface="+mj-lt"/>
-              <a:buAutoNum type="arabicPeriod"/>
-            </a:pPr>
-            <a:r>
-              <a:rPr lang="en-SG" sz="1400" b="0" i="0" dirty="0" err="1">
-                <a:solidFill>
-                  <a:srgbClr val="3C3C3C"/>
-                </a:solidFill>
-                <a:effectLst/>
-                <a:latin typeface="BentonSansRegular"/>
-              </a:rPr>
-              <a:t>gdf</a:t>
-            </a:r>
-            <a:r>
-              <a:rPr lang="en-SG" sz="1400" b="0" i="0" dirty="0">
-                <a:solidFill>
-                  <a:srgbClr val="3C3C3C"/>
-                </a:solidFill>
-                <a:effectLst/>
-                <a:latin typeface="BentonSansRegular"/>
-              </a:rPr>
-              <a:t> : Fixed weight GNP deflator.</a:t>
-            </a:r>
-          </a:p>
-          <a:p>
-            <a:pPr lvl="1">
-              <a:buFont typeface="+mj-lt"/>
-              <a:buAutoNum type="arabicPeriod"/>
-            </a:pPr>
-            <a:r>
-              <a:rPr lang="en-SG" sz="1400" b="0" i="0" dirty="0" err="1">
-                <a:solidFill>
-                  <a:srgbClr val="3C3C3C"/>
-                </a:solidFill>
-                <a:effectLst/>
-                <a:latin typeface="BentonSansRegular"/>
-              </a:rPr>
-              <a:t>gdfim</a:t>
-            </a:r>
-            <a:r>
-              <a:rPr lang="en-SG" sz="1400" b="0" i="0" dirty="0">
-                <a:solidFill>
-                  <a:srgbClr val="3C3C3C"/>
-                </a:solidFill>
-                <a:effectLst/>
-                <a:latin typeface="BentonSansRegular"/>
-              </a:rPr>
-              <a:t> : Fixed weight import deflator.</a:t>
-            </a:r>
-          </a:p>
-          <a:p>
-            <a:pPr lvl="1">
-              <a:buFont typeface="+mj-lt"/>
-              <a:buAutoNum type="arabicPeriod"/>
-            </a:pPr>
-            <a:r>
-              <a:rPr lang="en-SG" sz="1400" b="0" i="0" dirty="0" err="1">
-                <a:solidFill>
-                  <a:srgbClr val="3C3C3C"/>
-                </a:solidFill>
-                <a:effectLst/>
-                <a:latin typeface="BentonSansRegular"/>
-              </a:rPr>
-              <a:t>gdfcf</a:t>
-            </a:r>
-            <a:r>
-              <a:rPr lang="en-SG" sz="1400" b="0" i="0" dirty="0">
-                <a:solidFill>
-                  <a:srgbClr val="3C3C3C"/>
-                </a:solidFill>
-                <a:effectLst/>
-                <a:latin typeface="BentonSansRegular"/>
-              </a:rPr>
-              <a:t> : Fixed weight deflator for food in personal consumption expenditure.</a:t>
-            </a:r>
-          </a:p>
-          <a:p>
-            <a:pPr lvl="1">
-              <a:buFont typeface="+mj-lt"/>
-              <a:buAutoNum type="arabicPeriod"/>
-            </a:pPr>
-            <a:r>
-              <a:rPr lang="en-SG" sz="1400" b="0" i="0" dirty="0" err="1">
-                <a:solidFill>
-                  <a:srgbClr val="3C3C3C"/>
-                </a:solidFill>
-                <a:effectLst/>
-                <a:latin typeface="BentonSansRegular"/>
-              </a:rPr>
-              <a:t>gdfce</a:t>
-            </a:r>
-            <a:r>
-              <a:rPr lang="en-SG" sz="1400" b="0" i="0" dirty="0">
-                <a:solidFill>
-                  <a:srgbClr val="3C3C3C"/>
-                </a:solidFill>
-                <a:effectLst/>
-                <a:latin typeface="BentonSansRegular"/>
-              </a:rPr>
-              <a:t> : Fixed weight deflator for energy in personal consumption expenditure.</a:t>
-            </a:r>
-          </a:p>
-          <a:p>
-            <a:endParaRPr lang="en-US" sz="1400" dirty="0"/>
           </a:p>
         </p:txBody>
       </p:sp>
@@ -13043,7 +13149,7 @@
 </p:sld>
 </file>
 
-<file path=ppt/slides/slide13.xml><?xml version="1.0" encoding="utf-8"?>
+<file path=ppt/slides/slide14.xml><?xml version="1.0" encoding="utf-8"?>
 <p:sld xmlns:a="http://schemas.openxmlformats.org/drawingml/2006/main" xmlns:r="http://schemas.openxmlformats.org/officeDocument/2006/relationships" xmlns:p="http://schemas.openxmlformats.org/presentationml/2006/main">
   <p:cSld>
     <p:bg>
@@ -13425,7 +13531,7 @@
         </p:spPr>
         <p:txBody>
           <a:bodyPr anchor="t">
-            <a:normAutofit/>
+            <a:noAutofit/>
           </a:bodyPr>
           <a:lstStyle/>
           <a:p>
@@ -13433,7 +13539,7 @@
               <a:buNone/>
             </a:pPr>
             <a:r>
-              <a:rPr lang="en-SG" sz="1600" b="0" i="0" dirty="0">
+              <a:rPr lang="en-SG" b="0" i="0" dirty="0">
                 <a:solidFill>
                   <a:srgbClr val="444444"/>
                 </a:solidFill>
@@ -13442,7 +13548,7 @@
               </a:rPr>
               <a:t>Visualize the data in the figure below and through our observation, all 8 variables has no obvious seasonality and each curve slopes upward.</a:t>
             </a:r>
-            <a:endParaRPr lang="en-US" sz="2200" dirty="0"/>
+            <a:endParaRPr lang="en-US" dirty="0"/>
           </a:p>
         </p:txBody>
       </p:sp>
@@ -13474,8 +13580,8 @@
         </p:blipFill>
         <p:spPr bwMode="auto">
           <a:xfrm>
-            <a:off x="4256314" y="640080"/>
-            <a:ext cx="6645751" cy="5577840"/>
+            <a:off x="3646714" y="147484"/>
+            <a:ext cx="8191325" cy="6070436"/>
           </a:xfrm>
           <a:prstGeom prst="rect">
             <a:avLst/>
@@ -13496,211 +13602,6 @@
     <p:extLst>
       <p:ext uri="{BB962C8B-B14F-4D97-AF65-F5344CB8AC3E}">
         <p14:creationId xmlns:p14="http://schemas.microsoft.com/office/powerpoint/2010/main" val="1540545026"/>
-      </p:ext>
-    </p:extLst>
-  </p:cSld>
-  <p:clrMapOvr>
-    <a:masterClrMapping/>
-  </p:clrMapOvr>
-</p:sld>
-</file>
-
-<file path=ppt/slides/slide14.xml><?xml version="1.0" encoding="utf-8"?>
-<p:sld xmlns:a="http://schemas.openxmlformats.org/drawingml/2006/main" xmlns:r="http://schemas.openxmlformats.org/officeDocument/2006/relationships" xmlns:p="http://schemas.openxmlformats.org/presentationml/2006/main">
-  <p:cSld>
-    <p:bg>
-      <p:bgPr>
-        <a:solidFill>
-          <a:schemeClr val="bg1"/>
-        </a:solidFill>
-        <a:effectLst/>
-      </p:bgPr>
-    </p:bg>
-    <p:spTree>
-      <p:nvGrpSpPr>
-        <p:cNvPr id="1" name=""/>
-        <p:cNvGrpSpPr/>
-        <p:nvPr/>
-      </p:nvGrpSpPr>
-      <p:grpSpPr>
-        <a:xfrm>
-          <a:off x="0" y="0"/>
-          <a:ext cx="0" cy="0"/>
-          <a:chOff x="0" y="0"/>
-          <a:chExt cx="0" cy="0"/>
-        </a:xfrm>
-      </p:grpSpPr>
-      <p:sp>
-        <p:nvSpPr>
-          <p:cNvPr id="2055" name="Down Arrow 7">
-            <a:extLst>
-              <a:ext uri="{FF2B5EF4-FFF2-40B4-BE49-F238E27FC236}">
-                <a16:creationId xmlns:a16="http://schemas.microsoft.com/office/drawing/2014/main" id="{D4771268-CB57-404A-9271-370EB28F6090}"/>
-              </a:ext>
-              <a:ext uri="{C183D7F6-B498-43B3-948B-1728B52AA6E4}">
-                <adec:decorative xmlns:adec="http://schemas.microsoft.com/office/drawing/2017/decorative" val="1"/>
-              </a:ext>
-            </a:extLst>
-          </p:cNvPr>
-          <p:cNvSpPr>
-            <a:spLocks noGrp="1" noRot="1" noChangeAspect="1" noMove="1" noResize="1" noEditPoints="1" noAdjustHandles="1" noChangeArrowheads="1" noChangeShapeType="1" noTextEdit="1"/>
-          </p:cNvSpPr>
-          <p:nvPr>
-            <p:extLst>
-              <p:ext uri="{386F3935-93C4-4BCD-93E2-E3B085C9AB24}">
-                <p16:designElem xmlns:p16="http://schemas.microsoft.com/office/powerpoint/2015/main" val="1"/>
-              </p:ext>
-            </p:extLst>
-          </p:nvPr>
-        </p:nvSpPr>
-        <p:spPr>
-          <a:xfrm rot="16200000">
-            <a:off x="800100" y="1491343"/>
-            <a:ext cx="3333749" cy="3499103"/>
-          </a:xfrm>
-          <a:prstGeom prst="downArrow">
-            <a:avLst>
-              <a:gd name="adj1" fmla="val 100000"/>
-              <a:gd name="adj2" fmla="val 15788"/>
-            </a:avLst>
-          </a:prstGeom>
-          <a:solidFill>
-            <a:srgbClr val="404040"/>
-          </a:solidFill>
-          <a:ln w="53975">
-            <a:noFill/>
-          </a:ln>
-        </p:spPr>
-        <p:style>
-          <a:lnRef idx="2">
-            <a:schemeClr val="accent1">
-              <a:shade val="50000"/>
-            </a:schemeClr>
-          </a:lnRef>
-          <a:fillRef idx="1">
-            <a:schemeClr val="accent1"/>
-          </a:fillRef>
-          <a:effectRef idx="0">
-            <a:schemeClr val="accent1"/>
-          </a:effectRef>
-          <a:fontRef idx="minor">
-            <a:schemeClr val="lt1"/>
-          </a:fontRef>
-        </p:style>
-        <p:txBody>
-          <a:bodyPr rtlCol="0" anchor="ctr"/>
-          <a:lstStyle/>
-          <a:p>
-            <a:pPr algn="ctr"/>
-            <a:endParaRPr lang="en-US"/>
-          </a:p>
-        </p:txBody>
-      </p:sp>
-      <p:sp>
-        <p:nvSpPr>
-          <p:cNvPr id="2" name="Title 1">
-            <a:extLst>
-              <a:ext uri="{FF2B5EF4-FFF2-40B4-BE49-F238E27FC236}">
-                <a16:creationId xmlns:a16="http://schemas.microsoft.com/office/drawing/2014/main" id="{1B8B7B75-307D-8071-3773-6AFAA5177659}"/>
-              </a:ext>
-            </a:extLst>
-          </p:cNvPr>
-          <p:cNvSpPr>
-            <a:spLocks noGrp="1"/>
-          </p:cNvSpPr>
-          <p:nvPr>
-            <p:ph type="title"/>
-          </p:nvPr>
-        </p:nvSpPr>
-        <p:spPr>
-          <a:xfrm>
-            <a:off x="1028700" y="1967266"/>
-            <a:ext cx="2628900" cy="2547257"/>
-          </a:xfrm>
-          <a:noFill/>
-        </p:spPr>
-        <p:txBody>
-          <a:bodyPr vert="horz" lIns="91440" tIns="45720" rIns="91440" bIns="45720" rtlCol="0" anchor="ctr">
-            <a:normAutofit/>
-          </a:bodyPr>
-          <a:lstStyle/>
-          <a:p>
-            <a:pPr algn="ctr"/>
-            <a:r>
-              <a:rPr lang="en-US" sz="3600" b="0" i="0" kern="1200">
-                <a:solidFill>
-                  <a:srgbClr val="FFFFFF"/>
-                </a:solidFill>
-                <a:effectLst/>
-                <a:latin typeface="+mj-lt"/>
-                <a:ea typeface="+mj-ea"/>
-                <a:cs typeface="+mj-cs"/>
-              </a:rPr>
-              <a:t>Data Splitting</a:t>
-            </a:r>
-            <a:endParaRPr lang="en-US" sz="3600" kern="1200">
-              <a:solidFill>
-                <a:srgbClr val="FFFFFF"/>
-              </a:solidFill>
-              <a:latin typeface="+mj-lt"/>
-              <a:ea typeface="+mj-ea"/>
-              <a:cs typeface="+mj-cs"/>
-            </a:endParaRPr>
-          </a:p>
-        </p:txBody>
-      </p:sp>
-      <p:pic>
-        <p:nvPicPr>
-          <p:cNvPr id="2050" name="Picture 2">
-            <a:extLst>
-              <a:ext uri="{FF2B5EF4-FFF2-40B4-BE49-F238E27FC236}">
-                <a16:creationId xmlns:a16="http://schemas.microsoft.com/office/drawing/2014/main" id="{7FBD957E-5BC2-42FB-9FA2-27BE558B3D38}"/>
-              </a:ext>
-            </a:extLst>
-          </p:cNvPr>
-          <p:cNvPicPr>
-            <a:picLocks noGrp="1" noChangeAspect="1" noChangeArrowheads="1"/>
-          </p:cNvPicPr>
-          <p:nvPr>
-            <p:ph idx="1"/>
-          </p:nvPr>
-        </p:nvPicPr>
-        <p:blipFill>
-          <a:blip r:embed="rId2">
-            <a:extLst>
-              <a:ext uri="{28A0092B-C50C-407E-A947-70E740481C1C}">
-                <a14:useLocalDpi xmlns:a14="http://schemas.microsoft.com/office/drawing/2010/main" val="0"/>
-              </a:ext>
-            </a:extLst>
-          </a:blip>
-          <a:stretch>
-            <a:fillRect/>
-          </a:stretch>
-        </p:blipFill>
-        <p:spPr bwMode="auto">
-          <a:xfrm>
-            <a:off x="4777316" y="2069622"/>
-            <a:ext cx="6780700" cy="2716427"/>
-          </a:xfrm>
-          <a:prstGeom prst="rect">
-            <a:avLst/>
-          </a:prstGeom>
-          <a:noFill/>
-          <a:extLst>
-            <a:ext uri="{909E8E84-426E-40DD-AFC4-6F175D3DCCD1}">
-              <a14:hiddenFill xmlns:a14="http://schemas.microsoft.com/office/drawing/2010/main">
-                <a:solidFill>
-                  <a:srgbClr val="FFFFFF"/>
-                </a:solidFill>
-              </a14:hiddenFill>
-            </a:ext>
-          </a:extLst>
-        </p:spPr>
-      </p:pic>
-    </p:spTree>
-    <p:extLst>
-      <p:ext uri="{BB962C8B-B14F-4D97-AF65-F5344CB8AC3E}">
-        <p14:creationId xmlns:p14="http://schemas.microsoft.com/office/powerpoint/2010/main" val="2890111085"/>
       </p:ext>
     </p:extLst>
   </p:cSld>
@@ -14520,13 +14421,13 @@
           <a:lstStyle/>
           <a:p>
             <a:r>
-              <a:rPr lang="en-SG" sz="5400" b="0" i="0">
+              <a:rPr lang="en-SG" sz="5400" b="0" i="0" dirty="0">
                 <a:effectLst/>
                 <a:latin typeface="BentonSansRegular"/>
               </a:rPr>
               <a:t>Stationary Test</a:t>
             </a:r>
-            <a:endParaRPr lang="en-US" sz="5400"/>
+            <a:endParaRPr lang="en-US" sz="5400" dirty="0"/>
           </a:p>
         </p:txBody>
       </p:sp>
@@ -14803,79 +14704,6 @@
           </a:p>
         </p:txBody>
       </p:sp>
-      <p:sp>
-        <p:nvSpPr>
-          <p:cNvPr id="3" name="Content Placeholder 2">
-            <a:extLst>
-              <a:ext uri="{FF2B5EF4-FFF2-40B4-BE49-F238E27FC236}">
-                <a16:creationId xmlns:a16="http://schemas.microsoft.com/office/drawing/2014/main" id="{DC275F5C-3D01-CE9D-3BEE-C4D2D4D51078}"/>
-              </a:ext>
-            </a:extLst>
-          </p:cNvPr>
-          <p:cNvSpPr>
-            <a:spLocks noGrp="1"/>
-          </p:cNvSpPr>
-          <p:nvPr>
-            <p:ph idx="1"/>
-          </p:nvPr>
-        </p:nvSpPr>
-        <p:spPr>
-          <a:xfrm>
-            <a:off x="630936" y="2807208"/>
-            <a:ext cx="3429000" cy="3410712"/>
-          </a:xfrm>
-        </p:spPr>
-        <p:txBody>
-          <a:bodyPr anchor="t">
-            <a:normAutofit/>
-          </a:bodyPr>
-          <a:lstStyle/>
-          <a:p>
-            <a:pPr marL="0" indent="0">
-              <a:buNone/>
-            </a:pPr>
-            <a:r>
-              <a:rPr lang="en-SG" sz="1900" b="0" i="0" dirty="0">
-                <a:effectLst/>
-                <a:latin typeface="BentonSansRegular"/>
-              </a:rPr>
-              <a:t>As </a:t>
-            </a:r>
-            <a:r>
-              <a:rPr lang="en-SG" sz="1900" b="0" i="0" dirty="0" err="1">
-                <a:effectLst/>
-                <a:latin typeface="BentonSansRegular"/>
-              </a:rPr>
-              <a:t>VectorARIMA</a:t>
-            </a:r>
-            <a:r>
-              <a:rPr lang="en-SG" sz="1900" b="0" i="0" dirty="0">
-                <a:effectLst/>
-                <a:latin typeface="BentonSansRegular"/>
-              </a:rPr>
-              <a:t> requires time series to be stationary, we will use Augmented Dickey-Fuller Test (ADF Test) to check the stationary of each variable in the dataset. </a:t>
-            </a:r>
-          </a:p>
-          <a:p>
-            <a:pPr marL="0" indent="0">
-              <a:buNone/>
-            </a:pPr>
-            <a:r>
-              <a:rPr lang="en-SG" sz="1900" b="0" i="0" dirty="0">
-                <a:effectLst/>
-                <a:latin typeface="BentonSansRegular"/>
-              </a:rPr>
-              <a:t>If the stationarity is not achieved, we need to make the data stationary, such as eliminating the trend and seasonality by differencing and seasonal decomposition.</a:t>
-            </a:r>
-          </a:p>
-          <a:p>
-            <a:pPr marL="0" indent="0">
-              <a:buNone/>
-            </a:pPr>
-            <a:endParaRPr lang="en-US" sz="1900" dirty="0"/>
-          </a:p>
-        </p:txBody>
-      </p:sp>
       <p:pic>
         <p:nvPicPr>
           <p:cNvPr id="5122" name="Picture 2">
@@ -14904,8 +14732,8 @@
         </p:blipFill>
         <p:spPr bwMode="auto">
           <a:xfrm>
-            <a:off x="4654296" y="1954262"/>
-            <a:ext cx="6903720" cy="2949476"/>
+            <a:off x="3716594" y="1954262"/>
+            <a:ext cx="7841422" cy="4264218"/>
           </a:xfrm>
           <a:prstGeom prst="rect">
             <a:avLst/>
@@ -14938,982 +14766,6 @@
 <file path=ppt/slides/slide18.xml><?xml version="1.0" encoding="utf-8"?>
 <p:sld xmlns:a="http://schemas.openxmlformats.org/drawingml/2006/main" xmlns:r="http://schemas.openxmlformats.org/officeDocument/2006/relationships" xmlns:p="http://schemas.openxmlformats.org/presentationml/2006/main">
   <p:cSld>
-    <p:spTree>
-      <p:nvGrpSpPr>
-        <p:cNvPr id="1" name=""/>
-        <p:cNvGrpSpPr/>
-        <p:nvPr/>
-      </p:nvGrpSpPr>
-      <p:grpSpPr>
-        <a:xfrm>
-          <a:off x="0" y="0"/>
-          <a:ext cx="0" cy="0"/>
-          <a:chOff x="0" y="0"/>
-          <a:chExt cx="0" cy="0"/>
-        </a:xfrm>
-      </p:grpSpPr>
-      <p:pic>
-        <p:nvPicPr>
-          <p:cNvPr id="6146" name="Picture 2">
-            <a:extLst>
-              <a:ext uri="{FF2B5EF4-FFF2-40B4-BE49-F238E27FC236}">
-                <a16:creationId xmlns:a16="http://schemas.microsoft.com/office/drawing/2014/main" id="{7C825754-5B81-0481-C72F-A4ACA15EC805}"/>
-              </a:ext>
-            </a:extLst>
-          </p:cNvPr>
-          <p:cNvPicPr>
-            <a:picLocks noChangeAspect="1" noChangeArrowheads="1"/>
-          </p:cNvPicPr>
-          <p:nvPr/>
-        </p:nvPicPr>
-        <p:blipFill>
-          <a:blip r:embed="rId2">
-            <a:extLst>
-              <a:ext uri="{28A0092B-C50C-407E-A947-70E740481C1C}">
-                <a14:useLocalDpi xmlns:a14="http://schemas.microsoft.com/office/drawing/2010/main" val="0"/>
-              </a:ext>
-            </a:extLst>
-          </a:blip>
-          <a:srcRect/>
-          <a:stretch>
-            <a:fillRect/>
-          </a:stretch>
-        </p:blipFill>
-        <p:spPr bwMode="auto">
-          <a:xfrm>
-            <a:off x="4442045" y="1479821"/>
-            <a:ext cx="5309067" cy="2222500"/>
-          </a:xfrm>
-          <a:prstGeom prst="rect">
-            <a:avLst/>
-          </a:prstGeom>
-          <a:noFill/>
-          <a:extLst>
-            <a:ext uri="{909E8E84-426E-40DD-AFC4-6F175D3DCCD1}">
-              <a14:hiddenFill xmlns:a14="http://schemas.microsoft.com/office/drawing/2010/main">
-                <a:solidFill>
-                  <a:srgbClr val="FFFFFF"/>
-                </a:solidFill>
-              </a14:hiddenFill>
-            </a:ext>
-          </a:extLst>
-        </p:spPr>
-      </p:pic>
-      <p:sp>
-        <p:nvSpPr>
-          <p:cNvPr id="5" name="TextBox 4">
-            <a:extLst>
-              <a:ext uri="{FF2B5EF4-FFF2-40B4-BE49-F238E27FC236}">
-                <a16:creationId xmlns:a16="http://schemas.microsoft.com/office/drawing/2014/main" id="{4E9F4BA7-B5C0-7410-9C35-8BF173ABBD09}"/>
-              </a:ext>
-            </a:extLst>
-          </p:cNvPr>
-          <p:cNvSpPr txBox="1"/>
-          <p:nvPr/>
-        </p:nvSpPr>
-        <p:spPr>
-          <a:xfrm>
-            <a:off x="1640005" y="333263"/>
-            <a:ext cx="5984068" cy="923330"/>
-          </a:xfrm>
-          <a:prstGeom prst="rect">
-            <a:avLst/>
-          </a:prstGeom>
-          <a:noFill/>
-        </p:spPr>
-        <p:txBody>
-          <a:bodyPr wrap="square">
-            <a:spAutoFit/>
-          </a:bodyPr>
-          <a:lstStyle/>
-          <a:p>
-            <a:r>
-              <a:rPr lang="en-SG" b="0" i="0" dirty="0">
-                <a:solidFill>
-                  <a:srgbClr val="444444"/>
-                </a:solidFill>
-                <a:effectLst/>
-                <a:latin typeface="BentonSansRegular"/>
-              </a:rPr>
-              <a:t>From the results above, we could see none of these variables is stationary. Let us use the differencing method to make them stationary.</a:t>
-            </a:r>
-            <a:endParaRPr lang="en-US" dirty="0"/>
-          </a:p>
-        </p:txBody>
-      </p:sp>
-      <p:pic>
-        <p:nvPicPr>
-          <p:cNvPr id="7" name="Picture 4">
-            <a:extLst>
-              <a:ext uri="{FF2B5EF4-FFF2-40B4-BE49-F238E27FC236}">
-                <a16:creationId xmlns:a16="http://schemas.microsoft.com/office/drawing/2014/main" id="{38D2226C-DFDD-BD1C-68C6-56755C4E31E5}"/>
-              </a:ext>
-            </a:extLst>
-          </p:cNvPr>
-          <p:cNvPicPr>
-            <a:picLocks noGrp="1" noChangeAspect="1" noChangeArrowheads="1"/>
-          </p:cNvPicPr>
-          <p:nvPr>
-            <p:ph idx="1"/>
-          </p:nvPr>
-        </p:nvPicPr>
-        <p:blipFill>
-          <a:blip r:embed="rId3">
-            <a:extLst>
-              <a:ext uri="{28A0092B-C50C-407E-A947-70E740481C1C}">
-                <a14:useLocalDpi xmlns:a14="http://schemas.microsoft.com/office/drawing/2010/main" val="0"/>
-              </a:ext>
-            </a:extLst>
-          </a:blip>
-          <a:srcRect/>
-          <a:stretch>
-            <a:fillRect/>
-          </a:stretch>
-        </p:blipFill>
-        <p:spPr bwMode="auto">
-          <a:xfrm>
-            <a:off x="3527879" y="4753429"/>
-            <a:ext cx="3568700" cy="1625600"/>
-          </a:xfrm>
-          <a:prstGeom prst="rect">
-            <a:avLst/>
-          </a:prstGeom>
-          <a:noFill/>
-          <a:extLst>
-            <a:ext uri="{909E8E84-426E-40DD-AFC4-6F175D3DCCD1}">
-              <a14:hiddenFill xmlns:a14="http://schemas.microsoft.com/office/drawing/2010/main">
-                <a:solidFill>
-                  <a:srgbClr val="FFFFFF"/>
-                </a:solidFill>
-              </a14:hiddenFill>
-            </a:ext>
-          </a:extLst>
-        </p:spPr>
-      </p:pic>
-      <p:sp>
-        <p:nvSpPr>
-          <p:cNvPr id="8" name="TextBox 7">
-            <a:extLst>
-              <a:ext uri="{FF2B5EF4-FFF2-40B4-BE49-F238E27FC236}">
-                <a16:creationId xmlns:a16="http://schemas.microsoft.com/office/drawing/2014/main" id="{492FD5E4-52CE-3616-3521-A31CF38935C6}"/>
-              </a:ext>
-            </a:extLst>
-          </p:cNvPr>
-          <p:cNvSpPr txBox="1"/>
-          <p:nvPr/>
-        </p:nvSpPr>
-        <p:spPr>
-          <a:xfrm>
-            <a:off x="729344" y="4043209"/>
-            <a:ext cx="3355662" cy="369332"/>
-          </a:xfrm>
-          <a:prstGeom prst="rect">
-            <a:avLst/>
-          </a:prstGeom>
-          <a:noFill/>
-        </p:spPr>
-        <p:txBody>
-          <a:bodyPr wrap="none" rtlCol="0">
-            <a:spAutoFit/>
-          </a:bodyPr>
-          <a:lstStyle/>
-          <a:p>
-            <a:r>
-              <a:rPr lang="en-SG" b="0" i="0" dirty="0">
-                <a:solidFill>
-                  <a:srgbClr val="444444"/>
-                </a:solidFill>
-                <a:effectLst/>
-                <a:latin typeface="BentonSansRegular"/>
-              </a:rPr>
-              <a:t>Let us do the second differencing:</a:t>
-            </a:r>
-            <a:endParaRPr lang="en-US" dirty="0"/>
-          </a:p>
-        </p:txBody>
-      </p:sp>
-    </p:spTree>
-    <p:extLst>
-      <p:ext uri="{BB962C8B-B14F-4D97-AF65-F5344CB8AC3E}">
-        <p14:creationId xmlns:p14="http://schemas.microsoft.com/office/powerpoint/2010/main" val="3810891464"/>
-      </p:ext>
-    </p:extLst>
-  </p:cSld>
-  <p:clrMapOvr>
-    <a:masterClrMapping/>
-  </p:clrMapOvr>
-</p:sld>
-</file>
-
-<file path=ppt/slides/slide19.xml><?xml version="1.0" encoding="utf-8"?>
-<p:sld xmlns:a="http://schemas.openxmlformats.org/drawingml/2006/main" xmlns:r="http://schemas.openxmlformats.org/officeDocument/2006/relationships" xmlns:p="http://schemas.openxmlformats.org/presentationml/2006/main">
-  <p:cSld>
-    <p:spTree>
-      <p:nvGrpSpPr>
-        <p:cNvPr id="1" name=""/>
-        <p:cNvGrpSpPr/>
-        <p:nvPr/>
-      </p:nvGrpSpPr>
-      <p:grpSpPr>
-        <a:xfrm>
-          <a:off x="0" y="0"/>
-          <a:ext cx="0" cy="0"/>
-          <a:chOff x="0" y="0"/>
-          <a:chExt cx="0" cy="0"/>
-        </a:xfrm>
-      </p:grpSpPr>
-      <p:sp>
-        <p:nvSpPr>
-          <p:cNvPr id="5" name="Title 1">
-            <a:extLst>
-              <a:ext uri="{FF2B5EF4-FFF2-40B4-BE49-F238E27FC236}">
-                <a16:creationId xmlns:a16="http://schemas.microsoft.com/office/drawing/2014/main" id="{03D11FDA-3C92-47E9-A503-B68028FFFE0C}"/>
-              </a:ext>
-            </a:extLst>
-          </p:cNvPr>
-          <p:cNvSpPr>
-            <a:spLocks noGrp="1"/>
-          </p:cNvSpPr>
-          <p:nvPr>
-            <p:ph idx="1"/>
-          </p:nvPr>
-        </p:nvSpPr>
-        <p:spPr>
-          <a:xfrm>
-            <a:off x="424543" y="1469571"/>
-            <a:ext cx="10929257" cy="4707391"/>
-          </a:xfrm>
-        </p:spPr>
-        <p:txBody>
-          <a:bodyPr>
-            <a:normAutofit/>
-          </a:bodyPr>
-          <a:lstStyle/>
-          <a:p>
-            <a:pPr marL="514350" indent="-514350" algn="l">
-              <a:buFont typeface="+mj-lt"/>
-              <a:buAutoNum type="arabicPeriod"/>
-            </a:pPr>
-            <a:r>
-              <a:rPr lang="en-SG" sz="1400" b="0" i="0" dirty="0">
-                <a:effectLst/>
-                <a:latin typeface="Söhne"/>
-              </a:rPr>
-              <a:t>D: order of seasonal differencing. </a:t>
-            </a:r>
-          </a:p>
-          <a:p>
-            <a:pPr marL="514350" indent="-514350" algn="l">
-              <a:buFont typeface="+mj-lt"/>
-              <a:buAutoNum type="arabicPeriod"/>
-            </a:pPr>
-            <a:r>
-              <a:rPr lang="en-SG" sz="1400" b="0" i="0" dirty="0">
-                <a:effectLst/>
-                <a:latin typeface="Söhne"/>
-              </a:rPr>
-              <a:t>P: order of the seasonal autoregressive component. </a:t>
-            </a:r>
-          </a:p>
-          <a:p>
-            <a:pPr marL="514350" indent="-514350" algn="l">
-              <a:buFont typeface="+mj-lt"/>
-              <a:buAutoNum type="arabicPeriod"/>
-            </a:pPr>
-            <a:r>
-              <a:rPr lang="en-SG" sz="1400" b="0" i="0" dirty="0">
-                <a:effectLst/>
-                <a:latin typeface="Söhne"/>
-              </a:rPr>
-              <a:t>Q: order of the seasonal moving average component. </a:t>
-            </a:r>
-          </a:p>
-          <a:p>
-            <a:pPr marL="514350" indent="-514350" algn="l">
-              <a:buFont typeface="+mj-lt"/>
-              <a:buAutoNum type="arabicPeriod"/>
-            </a:pPr>
-            <a:r>
-              <a:rPr lang="en-SG" sz="1400" b="0" i="0" dirty="0">
-                <a:effectLst/>
-                <a:latin typeface="Söhne"/>
-              </a:rPr>
-              <a:t>c: number of exogenous variables (variables that are not part of the time series but can influence it). </a:t>
-            </a:r>
-          </a:p>
-          <a:p>
-            <a:pPr marL="514350" indent="-514350" algn="l">
-              <a:buFont typeface="+mj-lt"/>
-              <a:buAutoNum type="arabicPeriod"/>
-            </a:pPr>
-            <a:r>
-              <a:rPr lang="en-SG" sz="1400" b="0" i="0" dirty="0">
-                <a:effectLst/>
-                <a:latin typeface="Söhne"/>
-              </a:rPr>
-              <a:t>d: order of differencing applied to the time series. </a:t>
-            </a:r>
-          </a:p>
-          <a:p>
-            <a:pPr marL="514350" indent="-514350" algn="l">
-              <a:buFont typeface="+mj-lt"/>
-              <a:buAutoNum type="arabicPeriod"/>
-            </a:pPr>
-            <a:r>
-              <a:rPr lang="en-SG" sz="1400" b="0" i="0" dirty="0">
-                <a:effectLst/>
-                <a:latin typeface="Söhne"/>
-              </a:rPr>
-              <a:t>k: number of states used in the state space representation of the model. </a:t>
-            </a:r>
-          </a:p>
-          <a:p>
-            <a:pPr marL="514350" indent="-514350" algn="l">
-              <a:buFont typeface="+mj-lt"/>
-              <a:buAutoNum type="arabicPeriod"/>
-            </a:pPr>
-            <a:r>
-              <a:rPr lang="en-SG" sz="1400" b="0" i="0" dirty="0" err="1">
-                <a:effectLst/>
-                <a:latin typeface="Söhne"/>
-              </a:rPr>
-              <a:t>nT</a:t>
-            </a:r>
-            <a:r>
-              <a:rPr lang="en-SG" sz="1400" b="0" i="0" dirty="0">
-                <a:effectLst/>
-                <a:latin typeface="Söhne"/>
-              </a:rPr>
-              <a:t>: total number of observations in the time series. </a:t>
-            </a:r>
-          </a:p>
-          <a:p>
-            <a:pPr marL="514350" indent="-514350" algn="l">
-              <a:buFont typeface="+mj-lt"/>
-              <a:buAutoNum type="arabicPeriod"/>
-            </a:pPr>
-            <a:r>
-              <a:rPr lang="en-SG" sz="1400" b="0" i="0" dirty="0">
-                <a:effectLst/>
-                <a:latin typeface="Söhne"/>
-              </a:rPr>
-              <a:t>p: order of the autoregressive component. </a:t>
-            </a:r>
-          </a:p>
-          <a:p>
-            <a:pPr marL="514350" indent="-514350" algn="l">
-              <a:buFont typeface="+mj-lt"/>
-              <a:buAutoNum type="arabicPeriod"/>
-            </a:pPr>
-            <a:r>
-              <a:rPr lang="en-SG" sz="1400" b="0" i="0" dirty="0">
-                <a:effectLst/>
-                <a:latin typeface="Söhne"/>
-              </a:rPr>
-              <a:t>q: order of the moving average component. </a:t>
-            </a:r>
-          </a:p>
-          <a:p>
-            <a:pPr marL="514350" indent="-514350" algn="l">
-              <a:buFont typeface="+mj-lt"/>
-              <a:buAutoNum type="arabicPeriod"/>
-            </a:pPr>
-            <a:r>
-              <a:rPr lang="en-SG" sz="1400" b="0" i="0" dirty="0">
-                <a:effectLst/>
-                <a:latin typeface="Söhne"/>
-              </a:rPr>
-              <a:t>s: seasonal period of the data. </a:t>
-            </a:r>
-          </a:p>
-          <a:p>
-            <a:endParaRPr lang="en-US" sz="1400" dirty="0"/>
-          </a:p>
-        </p:txBody>
-      </p:sp>
-      <p:sp>
-        <p:nvSpPr>
-          <p:cNvPr id="7" name="TextBox 6">
-            <a:extLst>
-              <a:ext uri="{FF2B5EF4-FFF2-40B4-BE49-F238E27FC236}">
-                <a16:creationId xmlns:a16="http://schemas.microsoft.com/office/drawing/2014/main" id="{AD61C18B-145B-228F-2646-B09D6B5548EB}"/>
-              </a:ext>
-            </a:extLst>
-          </p:cNvPr>
-          <p:cNvSpPr txBox="1"/>
-          <p:nvPr/>
-        </p:nvSpPr>
-        <p:spPr>
-          <a:xfrm>
-            <a:off x="424543" y="681038"/>
-            <a:ext cx="10450286" cy="769441"/>
-          </a:xfrm>
-          <a:prstGeom prst="rect">
-            <a:avLst/>
-          </a:prstGeom>
-          <a:noFill/>
-        </p:spPr>
-        <p:txBody>
-          <a:bodyPr wrap="square">
-            <a:spAutoFit/>
-          </a:bodyPr>
-          <a:lstStyle/>
-          <a:p>
-            <a:r>
-              <a:rPr lang="en-SG" sz="4400" dirty="0">
-                <a:latin typeface="Söhne"/>
-              </a:rPr>
-              <a:t>P</a:t>
-            </a:r>
-            <a:r>
-              <a:rPr lang="en-SG" sz="4400" b="0" i="0" dirty="0">
-                <a:effectLst/>
-                <a:latin typeface="Söhne"/>
-              </a:rPr>
-              <a:t>arameter values for a Vector ARIMA model</a:t>
-            </a:r>
-            <a:endParaRPr lang="en-US" sz="4400" dirty="0"/>
-          </a:p>
-        </p:txBody>
-      </p:sp>
-    </p:spTree>
-    <p:extLst>
-      <p:ext uri="{BB962C8B-B14F-4D97-AF65-F5344CB8AC3E}">
-        <p14:creationId xmlns:p14="http://schemas.microsoft.com/office/powerpoint/2010/main" val="3789122711"/>
-      </p:ext>
-    </p:extLst>
-  </p:cSld>
-  <p:clrMapOvr>
-    <a:masterClrMapping/>
-  </p:clrMapOvr>
-</p:sld>
-</file>
-
-<file path=ppt/slides/slide2.xml><?xml version="1.0" encoding="utf-8"?>
-<p:sld xmlns:a="http://schemas.openxmlformats.org/drawingml/2006/main" xmlns:r="http://schemas.openxmlformats.org/officeDocument/2006/relationships" xmlns:p="http://schemas.openxmlformats.org/presentationml/2006/main">
-  <p:cSld>
-    <p:spTree>
-      <p:nvGrpSpPr>
-        <p:cNvPr id="1" name=""/>
-        <p:cNvGrpSpPr/>
-        <p:nvPr/>
-      </p:nvGrpSpPr>
-      <p:grpSpPr>
-        <a:xfrm>
-          <a:off x="0" y="0"/>
-          <a:ext cx="0" cy="0"/>
-          <a:chOff x="0" y="0"/>
-          <a:chExt cx="0" cy="0"/>
-        </a:xfrm>
-      </p:grpSpPr>
-      <p:sp>
-        <p:nvSpPr>
-          <p:cNvPr id="2" name="Title 1">
-            <a:extLst>
-              <a:ext uri="{FF2B5EF4-FFF2-40B4-BE49-F238E27FC236}">
-                <a16:creationId xmlns:a16="http://schemas.microsoft.com/office/drawing/2014/main" id="{D846738F-0131-962F-9832-68719A0020FB}"/>
-              </a:ext>
-            </a:extLst>
-          </p:cNvPr>
-          <p:cNvSpPr>
-            <a:spLocks noGrp="1"/>
-          </p:cNvSpPr>
-          <p:nvPr>
-            <p:ph type="title"/>
-          </p:nvPr>
-        </p:nvSpPr>
-        <p:spPr/>
-        <p:txBody>
-          <a:bodyPr/>
-          <a:lstStyle/>
-          <a:p>
-            <a:r>
-              <a:rPr lang="en-SG" dirty="0"/>
-              <a:t>Problem Statement</a:t>
-            </a:r>
-          </a:p>
-        </p:txBody>
-      </p:sp>
-      <p:sp>
-        <p:nvSpPr>
-          <p:cNvPr id="3" name="Content Placeholder 2">
-            <a:extLst>
-              <a:ext uri="{FF2B5EF4-FFF2-40B4-BE49-F238E27FC236}">
-                <a16:creationId xmlns:a16="http://schemas.microsoft.com/office/drawing/2014/main" id="{21D9613A-9378-AE44-50F8-A8E4D0AB3A24}"/>
-              </a:ext>
-            </a:extLst>
-          </p:cNvPr>
-          <p:cNvSpPr>
-            <a:spLocks noGrp="1"/>
-          </p:cNvSpPr>
-          <p:nvPr>
-            <p:ph idx="1"/>
-          </p:nvPr>
-        </p:nvSpPr>
-        <p:spPr/>
-        <p:txBody>
-          <a:bodyPr/>
-          <a:lstStyle/>
-          <a:p>
-            <a:r>
-              <a:rPr lang="en-US" b="0" i="0" dirty="0">
-                <a:solidFill>
-                  <a:srgbClr val="374151"/>
-                </a:solidFill>
-                <a:effectLst/>
-                <a:latin typeface="Söhne"/>
-              </a:rPr>
-              <a:t>Research current methodologies on multivariate timeseries analysis with missing data</a:t>
-            </a:r>
-          </a:p>
-          <a:p>
-            <a:r>
-              <a:rPr lang="en-US" dirty="0">
-                <a:solidFill>
-                  <a:srgbClr val="374151"/>
-                </a:solidFill>
-                <a:latin typeface="Söhne"/>
-              </a:rPr>
-              <a:t>Suggest deep RL based approach </a:t>
-            </a:r>
-            <a:endParaRPr lang="en-SG" dirty="0"/>
-          </a:p>
-        </p:txBody>
-      </p:sp>
-    </p:spTree>
-    <p:extLst>
-      <p:ext uri="{BB962C8B-B14F-4D97-AF65-F5344CB8AC3E}">
-        <p14:creationId xmlns:p14="http://schemas.microsoft.com/office/powerpoint/2010/main" val="3900042076"/>
-      </p:ext>
-    </p:extLst>
-  </p:cSld>
-  <p:clrMapOvr>
-    <a:masterClrMapping/>
-  </p:clrMapOvr>
-</p:sld>
-</file>
-
-<file path=ppt/slides/slide20.xml><?xml version="1.0" encoding="utf-8"?>
-<p:sld xmlns:a="http://schemas.openxmlformats.org/drawingml/2006/main" xmlns:r="http://schemas.openxmlformats.org/officeDocument/2006/relationships" xmlns:p="http://schemas.openxmlformats.org/presentationml/2006/main">
-  <p:cSld>
-    <p:bg>
-      <p:bgPr>
-        <a:solidFill>
-          <a:schemeClr val="bg1"/>
-        </a:solidFill>
-        <a:effectLst/>
-      </p:bgPr>
-    </p:bg>
-    <p:spTree>
-      <p:nvGrpSpPr>
-        <p:cNvPr id="1" name=""/>
-        <p:cNvGrpSpPr/>
-        <p:nvPr/>
-      </p:nvGrpSpPr>
-      <p:grpSpPr>
-        <a:xfrm>
-          <a:off x="0" y="0"/>
-          <a:ext cx="0" cy="0"/>
-          <a:chOff x="0" y="0"/>
-          <a:chExt cx="0" cy="0"/>
-        </a:xfrm>
-      </p:grpSpPr>
-      <p:sp>
-        <p:nvSpPr>
-          <p:cNvPr id="8199" name="Down Arrow 7">
-            <a:extLst>
-              <a:ext uri="{FF2B5EF4-FFF2-40B4-BE49-F238E27FC236}">
-                <a16:creationId xmlns:a16="http://schemas.microsoft.com/office/drawing/2014/main" id="{D4771268-CB57-404A-9271-370EB28F6090}"/>
-              </a:ext>
-              <a:ext uri="{C183D7F6-B498-43B3-948B-1728B52AA6E4}">
-                <adec:decorative xmlns:adec="http://schemas.microsoft.com/office/drawing/2017/decorative" val="1"/>
-              </a:ext>
-            </a:extLst>
-          </p:cNvPr>
-          <p:cNvSpPr>
-            <a:spLocks noGrp="1" noRot="1" noChangeAspect="1" noMove="1" noResize="1" noEditPoints="1" noAdjustHandles="1" noChangeArrowheads="1" noChangeShapeType="1" noTextEdit="1"/>
-          </p:cNvSpPr>
-          <p:nvPr>
-            <p:extLst>
-              <p:ext uri="{386F3935-93C4-4BCD-93E2-E3B085C9AB24}">
-                <p16:designElem xmlns:p16="http://schemas.microsoft.com/office/powerpoint/2015/main" val="1"/>
-              </p:ext>
-            </p:extLst>
-          </p:nvPr>
-        </p:nvSpPr>
-        <p:spPr>
-          <a:xfrm rot="16200000">
-            <a:off x="800100" y="1491343"/>
-            <a:ext cx="3333749" cy="3499103"/>
-          </a:xfrm>
-          <a:prstGeom prst="downArrow">
-            <a:avLst>
-              <a:gd name="adj1" fmla="val 100000"/>
-              <a:gd name="adj2" fmla="val 15788"/>
-            </a:avLst>
-          </a:prstGeom>
-          <a:solidFill>
-            <a:srgbClr val="404040"/>
-          </a:solidFill>
-          <a:ln w="53975">
-            <a:noFill/>
-          </a:ln>
-        </p:spPr>
-        <p:style>
-          <a:lnRef idx="2">
-            <a:schemeClr val="accent1">
-              <a:shade val="50000"/>
-            </a:schemeClr>
-          </a:lnRef>
-          <a:fillRef idx="1">
-            <a:schemeClr val="accent1"/>
-          </a:fillRef>
-          <a:effectRef idx="0">
-            <a:schemeClr val="accent1"/>
-          </a:effectRef>
-          <a:fontRef idx="minor">
-            <a:schemeClr val="lt1"/>
-          </a:fontRef>
-        </p:style>
-        <p:txBody>
-          <a:bodyPr rtlCol="0" anchor="ctr"/>
-          <a:lstStyle/>
-          <a:p>
-            <a:pPr algn="ctr"/>
-            <a:endParaRPr lang="en-US"/>
-          </a:p>
-        </p:txBody>
-      </p:sp>
-      <p:sp>
-        <p:nvSpPr>
-          <p:cNvPr id="2" name="Title 1">
-            <a:extLst>
-              <a:ext uri="{FF2B5EF4-FFF2-40B4-BE49-F238E27FC236}">
-                <a16:creationId xmlns:a16="http://schemas.microsoft.com/office/drawing/2014/main" id="{DF6E74E6-6760-D09E-2E55-E6C332476D1C}"/>
-              </a:ext>
-            </a:extLst>
-          </p:cNvPr>
-          <p:cNvSpPr>
-            <a:spLocks noGrp="1"/>
-          </p:cNvSpPr>
-          <p:nvPr>
-            <p:ph type="title"/>
-          </p:nvPr>
-        </p:nvSpPr>
-        <p:spPr>
-          <a:xfrm>
-            <a:off x="1028700" y="1967266"/>
-            <a:ext cx="2628900" cy="2547257"/>
-          </a:xfrm>
-          <a:noFill/>
-        </p:spPr>
-        <p:txBody>
-          <a:bodyPr vert="horz" lIns="91440" tIns="45720" rIns="91440" bIns="45720" rtlCol="0" anchor="ctr">
-            <a:normAutofit/>
-          </a:bodyPr>
-          <a:lstStyle/>
-          <a:p>
-            <a:pPr algn="ctr"/>
-            <a:r>
-              <a:rPr lang="en-US" sz="3600" b="0" i="0" kern="1200">
-                <a:solidFill>
-                  <a:srgbClr val="FFFFFF"/>
-                </a:solidFill>
-                <a:effectLst/>
-                <a:latin typeface="+mj-lt"/>
-                <a:ea typeface="+mj-ea"/>
-                <a:cs typeface="+mj-cs"/>
-              </a:rPr>
-              <a:t>Model Building</a:t>
-            </a:r>
-          </a:p>
-        </p:txBody>
-      </p:sp>
-      <p:pic>
-        <p:nvPicPr>
-          <p:cNvPr id="8194" name="Picture 2">
-            <a:extLst>
-              <a:ext uri="{FF2B5EF4-FFF2-40B4-BE49-F238E27FC236}">
-                <a16:creationId xmlns:a16="http://schemas.microsoft.com/office/drawing/2014/main" id="{D14A94FE-C2F0-2B64-BB8B-84F18CF64F1A}"/>
-              </a:ext>
-            </a:extLst>
-          </p:cNvPr>
-          <p:cNvPicPr>
-            <a:picLocks noGrp="1" noChangeAspect="1" noChangeArrowheads="1"/>
-          </p:cNvPicPr>
-          <p:nvPr>
-            <p:ph idx="1"/>
-          </p:nvPr>
-        </p:nvPicPr>
-        <p:blipFill>
-          <a:blip r:embed="rId2">
-            <a:extLst>
-              <a:ext uri="{28A0092B-C50C-407E-A947-70E740481C1C}">
-                <a14:useLocalDpi xmlns:a14="http://schemas.microsoft.com/office/drawing/2010/main" val="0"/>
-              </a:ext>
-            </a:extLst>
-          </a:blip>
-          <a:stretch>
-            <a:fillRect/>
-          </a:stretch>
-        </p:blipFill>
-        <p:spPr bwMode="auto">
-          <a:xfrm>
-            <a:off x="4842305" y="643466"/>
-            <a:ext cx="6650722" cy="5568739"/>
-          </a:xfrm>
-          <a:prstGeom prst="rect">
-            <a:avLst/>
-          </a:prstGeom>
-          <a:noFill/>
-          <a:extLst>
-            <a:ext uri="{909E8E84-426E-40DD-AFC4-6F175D3DCCD1}">
-              <a14:hiddenFill xmlns:a14="http://schemas.microsoft.com/office/drawing/2010/main">
-                <a:solidFill>
-                  <a:srgbClr val="FFFFFF"/>
-                </a:solidFill>
-              </a14:hiddenFill>
-            </a:ext>
-          </a:extLst>
-        </p:spPr>
-      </p:pic>
-    </p:spTree>
-    <p:extLst>
-      <p:ext uri="{BB962C8B-B14F-4D97-AF65-F5344CB8AC3E}">
-        <p14:creationId xmlns:p14="http://schemas.microsoft.com/office/powerpoint/2010/main" val="2550060031"/>
-      </p:ext>
-    </p:extLst>
-  </p:cSld>
-  <p:clrMapOvr>
-    <a:masterClrMapping/>
-  </p:clrMapOvr>
-</p:sld>
-</file>
-
-<file path=ppt/slides/slide21.xml><?xml version="1.0" encoding="utf-8"?>
-<p:sld xmlns:a="http://schemas.openxmlformats.org/drawingml/2006/main" xmlns:r="http://schemas.openxmlformats.org/officeDocument/2006/relationships" xmlns:p="http://schemas.openxmlformats.org/presentationml/2006/main">
-  <p:cSld>
-    <p:bg>
-      <p:bgPr>
-        <a:solidFill>
-          <a:schemeClr val="bg1"/>
-        </a:solidFill>
-        <a:effectLst/>
-      </p:bgPr>
-    </p:bg>
-    <p:spTree>
-      <p:nvGrpSpPr>
-        <p:cNvPr id="1" name=""/>
-        <p:cNvGrpSpPr/>
-        <p:nvPr/>
-      </p:nvGrpSpPr>
-      <p:grpSpPr>
-        <a:xfrm>
-          <a:off x="0" y="0"/>
-          <a:ext cx="0" cy="0"/>
-          <a:chOff x="0" y="0"/>
-          <a:chExt cx="0" cy="0"/>
-        </a:xfrm>
-      </p:grpSpPr>
-      <p:sp>
-        <p:nvSpPr>
-          <p:cNvPr id="8199" name="Down Arrow 7">
-            <a:extLst>
-              <a:ext uri="{FF2B5EF4-FFF2-40B4-BE49-F238E27FC236}">
-                <a16:creationId xmlns:a16="http://schemas.microsoft.com/office/drawing/2014/main" id="{D4771268-CB57-404A-9271-370EB28F6090}"/>
-              </a:ext>
-              <a:ext uri="{C183D7F6-B498-43B3-948B-1728B52AA6E4}">
-                <adec:decorative xmlns:adec="http://schemas.microsoft.com/office/drawing/2017/decorative" val="1"/>
-              </a:ext>
-            </a:extLst>
-          </p:cNvPr>
-          <p:cNvSpPr>
-            <a:spLocks noGrp="1" noRot="1" noChangeAspect="1" noMove="1" noResize="1" noEditPoints="1" noAdjustHandles="1" noChangeArrowheads="1" noChangeShapeType="1" noTextEdit="1"/>
-          </p:cNvSpPr>
-          <p:nvPr>
-            <p:extLst>
-              <p:ext uri="{386F3935-93C4-4BCD-93E2-E3B085C9AB24}">
-                <p16:designElem xmlns:p16="http://schemas.microsoft.com/office/powerpoint/2015/main" val="1"/>
-              </p:ext>
-            </p:extLst>
-          </p:nvPr>
-        </p:nvSpPr>
-        <p:spPr>
-          <a:xfrm rot="16200000">
-            <a:off x="800100" y="1491343"/>
-            <a:ext cx="3333749" cy="3499103"/>
-          </a:xfrm>
-          <a:prstGeom prst="downArrow">
-            <a:avLst>
-              <a:gd name="adj1" fmla="val 100000"/>
-              <a:gd name="adj2" fmla="val 15788"/>
-            </a:avLst>
-          </a:prstGeom>
-          <a:solidFill>
-            <a:srgbClr val="404040"/>
-          </a:solidFill>
-          <a:ln w="53975">
-            <a:noFill/>
-          </a:ln>
-        </p:spPr>
-        <p:style>
-          <a:lnRef idx="2">
-            <a:schemeClr val="accent1">
-              <a:shade val="50000"/>
-            </a:schemeClr>
-          </a:lnRef>
-          <a:fillRef idx="1">
-            <a:schemeClr val="accent1"/>
-          </a:fillRef>
-          <a:effectRef idx="0">
-            <a:schemeClr val="accent1"/>
-          </a:effectRef>
-          <a:fontRef idx="minor">
-            <a:schemeClr val="lt1"/>
-          </a:fontRef>
-        </p:style>
-        <p:txBody>
-          <a:bodyPr rtlCol="0" anchor="ctr"/>
-          <a:lstStyle/>
-          <a:p>
-            <a:pPr algn="ctr"/>
-            <a:endParaRPr lang="en-US"/>
-          </a:p>
-        </p:txBody>
-      </p:sp>
-      <p:sp>
-        <p:nvSpPr>
-          <p:cNvPr id="2" name="Title 1">
-            <a:extLst>
-              <a:ext uri="{FF2B5EF4-FFF2-40B4-BE49-F238E27FC236}">
-                <a16:creationId xmlns:a16="http://schemas.microsoft.com/office/drawing/2014/main" id="{DF6E74E6-6760-D09E-2E55-E6C332476D1C}"/>
-              </a:ext>
-            </a:extLst>
-          </p:cNvPr>
-          <p:cNvSpPr>
-            <a:spLocks noGrp="1"/>
-          </p:cNvSpPr>
-          <p:nvPr>
-            <p:ph type="title"/>
-          </p:nvPr>
-        </p:nvSpPr>
-        <p:spPr>
-          <a:xfrm>
-            <a:off x="1028700" y="1967266"/>
-            <a:ext cx="2628900" cy="2547257"/>
-          </a:xfrm>
-          <a:noFill/>
-        </p:spPr>
-        <p:txBody>
-          <a:bodyPr vert="horz" lIns="91440" tIns="45720" rIns="91440" bIns="45720" rtlCol="0" anchor="ctr">
-            <a:normAutofit/>
-          </a:bodyPr>
-          <a:lstStyle/>
-          <a:p>
-            <a:pPr algn="ctr"/>
-            <a:r>
-              <a:rPr lang="en-US" sz="3600" b="0" i="0" kern="1200">
-                <a:solidFill>
-                  <a:srgbClr val="FFFFFF"/>
-                </a:solidFill>
-                <a:effectLst/>
-                <a:latin typeface="+mj-lt"/>
-                <a:ea typeface="+mj-ea"/>
-                <a:cs typeface="+mj-cs"/>
-              </a:rPr>
-              <a:t>Model Building</a:t>
-            </a:r>
-          </a:p>
-        </p:txBody>
-      </p:sp>
-      <p:sp>
-        <p:nvSpPr>
-          <p:cNvPr id="3" name="Content Placeholder 2">
-            <a:extLst>
-              <a:ext uri="{FF2B5EF4-FFF2-40B4-BE49-F238E27FC236}">
-                <a16:creationId xmlns:a16="http://schemas.microsoft.com/office/drawing/2014/main" id="{D1D2F8AE-C2E9-9028-9651-B444F3F1B487}"/>
-              </a:ext>
-            </a:extLst>
-          </p:cNvPr>
-          <p:cNvSpPr>
-            <a:spLocks noGrp="1"/>
-          </p:cNvSpPr>
-          <p:nvPr>
-            <p:ph idx="1"/>
-          </p:nvPr>
-        </p:nvSpPr>
-        <p:spPr/>
-        <p:txBody>
-          <a:bodyPr/>
-          <a:lstStyle/>
-          <a:p>
-            <a:endParaRPr lang="en-US"/>
-          </a:p>
-        </p:txBody>
-      </p:sp>
-      <p:pic>
-        <p:nvPicPr>
-          <p:cNvPr id="10242" name="Picture 2">
-            <a:extLst>
-              <a:ext uri="{FF2B5EF4-FFF2-40B4-BE49-F238E27FC236}">
-                <a16:creationId xmlns:a16="http://schemas.microsoft.com/office/drawing/2014/main" id="{FB5F8495-597D-0A40-93FB-D8695638B7CC}"/>
-              </a:ext>
-            </a:extLst>
-          </p:cNvPr>
-          <p:cNvPicPr>
-            <a:picLocks noChangeAspect="1" noChangeArrowheads="1"/>
-          </p:cNvPicPr>
-          <p:nvPr/>
-        </p:nvPicPr>
-        <p:blipFill>
-          <a:blip r:embed="rId2">
-            <a:extLst>
-              <a:ext uri="{28A0092B-C50C-407E-A947-70E740481C1C}">
-                <a14:useLocalDpi xmlns:a14="http://schemas.microsoft.com/office/drawing/2010/main" val="0"/>
-              </a:ext>
-            </a:extLst>
-          </a:blip>
-          <a:srcRect/>
-          <a:stretch>
-            <a:fillRect/>
-          </a:stretch>
-        </p:blipFill>
-        <p:spPr bwMode="auto">
-          <a:xfrm>
-            <a:off x="4705747" y="681036"/>
-            <a:ext cx="7371850" cy="5886579"/>
-          </a:xfrm>
-          <a:prstGeom prst="rect">
-            <a:avLst/>
-          </a:prstGeom>
-          <a:noFill/>
-          <a:extLst>
-            <a:ext uri="{909E8E84-426E-40DD-AFC4-6F175D3DCCD1}">
-              <a14:hiddenFill xmlns:a14="http://schemas.microsoft.com/office/drawing/2010/main">
-                <a:solidFill>
-                  <a:srgbClr val="FFFFFF"/>
-                </a:solidFill>
-              </a14:hiddenFill>
-            </a:ext>
-          </a:extLst>
-        </p:spPr>
-      </p:pic>
-    </p:spTree>
-    <p:extLst>
-      <p:ext uri="{BB962C8B-B14F-4D97-AF65-F5344CB8AC3E}">
-        <p14:creationId xmlns:p14="http://schemas.microsoft.com/office/powerpoint/2010/main" val="616950742"/>
-      </p:ext>
-    </p:extLst>
-  </p:cSld>
-  <p:clrMapOvr>
-    <a:masterClrMapping/>
-  </p:clrMapOvr>
-</p:sld>
-</file>
-
-<file path=ppt/slides/slide22.xml><?xml version="1.0" encoding="utf-8"?>
-<p:sld xmlns:a="http://schemas.openxmlformats.org/drawingml/2006/main" xmlns:r="http://schemas.openxmlformats.org/officeDocument/2006/relationships" xmlns:p="http://schemas.openxmlformats.org/presentationml/2006/main">
-  <p:cSld>
     <p:bg>
       <p:bgPr>
         <a:solidFill>
@@ -15938,10 +14790,10 @@
       </p:grpSpPr>
       <p:sp useBgFill="1">
         <p:nvSpPr>
-          <p:cNvPr id="11271" name="Rectangle 11270">
+          <p:cNvPr id="12" name="Rectangle 11">
             <a:extLst>
               <a:ext uri="{FF2B5EF4-FFF2-40B4-BE49-F238E27FC236}">
-                <a16:creationId xmlns:a16="http://schemas.microsoft.com/office/drawing/2014/main" id="{32AEEBC8-9D30-42EF-95F2-386C2653FBF0}"/>
+                <a16:creationId xmlns:a16="http://schemas.microsoft.com/office/drawing/2014/main" id="{5C9B446A-6343-4E56-90BA-061E4DDF0FFB}"/>
               </a:ext>
               <a:ext uri="{C183D7F6-B498-43B3-948B-1728B52AA6E4}">
                 <adec:decorative xmlns:adec="http://schemas.microsoft.com/office/drawing/2017/decorative" val="1"/>
@@ -15996,12 +14848,12 @@
           </a:p>
         </p:txBody>
       </p:sp>
-      <p:sp>
+      <p:sp useBgFill="1">
         <p:nvSpPr>
-          <p:cNvPr id="11273" name="Freeform: Shape 11272">
+          <p:cNvPr id="14" name="Freeform: Shape 13">
             <a:extLst>
               <a:ext uri="{FF2B5EF4-FFF2-40B4-BE49-F238E27FC236}">
-                <a16:creationId xmlns:a16="http://schemas.microsoft.com/office/drawing/2014/main" id="{3529E97A-97C3-40EA-8A04-5C02398D568F}"/>
+                <a16:creationId xmlns:a16="http://schemas.microsoft.com/office/drawing/2014/main" id="{3EC72A1B-03D3-499C-B4BF-AC68EEC22B10}"/>
               </a:ext>
               <a:ext uri="{C183D7F6-B498-43B3-948B-1728B52AA6E4}">
                 <adec:decorative xmlns:adec="http://schemas.microsoft.com/office/drawing/2017/decorative" val="1"/>
@@ -16021,116 +14873,26 @@
         </p:nvSpPr>
         <p:spPr>
           <a:xfrm>
-            <a:off x="0" y="0"/>
-            <a:ext cx="12192000" cy="2877832"/>
+            <a:off x="-1" y="0"/>
+            <a:ext cx="4455673" cy="6858000"/>
           </a:xfrm>
           <a:custGeom>
             <a:avLst/>
             <a:gdLst>
-              <a:gd name="connsiteX0" fmla="*/ 6789701 w 12192000"/>
-              <a:gd name="connsiteY0" fmla="*/ 2809623 h 2877832"/>
-              <a:gd name="connsiteX1" fmla="*/ 6788702 w 12192000"/>
-              <a:gd name="connsiteY1" fmla="*/ 2809701 h 2877832"/>
-              <a:gd name="connsiteX2" fmla="*/ 6788476 w 12192000"/>
-              <a:gd name="connsiteY2" fmla="*/ 2810235 h 2877832"/>
-              <a:gd name="connsiteX3" fmla="*/ 0 w 12192000"/>
-              <a:gd name="connsiteY3" fmla="*/ 0 h 2877832"/>
-              <a:gd name="connsiteX4" fmla="*/ 12192000 w 12192000"/>
-              <a:gd name="connsiteY4" fmla="*/ 0 h 2877832"/>
-              <a:gd name="connsiteX5" fmla="*/ 12192000 w 12192000"/>
-              <a:gd name="connsiteY5" fmla="*/ 1915388 h 2877832"/>
-              <a:gd name="connsiteX6" fmla="*/ 12061096 w 12192000"/>
-              <a:gd name="connsiteY6" fmla="*/ 1954428 h 2877832"/>
-              <a:gd name="connsiteX7" fmla="*/ 11676800 w 12192000"/>
-              <a:gd name="connsiteY7" fmla="*/ 2058003 h 2877832"/>
-              <a:gd name="connsiteX8" fmla="*/ 10425355 w 12192000"/>
-              <a:gd name="connsiteY8" fmla="*/ 2341542 h 2877832"/>
-              <a:gd name="connsiteX9" fmla="*/ 9424022 w 12192000"/>
-              <a:gd name="connsiteY9" fmla="*/ 2516704 h 2877832"/>
-              <a:gd name="connsiteX10" fmla="*/ 8458419 w 12192000"/>
-              <a:gd name="connsiteY10" fmla="*/ 2650405 h 2877832"/>
-              <a:gd name="connsiteX11" fmla="*/ 7715970 w 12192000"/>
-              <a:gd name="connsiteY11" fmla="*/ 2730352 h 2877832"/>
-              <a:gd name="connsiteX12" fmla="*/ 6951716 w 12192000"/>
-              <a:gd name="connsiteY12" fmla="*/ 2796132 h 2877832"/>
-              <a:gd name="connsiteX13" fmla="*/ 6936303 w 12192000"/>
-              <a:gd name="connsiteY13" fmla="*/ 2798203 h 2877832"/>
-              <a:gd name="connsiteX14" fmla="*/ 6790448 w 12192000"/>
-              <a:gd name="connsiteY14" fmla="*/ 2809564 h 2877832"/>
-              <a:gd name="connsiteX15" fmla="*/ 6799941 w 12192000"/>
-              <a:gd name="connsiteY15" fmla="*/ 2811384 h 2877832"/>
-              <a:gd name="connsiteX16" fmla="*/ 6835432 w 12192000"/>
-              <a:gd name="connsiteY16" fmla="*/ 2809677 h 2877832"/>
-              <a:gd name="connsiteX17" fmla="*/ 6884003 w 12192000"/>
-              <a:gd name="connsiteY17" fmla="*/ 2806699 h 2877832"/>
-              <a:gd name="connsiteX18" fmla="*/ 7578771 w 12192000"/>
-              <a:gd name="connsiteY18" fmla="*/ 2774172 h 2877832"/>
-              <a:gd name="connsiteX19" fmla="*/ 8623845 w 12192000"/>
-              <a:gd name="connsiteY19" fmla="*/ 2687275 h 2877832"/>
-              <a:gd name="connsiteX20" fmla="*/ 9479970 w 12192000"/>
-              <a:gd name="connsiteY20" fmla="*/ 2583369 h 2877832"/>
-              <a:gd name="connsiteX21" fmla="*/ 10629308 w 12192000"/>
-              <a:gd name="connsiteY21" fmla="*/ 2389212 h 2877832"/>
-              <a:gd name="connsiteX22" fmla="*/ 11998498 w 12192000"/>
-              <a:gd name="connsiteY22" fmla="*/ 2063218 h 2877832"/>
-              <a:gd name="connsiteX23" fmla="*/ 12192000 w 12192000"/>
-              <a:gd name="connsiteY23" fmla="*/ 2006219 h 2877832"/>
-              <a:gd name="connsiteX24" fmla="*/ 12192000 w 12192000"/>
-              <a:gd name="connsiteY24" fmla="*/ 2060956 h 2877832"/>
-              <a:gd name="connsiteX25" fmla="*/ 11829257 w 12192000"/>
-              <a:gd name="connsiteY25" fmla="*/ 2166255 h 2877832"/>
-              <a:gd name="connsiteX26" fmla="*/ 10939183 w 12192000"/>
-              <a:gd name="connsiteY26" fmla="*/ 2380770 h 2877832"/>
-              <a:gd name="connsiteX27" fmla="*/ 9985530 w 12192000"/>
-              <a:gd name="connsiteY27" fmla="*/ 2560775 h 2877832"/>
-              <a:gd name="connsiteX28" fmla="*/ 9186882 w 12192000"/>
-              <a:gd name="connsiteY28" fmla="*/ 2676722 h 2877832"/>
-              <a:gd name="connsiteX29" fmla="*/ 8578198 w 12192000"/>
-              <a:gd name="connsiteY29" fmla="*/ 2746241 h 2877832"/>
-              <a:gd name="connsiteX30" fmla="*/ 7864358 w 12192000"/>
-              <a:gd name="connsiteY30" fmla="*/ 2807692 h 2877832"/>
-              <a:gd name="connsiteX31" fmla="*/ 6935502 w 12192000"/>
-              <a:gd name="connsiteY31" fmla="*/ 2859086 h 2877832"/>
-              <a:gd name="connsiteX32" fmla="*/ 6477750 w 12192000"/>
-              <a:gd name="connsiteY32" fmla="*/ 2872989 h 2877832"/>
-              <a:gd name="connsiteX33" fmla="*/ 6362294 w 12192000"/>
-              <a:gd name="connsiteY33" fmla="*/ 2877832 h 2877832"/>
-              <a:gd name="connsiteX34" fmla="*/ 6057129 w 12192000"/>
-              <a:gd name="connsiteY34" fmla="*/ 2877832 h 2877832"/>
-              <a:gd name="connsiteX35" fmla="*/ 5977784 w 12192000"/>
-              <a:gd name="connsiteY35" fmla="*/ 2873238 h 2877832"/>
-              <a:gd name="connsiteX36" fmla="*/ 5265087 w 12192000"/>
-              <a:gd name="connsiteY36" fmla="*/ 2836989 h 2877832"/>
-              <a:gd name="connsiteX37" fmla="*/ 4346277 w 12192000"/>
-              <a:gd name="connsiteY37" fmla="*/ 2774919 h 2877832"/>
-              <a:gd name="connsiteX38" fmla="*/ 3373045 w 12192000"/>
-              <a:gd name="connsiteY38" fmla="*/ 2676350 h 2877832"/>
-              <a:gd name="connsiteX39" fmla="*/ 2362173 w 12192000"/>
-              <a:gd name="connsiteY39" fmla="*/ 2557423 h 2877832"/>
-              <a:gd name="connsiteX40" fmla="*/ 1233178 w 12192000"/>
-              <a:gd name="connsiteY40" fmla="*/ 2384247 h 2877832"/>
-              <a:gd name="connsiteX41" fmla="*/ 68500 w 12192000"/>
-              <a:gd name="connsiteY41" fmla="*/ 2144540 h 2877832"/>
-              <a:gd name="connsiteX42" fmla="*/ 0 w 12192000"/>
-              <a:gd name="connsiteY42" fmla="*/ 2127185 h 2877832"/>
-              <a:gd name="connsiteX43" fmla="*/ 0 w 12192000"/>
-              <a:gd name="connsiteY43" fmla="*/ 2070696 h 2877832"/>
-              <a:gd name="connsiteX44" fmla="*/ 72441 w 12192000"/>
-              <a:gd name="connsiteY44" fmla="*/ 2089473 h 2877832"/>
-              <a:gd name="connsiteX45" fmla="*/ 600716 w 12192000"/>
-              <a:gd name="connsiteY45" fmla="*/ 2207843 h 2877832"/>
-              <a:gd name="connsiteX46" fmla="*/ 1769512 w 12192000"/>
-              <a:gd name="connsiteY46" fmla="*/ 2418011 h 2877832"/>
-              <a:gd name="connsiteX47" fmla="*/ 2613554 w 12192000"/>
-              <a:gd name="connsiteY47" fmla="*/ 2534953 h 2877832"/>
-              <a:gd name="connsiteX48" fmla="*/ 2581134 w 12192000"/>
-              <a:gd name="connsiteY48" fmla="*/ 2525022 h 2877832"/>
-              <a:gd name="connsiteX49" fmla="*/ 1112635 w 12192000"/>
-              <a:gd name="connsiteY49" fmla="*/ 2192325 h 2877832"/>
-              <a:gd name="connsiteX50" fmla="*/ 420412 w 12192000"/>
-              <a:gd name="connsiteY50" fmla="*/ 1992892 h 2877832"/>
-              <a:gd name="connsiteX51" fmla="*/ 0 w 12192000"/>
-              <a:gd name="connsiteY51" fmla="*/ 1853975 h 2877832"/>
+              <a:gd name="connsiteX0" fmla="*/ 0 w 4455673"/>
+              <a:gd name="connsiteY0" fmla="*/ 0 h 6858000"/>
+              <a:gd name="connsiteX1" fmla="*/ 3242695 w 4455673"/>
+              <a:gd name="connsiteY1" fmla="*/ 0 h 6858000"/>
+              <a:gd name="connsiteX2" fmla="*/ 3305678 w 4455673"/>
+              <a:gd name="connsiteY2" fmla="*/ 69271 h 6858000"/>
+              <a:gd name="connsiteX3" fmla="*/ 4455673 w 4455673"/>
+              <a:gd name="connsiteY3" fmla="*/ 3429000 h 6858000"/>
+              <a:gd name="connsiteX4" fmla="*/ 3305678 w 4455673"/>
+              <a:gd name="connsiteY4" fmla="*/ 6788730 h 6858000"/>
+              <a:gd name="connsiteX5" fmla="*/ 3242695 w 4455673"/>
+              <a:gd name="connsiteY5" fmla="*/ 6858000 h 6858000"/>
+              <a:gd name="connsiteX6" fmla="*/ 0 w 4455673"/>
+              <a:gd name="connsiteY6" fmla="*/ 6858000 h 6858000"/>
             </a:gdLst>
             <a:ahLst/>
             <a:cxnLst>
@@ -16155,370 +14917,354 @@
               <a:cxn ang="0">
                 <a:pos x="connsiteX6" y="connsiteY6"/>
               </a:cxn>
-              <a:cxn ang="0">
-                <a:pos x="connsiteX7" y="connsiteY7"/>
-              </a:cxn>
-              <a:cxn ang="0">
-                <a:pos x="connsiteX8" y="connsiteY8"/>
-              </a:cxn>
-              <a:cxn ang="0">
-                <a:pos x="connsiteX9" y="connsiteY9"/>
-              </a:cxn>
-              <a:cxn ang="0">
-                <a:pos x="connsiteX10" y="connsiteY10"/>
-              </a:cxn>
-              <a:cxn ang="0">
-                <a:pos x="connsiteX11" y="connsiteY11"/>
-              </a:cxn>
-              <a:cxn ang="0">
-                <a:pos x="connsiteX12" y="connsiteY12"/>
-              </a:cxn>
-              <a:cxn ang="0">
-                <a:pos x="connsiteX13" y="connsiteY13"/>
-              </a:cxn>
-              <a:cxn ang="0">
-                <a:pos x="connsiteX14" y="connsiteY14"/>
-              </a:cxn>
-              <a:cxn ang="0">
-                <a:pos x="connsiteX15" y="connsiteY15"/>
-              </a:cxn>
-              <a:cxn ang="0">
-                <a:pos x="connsiteX16" y="connsiteY16"/>
-              </a:cxn>
-              <a:cxn ang="0">
-                <a:pos x="connsiteX17" y="connsiteY17"/>
-              </a:cxn>
-              <a:cxn ang="0">
-                <a:pos x="connsiteX18" y="connsiteY18"/>
-              </a:cxn>
-              <a:cxn ang="0">
-                <a:pos x="connsiteX19" y="connsiteY19"/>
-              </a:cxn>
-              <a:cxn ang="0">
-                <a:pos x="connsiteX20" y="connsiteY20"/>
-              </a:cxn>
-              <a:cxn ang="0">
-                <a:pos x="connsiteX21" y="connsiteY21"/>
-              </a:cxn>
-              <a:cxn ang="0">
-                <a:pos x="connsiteX22" y="connsiteY22"/>
-              </a:cxn>
-              <a:cxn ang="0">
-                <a:pos x="connsiteX23" y="connsiteY23"/>
-              </a:cxn>
-              <a:cxn ang="0">
-                <a:pos x="connsiteX24" y="connsiteY24"/>
-              </a:cxn>
-              <a:cxn ang="0">
-                <a:pos x="connsiteX25" y="connsiteY25"/>
-              </a:cxn>
-              <a:cxn ang="0">
-                <a:pos x="connsiteX26" y="connsiteY26"/>
-              </a:cxn>
-              <a:cxn ang="0">
-                <a:pos x="connsiteX27" y="connsiteY27"/>
-              </a:cxn>
-              <a:cxn ang="0">
-                <a:pos x="connsiteX28" y="connsiteY28"/>
-              </a:cxn>
-              <a:cxn ang="0">
-                <a:pos x="connsiteX29" y="connsiteY29"/>
-              </a:cxn>
-              <a:cxn ang="0">
-                <a:pos x="connsiteX30" y="connsiteY30"/>
-              </a:cxn>
-              <a:cxn ang="0">
-                <a:pos x="connsiteX31" y="connsiteY31"/>
-              </a:cxn>
-              <a:cxn ang="0">
-                <a:pos x="connsiteX32" y="connsiteY32"/>
-              </a:cxn>
-              <a:cxn ang="0">
-                <a:pos x="connsiteX33" y="connsiteY33"/>
-              </a:cxn>
-              <a:cxn ang="0">
-                <a:pos x="connsiteX34" y="connsiteY34"/>
-              </a:cxn>
-              <a:cxn ang="0">
-                <a:pos x="connsiteX35" y="connsiteY35"/>
-              </a:cxn>
-              <a:cxn ang="0">
-                <a:pos x="connsiteX36" y="connsiteY36"/>
-              </a:cxn>
-              <a:cxn ang="0">
-                <a:pos x="connsiteX37" y="connsiteY37"/>
-              </a:cxn>
-              <a:cxn ang="0">
-                <a:pos x="connsiteX38" y="connsiteY38"/>
-              </a:cxn>
-              <a:cxn ang="0">
-                <a:pos x="connsiteX39" y="connsiteY39"/>
-              </a:cxn>
-              <a:cxn ang="0">
-                <a:pos x="connsiteX40" y="connsiteY40"/>
-              </a:cxn>
-              <a:cxn ang="0">
-                <a:pos x="connsiteX41" y="connsiteY41"/>
-              </a:cxn>
-              <a:cxn ang="0">
-                <a:pos x="connsiteX42" y="connsiteY42"/>
-              </a:cxn>
-              <a:cxn ang="0">
-                <a:pos x="connsiteX43" y="connsiteY43"/>
-              </a:cxn>
-              <a:cxn ang="0">
-                <a:pos x="connsiteX44" y="connsiteY44"/>
-              </a:cxn>
-              <a:cxn ang="0">
-                <a:pos x="connsiteX45" y="connsiteY45"/>
-              </a:cxn>
-              <a:cxn ang="0">
-                <a:pos x="connsiteX46" y="connsiteY46"/>
-              </a:cxn>
-              <a:cxn ang="0">
-                <a:pos x="connsiteX47" y="connsiteY47"/>
-              </a:cxn>
-              <a:cxn ang="0">
-                <a:pos x="connsiteX48" y="connsiteY48"/>
-              </a:cxn>
-              <a:cxn ang="0">
-                <a:pos x="connsiteX49" y="connsiteY49"/>
-              </a:cxn>
-              <a:cxn ang="0">
-                <a:pos x="connsiteX50" y="connsiteY50"/>
-              </a:cxn>
-              <a:cxn ang="0">
-                <a:pos x="connsiteX51" y="connsiteY51"/>
-              </a:cxn>
             </a:cxnLst>
             <a:rect l="l" t="t" r="r" b="b"/>
             <a:pathLst>
-              <a:path w="12192000" h="2877832">
-                <a:moveTo>
-                  <a:pt x="6789701" y="2809623"/>
-                </a:moveTo>
-                <a:lnTo>
-                  <a:pt x="6788702" y="2809701"/>
-                </a:lnTo>
-                <a:lnTo>
-                  <a:pt x="6788476" y="2810235"/>
-                </a:lnTo>
-                <a:close/>
+              <a:path w="4455673" h="6858000">
                 <a:moveTo>
                   <a:pt x="0" y="0"/>
                 </a:moveTo>
                 <a:lnTo>
-                  <a:pt x="12192000" y="0"/>
+                  <a:pt x="3242695" y="0"/>
                 </a:lnTo>
                 <a:lnTo>
-                  <a:pt x="12192000" y="1915388"/>
+                  <a:pt x="3305678" y="69271"/>
+                </a:lnTo>
+                <a:cubicBezTo>
+                  <a:pt x="4016204" y="929100"/>
+                  <a:pt x="4455673" y="2116944"/>
+                  <a:pt x="4455673" y="3429000"/>
+                </a:cubicBezTo>
+                <a:cubicBezTo>
+                  <a:pt x="4455673" y="4741056"/>
+                  <a:pt x="4016204" y="5928900"/>
+                  <a:pt x="3305678" y="6788730"/>
+                </a:cubicBezTo>
+                <a:lnTo>
+                  <a:pt x="3242695" y="6858000"/>
                 </a:lnTo>
                 <a:lnTo>
-                  <a:pt x="12061096" y="1954428"/>
-                </a:lnTo>
-                <a:cubicBezTo>
-                  <a:pt x="11933500" y="1990642"/>
-                  <a:pt x="11805390" y="2025171"/>
-                  <a:pt x="11676800" y="2058003"/>
-                </a:cubicBezTo>
-                <a:cubicBezTo>
-                  <a:pt x="11262789" y="2165510"/>
-                  <a:pt x="10845343" y="2259112"/>
-                  <a:pt x="10425355" y="2341542"/>
-                </a:cubicBezTo>
-                <a:cubicBezTo>
-                  <a:pt x="10092810" y="2406753"/>
-                  <a:pt x="9759033" y="2465150"/>
-                  <a:pt x="9424022" y="2516704"/>
-                </a:cubicBezTo>
-                <a:cubicBezTo>
-                  <a:pt x="9102997" y="2566361"/>
-                  <a:pt x="8781133" y="2610928"/>
-                  <a:pt x="8458419" y="2650405"/>
-                </a:cubicBezTo>
-                <a:cubicBezTo>
-                  <a:pt x="8211360" y="2680571"/>
-                  <a:pt x="7963792" y="2706144"/>
-                  <a:pt x="7715970" y="2730352"/>
-                </a:cubicBezTo>
-                <a:lnTo>
-                  <a:pt x="6951716" y="2796132"/>
-                </a:lnTo>
-                <a:lnTo>
-                  <a:pt x="6936303" y="2798203"/>
-                </a:lnTo>
-                <a:lnTo>
-                  <a:pt x="6790448" y="2809564"/>
-                </a:lnTo>
-                <a:lnTo>
-                  <a:pt x="6799941" y="2811384"/>
-                </a:lnTo>
-                <a:cubicBezTo>
-                  <a:pt x="6811623" y="2811850"/>
-                  <a:pt x="6823734" y="2809677"/>
-                  <a:pt x="6835432" y="2809677"/>
-                </a:cubicBezTo>
-                <a:cubicBezTo>
-                  <a:pt x="6851580" y="2809677"/>
-                  <a:pt x="6867729" y="2807070"/>
-                  <a:pt x="6884003" y="2806699"/>
-                </a:cubicBezTo>
-                <a:cubicBezTo>
-                  <a:pt x="7115805" y="2801237"/>
-                  <a:pt x="7347351" y="2789070"/>
-                  <a:pt x="7578771" y="2774172"/>
-                </a:cubicBezTo>
-                <a:cubicBezTo>
-                  <a:pt x="7927552" y="2751704"/>
-                  <a:pt x="8276080" y="2723525"/>
-                  <a:pt x="8623845" y="2687275"/>
-                </a:cubicBezTo>
-                <a:cubicBezTo>
-                  <a:pt x="8909939" y="2657977"/>
-                  <a:pt x="9195310" y="2623342"/>
-                  <a:pt x="9479970" y="2583369"/>
-                </a:cubicBezTo>
-                <a:cubicBezTo>
-                  <a:pt x="9864901" y="2528995"/>
-                  <a:pt x="10248014" y="2464281"/>
-                  <a:pt x="10629308" y="2389212"/>
-                </a:cubicBezTo>
-                <a:cubicBezTo>
-                  <a:pt x="11090114" y="2298092"/>
-                  <a:pt x="11546975" y="2190586"/>
-                  <a:pt x="11998498" y="2063218"/>
-                </a:cubicBezTo>
-                <a:lnTo>
-                  <a:pt x="12192000" y="2006219"/>
-                </a:lnTo>
-                <a:lnTo>
-                  <a:pt x="12192000" y="2060956"/>
-                </a:lnTo>
-                <a:lnTo>
-                  <a:pt x="11829257" y="2166255"/>
-                </a:lnTo>
-                <a:cubicBezTo>
-                  <a:pt x="11534769" y="2245952"/>
-                  <a:pt x="11238120" y="2316838"/>
-                  <a:pt x="10939183" y="2380770"/>
-                </a:cubicBezTo>
-                <a:cubicBezTo>
-                  <a:pt x="10622824" y="2448552"/>
-                  <a:pt x="10304941" y="2508549"/>
-                  <a:pt x="9985530" y="2560775"/>
-                </a:cubicBezTo>
-                <a:cubicBezTo>
-                  <a:pt x="9720036" y="2604224"/>
-                  <a:pt x="9453814" y="2642869"/>
-                  <a:pt x="9186882" y="2676722"/>
-                </a:cubicBezTo>
-                <a:cubicBezTo>
-                  <a:pt x="8984197" y="2702296"/>
-                  <a:pt x="8781514" y="2726379"/>
-                  <a:pt x="8578198" y="2746241"/>
-                </a:cubicBezTo>
-                <a:cubicBezTo>
-                  <a:pt x="8340547" y="2768961"/>
-                  <a:pt x="8102644" y="2790436"/>
-                  <a:pt x="7864358" y="2807692"/>
-                </a:cubicBezTo>
-                <a:cubicBezTo>
-                  <a:pt x="7554994" y="2830036"/>
-                  <a:pt x="7245502" y="2847914"/>
-                  <a:pt x="6935502" y="2859086"/>
-                </a:cubicBezTo>
-                <a:cubicBezTo>
-                  <a:pt x="6782917" y="2864549"/>
-                  <a:pt x="6630334" y="2868397"/>
-                  <a:pt x="6477750" y="2872989"/>
-                </a:cubicBezTo>
-                <a:cubicBezTo>
-                  <a:pt x="6439195" y="2870905"/>
-                  <a:pt x="6400529" y="2872530"/>
-                  <a:pt x="6362294" y="2877832"/>
-                </a:cubicBezTo>
-                <a:lnTo>
-                  <a:pt x="6057129" y="2877832"/>
-                </a:lnTo>
-                <a:lnTo>
-                  <a:pt x="5977784" y="2873238"/>
-                </a:lnTo>
-                <a:cubicBezTo>
-                  <a:pt x="5740261" y="2860825"/>
-                  <a:pt x="5502739" y="2847046"/>
-                  <a:pt x="5265087" y="2836989"/>
-                </a:cubicBezTo>
-                <a:cubicBezTo>
-                  <a:pt x="4958267" y="2824573"/>
-                  <a:pt x="4651826" y="2804093"/>
-                  <a:pt x="4346277" y="2774919"/>
-                </a:cubicBezTo>
-                <a:cubicBezTo>
-                  <a:pt x="4021654" y="2744007"/>
-                  <a:pt x="3697795" y="2709372"/>
-                  <a:pt x="3373045" y="2676350"/>
-                </a:cubicBezTo>
-                <a:cubicBezTo>
-                  <a:pt x="3035412" y="2642088"/>
-                  <a:pt x="2698456" y="2602449"/>
-                  <a:pt x="2362173" y="2557423"/>
-                </a:cubicBezTo>
-                <a:cubicBezTo>
-                  <a:pt x="1984692" y="2507270"/>
-                  <a:pt x="1608364" y="2449544"/>
-                  <a:pt x="1233178" y="2384247"/>
-                </a:cubicBezTo>
-                <a:cubicBezTo>
-                  <a:pt x="842181" y="2315534"/>
-                  <a:pt x="453758" y="2237046"/>
-                  <a:pt x="68500" y="2144540"/>
-                </a:cubicBezTo>
-                <a:lnTo>
-                  <a:pt x="0" y="2127185"/>
-                </a:lnTo>
-                <a:lnTo>
-                  <a:pt x="0" y="2070696"/>
-                </a:lnTo>
-                <a:lnTo>
-                  <a:pt x="72441" y="2089473"/>
-                </a:lnTo>
-                <a:cubicBezTo>
-                  <a:pt x="247961" y="2131651"/>
-                  <a:pt x="424164" y="2170911"/>
-                  <a:pt x="600716" y="2207843"/>
-                </a:cubicBezTo>
-                <a:cubicBezTo>
-                  <a:pt x="988279" y="2288657"/>
-                  <a:pt x="1378133" y="2357555"/>
-                  <a:pt x="1769512" y="2418011"/>
-                </a:cubicBezTo>
-                <a:cubicBezTo>
-                  <a:pt x="2052426" y="2461587"/>
-                  <a:pt x="2335725" y="2501684"/>
-                  <a:pt x="2613554" y="2534953"/>
-                </a:cubicBezTo>
-                <a:cubicBezTo>
-                  <a:pt x="2605544" y="2537560"/>
-                  <a:pt x="2594611" y="2527504"/>
-                  <a:pt x="2581134" y="2525022"/>
-                </a:cubicBezTo>
-                <a:cubicBezTo>
-                  <a:pt x="2087178" y="2433070"/>
-                  <a:pt x="1597684" y="2322177"/>
-                  <a:pt x="1112635" y="2192325"/>
-                </a:cubicBezTo>
-                <a:cubicBezTo>
-                  <a:pt x="880453" y="2130254"/>
-                  <a:pt x="649713" y="2063776"/>
-                  <a:pt x="420412" y="1992892"/>
-                </a:cubicBezTo>
-                <a:lnTo>
-                  <a:pt x="0" y="1853975"/>
+                  <a:pt x="0" y="6858000"/>
                 </a:lnTo>
                 <a:close/>
               </a:path>
             </a:pathLst>
           </a:custGeom>
+          <a:ln w="9525">
+            <a:solidFill>
+              <a:srgbClr val="EFEFEF"/>
+            </a:solidFill>
+          </a:ln>
+          <a:effectLst>
+            <a:outerShdw blurRad="88900" dist="38100" algn="l" rotWithShape="0">
+              <a:schemeClr val="bg1">
+                <a:lumMod val="85000"/>
+                <a:alpha val="50000"/>
+              </a:schemeClr>
+            </a:outerShdw>
+          </a:effectLst>
+        </p:spPr>
+        <p:style>
+          <a:lnRef idx="2">
+            <a:schemeClr val="accent1">
+              <a:shade val="50000"/>
+            </a:schemeClr>
+          </a:lnRef>
+          <a:fillRef idx="1">
+            <a:schemeClr val="accent1"/>
+          </a:fillRef>
+          <a:effectRef idx="0">
+            <a:schemeClr val="accent1"/>
+          </a:effectRef>
+          <a:fontRef idx="minor">
+            <a:schemeClr val="lt1"/>
+          </a:fontRef>
+        </p:style>
+        <p:txBody>
+          <a:bodyPr wrap="square" rtlCol="0" anchor="ctr">
+            <a:noAutofit/>
+          </a:bodyPr>
+          <a:lstStyle/>
+          <a:p>
+            <a:pPr marL="0" marR="0" lvl="0" indent="0" algn="ctr" defTabSz="914400" rtl="0" eaLnBrk="1" fontAlgn="auto" latinLnBrk="0" hangingPunct="1">
+              <a:lnSpc>
+                <a:spcPct val="100000"/>
+              </a:lnSpc>
+              <a:spcBef>
+                <a:spcPts val="0"/>
+              </a:spcBef>
+              <a:spcAft>
+                <a:spcPts val="0"/>
+              </a:spcAft>
+              <a:buClrTx/>
+              <a:buSzTx/>
+              <a:buFontTx/>
+              <a:buNone/>
+              <a:tabLst/>
+              <a:defRPr/>
+            </a:pPr>
+            <a:endParaRPr kumimoji="0" lang="en-US" sz="1800" b="0" i="0" u="none" strike="noStrike" kern="1200" cap="none" spc="0" normalizeH="0" baseline="0" noProof="0">
+              <a:ln>
+                <a:noFill/>
+              </a:ln>
+              <a:solidFill>
+                <a:prstClr val="white"/>
+              </a:solidFill>
+              <a:effectLst/>
+              <a:uLnTx/>
+              <a:uFillTx/>
+              <a:latin typeface="Calibri" panose="020F0502020204030204"/>
+              <a:ea typeface="+mn-ea"/>
+              <a:cs typeface="+mn-cs"/>
+            </a:endParaRPr>
+          </a:p>
+        </p:txBody>
+      </p:sp>
+      <p:sp useBgFill="1">
+        <p:nvSpPr>
+          <p:cNvPr id="16" name="Freeform: Shape 15">
+            <a:extLst>
+              <a:ext uri="{FF2B5EF4-FFF2-40B4-BE49-F238E27FC236}">
+                <a16:creationId xmlns:a16="http://schemas.microsoft.com/office/drawing/2014/main" id="{216322C2-3CF0-4D33-BF90-3F384CF6D232}"/>
+              </a:ext>
+              <a:ext uri="{C183D7F6-B498-43B3-948B-1728B52AA6E4}">
+                <adec:decorative xmlns:adec="http://schemas.microsoft.com/office/drawing/2017/decorative" val="1"/>
+              </a:ext>
+            </a:extLst>
+          </p:cNvPr>
+          <p:cNvSpPr>
+            <a:spLocks noGrp="1" noRot="1" noChangeAspect="1" noMove="1" noResize="1" noEditPoints="1" noAdjustHandles="1" noChangeArrowheads="1" noChangeShapeType="1" noTextEdit="1"/>
+          </p:cNvSpPr>
+          <p:nvPr>
+            <p:extLst>
+              <p:ext uri="{386F3935-93C4-4BCD-93E2-E3B085C9AB24}">
+                <p16:designElem xmlns:p16="http://schemas.microsoft.com/office/powerpoint/2015/main" val="1"/>
+              </p:ext>
+            </p:extLst>
+          </p:nvPr>
+        </p:nvSpPr>
+        <p:spPr>
+          <a:xfrm>
+            <a:off x="0" y="0"/>
+            <a:ext cx="4446529" cy="6858000"/>
+          </a:xfrm>
+          <a:custGeom>
+            <a:avLst/>
+            <a:gdLst>
+              <a:gd name="connsiteX0" fmla="*/ 0 w 4446529"/>
+              <a:gd name="connsiteY0" fmla="*/ 0 h 6858000"/>
+              <a:gd name="connsiteX1" fmla="*/ 3233551 w 4446529"/>
+              <a:gd name="connsiteY1" fmla="*/ 0 h 6858000"/>
+              <a:gd name="connsiteX2" fmla="*/ 3296534 w 4446529"/>
+              <a:gd name="connsiteY2" fmla="*/ 69271 h 6858000"/>
+              <a:gd name="connsiteX3" fmla="*/ 4446529 w 4446529"/>
+              <a:gd name="connsiteY3" fmla="*/ 3429000 h 6858000"/>
+              <a:gd name="connsiteX4" fmla="*/ 3296534 w 4446529"/>
+              <a:gd name="connsiteY4" fmla="*/ 6788730 h 6858000"/>
+              <a:gd name="connsiteX5" fmla="*/ 3233551 w 4446529"/>
+              <a:gd name="connsiteY5" fmla="*/ 6858000 h 6858000"/>
+              <a:gd name="connsiteX6" fmla="*/ 0 w 4446529"/>
+              <a:gd name="connsiteY6" fmla="*/ 6858000 h 6858000"/>
+            </a:gdLst>
+            <a:ahLst/>
+            <a:cxnLst>
+              <a:cxn ang="0">
+                <a:pos x="connsiteX0" y="connsiteY0"/>
+              </a:cxn>
+              <a:cxn ang="0">
+                <a:pos x="connsiteX1" y="connsiteY1"/>
+              </a:cxn>
+              <a:cxn ang="0">
+                <a:pos x="connsiteX2" y="connsiteY2"/>
+              </a:cxn>
+              <a:cxn ang="0">
+                <a:pos x="connsiteX3" y="connsiteY3"/>
+              </a:cxn>
+              <a:cxn ang="0">
+                <a:pos x="connsiteX4" y="connsiteY4"/>
+              </a:cxn>
+              <a:cxn ang="0">
+                <a:pos x="connsiteX5" y="connsiteY5"/>
+              </a:cxn>
+              <a:cxn ang="0">
+                <a:pos x="connsiteX6" y="connsiteY6"/>
+              </a:cxn>
+            </a:cxnLst>
+            <a:rect l="l" t="t" r="r" b="b"/>
+            <a:pathLst>
+              <a:path w="4446529" h="6858000">
+                <a:moveTo>
+                  <a:pt x="0" y="0"/>
+                </a:moveTo>
+                <a:lnTo>
+                  <a:pt x="3233551" y="0"/>
+                </a:lnTo>
+                <a:lnTo>
+                  <a:pt x="3296534" y="69271"/>
+                </a:lnTo>
+                <a:cubicBezTo>
+                  <a:pt x="4007060" y="929100"/>
+                  <a:pt x="4446529" y="2116944"/>
+                  <a:pt x="4446529" y="3429000"/>
+                </a:cubicBezTo>
+                <a:cubicBezTo>
+                  <a:pt x="4446529" y="4741056"/>
+                  <a:pt x="4007060" y="5928900"/>
+                  <a:pt x="3296534" y="6788730"/>
+                </a:cubicBezTo>
+                <a:lnTo>
+                  <a:pt x="3233551" y="6858000"/>
+                </a:lnTo>
+                <a:lnTo>
+                  <a:pt x="0" y="6858000"/>
+                </a:lnTo>
+                <a:close/>
+              </a:path>
+            </a:pathLst>
+          </a:custGeom>
+          <a:ln w="9525">
+            <a:noFill/>
+          </a:ln>
+          <a:effectLst/>
+        </p:spPr>
+        <p:style>
+          <a:lnRef idx="2">
+            <a:schemeClr val="accent1">
+              <a:shade val="50000"/>
+            </a:schemeClr>
+          </a:lnRef>
+          <a:fillRef idx="1">
+            <a:schemeClr val="accent1"/>
+          </a:fillRef>
+          <a:effectRef idx="0">
+            <a:schemeClr val="accent1"/>
+          </a:effectRef>
+          <a:fontRef idx="minor">
+            <a:schemeClr val="lt1"/>
+          </a:fontRef>
+        </p:style>
+        <p:txBody>
+          <a:bodyPr wrap="square" rtlCol="0" anchor="ctr">
+            <a:noAutofit/>
+          </a:bodyPr>
+          <a:lstStyle/>
+          <a:p>
+            <a:pPr marL="0" marR="0" lvl="0" indent="0" algn="ctr" defTabSz="914400" rtl="0" eaLnBrk="1" fontAlgn="auto" latinLnBrk="0" hangingPunct="1">
+              <a:lnSpc>
+                <a:spcPct val="100000"/>
+              </a:lnSpc>
+              <a:spcBef>
+                <a:spcPts val="0"/>
+              </a:spcBef>
+              <a:spcAft>
+                <a:spcPts val="0"/>
+              </a:spcAft>
+              <a:buClrTx/>
+              <a:buSzTx/>
+              <a:buFontTx/>
+              <a:buNone/>
+              <a:tabLst/>
+              <a:defRPr/>
+            </a:pPr>
+            <a:endParaRPr kumimoji="0" lang="en-US" sz="1800" b="0" i="0" u="none" strike="noStrike" kern="1200" cap="none" spc="0" normalizeH="0" baseline="0" noProof="0">
+              <a:ln>
+                <a:noFill/>
+              </a:ln>
+              <a:solidFill>
+                <a:prstClr val="white"/>
+              </a:solidFill>
+              <a:effectLst/>
+              <a:uLnTx/>
+              <a:uFillTx/>
+              <a:latin typeface="Calibri" panose="020F0502020204030204"/>
+              <a:ea typeface="+mn-ea"/>
+              <a:cs typeface="+mn-cs"/>
+            </a:endParaRPr>
+          </a:p>
+        </p:txBody>
+      </p:sp>
+      <p:sp>
+        <p:nvSpPr>
+          <p:cNvPr id="2" name="Title 1">
+            <a:extLst>
+              <a:ext uri="{FF2B5EF4-FFF2-40B4-BE49-F238E27FC236}">
+                <a16:creationId xmlns:a16="http://schemas.microsoft.com/office/drawing/2014/main" id="{D4FC85C2-C13E-EAD8-1425-E4998ACCB2B8}"/>
+              </a:ext>
+            </a:extLst>
+          </p:cNvPr>
+          <p:cNvSpPr>
+            <a:spLocks noGrp="1"/>
+          </p:cNvSpPr>
+          <p:nvPr>
+            <p:ph type="title"/>
+          </p:nvPr>
+        </p:nvSpPr>
+        <p:spPr>
+          <a:xfrm>
+            <a:off x="371093" y="660545"/>
+            <a:ext cx="3841677" cy="1625455"/>
+          </a:xfrm>
+        </p:spPr>
+        <p:txBody>
+          <a:bodyPr vert="horz" lIns="91440" tIns="45720" rIns="91440" bIns="45720" rtlCol="0" anchor="b">
+            <a:noAutofit/>
+          </a:bodyPr>
+          <a:lstStyle/>
+          <a:p>
+            <a:r>
+              <a:rPr lang="en-US" sz="5400" b="0" i="0" kern="1200" dirty="0">
+                <a:solidFill>
+                  <a:schemeClr val="tx1"/>
+                </a:solidFill>
+                <a:effectLst/>
+                <a:latin typeface="+mj-lt"/>
+                <a:ea typeface="+mj-ea"/>
+                <a:cs typeface="+mj-cs"/>
+              </a:rPr>
+              <a:t>Stationary Test</a:t>
+            </a:r>
+            <a:endParaRPr lang="en-US" sz="5400" kern="1200" dirty="0">
+              <a:solidFill>
+                <a:schemeClr val="tx1"/>
+              </a:solidFill>
+              <a:latin typeface="+mj-lt"/>
+              <a:ea typeface="+mj-ea"/>
+              <a:cs typeface="+mj-cs"/>
+            </a:endParaRPr>
+          </a:p>
+        </p:txBody>
+      </p:sp>
+      <p:sp>
+        <p:nvSpPr>
+          <p:cNvPr id="18" name="Rectangle 17">
+            <a:extLst>
+              <a:ext uri="{FF2B5EF4-FFF2-40B4-BE49-F238E27FC236}">
+                <a16:creationId xmlns:a16="http://schemas.microsoft.com/office/drawing/2014/main" id="{55D4142C-5077-457F-A6AD-3FECFDB39685}"/>
+              </a:ext>
+              <a:ext uri="{C183D7F6-B498-43B3-948B-1728B52AA6E4}">
+                <adec:decorative xmlns:adec="http://schemas.microsoft.com/office/drawing/2017/decorative" val="1"/>
+              </a:ext>
+            </a:extLst>
+          </p:cNvPr>
+          <p:cNvSpPr>
+            <a:spLocks noGrp="1" noRot="1" noChangeAspect="1" noMove="1" noResize="1" noEditPoints="1" noAdjustHandles="1" noChangeArrowheads="1" noChangeShapeType="1" noTextEdit="1"/>
+          </p:cNvSpPr>
+          <p:nvPr>
+            <p:extLst>
+              <p:ext uri="{386F3935-93C4-4BCD-93E2-E3B085C9AB24}">
+                <p16:designElem xmlns:p16="http://schemas.microsoft.com/office/powerpoint/2015/main" val="1"/>
+              </p:ext>
+            </p:extLst>
+          </p:nvPr>
+        </p:nvSpPr>
+        <p:spPr>
+          <a:xfrm rot="5400000">
+            <a:off x="662559" y="605790"/>
+            <a:ext cx="73152" cy="548640"/>
+          </a:xfrm>
+          <a:prstGeom prst="rect">
+            <a:avLst/>
+          </a:prstGeom>
           <a:solidFill>
             <a:schemeClr val="accent2"/>
           </a:solidFill>
@@ -16543,68 +15289,25 @@
           </a:fontRef>
         </p:style>
         <p:txBody>
-          <a:bodyPr wrap="square" rtlCol="0" anchor="ctr">
-            <a:noAutofit/>
-          </a:bodyPr>
+          <a:bodyPr rtlCol="0" anchor="ctr"/>
           <a:lstStyle/>
           <a:p>
             <a:pPr algn="ctr"/>
-            <a:endParaRPr lang="en-US"/>
-          </a:p>
-        </p:txBody>
-      </p:sp>
-      <p:sp>
-        <p:nvSpPr>
-          <p:cNvPr id="2" name="Title 1">
-            <a:extLst>
-              <a:ext uri="{FF2B5EF4-FFF2-40B4-BE49-F238E27FC236}">
-                <a16:creationId xmlns:a16="http://schemas.microsoft.com/office/drawing/2014/main" id="{7D68AF1A-2C4D-AAF5-C344-FCC56B2EA2C4}"/>
-              </a:ext>
-            </a:extLst>
-          </p:cNvPr>
-          <p:cNvSpPr>
-            <a:spLocks noGrp="1"/>
-          </p:cNvSpPr>
-          <p:nvPr>
-            <p:ph type="title"/>
-          </p:nvPr>
-        </p:nvSpPr>
-        <p:spPr>
-          <a:xfrm>
-            <a:off x="630936" y="630936"/>
-            <a:ext cx="3599688" cy="1463040"/>
-          </a:xfrm>
-        </p:spPr>
-        <p:txBody>
-          <a:bodyPr anchor="ctr">
-            <a:normAutofit/>
-          </a:bodyPr>
-          <a:lstStyle/>
-          <a:p>
-            <a:r>
-              <a:rPr lang="en-SG" sz="4800" b="0" i="0">
-                <a:solidFill>
-                  <a:srgbClr val="FFFFFF"/>
-                </a:solidFill>
-                <a:effectLst/>
-                <a:latin typeface="BentonSansRegular"/>
-              </a:rPr>
-              <a:t>Model Building</a:t>
-            </a:r>
-            <a:endParaRPr lang="en-US" sz="4800">
+            <a:endParaRPr lang="en-US">
               <a:solidFill>
-                <a:srgbClr val="FFFFFF"/>
+                <a:prstClr val="white"/>
               </a:solidFill>
+              <a:latin typeface="Calibri" panose="020F0502020204030204"/>
             </a:endParaRPr>
           </a:p>
         </p:txBody>
       </p:sp>
       <p:sp>
         <p:nvSpPr>
-          <p:cNvPr id="11275" name="sketch line">
+          <p:cNvPr id="20" name="Rectangle 19">
             <a:extLst>
               <a:ext uri="{FF2B5EF4-FFF2-40B4-BE49-F238E27FC236}">
-                <a16:creationId xmlns:a16="http://schemas.microsoft.com/office/drawing/2014/main" id="{59FA8C2E-A5A7-4490-927A-7CD58343EDBB}"/>
+                <a16:creationId xmlns:a16="http://schemas.microsoft.com/office/drawing/2014/main" id="{7A5F0580-5EE9-419F-96EE-B6529EF6E7D0}"/>
               </a:ext>
               <a:ext uri="{C183D7F6-B498-43B3-948B-1728B52AA6E4}">
                 <adec:decorative xmlns:adec="http://schemas.microsoft.com/office/drawing/2017/decorative" val="1"/>
@@ -16623,179 +15326,20 @@
           </p:nvPr>
         </p:nvSpPr>
         <p:spPr>
-          <a:xfrm rot="5400000">
-            <a:off x="3566159" y="1353312"/>
-            <a:ext cx="1554480" cy="18288"/>
+          <a:xfrm>
+            <a:off x="428244" y="2443480"/>
+            <a:ext cx="3337560" cy="18288"/>
           </a:xfrm>
-          <a:custGeom>
+          <a:prstGeom prst="rect">
             <a:avLst/>
-            <a:gdLst>
-              <a:gd name="connsiteX0" fmla="*/ 0 w 1554480"/>
-              <a:gd name="connsiteY0" fmla="*/ 0 h 18288"/>
-              <a:gd name="connsiteX1" fmla="*/ 549250 w 1554480"/>
-              <a:gd name="connsiteY1" fmla="*/ 0 h 18288"/>
-              <a:gd name="connsiteX2" fmla="*/ 1082954 w 1554480"/>
-              <a:gd name="connsiteY2" fmla="*/ 0 h 18288"/>
-              <a:gd name="connsiteX3" fmla="*/ 1554480 w 1554480"/>
-              <a:gd name="connsiteY3" fmla="*/ 0 h 18288"/>
-              <a:gd name="connsiteX4" fmla="*/ 1554480 w 1554480"/>
-              <a:gd name="connsiteY4" fmla="*/ 18288 h 18288"/>
-              <a:gd name="connsiteX5" fmla="*/ 1067410 w 1554480"/>
-              <a:gd name="connsiteY5" fmla="*/ 18288 h 18288"/>
-              <a:gd name="connsiteX6" fmla="*/ 549250 w 1554480"/>
-              <a:gd name="connsiteY6" fmla="*/ 18288 h 18288"/>
-              <a:gd name="connsiteX7" fmla="*/ 0 w 1554480"/>
-              <a:gd name="connsiteY7" fmla="*/ 18288 h 18288"/>
-              <a:gd name="connsiteX8" fmla="*/ 0 w 1554480"/>
-              <a:gd name="connsiteY8" fmla="*/ 0 h 18288"/>
-            </a:gdLst>
-            <a:ahLst/>
-            <a:cxnLst>
-              <a:cxn ang="0">
-                <a:pos x="connsiteX0" y="connsiteY0"/>
-              </a:cxn>
-              <a:cxn ang="0">
-                <a:pos x="connsiteX1" y="connsiteY1"/>
-              </a:cxn>
-              <a:cxn ang="0">
-                <a:pos x="connsiteX2" y="connsiteY2"/>
-              </a:cxn>
-              <a:cxn ang="0">
-                <a:pos x="connsiteX3" y="connsiteY3"/>
-              </a:cxn>
-              <a:cxn ang="0">
-                <a:pos x="connsiteX4" y="connsiteY4"/>
-              </a:cxn>
-              <a:cxn ang="0">
-                <a:pos x="connsiteX5" y="connsiteY5"/>
-              </a:cxn>
-              <a:cxn ang="0">
-                <a:pos x="connsiteX6" y="connsiteY6"/>
-              </a:cxn>
-              <a:cxn ang="0">
-                <a:pos x="connsiteX7" y="connsiteY7"/>
-              </a:cxn>
-              <a:cxn ang="0">
-                <a:pos x="connsiteX8" y="connsiteY8"/>
-              </a:cxn>
-            </a:cxnLst>
-            <a:rect l="l" t="t" r="r" b="b"/>
-            <a:pathLst>
-              <a:path w="1554480" h="18288" fill="none" extrusionOk="0">
-                <a:moveTo>
-                  <a:pt x="0" y="0"/>
-                </a:moveTo>
-                <a:cubicBezTo>
-                  <a:pt x="114141" y="-19864"/>
-                  <a:pt x="345055" y="-1657"/>
-                  <a:pt x="549250" y="0"/>
-                </a:cubicBezTo>
-                <a:cubicBezTo>
-                  <a:pt x="753445" y="1657"/>
-                  <a:pt x="862292" y="-5674"/>
-                  <a:pt x="1082954" y="0"/>
-                </a:cubicBezTo>
-                <a:cubicBezTo>
-                  <a:pt x="1303616" y="5674"/>
-                  <a:pt x="1363530" y="4537"/>
-                  <a:pt x="1554480" y="0"/>
-                </a:cubicBezTo>
-                <a:cubicBezTo>
-                  <a:pt x="1554963" y="7176"/>
-                  <a:pt x="1553909" y="13682"/>
-                  <a:pt x="1554480" y="18288"/>
-                </a:cubicBezTo>
-                <a:cubicBezTo>
-                  <a:pt x="1338847" y="6127"/>
-                  <a:pt x="1215066" y="37851"/>
-                  <a:pt x="1067410" y="18288"/>
-                </a:cubicBezTo>
-                <a:cubicBezTo>
-                  <a:pt x="919754" y="-1275"/>
-                  <a:pt x="800465" y="3080"/>
-                  <a:pt x="549250" y="18288"/>
-                </a:cubicBezTo>
-                <a:cubicBezTo>
-                  <a:pt x="298035" y="33496"/>
-                  <a:pt x="158868" y="22769"/>
-                  <a:pt x="0" y="18288"/>
-                </a:cubicBezTo>
-                <a:cubicBezTo>
-                  <a:pt x="-655" y="13237"/>
-                  <a:pt x="709" y="4645"/>
-                  <a:pt x="0" y="0"/>
-                </a:cubicBezTo>
-                <a:close/>
-              </a:path>
-              <a:path w="1554480" h="18288" stroke="0" extrusionOk="0">
-                <a:moveTo>
-                  <a:pt x="0" y="0"/>
-                </a:moveTo>
-                <a:cubicBezTo>
-                  <a:pt x="249941" y="-58"/>
-                  <a:pt x="367334" y="23448"/>
-                  <a:pt x="502615" y="0"/>
-                </a:cubicBezTo>
-                <a:cubicBezTo>
-                  <a:pt x="637897" y="-23448"/>
-                  <a:pt x="813653" y="-20418"/>
-                  <a:pt x="974141" y="0"/>
-                </a:cubicBezTo>
-                <a:cubicBezTo>
-                  <a:pt x="1134629" y="20418"/>
-                  <a:pt x="1268772" y="6288"/>
-                  <a:pt x="1554480" y="0"/>
-                </a:cubicBezTo>
-                <a:cubicBezTo>
-                  <a:pt x="1554917" y="7222"/>
-                  <a:pt x="1555359" y="13299"/>
-                  <a:pt x="1554480" y="18288"/>
-                </a:cubicBezTo>
-                <a:cubicBezTo>
-                  <a:pt x="1336087" y="12172"/>
-                  <a:pt x="1310024" y="19759"/>
-                  <a:pt x="1067410" y="18288"/>
-                </a:cubicBezTo>
-                <a:cubicBezTo>
-                  <a:pt x="824796" y="16818"/>
-                  <a:pt x="787902" y="34647"/>
-                  <a:pt x="518160" y="18288"/>
-                </a:cubicBezTo>
-                <a:cubicBezTo>
-                  <a:pt x="248418" y="1930"/>
-                  <a:pt x="133160" y="9205"/>
-                  <a:pt x="0" y="18288"/>
-                </a:cubicBezTo>
-                <a:cubicBezTo>
-                  <a:pt x="-643" y="9451"/>
-                  <a:pt x="-340" y="7114"/>
-                  <a:pt x="0" y="0"/>
-                </a:cubicBezTo>
-                <a:close/>
-              </a:path>
-            </a:pathLst>
-          </a:custGeom>
+          </a:prstGeom>
           <a:solidFill>
-            <a:srgbClr val="FFFFFF"/>
+            <a:srgbClr val="D5D5D5"/>
           </a:solidFill>
-          <a:ln w="41275" cap="rnd">
-            <a:solidFill>
-              <a:srgbClr val="FFFFFF"/>
-            </a:solidFill>
-            <a:round/>
-            <a:extLst>
-              <a:ext uri="{C807C97D-BFC1-408E-A445-0C87EB9F89A2}">
-                <ask:lineSketchStyleProps xmlns:ask="http://schemas.microsoft.com/office/drawing/2018/sketchyshapes" sd="1219033472">
-                  <a:prstGeom prst="rect">
-                    <a:avLst/>
-                  </a:prstGeom>
-                  <ask:type>
-                    <ask:lineSketchFreehand/>
-                  </ask:type>
-                </ask:lineSketchStyleProps>
-              </a:ext>
-            </a:extLst>
+          <a:ln w="3175">
+            <a:noFill/>
           </a:ln>
+          <a:effectLst/>
         </p:spPr>
         <p:style>
           <a:lnRef idx="2">
@@ -16818,114 +15362,77 @@
           <a:lstStyle/>
           <a:p>
             <a:pPr algn="ctr"/>
-            <a:endParaRPr lang="en-US"/>
+            <a:endParaRPr lang="en-US">
+              <a:solidFill>
+                <a:prstClr val="white"/>
+              </a:solidFill>
+              <a:latin typeface="Calibri" panose="020F0502020204030204"/>
+            </a:endParaRPr>
           </a:p>
         </p:txBody>
       </p:sp>
       <p:sp>
         <p:nvSpPr>
-          <p:cNvPr id="3" name="Content Placeholder 2">
+          <p:cNvPr id="5" name="TextBox 4">
             <a:extLst>
               <a:ext uri="{FF2B5EF4-FFF2-40B4-BE49-F238E27FC236}">
-                <a16:creationId xmlns:a16="http://schemas.microsoft.com/office/drawing/2014/main" id="{F0BC21B8-453E-357C-A537-0313EF721E74}"/>
+                <a16:creationId xmlns:a16="http://schemas.microsoft.com/office/drawing/2014/main" id="{4E9F4BA7-B5C0-7410-9C35-8BF173ABBD09}"/>
               </a:ext>
             </a:extLst>
           </p:cNvPr>
-          <p:cNvSpPr>
-            <a:spLocks noGrp="1"/>
-          </p:cNvSpPr>
-          <p:nvPr>
-            <p:ph idx="1"/>
-          </p:nvPr>
+          <p:cNvSpPr txBox="1"/>
+          <p:nvPr/>
         </p:nvSpPr>
         <p:spPr>
           <a:xfrm>
-            <a:off x="4474462" y="284205"/>
-            <a:ext cx="7074409" cy="1809771"/>
+            <a:off x="371094" y="2718054"/>
+            <a:ext cx="3438906" cy="3207258"/>
           </a:xfrm>
+          <a:prstGeom prst="rect">
+            <a:avLst/>
+          </a:prstGeom>
         </p:spPr>
         <p:txBody>
-          <a:bodyPr anchor="ctr">
-            <a:normAutofit lnSpcReduction="10000"/>
+          <a:bodyPr vert="horz" lIns="91440" tIns="45720" rIns="91440" bIns="45720" rtlCol="0" anchor="t">
+            <a:normAutofit/>
           </a:bodyPr>
           <a:lstStyle/>
           <a:p>
+            <a:pPr indent="-228600">
+              <a:lnSpc>
+                <a:spcPct val="90000"/>
+              </a:lnSpc>
+              <a:spcAft>
+                <a:spcPts val="600"/>
+              </a:spcAft>
+              <a:buFont typeface="Arial" panose="020B0604020202020204" pitchFamily="34" charset="0"/>
+              <a:buChar char="•"/>
+            </a:pPr>
             <a:r>
-              <a:rPr lang="en-SG" sz="1500" b="0" i="0" dirty="0">
-                <a:solidFill>
-                  <a:srgbClr val="FFFFFF"/>
-                </a:solidFill>
+              <a:rPr lang="en-US" sz="2800" b="0" i="0">
                 <a:effectLst/>
-                <a:latin typeface="BentonSansRegular"/>
               </a:rPr>
-              <a:t>From the two results above, a VAR model is selected when the search method is grid search and ECCM and the only difference is the number of AR term. which one is better? Let’s explore these two methods based on content of the </a:t>
+              <a:t>Multiple differencing method to make them stationary.</a:t>
             </a:r>
-            <a:r>
-              <a:rPr lang="en-SG" sz="1500" b="0" i="0" dirty="0" err="1">
-                <a:solidFill>
-                  <a:srgbClr val="FFFFFF"/>
-                </a:solidFill>
-                <a:effectLst/>
-                <a:latin typeface="BentonSansRegular"/>
-              </a:rPr>
-              <a:t>eccm</a:t>
-            </a:r>
-            <a:r>
-              <a:rPr lang="en-SG" sz="1500" b="0" i="0" dirty="0">
-                <a:solidFill>
-                  <a:srgbClr val="FFFFFF"/>
-                </a:solidFill>
-                <a:effectLst/>
-                <a:latin typeface="BentonSansRegular"/>
-              </a:rPr>
-              <a:t> which is returned in the vectorArima2.model_.collect()[‘CONTENT_VALUE’][7].</a:t>
-            </a:r>
-          </a:p>
-          <a:p>
-            <a:r>
-              <a:rPr lang="en-SG" sz="1500" b="0" i="0" dirty="0">
-                <a:solidFill>
-                  <a:srgbClr val="FFFFFF"/>
-                </a:solidFill>
-                <a:effectLst/>
-                <a:latin typeface="BentonSansRegular"/>
-              </a:rPr>
-              <a:t>The result of ECCM is shown in a row.</a:t>
-            </a:r>
-          </a:p>
-          <a:p>
-            <a:r>
-              <a:rPr lang="en-SG" sz="1500" dirty="0">
-                <a:solidFill>
-                  <a:srgbClr val="FFFFFF"/>
-                </a:solidFill>
-                <a:latin typeface="BentonSansRegular"/>
-              </a:rPr>
-              <a:t>we could tell when p=3 and p=4, q=0, both p-value is greater than 0.95, so both models are good. Another thing we observe is that when p=2 and q=4, the p-value is 0.999 which seems good. However, this model is likely to lead to overfitting.</a:t>
-            </a:r>
-          </a:p>
-          <a:p>
-            <a:endParaRPr lang="en-US" sz="1500" dirty="0">
-              <a:solidFill>
-                <a:srgbClr val="FFFFFF"/>
-              </a:solidFill>
-            </a:endParaRPr>
+            <a:endParaRPr lang="en-US" sz="2800"/>
           </a:p>
         </p:txBody>
       </p:sp>
       <p:pic>
         <p:nvPicPr>
-          <p:cNvPr id="11266" name="Picture 2">
+          <p:cNvPr id="7" name="Picture 4">
             <a:extLst>
               <a:ext uri="{FF2B5EF4-FFF2-40B4-BE49-F238E27FC236}">
-                <a16:creationId xmlns:a16="http://schemas.microsoft.com/office/drawing/2014/main" id="{2A305ED5-D38C-CE41-B92D-8FB3DA11FC4B}"/>
+                <a16:creationId xmlns:a16="http://schemas.microsoft.com/office/drawing/2014/main" id="{38D2226C-DFDD-BD1C-68C6-56755C4E31E5}"/>
               </a:ext>
             </a:extLst>
           </p:cNvPr>
           <p:cNvPicPr>
-            <a:picLocks noChangeAspect="1" noChangeArrowheads="1"/>
+            <a:picLocks noGrp="1" noChangeAspect="1" noChangeArrowheads="1"/>
           </p:cNvPicPr>
-          <p:nvPr/>
+          <p:nvPr>
+            <p:ph idx="1"/>
+          </p:nvPr>
         </p:nvPicPr>
         <p:blipFill>
           <a:blip r:embed="rId2">
@@ -16941,8 +15448,8 @@
         </p:blipFill>
         <p:spPr bwMode="auto">
           <a:xfrm>
-            <a:off x="630936" y="3507713"/>
-            <a:ext cx="10917936" cy="2206662"/>
+            <a:off x="4898967" y="1905419"/>
+            <a:ext cx="6921940" cy="3156403"/>
           </a:xfrm>
           <a:prstGeom prst="rect">
             <a:avLst/>
@@ -16962,7 +15469,7 @@
     </p:spTree>
     <p:extLst>
       <p:ext uri="{BB962C8B-B14F-4D97-AF65-F5344CB8AC3E}">
-        <p14:creationId xmlns:p14="http://schemas.microsoft.com/office/powerpoint/2010/main" val="1684525248"/>
+        <p14:creationId xmlns:p14="http://schemas.microsoft.com/office/powerpoint/2010/main" val="3810891464"/>
       </p:ext>
     </p:extLst>
   </p:cSld>
@@ -16972,399 +15479,7 @@
 </p:sld>
 </file>
 
-<file path=ppt/slides/slide23.xml><?xml version="1.0" encoding="utf-8"?>
-<p:sld xmlns:a="http://schemas.openxmlformats.org/drawingml/2006/main" xmlns:r="http://schemas.openxmlformats.org/officeDocument/2006/relationships" xmlns:p="http://schemas.openxmlformats.org/presentationml/2006/main">
-  <p:cSld>
-    <p:spTree>
-      <p:nvGrpSpPr>
-        <p:cNvPr id="1" name=""/>
-        <p:cNvGrpSpPr/>
-        <p:nvPr/>
-      </p:nvGrpSpPr>
-      <p:grpSpPr>
-        <a:xfrm>
-          <a:off x="0" y="0"/>
-          <a:ext cx="0" cy="0"/>
-          <a:chOff x="0" y="0"/>
-          <a:chExt cx="0" cy="0"/>
-        </a:xfrm>
-      </p:grpSpPr>
-      <p:sp>
-        <p:nvSpPr>
-          <p:cNvPr id="2" name="Title 1">
-            <a:extLst>
-              <a:ext uri="{FF2B5EF4-FFF2-40B4-BE49-F238E27FC236}">
-                <a16:creationId xmlns:a16="http://schemas.microsoft.com/office/drawing/2014/main" id="{1CCAC1D6-E298-21DD-0F2A-306C890680C4}"/>
-              </a:ext>
-            </a:extLst>
-          </p:cNvPr>
-          <p:cNvSpPr>
-            <a:spLocks noGrp="1"/>
-          </p:cNvSpPr>
-          <p:nvPr>
-            <p:ph type="title"/>
-          </p:nvPr>
-        </p:nvSpPr>
-        <p:spPr/>
-        <p:txBody>
-          <a:bodyPr/>
-          <a:lstStyle/>
-          <a:p>
-            <a:r>
-              <a:rPr lang="en-US" dirty="0"/>
-              <a:t>Grid Search and ECCM</a:t>
-            </a:r>
-          </a:p>
-        </p:txBody>
-      </p:sp>
-      <p:sp>
-        <p:nvSpPr>
-          <p:cNvPr id="3" name="Content Placeholder 2">
-            <a:extLst>
-              <a:ext uri="{FF2B5EF4-FFF2-40B4-BE49-F238E27FC236}">
-                <a16:creationId xmlns:a16="http://schemas.microsoft.com/office/drawing/2014/main" id="{385E4084-2B9B-FCEF-BEE8-C7A233A1B2C9}"/>
-              </a:ext>
-            </a:extLst>
-          </p:cNvPr>
-          <p:cNvSpPr>
-            <a:spLocks noGrp="1"/>
-          </p:cNvSpPr>
-          <p:nvPr>
-            <p:ph idx="1"/>
-          </p:nvPr>
-        </p:nvSpPr>
-        <p:spPr>
-          <a:xfrm>
-            <a:off x="838200" y="1825625"/>
-            <a:ext cx="10515600" cy="2593975"/>
-          </a:xfrm>
-        </p:spPr>
-        <p:txBody>
-          <a:bodyPr>
-            <a:normAutofit/>
-          </a:bodyPr>
-          <a:lstStyle/>
-          <a:p>
-            <a:pPr algn="l">
-              <a:buFont typeface="+mj-lt"/>
-              <a:buAutoNum type="arabicPeriod"/>
-            </a:pPr>
-            <a:r>
-              <a:rPr lang="en-SG" sz="1400" b="0" i="0" dirty="0">
-                <a:effectLst/>
-                <a:latin typeface="Söhne"/>
-              </a:rPr>
-              <a:t>Grid Search: Grid search is a systematic approach to find the optimal combination of model parameters by evaluating multiple models over a predefined grid of parameter values. It involves specifying a range of values for each parameter and then exhaustively evaluating each combination of parameter values to determine the best-fitting model. The evaluation is typically based on a chosen criterion, such as minimizing the Akaike Information Criterion (AIC) or Bayesian Information Criterion (BIC). Grid search helps in selecting the most appropriate values for parameters like p, d, q, P, D, and Q in the </a:t>
-            </a:r>
-            <a:r>
-              <a:rPr lang="en-SG" sz="1400" b="0" i="0" dirty="0" err="1">
-                <a:effectLst/>
-                <a:latin typeface="Söhne"/>
-              </a:rPr>
-              <a:t>VectorARIMA</a:t>
-            </a:r>
-            <a:r>
-              <a:rPr lang="en-SG" sz="1400" b="0" i="0" dirty="0">
-                <a:effectLst/>
-                <a:latin typeface="Söhne"/>
-              </a:rPr>
-              <a:t> model.</a:t>
-            </a:r>
-          </a:p>
-          <a:p>
-            <a:pPr algn="l">
-              <a:buFont typeface="+mj-lt"/>
-              <a:buAutoNum type="arabicPeriod"/>
-            </a:pPr>
-            <a:r>
-              <a:rPr lang="en-SG" sz="1400" b="0" i="0" dirty="0">
-                <a:effectLst/>
-                <a:latin typeface="Söhne"/>
-              </a:rPr>
-              <a:t>ECCM (Extended Complex Conjugate Method): ECCM is an algorithm used for estimating the parameters of </a:t>
-            </a:r>
-            <a:r>
-              <a:rPr lang="en-SG" sz="1400" b="0" i="0" dirty="0" err="1">
-                <a:effectLst/>
-                <a:latin typeface="Söhne"/>
-              </a:rPr>
-              <a:t>VectorARIMA</a:t>
-            </a:r>
-            <a:r>
-              <a:rPr lang="en-SG" sz="1400" b="0" i="0" dirty="0">
-                <a:effectLst/>
-                <a:latin typeface="Söhne"/>
-              </a:rPr>
-              <a:t> models. It is particularly useful for estimating complex-valued parameters in </a:t>
-            </a:r>
-            <a:r>
-              <a:rPr lang="en-SG" sz="1400" b="0" i="0" dirty="0" err="1">
-                <a:effectLst/>
-                <a:latin typeface="Söhne"/>
-              </a:rPr>
-              <a:t>VectorARIMA</a:t>
-            </a:r>
-            <a:r>
-              <a:rPr lang="en-SG" sz="1400" b="0" i="0" dirty="0">
-                <a:effectLst/>
-                <a:latin typeface="Söhne"/>
-              </a:rPr>
-              <a:t> models, which can occur when dealing with time series that involve complex numbers (e.g., in the field of signal processing). The ECCM algorithm extends the Complex Conjugate Method (CCM) to handle the estimation of complex-valued parameters in multivariate time series models. It is an iterative optimization algorithm that estimates the parameters by minimizing the sum of squares of the model residuals.</a:t>
-            </a:r>
-          </a:p>
-          <a:p>
-            <a:r>
-              <a:rPr lang="en-SG" sz="1050" b="0" i="0" dirty="0">
-                <a:effectLst/>
-                <a:latin typeface="Söhne"/>
-              </a:rPr>
-              <a:t>Grid search helps in identifying the optimal parameter values that result in the best model fit, while ECCM is used for parameter estimation, especially when dealing with complex-valued parameters in multivariate time series models.</a:t>
-            </a:r>
-            <a:endParaRPr lang="en-US" sz="1400" dirty="0"/>
-          </a:p>
-        </p:txBody>
-      </p:sp>
-    </p:spTree>
-    <p:extLst>
-      <p:ext uri="{BB962C8B-B14F-4D97-AF65-F5344CB8AC3E}">
-        <p14:creationId xmlns:p14="http://schemas.microsoft.com/office/powerpoint/2010/main" val="4221111502"/>
-      </p:ext>
-    </p:extLst>
-  </p:cSld>
-  <p:clrMapOvr>
-    <a:masterClrMapping/>
-  </p:clrMapOvr>
-</p:sld>
-</file>
-
-<file path=ppt/slides/slide24.xml><?xml version="1.0" encoding="utf-8"?>
-<p:sld xmlns:a="http://schemas.openxmlformats.org/drawingml/2006/main" xmlns:r="http://schemas.openxmlformats.org/officeDocument/2006/relationships" xmlns:p="http://schemas.openxmlformats.org/presentationml/2006/main">
-  <p:cSld>
-    <p:spTree>
-      <p:nvGrpSpPr>
-        <p:cNvPr id="1" name=""/>
-        <p:cNvGrpSpPr/>
-        <p:nvPr/>
-      </p:nvGrpSpPr>
-      <p:grpSpPr>
-        <a:xfrm>
-          <a:off x="0" y="0"/>
-          <a:ext cx="0" cy="0"/>
-          <a:chOff x="0" y="0"/>
-          <a:chExt cx="0" cy="0"/>
-        </a:xfrm>
-      </p:grpSpPr>
-      <p:sp>
-        <p:nvSpPr>
-          <p:cNvPr id="2" name="Title 1">
-            <a:extLst>
-              <a:ext uri="{FF2B5EF4-FFF2-40B4-BE49-F238E27FC236}">
-                <a16:creationId xmlns:a16="http://schemas.microsoft.com/office/drawing/2014/main" id="{4AEC2CCF-A61A-ADBB-C25F-34A07B7A8B0D}"/>
-              </a:ext>
-            </a:extLst>
-          </p:cNvPr>
-          <p:cNvSpPr>
-            <a:spLocks noGrp="1"/>
-          </p:cNvSpPr>
-          <p:nvPr>
-            <p:ph type="title"/>
-          </p:nvPr>
-        </p:nvSpPr>
-        <p:spPr/>
-        <p:txBody>
-          <a:bodyPr/>
-          <a:lstStyle/>
-          <a:p>
-            <a:r>
-              <a:rPr lang="en-US" dirty="0"/>
-              <a:t>Goodness of fit of a model with different p and q in TS</a:t>
-            </a:r>
-          </a:p>
-        </p:txBody>
-      </p:sp>
-      <p:sp>
-        <p:nvSpPr>
-          <p:cNvPr id="3" name="Content Placeholder 2">
-            <a:extLst>
-              <a:ext uri="{FF2B5EF4-FFF2-40B4-BE49-F238E27FC236}">
-                <a16:creationId xmlns:a16="http://schemas.microsoft.com/office/drawing/2014/main" id="{DA1BF610-9250-69A6-803C-728B69DF2226}"/>
-              </a:ext>
-            </a:extLst>
-          </p:cNvPr>
-          <p:cNvSpPr>
-            <a:spLocks noGrp="1"/>
-          </p:cNvSpPr>
-          <p:nvPr>
-            <p:ph idx="1"/>
-          </p:nvPr>
-        </p:nvSpPr>
-        <p:spPr/>
-        <p:txBody>
-          <a:bodyPr>
-            <a:normAutofit/>
-          </a:bodyPr>
-          <a:lstStyle/>
-          <a:p>
-            <a:pPr algn="l">
-              <a:buFont typeface="+mj-lt"/>
-              <a:buAutoNum type="arabicPeriod"/>
-            </a:pPr>
-            <a:r>
-              <a:rPr lang="en-SG" sz="1600" b="0" i="0" dirty="0">
-                <a:effectLst/>
-                <a:latin typeface="Söhne"/>
-              </a:rPr>
-              <a:t>Akaike Information Criterion (AIC): The AIC is a widely used information criterion that measures the trade-off between model fit and complexity. It is calculated as AIC = -2</a:t>
-            </a:r>
-            <a:r>
-              <a:rPr lang="en-SG" sz="1600" b="0" i="1" dirty="0">
-                <a:effectLst/>
-                <a:latin typeface="Söhne"/>
-              </a:rPr>
-              <a:t>log-likelihood + 2</a:t>
-            </a:r>
-            <a:r>
-              <a:rPr lang="en-SG" sz="1600" b="0" i="0" dirty="0">
-                <a:effectLst/>
-                <a:latin typeface="Söhne"/>
-              </a:rPr>
-              <a:t>(number of parameters in the model). The AIC penalizes models with more parameters, encouraging parsimony. </a:t>
-            </a:r>
-            <a:r>
-              <a:rPr lang="en-SG" sz="1600" b="0" i="0" dirty="0">
-                <a:solidFill>
-                  <a:schemeClr val="accent6">
-                    <a:lumMod val="50000"/>
-                  </a:schemeClr>
-                </a:solidFill>
-                <a:effectLst/>
-                <a:latin typeface="Söhne"/>
-              </a:rPr>
-              <a:t>Lower AIC values indicate better-fitting models.</a:t>
-            </a:r>
-          </a:p>
-          <a:p>
-            <a:pPr algn="l">
-              <a:buFont typeface="+mj-lt"/>
-              <a:buAutoNum type="arabicPeriod"/>
-            </a:pPr>
-            <a:r>
-              <a:rPr lang="en-SG" sz="1600" b="0" i="0" dirty="0">
-                <a:effectLst/>
-                <a:latin typeface="Söhne"/>
-              </a:rPr>
-              <a:t>Bayesian Information Criterion (BIC): The BIC is a similar information criterion to the AIC but places a stronger penalty on model complexity. It is calculated as BIC = -2</a:t>
-            </a:r>
-            <a:r>
-              <a:rPr lang="en-SG" sz="1600" b="0" i="1" dirty="0">
-                <a:effectLst/>
-                <a:latin typeface="Söhne"/>
-              </a:rPr>
-              <a:t>log-likelihood + log(sample size)</a:t>
-            </a:r>
-            <a:r>
-              <a:rPr lang="en-SG" sz="1600" b="0" i="0" dirty="0">
-                <a:effectLst/>
-                <a:latin typeface="Söhne"/>
-              </a:rPr>
-              <a:t>(number of parameters in the model). The BIC penalizes models with more parameters more severely than the AIC. </a:t>
-            </a:r>
-            <a:r>
-              <a:rPr lang="en-SG" sz="1600" b="0" i="0" dirty="0">
-                <a:solidFill>
-                  <a:schemeClr val="accent6">
-                    <a:lumMod val="50000"/>
-                  </a:schemeClr>
-                </a:solidFill>
-                <a:effectLst/>
-                <a:latin typeface="Söhne"/>
-              </a:rPr>
-              <a:t>As with the AIC, lower BIC values indicate better-fitting models.</a:t>
-            </a:r>
-          </a:p>
-          <a:p>
-            <a:pPr algn="l">
-              <a:buFont typeface="+mj-lt"/>
-              <a:buAutoNum type="arabicPeriod"/>
-            </a:pPr>
-            <a:r>
-              <a:rPr lang="en-SG" sz="1600" b="0" i="0" dirty="0">
-                <a:effectLst/>
-                <a:latin typeface="Söhne"/>
-              </a:rPr>
-              <a:t>Final Prediction Error (FPE): The FPE is an information criterion that focuses on the accuracy of out-of-sample predictions. It is calculated as FPE = (1 + p + q + 1)/(n - p - q - 1) * sum of squared residuals, where n is the sample size. The FPE measures the mean square prediction error and is often used in the context of autoregressive models. </a:t>
-            </a:r>
-            <a:r>
-              <a:rPr lang="en-SG" sz="1600" b="0" i="0" dirty="0">
-                <a:solidFill>
-                  <a:schemeClr val="accent6">
-                    <a:lumMod val="50000"/>
-                  </a:schemeClr>
-                </a:solidFill>
-                <a:effectLst/>
-                <a:latin typeface="Söhne"/>
-              </a:rPr>
-              <a:t>Lower FPE values indicate better prediction accuracy.</a:t>
-            </a:r>
-          </a:p>
-          <a:p>
-            <a:pPr algn="l">
-              <a:buFont typeface="+mj-lt"/>
-              <a:buAutoNum type="arabicPeriod"/>
-            </a:pPr>
-            <a:r>
-              <a:rPr lang="en-SG" sz="1600" b="0" i="0" dirty="0">
-                <a:effectLst/>
-                <a:latin typeface="Söhne"/>
-              </a:rPr>
-              <a:t>Hannan-Quinn Information Criterion (HQIC): The HQIC is another information criterion that balances model fit and complexity. It is calculated as HQIC = -2</a:t>
-            </a:r>
-            <a:r>
-              <a:rPr lang="en-SG" sz="1600" b="0" i="1" dirty="0">
-                <a:effectLst/>
-                <a:latin typeface="Söhne"/>
-              </a:rPr>
-              <a:t>log-likelihood + 2</a:t>
-            </a:r>
-            <a:r>
-              <a:rPr lang="en-SG" sz="1600" b="0" i="0" dirty="0">
-                <a:effectLst/>
-                <a:latin typeface="Söhne"/>
-              </a:rPr>
-              <a:t>log(log(n))*(number of parameters in the model), where n is the sample size. The HQIC penalizes model complexity, similar to the AIC and BIC, but with a different penalty term. </a:t>
-            </a:r>
-            <a:r>
-              <a:rPr lang="en-SG" sz="1600" b="0" i="0" dirty="0">
-                <a:solidFill>
-                  <a:schemeClr val="accent6">
-                    <a:lumMod val="50000"/>
-                  </a:schemeClr>
-                </a:solidFill>
-                <a:effectLst/>
-                <a:latin typeface="Söhne"/>
-              </a:rPr>
-              <a:t>As with the AIC and BIC, lower HQIC values indicate better-fitting models.</a:t>
-            </a:r>
-          </a:p>
-          <a:p>
-            <a:endParaRPr lang="en-US" sz="1600" dirty="0"/>
-          </a:p>
-        </p:txBody>
-      </p:sp>
-    </p:spTree>
-    <p:extLst>
-      <p:ext uri="{BB962C8B-B14F-4D97-AF65-F5344CB8AC3E}">
-        <p14:creationId xmlns:p14="http://schemas.microsoft.com/office/powerpoint/2010/main" val="2397185601"/>
-      </p:ext>
-    </p:extLst>
-  </p:cSld>
-  <p:clrMapOvr>
-    <a:masterClrMapping/>
-  </p:clrMapOvr>
-</p:sld>
-</file>
-
-<file path=ppt/slides/slide25.xml><?xml version="1.0" encoding="utf-8"?>
+<file path=ppt/slides/slide19.xml><?xml version="1.0" encoding="utf-8"?>
 <p:sld xmlns:a="http://schemas.openxmlformats.org/drawingml/2006/main" xmlns:r="http://schemas.openxmlformats.org/officeDocument/2006/relationships" xmlns:p="http://schemas.openxmlformats.org/presentationml/2006/main">
   <p:cSld>
     <p:bg>
@@ -17774,8 +15889,8 @@
         </p:blipFill>
         <p:spPr bwMode="auto">
           <a:xfrm>
-            <a:off x="803442" y="1655276"/>
-            <a:ext cx="10663627" cy="5225414"/>
+            <a:off x="283030" y="1655276"/>
+            <a:ext cx="11184040" cy="5225414"/>
           </a:xfrm>
           <a:prstGeom prst="rect">
             <a:avLst/>
@@ -17805,17 +15920,9 @@
 </p:sld>
 </file>
 
-<file path=ppt/slides/slide26.xml><?xml version="1.0" encoding="utf-8"?>
+<file path=ppt/slides/slide2.xml><?xml version="1.0" encoding="utf-8"?>
 <p:sld xmlns:a="http://schemas.openxmlformats.org/drawingml/2006/main" xmlns:r="http://schemas.openxmlformats.org/officeDocument/2006/relationships" xmlns:p="http://schemas.openxmlformats.org/presentationml/2006/main">
   <p:cSld>
-    <p:bg>
-      <p:bgPr>
-        <a:solidFill>
-          <a:schemeClr val="bg1"/>
-        </a:solidFill>
-        <a:effectLst/>
-      </p:bgPr>
-    </p:bg>
     <p:spTree>
       <p:nvGrpSpPr>
         <p:cNvPr id="1" name=""/>
@@ -17830,171 +15937,12 @@
           <a:chExt cx="0" cy="0"/>
         </a:xfrm>
       </p:grpSpPr>
-      <p:sp useBgFill="1">
-        <p:nvSpPr>
-          <p:cNvPr id="13326" name="Rectangle 13325">
-            <a:extLst>
-              <a:ext uri="{FF2B5EF4-FFF2-40B4-BE49-F238E27FC236}">
-                <a16:creationId xmlns:a16="http://schemas.microsoft.com/office/drawing/2014/main" id="{385E1BDC-A9B0-4A87-82E3-F3187F69A802}"/>
-              </a:ext>
-              <a:ext uri="{C183D7F6-B498-43B3-948B-1728B52AA6E4}">
-                <adec:decorative xmlns:adec="http://schemas.microsoft.com/office/drawing/2017/decorative" val="1"/>
-              </a:ext>
-            </a:extLst>
-          </p:cNvPr>
-          <p:cNvSpPr>
-            <a:spLocks noGrp="1" noRot="1" noChangeAspect="1" noMove="1" noResize="1" noEditPoints="1" noAdjustHandles="1" noChangeArrowheads="1" noChangeShapeType="1" noTextEdit="1"/>
-          </p:cNvSpPr>
-          <p:nvPr>
-            <p:extLst>
-              <p:ext uri="{386F3935-93C4-4BCD-93E2-E3B085C9AB24}">
-                <p16:designElem xmlns:p16="http://schemas.microsoft.com/office/powerpoint/2015/main" val="1"/>
-              </p:ext>
-            </p:extLst>
-          </p:nvPr>
-        </p:nvSpPr>
-        <p:spPr>
-          <a:xfrm>
-            <a:off x="0" y="0"/>
-            <a:ext cx="12192000" cy="6858000"/>
-          </a:xfrm>
-          <a:prstGeom prst="rect">
-            <a:avLst/>
-          </a:prstGeom>
-          <a:ln>
-            <a:noFill/>
-          </a:ln>
-        </p:spPr>
-        <p:style>
-          <a:lnRef idx="2">
-            <a:schemeClr val="accent1">
-              <a:shade val="50000"/>
-            </a:schemeClr>
-          </a:lnRef>
-          <a:fillRef idx="1">
-            <a:schemeClr val="accent1"/>
-          </a:fillRef>
-          <a:effectRef idx="0">
-            <a:schemeClr val="accent1"/>
-          </a:effectRef>
-          <a:fontRef idx="minor">
-            <a:schemeClr val="lt1"/>
-          </a:fontRef>
-        </p:style>
-        <p:txBody>
-          <a:bodyPr rtlCol="0" anchor="ctr"/>
-          <a:lstStyle/>
-          <a:p>
-            <a:pPr algn="ctr"/>
-            <a:endParaRPr lang="en-US"/>
-          </a:p>
-        </p:txBody>
-      </p:sp>
-      <p:sp useBgFill="1">
-        <p:nvSpPr>
-          <p:cNvPr id="13328" name="Rectangle 13327">
-            <a:extLst>
-              <a:ext uri="{FF2B5EF4-FFF2-40B4-BE49-F238E27FC236}">
-                <a16:creationId xmlns:a16="http://schemas.microsoft.com/office/drawing/2014/main" id="{0990C621-3B8B-4820-8328-D47EF7CE823C}"/>
-              </a:ext>
-              <a:ext uri="{C183D7F6-B498-43B3-948B-1728B52AA6E4}">
-                <adec:decorative xmlns:adec="http://schemas.microsoft.com/office/drawing/2017/decorative" val="1"/>
-              </a:ext>
-            </a:extLst>
-          </p:cNvPr>
-          <p:cNvSpPr>
-            <a:spLocks noGrp="1" noRot="1" noChangeAspect="1" noMove="1" noResize="1" noEditPoints="1" noAdjustHandles="1" noChangeArrowheads="1" noChangeShapeType="1" noTextEdit="1"/>
-          </p:cNvSpPr>
-          <p:nvPr>
-            <p:extLst>
-              <p:ext uri="{386F3935-93C4-4BCD-93E2-E3B085C9AB24}">
-                <p16:designElem xmlns:p16="http://schemas.microsoft.com/office/powerpoint/2015/main" val="1"/>
-              </p:ext>
-            </p:extLst>
-          </p:nvPr>
-        </p:nvSpPr>
-        <p:spPr>
-          <a:xfrm>
-            <a:off x="554416" y="365125"/>
-            <a:ext cx="11167447" cy="2089317"/>
-          </a:xfrm>
-          <a:prstGeom prst="rect">
-            <a:avLst/>
-          </a:prstGeom>
-          <a:ln w="12700">
-            <a:solidFill>
-              <a:srgbClr val="DEDEDE"/>
-            </a:solidFill>
-          </a:ln>
-          <a:effectLst>
-            <a:outerShdw blurRad="50800" dist="38100" dir="2700000" algn="tl" rotWithShape="0">
-              <a:schemeClr val="bg2">
-                <a:lumMod val="85000"/>
-                <a:alpha val="50000"/>
-              </a:schemeClr>
-            </a:outerShdw>
-          </a:effectLst>
-        </p:spPr>
-        <p:style>
-          <a:lnRef idx="2">
-            <a:schemeClr val="accent1">
-              <a:shade val="50000"/>
-            </a:schemeClr>
-          </a:lnRef>
-          <a:fillRef idx="1">
-            <a:schemeClr val="accent1"/>
-          </a:fillRef>
-          <a:effectRef idx="0">
-            <a:schemeClr val="accent1"/>
-          </a:effectRef>
-          <a:fontRef idx="minor">
-            <a:schemeClr val="lt1"/>
-          </a:fontRef>
-        </p:style>
-        <p:txBody>
-          <a:bodyPr rtlCol="0" anchor="ctr"/>
-          <a:lstStyle/>
-          <a:p>
-            <a:pPr marL="0" marR="0" lvl="0" indent="0" algn="ctr" defTabSz="914400" rtl="0" eaLnBrk="1" fontAlgn="auto" latinLnBrk="0" hangingPunct="1">
-              <a:lnSpc>
-                <a:spcPct val="100000"/>
-              </a:lnSpc>
-              <a:spcBef>
-                <a:spcPts val="0"/>
-              </a:spcBef>
-              <a:spcAft>
-                <a:spcPts val="0"/>
-              </a:spcAft>
-              <a:buClrTx/>
-              <a:buSzTx/>
-              <a:buFontTx/>
-              <a:buNone/>
-              <a:tabLst/>
-              <a:defRPr/>
-            </a:pPr>
-            <a:endParaRPr kumimoji="0" lang="en-US" sz="1800" b="0" i="0" u="none" strike="noStrike" kern="1200" cap="none" spc="0" normalizeH="0" baseline="0" noProof="0">
-              <a:ln>
-                <a:noFill/>
-              </a:ln>
-              <a:solidFill>
-                <a:prstClr val="white"/>
-              </a:solidFill>
-              <a:effectLst/>
-              <a:uLnTx/>
-              <a:uFillTx/>
-              <a:latin typeface="Calibri" panose="020F0502020204030204"/>
-              <a:ea typeface="+mn-ea"/>
-              <a:cs typeface="+mn-cs"/>
-            </a:endParaRPr>
-          </a:p>
-        </p:txBody>
-      </p:sp>
       <p:sp>
         <p:nvSpPr>
           <p:cNvPr id="2" name="Title 1">
             <a:extLst>
               <a:ext uri="{FF2B5EF4-FFF2-40B4-BE49-F238E27FC236}">
-                <a16:creationId xmlns:a16="http://schemas.microsoft.com/office/drawing/2014/main" id="{4F30A2B5-AA52-9597-77E9-CFEC27643E21}"/>
+                <a16:creationId xmlns:a16="http://schemas.microsoft.com/office/drawing/2014/main" id="{D846738F-0131-962F-9832-68719A0020FB}"/>
               </a:ext>
             </a:extLst>
           </p:cNvPr>
@@ -18005,187 +15953,15 @@
             <p:ph type="title"/>
           </p:nvPr>
         </p:nvSpPr>
-        <p:spPr>
-          <a:xfrm>
-            <a:off x="1051560" y="586822"/>
-            <a:ext cx="3657600" cy="1645920"/>
-          </a:xfrm>
-        </p:spPr>
+        <p:spPr/>
         <p:txBody>
-          <a:bodyPr>
-            <a:normAutofit/>
-          </a:bodyPr>
+          <a:bodyPr/>
           <a:lstStyle/>
           <a:p>
             <a:r>
-              <a:rPr lang="en-SG" sz="3200" b="0" i="0">
-                <a:effectLst/>
-                <a:latin typeface="BentonSansRegular"/>
-              </a:rPr>
-              <a:t>Impulse Response Function</a:t>
+              <a:rPr lang="en-SG" dirty="0"/>
+              <a:t>Problem Statement</a:t>
             </a:r>
-            <a:endParaRPr lang="en-US" sz="3200"/>
-          </a:p>
-        </p:txBody>
-      </p:sp>
-      <p:sp>
-        <p:nvSpPr>
-          <p:cNvPr id="13330" name="Rectangle 13329">
-            <a:extLst>
-              <a:ext uri="{FF2B5EF4-FFF2-40B4-BE49-F238E27FC236}">
-                <a16:creationId xmlns:a16="http://schemas.microsoft.com/office/drawing/2014/main" id="{C1A2385B-1D2A-4E17-84FA-6CB7F0AAE473}"/>
-              </a:ext>
-              <a:ext uri="{C183D7F6-B498-43B3-948B-1728B52AA6E4}">
-                <adec:decorative xmlns:adec="http://schemas.microsoft.com/office/drawing/2017/decorative" val="1"/>
-              </a:ext>
-            </a:extLst>
-          </p:cNvPr>
-          <p:cNvSpPr>
-            <a:spLocks noGrp="1" noRot="1" noChangeAspect="1" noMove="1" noResize="1" noEditPoints="1" noAdjustHandles="1" noChangeArrowheads="1" noChangeShapeType="1" noTextEdit="1"/>
-          </p:cNvSpPr>
-          <p:nvPr>
-            <p:extLst>
-              <p:ext uri="{386F3935-93C4-4BCD-93E2-E3B085C9AB24}">
-                <p16:designElem xmlns:p16="http://schemas.microsoft.com/office/powerpoint/2015/main" val="1"/>
-              </p:ext>
-            </p:extLst>
-          </p:nvPr>
-        </p:nvSpPr>
-        <p:spPr>
-          <a:xfrm>
-            <a:off x="490408" y="1057739"/>
-            <a:ext cx="128016" cy="704088"/>
-          </a:xfrm>
-          <a:prstGeom prst="rect">
-            <a:avLst/>
-          </a:prstGeom>
-          <a:solidFill>
-            <a:schemeClr val="accent2"/>
-          </a:solidFill>
-          <a:ln>
-            <a:noFill/>
-          </a:ln>
-        </p:spPr>
-        <p:style>
-          <a:lnRef idx="2">
-            <a:schemeClr val="accent1">
-              <a:shade val="50000"/>
-            </a:schemeClr>
-          </a:lnRef>
-          <a:fillRef idx="1">
-            <a:schemeClr val="accent1"/>
-          </a:fillRef>
-          <a:effectRef idx="0">
-            <a:schemeClr val="accent1"/>
-          </a:effectRef>
-          <a:fontRef idx="minor">
-            <a:schemeClr val="lt1"/>
-          </a:fontRef>
-        </p:style>
-        <p:txBody>
-          <a:bodyPr rtlCol="0" anchor="ctr"/>
-          <a:lstStyle/>
-          <a:p>
-            <a:pPr algn="ctr"/>
-            <a:endParaRPr lang="en-US" dirty="0">
-              <a:solidFill>
-                <a:prstClr val="white"/>
-              </a:solidFill>
-              <a:latin typeface="Calibri" panose="020F0502020204030204"/>
-            </a:endParaRPr>
-          </a:p>
-        </p:txBody>
-      </p:sp>
-      <p:sp>
-        <p:nvSpPr>
-          <p:cNvPr id="13332" name="Rectangle 13331">
-            <a:extLst>
-              <a:ext uri="{FF2B5EF4-FFF2-40B4-BE49-F238E27FC236}">
-                <a16:creationId xmlns:a16="http://schemas.microsoft.com/office/drawing/2014/main" id="{5E791F2F-79DB-4CC0-9FA1-001E3E91E8B7}"/>
-              </a:ext>
-              <a:ext uri="{C183D7F6-B498-43B3-948B-1728B52AA6E4}">
-                <adec:decorative xmlns:adec="http://schemas.microsoft.com/office/drawing/2017/decorative" val="1"/>
-              </a:ext>
-            </a:extLst>
-          </p:cNvPr>
-          <p:cNvSpPr>
-            <a:spLocks noGrp="1" noRot="1" noChangeAspect="1" noMove="1" noResize="1" noEditPoints="1" noAdjustHandles="1" noChangeArrowheads="1" noChangeShapeType="1" noTextEdit="1"/>
-          </p:cNvSpPr>
-          <p:nvPr>
-            <p:extLst>
-              <p:ext uri="{386F3935-93C4-4BCD-93E2-E3B085C9AB24}">
-                <p16:designElem xmlns:p16="http://schemas.microsoft.com/office/powerpoint/2015/main" val="1"/>
-              </p:ext>
-            </p:extLst>
-          </p:nvPr>
-        </p:nvSpPr>
-        <p:spPr>
-          <a:xfrm rot="5400000">
-            <a:off x="4243541" y="1400638"/>
-            <a:ext cx="1463040" cy="18288"/>
-          </a:xfrm>
-          <a:prstGeom prst="rect">
-            <a:avLst/>
-          </a:prstGeom>
-          <a:solidFill>
-            <a:srgbClr val="D5D5D5"/>
-          </a:solidFill>
-          <a:ln w="3175">
-            <a:noFill/>
-          </a:ln>
-          <a:effectLst/>
-        </p:spPr>
-        <p:style>
-          <a:lnRef idx="2">
-            <a:schemeClr val="accent1">
-              <a:shade val="50000"/>
-            </a:schemeClr>
-          </a:lnRef>
-          <a:fillRef idx="1">
-            <a:schemeClr val="accent1"/>
-          </a:fillRef>
-          <a:effectRef idx="0">
-            <a:schemeClr val="accent1"/>
-          </a:effectRef>
-          <a:fontRef idx="minor">
-            <a:schemeClr val="lt1"/>
-          </a:fontRef>
-        </p:style>
-        <p:txBody>
-          <a:bodyPr rtlCol="0" anchor="ctr"/>
-          <a:lstStyle/>
-          <a:p>
-            <a:pPr marL="0" marR="0" lvl="0" indent="0" algn="ctr" defTabSz="914400" rtl="0" eaLnBrk="1" fontAlgn="auto" latinLnBrk="0" hangingPunct="1">
-              <a:lnSpc>
-                <a:spcPct val="100000"/>
-              </a:lnSpc>
-              <a:spcBef>
-                <a:spcPts val="0"/>
-              </a:spcBef>
-              <a:spcAft>
-                <a:spcPts val="0"/>
-              </a:spcAft>
-              <a:buClrTx/>
-              <a:buSzTx/>
-              <a:buFontTx/>
-              <a:buNone/>
-              <a:tabLst/>
-              <a:defRPr/>
-            </a:pPr>
-            <a:endParaRPr kumimoji="0" lang="en-US" sz="1800" b="0" i="0" u="none" strike="noStrike" kern="1200" cap="none" spc="0" normalizeH="0" baseline="0" noProof="0">
-              <a:ln>
-                <a:noFill/>
-              </a:ln>
-              <a:solidFill>
-                <a:prstClr val="white"/>
-              </a:solidFill>
-              <a:effectLst/>
-              <a:uLnTx/>
-              <a:uFillTx/>
-              <a:latin typeface="Calibri" panose="020F0502020204030204"/>
-              <a:ea typeface="+mn-ea"/>
-              <a:cs typeface="+mn-cs"/>
-            </a:endParaRPr>
           </a:p>
         </p:txBody>
       </p:sp>
@@ -18194,7 +15970,7 @@
           <p:cNvPr id="3" name="Content Placeholder 2">
             <a:extLst>
               <a:ext uri="{FF2B5EF4-FFF2-40B4-BE49-F238E27FC236}">
-                <a16:creationId xmlns:a16="http://schemas.microsoft.com/office/drawing/2014/main" id="{CEB80EA8-958A-A05B-4D78-9FD7E9B68ED0}"/>
+                <a16:creationId xmlns:a16="http://schemas.microsoft.com/office/drawing/2014/main" id="{21D9613A-9378-AE44-50F8-A8E4D0AB3A24}"/>
               </a:ext>
             </a:extLst>
           </p:cNvPr>
@@ -18205,167 +15981,40 @@
             <p:ph idx="1"/>
           </p:nvPr>
         </p:nvSpPr>
-        <p:spPr>
-          <a:xfrm>
-            <a:off x="5250106" y="586822"/>
-            <a:ext cx="6106742" cy="1645920"/>
-          </a:xfrm>
-        </p:spPr>
+        <p:spPr/>
         <p:txBody>
-          <a:bodyPr anchor="ctr">
-            <a:normAutofit fontScale="85000" lnSpcReduction="20000"/>
-          </a:bodyPr>
+          <a:bodyPr/>
           <a:lstStyle/>
           <a:p>
             <a:r>
-              <a:rPr lang="en-SG" sz="1800" b="0" i="0" dirty="0">
+              <a:rPr lang="en-US" b="0" i="0" dirty="0">
+                <a:solidFill>
+                  <a:srgbClr val="374151"/>
+                </a:solidFill>
                 <a:effectLst/>
-                <a:latin typeface="BentonSansRegular"/>
+                <a:latin typeface="Söhne"/>
               </a:rPr>
-              <a:t>It traces the effects of an innovation shock to one variable on the response of all variables in the system.</a:t>
+              <a:t>Research current methodologies on multivariate timeseries analysis with missing data</a:t>
             </a:r>
           </a:p>
           <a:p>
             <a:r>
-              <a:rPr lang="en-SG" sz="1800" dirty="0">
-                <a:latin typeface="BentonSansRegular"/>
+              <a:rPr lang="en-US" dirty="0">
+                <a:solidFill>
+                  <a:srgbClr val="374151"/>
+                </a:solidFill>
+                <a:latin typeface="Söhne"/>
               </a:rPr>
-              <a:t>After observation, we can see that the eight figures above have something in common. </a:t>
+              <a:t>Suggest deep RL based approach </a:t>
             </a:r>
-          </a:p>
-          <a:p>
-            <a:r>
-              <a:rPr lang="en-SG" sz="1800" dirty="0">
-                <a:latin typeface="BentonSansRegular"/>
-              </a:rPr>
-              <a:t>When the variable ‘</a:t>
-            </a:r>
-            <a:r>
-              <a:rPr lang="en-SG" sz="1800" dirty="0" err="1">
-                <a:latin typeface="BentonSansRegular"/>
-              </a:rPr>
-              <a:t>rgnp</a:t>
-            </a:r>
-            <a:r>
-              <a:rPr lang="en-SG" sz="1800" dirty="0">
-                <a:latin typeface="BentonSansRegular"/>
-              </a:rPr>
-              <a:t>’ is shocked, the responses of other variables fluctuates greatly. On the contrary, when other variables are shocked, the response of all variables almost does not fluctuate and tends to zero. Hence, the variable ‘</a:t>
-            </a:r>
-            <a:r>
-              <a:rPr lang="en-SG" sz="1800" dirty="0" err="1">
-                <a:latin typeface="BentonSansRegular"/>
-              </a:rPr>
-              <a:t>rgnp</a:t>
-            </a:r>
-            <a:r>
-              <a:rPr lang="en-SG" sz="1800" dirty="0">
-                <a:latin typeface="BentonSansRegular"/>
-              </a:rPr>
-              <a:t>’ is very important in the system.</a:t>
-            </a:r>
-            <a:endParaRPr lang="en-US" sz="1800" dirty="0">
-              <a:latin typeface="BentonSansRegular"/>
-            </a:endParaRPr>
+            <a:endParaRPr lang="en-SG" dirty="0"/>
           </a:p>
         </p:txBody>
       </p:sp>
-      <p:pic>
-        <p:nvPicPr>
-          <p:cNvPr id="13314" name="Picture 2">
-            <a:extLst>
-              <a:ext uri="{FF2B5EF4-FFF2-40B4-BE49-F238E27FC236}">
-                <a16:creationId xmlns:a16="http://schemas.microsoft.com/office/drawing/2014/main" id="{3298E85B-DB33-8CB6-7925-B065A9DA70A7}"/>
-              </a:ext>
-            </a:extLst>
-          </p:cNvPr>
-          <p:cNvPicPr>
-            <a:picLocks noChangeAspect="1" noChangeArrowheads="1"/>
-          </p:cNvPicPr>
-          <p:nvPr/>
-        </p:nvPicPr>
-        <p:blipFill>
-          <a:blip r:embed="rId2">
-            <a:extLst>
-              <a:ext uri="{28A0092B-C50C-407E-A947-70E740481C1C}">
-                <a14:useLocalDpi xmlns:a14="http://schemas.microsoft.com/office/drawing/2010/main" val="0"/>
-              </a:ext>
-            </a:extLst>
-          </a:blip>
-          <a:stretch>
-            <a:fillRect/>
-          </a:stretch>
-        </p:blipFill>
-        <p:spPr bwMode="auto">
-          <a:xfrm>
-            <a:off x="557783" y="3148915"/>
-            <a:ext cx="5481509" cy="2644827"/>
-          </a:xfrm>
-          <a:prstGeom prst="rect">
-            <a:avLst/>
-          </a:prstGeom>
-          <a:noFill/>
-          <a:extLst>
-            <a:ext uri="{909E8E84-426E-40DD-AFC4-6F175D3DCCD1}">
-              <a14:hiddenFill xmlns:a14="http://schemas.microsoft.com/office/drawing/2010/main">
-                <a:solidFill>
-                  <a:srgbClr val="FFFFFF"/>
-                </a:solidFill>
-              </a14:hiddenFill>
-            </a:ext>
-          </a:extLst>
-        </p:spPr>
-      </p:pic>
-      <p:pic>
-        <p:nvPicPr>
-          <p:cNvPr id="13316" name="Picture 4">
-            <a:extLst>
-              <a:ext uri="{FF2B5EF4-FFF2-40B4-BE49-F238E27FC236}">
-                <a16:creationId xmlns:a16="http://schemas.microsoft.com/office/drawing/2014/main" id="{E1258EBF-D1C6-763F-FB12-1D57B7C0FA3C}"/>
-              </a:ext>
-            </a:extLst>
-          </p:cNvPr>
-          <p:cNvPicPr>
-            <a:picLocks noChangeAspect="1" noChangeArrowheads="1"/>
-          </p:cNvPicPr>
-          <p:nvPr/>
-        </p:nvPicPr>
-        <p:blipFill>
-          <a:blip r:embed="rId3">
-            <a:extLst>
-              <a:ext uri="{28A0092B-C50C-407E-A947-70E740481C1C}">
-                <a14:useLocalDpi xmlns:a14="http://schemas.microsoft.com/office/drawing/2010/main" val="0"/>
-              </a:ext>
-            </a:extLst>
-          </a:blip>
-          <a:stretch>
-            <a:fillRect/>
-          </a:stretch>
-        </p:blipFill>
-        <p:spPr bwMode="auto">
-          <a:xfrm>
-            <a:off x="6198781" y="3138886"/>
-            <a:ext cx="5523082" cy="2664886"/>
-          </a:xfrm>
-          <a:prstGeom prst="rect">
-            <a:avLst/>
-          </a:prstGeom>
-          <a:noFill/>
-          <a:extLst>
-            <a:ext uri="{909E8E84-426E-40DD-AFC4-6F175D3DCCD1}">
-              <a14:hiddenFill xmlns:a14="http://schemas.microsoft.com/office/drawing/2010/main">
-                <a:solidFill>
-                  <a:srgbClr val="FFFFFF"/>
-                </a:solidFill>
-              </a14:hiddenFill>
-            </a:ext>
-          </a:extLst>
-        </p:spPr>
-      </p:pic>
     </p:spTree>
     <p:extLst>
       <p:ext uri="{BB962C8B-B14F-4D97-AF65-F5344CB8AC3E}">
-        <p14:creationId xmlns:p14="http://schemas.microsoft.com/office/powerpoint/2010/main" val="3158798440"/>
+        <p14:creationId xmlns:p14="http://schemas.microsoft.com/office/powerpoint/2010/main" val="3900042076"/>
       </p:ext>
     </p:extLst>
   </p:cSld>
@@ -22796,13 +20445,13 @@
   <p:clrMapOvr>
     <a:masterClrMapping/>
   </p:clrMapOvr>
-  <mc:AlternateContent xmlns:mc="http://schemas.openxmlformats.org/markup-compatibility/2006">
-    <mc:Choice xmlns:p159="http://schemas.microsoft.com/office/powerpoint/2015/09/main" Requires="p159">
+  <mc:AlternateContent xmlns:mc="http://schemas.openxmlformats.org/markup-compatibility/2006" xmlns:p159="http://schemas.microsoft.com/office/powerpoint/2015/09/main">
+    <mc:Choice Requires="p159">
       <p:transition xmlns:p14="http://schemas.microsoft.com/office/powerpoint/2010/main" spd="slow" p14:dur="2000">
         <p159:morph option="byObject"/>
       </p:transition>
     </mc:Choice>
-    <mc:Fallback>
+    <mc:Fallback xmlns="">
       <p:transition spd="slow">
         <p:fade/>
       </p:transition>
@@ -22814,14 +20463,6 @@
 <file path=ppt/slides/slide7.xml><?xml version="1.0" encoding="utf-8"?>
 <p:sld xmlns:a="http://schemas.openxmlformats.org/drawingml/2006/main" xmlns:r="http://schemas.openxmlformats.org/officeDocument/2006/relationships" xmlns:p="http://schemas.openxmlformats.org/presentationml/2006/main">
   <p:cSld>
-    <p:bg>
-      <p:bgPr>
-        <a:solidFill>
-          <a:schemeClr val="bg1"/>
-        </a:solidFill>
-        <a:effectLst/>
-      </p:bgPr>
-    </p:bg>
     <p:spTree>
       <p:nvGrpSpPr>
         <p:cNvPr id="1" name=""/>
@@ -22836,182 +20477,12 @@
           <a:chExt cx="0" cy="0"/>
         </a:xfrm>
       </p:grpSpPr>
-      <p:sp useBgFill="1">
-        <p:nvSpPr>
-          <p:cNvPr id="9" name="Rectangle 8">
-            <a:extLst>
-              <a:ext uri="{FF2B5EF4-FFF2-40B4-BE49-F238E27FC236}">
-                <a16:creationId xmlns:a16="http://schemas.microsoft.com/office/drawing/2014/main" id="{6F828D28-8E09-41CC-8229-3070B5467A96}"/>
-              </a:ext>
-              <a:ext uri="{C183D7F6-B498-43B3-948B-1728B52AA6E4}">
-                <adec:decorative xmlns:adec="http://schemas.microsoft.com/office/drawing/2017/decorative" val="1"/>
-              </a:ext>
-            </a:extLst>
-          </p:cNvPr>
-          <p:cNvSpPr>
-            <a:spLocks noGrp="1" noRot="1" noChangeAspect="1" noMove="1" noResize="1" noEditPoints="1" noAdjustHandles="1" noChangeArrowheads="1" noChangeShapeType="1" noTextEdit="1"/>
-          </p:cNvSpPr>
-          <p:nvPr>
-            <p:extLst>
-              <p:ext uri="{386F3935-93C4-4BCD-93E2-E3B085C9AB24}">
-                <p16:designElem xmlns:p16="http://schemas.microsoft.com/office/powerpoint/2015/main" val="1"/>
-              </p:ext>
-            </p:extLst>
-          </p:nvPr>
-        </p:nvSpPr>
-        <p:spPr>
-          <a:xfrm>
-            <a:off x="-1" y="0"/>
-            <a:ext cx="12188952" cy="6858000"/>
-          </a:xfrm>
-          <a:prstGeom prst="rect">
-            <a:avLst/>
-          </a:prstGeom>
-          <a:ln>
-            <a:noFill/>
-          </a:ln>
-        </p:spPr>
-        <p:style>
-          <a:lnRef idx="2">
-            <a:schemeClr val="accent1">
-              <a:shade val="50000"/>
-            </a:schemeClr>
-          </a:lnRef>
-          <a:fillRef idx="1">
-            <a:schemeClr val="accent1"/>
-          </a:fillRef>
-          <a:effectRef idx="0">
-            <a:schemeClr val="accent1"/>
-          </a:effectRef>
-          <a:fontRef idx="minor">
-            <a:schemeClr val="lt1"/>
-          </a:fontRef>
-        </p:style>
-        <p:txBody>
-          <a:bodyPr rtlCol="0" anchor="ctr"/>
-          <a:lstStyle/>
-          <a:p>
-            <a:pPr algn="ctr"/>
-            <a:endParaRPr lang="en-US"/>
-          </a:p>
-        </p:txBody>
-      </p:sp>
-      <p:pic>
-        <p:nvPicPr>
-          <p:cNvPr id="5" name="Picture 4" descr="A close up view of a track and field lane in the dark">
-            <a:extLst>
-              <a:ext uri="{FF2B5EF4-FFF2-40B4-BE49-F238E27FC236}">
-                <a16:creationId xmlns:a16="http://schemas.microsoft.com/office/drawing/2014/main" id="{A6173115-4C27-271C-EC5C-AC9283F90245}"/>
-              </a:ext>
-            </a:extLst>
-          </p:cNvPr>
-          <p:cNvPicPr>
-            <a:picLocks noChangeAspect="1"/>
-          </p:cNvPicPr>
-          <p:nvPr/>
-        </p:nvPicPr>
-        <p:blipFill rotWithShape="1">
-          <a:blip r:embed="rId2"/>
-          <a:srcRect t="15730"/>
-          <a:stretch/>
-        </p:blipFill>
-        <p:spPr>
-          <a:xfrm>
-            <a:off x="20" y="-22"/>
-            <a:ext cx="12191977" cy="6858022"/>
-          </a:xfrm>
-          <a:prstGeom prst="rect">
-            <a:avLst/>
-          </a:prstGeom>
-        </p:spPr>
-      </p:pic>
-      <p:sp>
-        <p:nvSpPr>
-          <p:cNvPr id="11" name="Rectangle 10">
-            <a:extLst>
-              <a:ext uri="{FF2B5EF4-FFF2-40B4-BE49-F238E27FC236}">
-                <a16:creationId xmlns:a16="http://schemas.microsoft.com/office/drawing/2014/main" id="{D5B012D8-7F27-4758-9AC6-C889B154BD73}"/>
-              </a:ext>
-              <a:ext uri="{C183D7F6-B498-43B3-948B-1728B52AA6E4}">
-                <adec:decorative xmlns:adec="http://schemas.microsoft.com/office/drawing/2017/decorative" val="1"/>
-              </a:ext>
-            </a:extLst>
-          </p:cNvPr>
-          <p:cNvSpPr>
-            <a:spLocks noGrp="1" noRot="1" noChangeAspect="1" noMove="1" noResize="1" noEditPoints="1" noAdjustHandles="1" noChangeArrowheads="1" noChangeShapeType="1" noTextEdit="1"/>
-          </p:cNvSpPr>
-          <p:nvPr>
-            <p:extLst>
-              <p:ext uri="{386F3935-93C4-4BCD-93E2-E3B085C9AB24}">
-                <p16:designElem xmlns:p16="http://schemas.microsoft.com/office/powerpoint/2015/main" val="1"/>
-              </p:ext>
-            </p:extLst>
-          </p:nvPr>
-        </p:nvSpPr>
-        <p:spPr>
-          <a:xfrm rot="16200000">
-            <a:off x="-1103377" y="1100316"/>
-            <a:ext cx="6858003" cy="4657347"/>
-          </a:xfrm>
-          <a:prstGeom prst="rect">
-            <a:avLst/>
-          </a:prstGeom>
-          <a:gradFill flip="none" rotWithShape="1">
-            <a:gsLst>
-              <a:gs pos="48000">
-                <a:srgbClr val="000000">
-                  <a:alpha val="24000"/>
-                </a:srgbClr>
-              </a:gs>
-              <a:gs pos="85000">
-                <a:srgbClr val="000000">
-                  <a:alpha val="45000"/>
-                </a:srgbClr>
-              </a:gs>
-              <a:gs pos="0">
-                <a:srgbClr val="000000">
-                  <a:alpha val="0"/>
-                </a:srgbClr>
-              </a:gs>
-            </a:gsLst>
-            <a:lin ang="16200000" scaled="1"/>
-            <a:tileRect/>
-          </a:gradFill>
-          <a:ln>
-            <a:noFill/>
-          </a:ln>
-        </p:spPr>
-        <p:style>
-          <a:lnRef idx="2">
-            <a:schemeClr val="accent1">
-              <a:shade val="50000"/>
-            </a:schemeClr>
-          </a:lnRef>
-          <a:fillRef idx="1">
-            <a:schemeClr val="accent1"/>
-          </a:fillRef>
-          <a:effectRef idx="0">
-            <a:schemeClr val="accent1"/>
-          </a:effectRef>
-          <a:fontRef idx="minor">
-            <a:schemeClr val="lt1"/>
-          </a:fontRef>
-        </p:style>
-        <p:txBody>
-          <a:bodyPr rtlCol="0" anchor="ctr"/>
-          <a:lstStyle/>
-          <a:p>
-            <a:pPr algn="ctr"/>
-            <a:endParaRPr lang="en-US"/>
-          </a:p>
-        </p:txBody>
-      </p:sp>
       <p:sp>
         <p:nvSpPr>
           <p:cNvPr id="2" name="Title 1">
             <a:extLst>
               <a:ext uri="{FF2B5EF4-FFF2-40B4-BE49-F238E27FC236}">
-                <a16:creationId xmlns:a16="http://schemas.microsoft.com/office/drawing/2014/main" id="{086221D6-77DB-9A60-5EF7-87C9125632CC}"/>
+                <a16:creationId xmlns:a16="http://schemas.microsoft.com/office/drawing/2014/main" id="{46226322-FFA9-3369-56C8-EEE82DF8C722}"/>
               </a:ext>
             </a:extLst>
           </p:cNvPr>
@@ -23022,114 +20493,90 @@
             <p:ph type="title"/>
           </p:nvPr>
         </p:nvSpPr>
-        <p:spPr>
-          <a:xfrm>
-            <a:off x="643466" y="643467"/>
-            <a:ext cx="5452529" cy="3569242"/>
-          </a:xfrm>
-        </p:spPr>
+        <p:spPr/>
         <p:txBody>
-          <a:bodyPr vert="horz" lIns="91440" tIns="45720" rIns="91440" bIns="45720" rtlCol="0" anchor="t">
-            <a:normAutofit/>
-          </a:bodyPr>
+          <a:bodyPr/>
           <a:lstStyle/>
           <a:p>
             <a:r>
-              <a:rPr lang="en-US" sz="5200" dirty="0">
-                <a:solidFill>
-                  <a:srgbClr val="FFFFFF"/>
-                </a:solidFill>
-              </a:rPr>
-              <a:t>Baseline approaches to compare with</a:t>
+              <a:rPr lang="en-SG" dirty="0"/>
+              <a:t>Baseline approach</a:t>
             </a:r>
           </a:p>
         </p:txBody>
       </p:sp>
       <p:sp>
         <p:nvSpPr>
-          <p:cNvPr id="13" name="Rectangle 12">
+          <p:cNvPr id="3" name="Content Placeholder 2">
             <a:extLst>
               <a:ext uri="{FF2B5EF4-FFF2-40B4-BE49-F238E27FC236}">
-                <a16:creationId xmlns:a16="http://schemas.microsoft.com/office/drawing/2014/main" id="{4063B759-00FC-46D1-9898-8E8625268FAF}"/>
-              </a:ext>
-              <a:ext uri="{C183D7F6-B498-43B3-948B-1728B52AA6E4}">
-                <adec:decorative xmlns:adec="http://schemas.microsoft.com/office/drawing/2017/decorative" val="1"/>
+                <a16:creationId xmlns:a16="http://schemas.microsoft.com/office/drawing/2014/main" id="{2CB6D21E-8AE7-64CC-C6C6-56B4D6EBD0E1}"/>
               </a:ext>
             </a:extLst>
           </p:cNvPr>
           <p:cNvSpPr>
-            <a:spLocks noGrp="1" noRot="1" noChangeAspect="1" noMove="1" noResize="1" noEditPoints="1" noAdjustHandles="1" noChangeArrowheads="1" noChangeShapeType="1" noTextEdit="1"/>
+            <a:spLocks noGrp="1"/>
           </p:cNvSpPr>
           <p:nvPr>
-            <p:extLst>
-              <p:ext uri="{386F3935-93C4-4BCD-93E2-E3B085C9AB24}">
-                <p16:designElem xmlns:p16="http://schemas.microsoft.com/office/powerpoint/2015/main" val="1"/>
-              </p:ext>
-            </p:extLst>
+            <p:ph idx="1"/>
           </p:nvPr>
         </p:nvSpPr>
-        <p:spPr>
-          <a:xfrm rot="5400000">
-            <a:off x="7540187" y="2206184"/>
-            <a:ext cx="6858003" cy="2445624"/>
-          </a:xfrm>
-          <a:prstGeom prst="rect">
-            <a:avLst/>
-          </a:prstGeom>
-          <a:gradFill flip="none" rotWithShape="1">
-            <a:gsLst>
-              <a:gs pos="48000">
-                <a:srgbClr val="000000">
-                  <a:alpha val="24000"/>
-                </a:srgbClr>
-              </a:gs>
-              <a:gs pos="85000">
-                <a:srgbClr val="000000">
-                  <a:alpha val="45000"/>
-                </a:srgbClr>
-              </a:gs>
-              <a:gs pos="0">
-                <a:srgbClr val="000000">
-                  <a:alpha val="0"/>
-                </a:srgbClr>
-              </a:gs>
-            </a:gsLst>
-            <a:lin ang="16200000" scaled="1"/>
-            <a:tileRect/>
-          </a:gradFill>
-          <a:ln>
-            <a:noFill/>
-          </a:ln>
-        </p:spPr>
-        <p:style>
-          <a:lnRef idx="2">
-            <a:schemeClr val="accent1">
-              <a:shade val="50000"/>
-            </a:schemeClr>
-          </a:lnRef>
-          <a:fillRef idx="1">
-            <a:schemeClr val="accent1"/>
-          </a:fillRef>
-          <a:effectRef idx="0">
-            <a:schemeClr val="accent1"/>
-          </a:effectRef>
-          <a:fontRef idx="minor">
-            <a:schemeClr val="lt1"/>
-          </a:fontRef>
-        </p:style>
+        <p:spPr/>
         <p:txBody>
-          <a:bodyPr rtlCol="0" anchor="ctr"/>
+          <a:bodyPr/>
           <a:lstStyle/>
           <a:p>
-            <a:pPr algn="ctr"/>
-            <a:endParaRPr lang="en-US"/>
+            <a:r>
+              <a:rPr lang="en-SG" dirty="0"/>
+              <a:t>LSTM Networks</a:t>
+            </a:r>
+          </a:p>
+          <a:p>
+            <a:r>
+              <a:rPr lang="en-SG" dirty="0" err="1"/>
+              <a:t>Guassian</a:t>
+            </a:r>
+            <a:r>
+              <a:rPr lang="en-SG" dirty="0"/>
+              <a:t> Processes</a:t>
+            </a:r>
+          </a:p>
+          <a:p>
+            <a:r>
+              <a:rPr lang="en-SG" dirty="0"/>
+              <a:t>Dynamic Bayesian Networks </a:t>
+            </a:r>
+          </a:p>
+          <a:p>
+            <a:r>
+              <a:rPr lang="en-SG" dirty="0"/>
+              <a:t>Hidden Markov Models</a:t>
+            </a:r>
+          </a:p>
+          <a:p>
+            <a:r>
+              <a:rPr lang="en-SG" dirty="0"/>
+              <a:t>Vector Autoregression</a:t>
+            </a:r>
+          </a:p>
+          <a:p>
+            <a:r>
+              <a:rPr lang="en-SG" dirty="0"/>
+              <a:t>Ensemble method</a:t>
+            </a:r>
+          </a:p>
+          <a:p>
+            <a:r>
+              <a:rPr lang="en-SG" dirty="0"/>
+              <a:t>Transfer learning</a:t>
+            </a:r>
           </a:p>
         </p:txBody>
       </p:sp>
     </p:spTree>
     <p:extLst>
       <p:ext uri="{BB962C8B-B14F-4D97-AF65-F5344CB8AC3E}">
-        <p14:creationId xmlns:p14="http://schemas.microsoft.com/office/powerpoint/2010/main" val="1770867139"/>
+        <p14:creationId xmlns:p14="http://schemas.microsoft.com/office/powerpoint/2010/main" val="1128743770"/>
       </p:ext>
     </p:extLst>
   </p:cSld>

--- a/Multivar TS analysis and prediction.pptx
+++ b/Multivar TS analysis and prediction.pptx
@@ -17,13 +17,18 @@
     <p:sldId id="280" r:id="rId11"/>
     <p:sldId id="281" r:id="rId12"/>
     <p:sldId id="283" r:id="rId13"/>
-    <p:sldId id="257" r:id="rId14"/>
-    <p:sldId id="258" r:id="rId15"/>
-    <p:sldId id="260" r:id="rId16"/>
-    <p:sldId id="261" r:id="rId17"/>
-    <p:sldId id="262" r:id="rId18"/>
-    <p:sldId id="263" r:id="rId19"/>
-    <p:sldId id="270" r:id="rId20"/>
+    <p:sldId id="284" r:id="rId14"/>
+    <p:sldId id="285" r:id="rId15"/>
+    <p:sldId id="286" r:id="rId16"/>
+    <p:sldId id="287" r:id="rId17"/>
+    <p:sldId id="288" r:id="rId18"/>
+    <p:sldId id="257" r:id="rId19"/>
+    <p:sldId id="258" r:id="rId20"/>
+    <p:sldId id="260" r:id="rId21"/>
+    <p:sldId id="261" r:id="rId22"/>
+    <p:sldId id="262" r:id="rId23"/>
+    <p:sldId id="263" r:id="rId24"/>
+    <p:sldId id="270" r:id="rId25"/>
   </p:sldIdLst>
   <p:sldSz cx="12192000" cy="6858000"/>
   <p:notesSz cx="6858000" cy="9144000"/>
@@ -13007,6 +13012,1124 @@
 <file path=ppt/slides/slide13.xml><?xml version="1.0" encoding="utf-8"?>
 <p:sld xmlns:a="http://schemas.openxmlformats.org/drawingml/2006/main" xmlns:r="http://schemas.openxmlformats.org/officeDocument/2006/relationships" xmlns:p="http://schemas.openxmlformats.org/presentationml/2006/main">
   <p:cSld>
+    <p:bg>
+      <p:bgPr>
+        <a:solidFill>
+          <a:schemeClr val="bg1"/>
+        </a:solidFill>
+        <a:effectLst/>
+      </p:bgPr>
+    </p:bg>
+    <p:spTree>
+      <p:nvGrpSpPr>
+        <p:cNvPr id="1" name=""/>
+        <p:cNvGrpSpPr/>
+        <p:nvPr/>
+      </p:nvGrpSpPr>
+      <p:grpSpPr>
+        <a:xfrm>
+          <a:off x="0" y="0"/>
+          <a:ext cx="0" cy="0"/>
+          <a:chOff x="0" y="0"/>
+          <a:chExt cx="0" cy="0"/>
+        </a:xfrm>
+      </p:grpSpPr>
+      <p:sp useBgFill="1">
+        <p:nvSpPr>
+          <p:cNvPr id="10" name="Rectangle 9">
+            <a:extLst>
+              <a:ext uri="{FF2B5EF4-FFF2-40B4-BE49-F238E27FC236}">
+                <a16:creationId xmlns:a16="http://schemas.microsoft.com/office/drawing/2014/main" id="{0288C6B4-AFC3-407F-A595-EFFD38D4CCAF}"/>
+              </a:ext>
+              <a:ext uri="{C183D7F6-B498-43B3-948B-1728B52AA6E4}">
+                <adec:decorative xmlns:adec="http://schemas.microsoft.com/office/drawing/2017/decorative" val="1"/>
+              </a:ext>
+            </a:extLst>
+          </p:cNvPr>
+          <p:cNvSpPr>
+            <a:spLocks noGrp="1" noRot="1" noChangeAspect="1" noMove="1" noResize="1" noEditPoints="1" noAdjustHandles="1" noChangeArrowheads="1" noChangeShapeType="1" noTextEdit="1"/>
+          </p:cNvSpPr>
+          <p:nvPr>
+            <p:extLst>
+              <p:ext uri="{386F3935-93C4-4BCD-93E2-E3B085C9AB24}">
+                <p16:designElem xmlns:p16="http://schemas.microsoft.com/office/powerpoint/2015/main" val="1"/>
+              </p:ext>
+            </p:extLst>
+          </p:nvPr>
+        </p:nvSpPr>
+        <p:spPr>
+          <a:xfrm>
+            <a:off x="0" y="0"/>
+            <a:ext cx="12192000" cy="6858000"/>
+          </a:xfrm>
+          <a:prstGeom prst="rect">
+            <a:avLst/>
+          </a:prstGeom>
+          <a:ln>
+            <a:noFill/>
+          </a:ln>
+        </p:spPr>
+        <p:style>
+          <a:lnRef idx="2">
+            <a:schemeClr val="accent1">
+              <a:shade val="50000"/>
+            </a:schemeClr>
+          </a:lnRef>
+          <a:fillRef idx="1">
+            <a:schemeClr val="accent1"/>
+          </a:fillRef>
+          <a:effectRef idx="0">
+            <a:schemeClr val="accent1"/>
+          </a:effectRef>
+          <a:fontRef idx="minor">
+            <a:schemeClr val="lt1"/>
+          </a:fontRef>
+        </p:style>
+        <p:txBody>
+          <a:bodyPr rtlCol="0" anchor="ctr"/>
+          <a:lstStyle/>
+          <a:p>
+            <a:pPr algn="ctr"/>
+            <a:endParaRPr lang="en-US"/>
+          </a:p>
+        </p:txBody>
+      </p:sp>
+      <p:sp useBgFill="1">
+        <p:nvSpPr>
+          <p:cNvPr id="12" name="Freeform: Shape 11">
+            <a:extLst>
+              <a:ext uri="{FF2B5EF4-FFF2-40B4-BE49-F238E27FC236}">
+                <a16:creationId xmlns:a16="http://schemas.microsoft.com/office/drawing/2014/main" id="{CF236821-17FE-429B-8D2C-08E13A64EA40}"/>
+              </a:ext>
+              <a:ext uri="{C183D7F6-B498-43B3-948B-1728B52AA6E4}">
+                <adec:decorative xmlns:adec="http://schemas.microsoft.com/office/drawing/2017/decorative" val="1"/>
+              </a:ext>
+            </a:extLst>
+          </p:cNvPr>
+          <p:cNvSpPr>
+            <a:spLocks noGrp="1" noRot="1" noChangeAspect="1" noMove="1" noResize="1" noEditPoints="1" noAdjustHandles="1" noChangeArrowheads="1" noChangeShapeType="1" noTextEdit="1"/>
+          </p:cNvSpPr>
+          <p:nvPr>
+            <p:extLst>
+              <p:ext uri="{386F3935-93C4-4BCD-93E2-E3B085C9AB24}">
+                <p16:designElem xmlns:p16="http://schemas.microsoft.com/office/powerpoint/2015/main" val="1"/>
+              </p:ext>
+            </p:extLst>
+          </p:nvPr>
+        </p:nvSpPr>
+        <p:spPr>
+          <a:xfrm>
+            <a:off x="-1" y="0"/>
+            <a:ext cx="4455673" cy="6858000"/>
+          </a:xfrm>
+          <a:custGeom>
+            <a:avLst/>
+            <a:gdLst>
+              <a:gd name="connsiteX0" fmla="*/ 0 w 4455673"/>
+              <a:gd name="connsiteY0" fmla="*/ 0 h 6858000"/>
+              <a:gd name="connsiteX1" fmla="*/ 3242695 w 4455673"/>
+              <a:gd name="connsiteY1" fmla="*/ 0 h 6858000"/>
+              <a:gd name="connsiteX2" fmla="*/ 3305678 w 4455673"/>
+              <a:gd name="connsiteY2" fmla="*/ 69271 h 6858000"/>
+              <a:gd name="connsiteX3" fmla="*/ 4455673 w 4455673"/>
+              <a:gd name="connsiteY3" fmla="*/ 3429000 h 6858000"/>
+              <a:gd name="connsiteX4" fmla="*/ 3305678 w 4455673"/>
+              <a:gd name="connsiteY4" fmla="*/ 6788730 h 6858000"/>
+              <a:gd name="connsiteX5" fmla="*/ 3242695 w 4455673"/>
+              <a:gd name="connsiteY5" fmla="*/ 6858000 h 6858000"/>
+              <a:gd name="connsiteX6" fmla="*/ 0 w 4455673"/>
+              <a:gd name="connsiteY6" fmla="*/ 6858000 h 6858000"/>
+            </a:gdLst>
+            <a:ahLst/>
+            <a:cxnLst>
+              <a:cxn ang="0">
+                <a:pos x="connsiteX0" y="connsiteY0"/>
+              </a:cxn>
+              <a:cxn ang="0">
+                <a:pos x="connsiteX1" y="connsiteY1"/>
+              </a:cxn>
+              <a:cxn ang="0">
+                <a:pos x="connsiteX2" y="connsiteY2"/>
+              </a:cxn>
+              <a:cxn ang="0">
+                <a:pos x="connsiteX3" y="connsiteY3"/>
+              </a:cxn>
+              <a:cxn ang="0">
+                <a:pos x="connsiteX4" y="connsiteY4"/>
+              </a:cxn>
+              <a:cxn ang="0">
+                <a:pos x="connsiteX5" y="connsiteY5"/>
+              </a:cxn>
+              <a:cxn ang="0">
+                <a:pos x="connsiteX6" y="connsiteY6"/>
+              </a:cxn>
+            </a:cxnLst>
+            <a:rect l="l" t="t" r="r" b="b"/>
+            <a:pathLst>
+              <a:path w="4455673" h="6858000">
+                <a:moveTo>
+                  <a:pt x="0" y="0"/>
+                </a:moveTo>
+                <a:lnTo>
+                  <a:pt x="3242695" y="0"/>
+                </a:lnTo>
+                <a:lnTo>
+                  <a:pt x="3305678" y="69271"/>
+                </a:lnTo>
+                <a:cubicBezTo>
+                  <a:pt x="4016204" y="929100"/>
+                  <a:pt x="4455673" y="2116944"/>
+                  <a:pt x="4455673" y="3429000"/>
+                </a:cubicBezTo>
+                <a:cubicBezTo>
+                  <a:pt x="4455673" y="4741056"/>
+                  <a:pt x="4016204" y="5928900"/>
+                  <a:pt x="3305678" y="6788730"/>
+                </a:cubicBezTo>
+                <a:lnTo>
+                  <a:pt x="3242695" y="6858000"/>
+                </a:lnTo>
+                <a:lnTo>
+                  <a:pt x="0" y="6858000"/>
+                </a:lnTo>
+                <a:close/>
+              </a:path>
+            </a:pathLst>
+          </a:custGeom>
+          <a:ln w="9525">
+            <a:solidFill>
+              <a:srgbClr val="EFEFEF"/>
+            </a:solidFill>
+          </a:ln>
+          <a:effectLst>
+            <a:outerShdw blurRad="88900" dist="38100" algn="l" rotWithShape="0">
+              <a:schemeClr val="bg1">
+                <a:lumMod val="85000"/>
+                <a:alpha val="50000"/>
+              </a:schemeClr>
+            </a:outerShdw>
+          </a:effectLst>
+        </p:spPr>
+        <p:style>
+          <a:lnRef idx="2">
+            <a:schemeClr val="accent1">
+              <a:shade val="50000"/>
+            </a:schemeClr>
+          </a:lnRef>
+          <a:fillRef idx="1">
+            <a:schemeClr val="accent1"/>
+          </a:fillRef>
+          <a:effectRef idx="0">
+            <a:schemeClr val="accent1"/>
+          </a:effectRef>
+          <a:fontRef idx="minor">
+            <a:schemeClr val="lt1"/>
+          </a:fontRef>
+        </p:style>
+        <p:txBody>
+          <a:bodyPr wrap="square" rtlCol="0" anchor="ctr">
+            <a:noAutofit/>
+          </a:bodyPr>
+          <a:lstStyle/>
+          <a:p>
+            <a:pPr marL="0" marR="0" lvl="0" indent="0" algn="ctr" defTabSz="914400" rtl="0" eaLnBrk="1" fontAlgn="auto" latinLnBrk="0" hangingPunct="1">
+              <a:lnSpc>
+                <a:spcPct val="100000"/>
+              </a:lnSpc>
+              <a:spcBef>
+                <a:spcPts val="0"/>
+              </a:spcBef>
+              <a:spcAft>
+                <a:spcPts val="0"/>
+              </a:spcAft>
+              <a:buClrTx/>
+              <a:buSzTx/>
+              <a:buFontTx/>
+              <a:buNone/>
+              <a:tabLst/>
+              <a:defRPr/>
+            </a:pPr>
+            <a:endParaRPr kumimoji="0" lang="en-US" sz="1800" b="0" i="0" u="none" strike="noStrike" kern="1200" cap="none" spc="0" normalizeH="0" baseline="0" noProof="0">
+              <a:ln>
+                <a:noFill/>
+              </a:ln>
+              <a:solidFill>
+                <a:prstClr val="white"/>
+              </a:solidFill>
+              <a:effectLst/>
+              <a:uLnTx/>
+              <a:uFillTx/>
+              <a:latin typeface="Calibri" panose="020F0502020204030204"/>
+              <a:ea typeface="+mn-ea"/>
+              <a:cs typeface="+mn-cs"/>
+            </a:endParaRPr>
+          </a:p>
+        </p:txBody>
+      </p:sp>
+      <p:sp useBgFill="1">
+        <p:nvSpPr>
+          <p:cNvPr id="14" name="Freeform: Shape 13">
+            <a:extLst>
+              <a:ext uri="{FF2B5EF4-FFF2-40B4-BE49-F238E27FC236}">
+                <a16:creationId xmlns:a16="http://schemas.microsoft.com/office/drawing/2014/main" id="{C0BDBCD2-E081-43AB-9119-C55465E59757}"/>
+              </a:ext>
+              <a:ext uri="{C183D7F6-B498-43B3-948B-1728B52AA6E4}">
+                <adec:decorative xmlns:adec="http://schemas.microsoft.com/office/drawing/2017/decorative" val="1"/>
+              </a:ext>
+            </a:extLst>
+          </p:cNvPr>
+          <p:cNvSpPr>
+            <a:spLocks noGrp="1" noRot="1" noChangeAspect="1" noMove="1" noResize="1" noEditPoints="1" noAdjustHandles="1" noChangeArrowheads="1" noChangeShapeType="1" noTextEdit="1"/>
+          </p:cNvSpPr>
+          <p:nvPr>
+            <p:extLst>
+              <p:ext uri="{386F3935-93C4-4BCD-93E2-E3B085C9AB24}">
+                <p16:designElem xmlns:p16="http://schemas.microsoft.com/office/powerpoint/2015/main" val="1"/>
+              </p:ext>
+            </p:extLst>
+          </p:nvPr>
+        </p:nvSpPr>
+        <p:spPr>
+          <a:xfrm>
+            <a:off x="0" y="0"/>
+            <a:ext cx="4446529" cy="6858000"/>
+          </a:xfrm>
+          <a:custGeom>
+            <a:avLst/>
+            <a:gdLst>
+              <a:gd name="connsiteX0" fmla="*/ 0 w 4446529"/>
+              <a:gd name="connsiteY0" fmla="*/ 0 h 6858000"/>
+              <a:gd name="connsiteX1" fmla="*/ 3233551 w 4446529"/>
+              <a:gd name="connsiteY1" fmla="*/ 0 h 6858000"/>
+              <a:gd name="connsiteX2" fmla="*/ 3296534 w 4446529"/>
+              <a:gd name="connsiteY2" fmla="*/ 69271 h 6858000"/>
+              <a:gd name="connsiteX3" fmla="*/ 4446529 w 4446529"/>
+              <a:gd name="connsiteY3" fmla="*/ 3429000 h 6858000"/>
+              <a:gd name="connsiteX4" fmla="*/ 3296534 w 4446529"/>
+              <a:gd name="connsiteY4" fmla="*/ 6788730 h 6858000"/>
+              <a:gd name="connsiteX5" fmla="*/ 3233551 w 4446529"/>
+              <a:gd name="connsiteY5" fmla="*/ 6858000 h 6858000"/>
+              <a:gd name="connsiteX6" fmla="*/ 0 w 4446529"/>
+              <a:gd name="connsiteY6" fmla="*/ 6858000 h 6858000"/>
+            </a:gdLst>
+            <a:ahLst/>
+            <a:cxnLst>
+              <a:cxn ang="0">
+                <a:pos x="connsiteX0" y="connsiteY0"/>
+              </a:cxn>
+              <a:cxn ang="0">
+                <a:pos x="connsiteX1" y="connsiteY1"/>
+              </a:cxn>
+              <a:cxn ang="0">
+                <a:pos x="connsiteX2" y="connsiteY2"/>
+              </a:cxn>
+              <a:cxn ang="0">
+                <a:pos x="connsiteX3" y="connsiteY3"/>
+              </a:cxn>
+              <a:cxn ang="0">
+                <a:pos x="connsiteX4" y="connsiteY4"/>
+              </a:cxn>
+              <a:cxn ang="0">
+                <a:pos x="connsiteX5" y="connsiteY5"/>
+              </a:cxn>
+              <a:cxn ang="0">
+                <a:pos x="connsiteX6" y="connsiteY6"/>
+              </a:cxn>
+            </a:cxnLst>
+            <a:rect l="l" t="t" r="r" b="b"/>
+            <a:pathLst>
+              <a:path w="4446529" h="6858000">
+                <a:moveTo>
+                  <a:pt x="0" y="0"/>
+                </a:moveTo>
+                <a:lnTo>
+                  <a:pt x="3233551" y="0"/>
+                </a:lnTo>
+                <a:lnTo>
+                  <a:pt x="3296534" y="69271"/>
+                </a:lnTo>
+                <a:cubicBezTo>
+                  <a:pt x="4007060" y="929100"/>
+                  <a:pt x="4446529" y="2116944"/>
+                  <a:pt x="4446529" y="3429000"/>
+                </a:cubicBezTo>
+                <a:cubicBezTo>
+                  <a:pt x="4446529" y="4741056"/>
+                  <a:pt x="4007060" y="5928900"/>
+                  <a:pt x="3296534" y="6788730"/>
+                </a:cubicBezTo>
+                <a:lnTo>
+                  <a:pt x="3233551" y="6858000"/>
+                </a:lnTo>
+                <a:lnTo>
+                  <a:pt x="0" y="6858000"/>
+                </a:lnTo>
+                <a:close/>
+              </a:path>
+            </a:pathLst>
+          </a:custGeom>
+          <a:ln w="9525">
+            <a:noFill/>
+          </a:ln>
+          <a:effectLst/>
+        </p:spPr>
+        <p:style>
+          <a:lnRef idx="2">
+            <a:schemeClr val="accent1">
+              <a:shade val="50000"/>
+            </a:schemeClr>
+          </a:lnRef>
+          <a:fillRef idx="1">
+            <a:schemeClr val="accent1"/>
+          </a:fillRef>
+          <a:effectRef idx="0">
+            <a:schemeClr val="accent1"/>
+          </a:effectRef>
+          <a:fontRef idx="minor">
+            <a:schemeClr val="lt1"/>
+          </a:fontRef>
+        </p:style>
+        <p:txBody>
+          <a:bodyPr wrap="square" rtlCol="0" anchor="ctr">
+            <a:noAutofit/>
+          </a:bodyPr>
+          <a:lstStyle/>
+          <a:p>
+            <a:pPr marL="0" marR="0" lvl="0" indent="0" algn="ctr" defTabSz="914400" rtl="0" eaLnBrk="1" fontAlgn="auto" latinLnBrk="0" hangingPunct="1">
+              <a:lnSpc>
+                <a:spcPct val="100000"/>
+              </a:lnSpc>
+              <a:spcBef>
+                <a:spcPts val="0"/>
+              </a:spcBef>
+              <a:spcAft>
+                <a:spcPts val="0"/>
+              </a:spcAft>
+              <a:buClrTx/>
+              <a:buSzTx/>
+              <a:buFontTx/>
+              <a:buNone/>
+              <a:tabLst/>
+              <a:defRPr/>
+            </a:pPr>
+            <a:endParaRPr kumimoji="0" lang="en-US" sz="1800" b="0" i="0" u="none" strike="noStrike" kern="1200" cap="none" spc="0" normalizeH="0" baseline="0" noProof="0">
+              <a:ln>
+                <a:noFill/>
+              </a:ln>
+              <a:solidFill>
+                <a:prstClr val="white"/>
+              </a:solidFill>
+              <a:effectLst/>
+              <a:uLnTx/>
+              <a:uFillTx/>
+              <a:latin typeface="Calibri" panose="020F0502020204030204"/>
+              <a:ea typeface="+mn-ea"/>
+              <a:cs typeface="+mn-cs"/>
+            </a:endParaRPr>
+          </a:p>
+        </p:txBody>
+      </p:sp>
+      <p:sp>
+        <p:nvSpPr>
+          <p:cNvPr id="2" name="Title 1">
+            <a:extLst>
+              <a:ext uri="{FF2B5EF4-FFF2-40B4-BE49-F238E27FC236}">
+                <a16:creationId xmlns:a16="http://schemas.microsoft.com/office/drawing/2014/main" id="{580C0686-B0BC-65D5-A2FB-37DA79017415}"/>
+              </a:ext>
+            </a:extLst>
+          </p:cNvPr>
+          <p:cNvSpPr>
+            <a:spLocks noGrp="1"/>
+          </p:cNvSpPr>
+          <p:nvPr>
+            <p:ph type="title"/>
+          </p:nvPr>
+        </p:nvSpPr>
+        <p:spPr>
+          <a:xfrm>
+            <a:off x="371094" y="1161288"/>
+            <a:ext cx="3438144" cy="1239012"/>
+          </a:xfrm>
+        </p:spPr>
+        <p:txBody>
+          <a:bodyPr anchor="ctr">
+            <a:normAutofit/>
+          </a:bodyPr>
+          <a:lstStyle/>
+          <a:p>
+            <a:r>
+              <a:rPr lang="en-SG" sz="2800"/>
+              <a:t>Example of air quality data</a:t>
+            </a:r>
+          </a:p>
+        </p:txBody>
+      </p:sp>
+      <p:sp>
+        <p:nvSpPr>
+          <p:cNvPr id="16" name="Rectangle 15">
+            <a:extLst>
+              <a:ext uri="{FF2B5EF4-FFF2-40B4-BE49-F238E27FC236}">
+                <a16:creationId xmlns:a16="http://schemas.microsoft.com/office/drawing/2014/main" id="{98E79BE4-34FE-485A-98A5-92CE8F7C4743}"/>
+              </a:ext>
+              <a:ext uri="{C183D7F6-B498-43B3-948B-1728B52AA6E4}">
+                <adec:decorative xmlns:adec="http://schemas.microsoft.com/office/drawing/2017/decorative" val="1"/>
+              </a:ext>
+            </a:extLst>
+          </p:cNvPr>
+          <p:cNvSpPr>
+            <a:spLocks noGrp="1" noRot="1" noChangeAspect="1" noMove="1" noResize="1" noEditPoints="1" noAdjustHandles="1" noChangeArrowheads="1" noChangeShapeType="1" noTextEdit="1"/>
+          </p:cNvSpPr>
+          <p:nvPr>
+            <p:extLst>
+              <p:ext uri="{386F3935-93C4-4BCD-93E2-E3B085C9AB24}">
+                <p16:designElem xmlns:p16="http://schemas.microsoft.com/office/powerpoint/2015/main" val="1"/>
+              </p:ext>
+            </p:extLst>
+          </p:nvPr>
+        </p:nvSpPr>
+        <p:spPr>
+          <a:xfrm>
+            <a:off x="0" y="1426546"/>
+            <a:ext cx="128016" cy="653903"/>
+          </a:xfrm>
+          <a:prstGeom prst="rect">
+            <a:avLst/>
+          </a:prstGeom>
+          <a:solidFill>
+            <a:schemeClr val="accent2"/>
+          </a:solidFill>
+          <a:ln>
+            <a:noFill/>
+          </a:ln>
+        </p:spPr>
+        <p:style>
+          <a:lnRef idx="2">
+            <a:schemeClr val="accent1">
+              <a:shade val="50000"/>
+            </a:schemeClr>
+          </a:lnRef>
+          <a:fillRef idx="1">
+            <a:schemeClr val="accent1"/>
+          </a:fillRef>
+          <a:effectRef idx="0">
+            <a:schemeClr val="accent1"/>
+          </a:effectRef>
+          <a:fontRef idx="minor">
+            <a:schemeClr val="lt1"/>
+          </a:fontRef>
+        </p:style>
+        <p:txBody>
+          <a:bodyPr rtlCol="0" anchor="ctr"/>
+          <a:lstStyle/>
+          <a:p>
+            <a:pPr algn="ctr"/>
+            <a:endParaRPr lang="en-US">
+              <a:solidFill>
+                <a:prstClr val="white"/>
+              </a:solidFill>
+              <a:latin typeface="Calibri" panose="020F0502020204030204"/>
+            </a:endParaRPr>
+          </a:p>
+        </p:txBody>
+      </p:sp>
+      <p:sp>
+        <p:nvSpPr>
+          <p:cNvPr id="18" name="Rectangle 17">
+            <a:extLst>
+              <a:ext uri="{FF2B5EF4-FFF2-40B4-BE49-F238E27FC236}">
+                <a16:creationId xmlns:a16="http://schemas.microsoft.com/office/drawing/2014/main" id="{7A5F0580-5EE9-419F-96EE-B6529EF6E7D0}"/>
+              </a:ext>
+              <a:ext uri="{C183D7F6-B498-43B3-948B-1728B52AA6E4}">
+                <adec:decorative xmlns:adec="http://schemas.microsoft.com/office/drawing/2017/decorative" val="1"/>
+              </a:ext>
+            </a:extLst>
+          </p:cNvPr>
+          <p:cNvSpPr>
+            <a:spLocks noGrp="1" noRot="1" noChangeAspect="1" noMove="1" noResize="1" noEditPoints="1" noAdjustHandles="1" noChangeArrowheads="1" noChangeShapeType="1" noTextEdit="1"/>
+          </p:cNvSpPr>
+          <p:nvPr>
+            <p:extLst>
+              <p:ext uri="{386F3935-93C4-4BCD-93E2-E3B085C9AB24}">
+                <p16:designElem xmlns:p16="http://schemas.microsoft.com/office/powerpoint/2015/main" val="1"/>
+              </p:ext>
+            </p:extLst>
+          </p:nvPr>
+        </p:nvSpPr>
+        <p:spPr>
+          <a:xfrm>
+            <a:off x="395893" y="2443480"/>
+            <a:ext cx="3383280" cy="18288"/>
+          </a:xfrm>
+          <a:prstGeom prst="rect">
+            <a:avLst/>
+          </a:prstGeom>
+          <a:solidFill>
+            <a:srgbClr val="D5D5D5"/>
+          </a:solidFill>
+          <a:ln w="3175">
+            <a:noFill/>
+          </a:ln>
+          <a:effectLst/>
+        </p:spPr>
+        <p:style>
+          <a:lnRef idx="2">
+            <a:schemeClr val="accent1">
+              <a:shade val="50000"/>
+            </a:schemeClr>
+          </a:lnRef>
+          <a:fillRef idx="1">
+            <a:schemeClr val="accent1"/>
+          </a:fillRef>
+          <a:effectRef idx="0">
+            <a:schemeClr val="accent1"/>
+          </a:effectRef>
+          <a:fontRef idx="minor">
+            <a:schemeClr val="lt1"/>
+          </a:fontRef>
+        </p:style>
+        <p:txBody>
+          <a:bodyPr rtlCol="0" anchor="ctr"/>
+          <a:lstStyle/>
+          <a:p>
+            <a:pPr marL="0" marR="0" lvl="0" indent="0" algn="ctr" defTabSz="914400" rtl="0" eaLnBrk="1" fontAlgn="auto" latinLnBrk="0" hangingPunct="1">
+              <a:lnSpc>
+                <a:spcPct val="100000"/>
+              </a:lnSpc>
+              <a:spcBef>
+                <a:spcPts val="0"/>
+              </a:spcBef>
+              <a:spcAft>
+                <a:spcPts val="0"/>
+              </a:spcAft>
+              <a:buClrTx/>
+              <a:buSzTx/>
+              <a:buFontTx/>
+              <a:buNone/>
+              <a:tabLst/>
+              <a:defRPr/>
+            </a:pPr>
+            <a:endParaRPr kumimoji="0" lang="en-US" sz="1800" b="0" i="0" u="none" strike="noStrike" kern="1200" cap="none" spc="0" normalizeH="0" baseline="0" noProof="0">
+              <a:ln>
+                <a:noFill/>
+              </a:ln>
+              <a:solidFill>
+                <a:prstClr val="white"/>
+              </a:solidFill>
+              <a:effectLst/>
+              <a:uLnTx/>
+              <a:uFillTx/>
+              <a:latin typeface="Calibri" panose="020F0502020204030204"/>
+              <a:ea typeface="+mn-ea"/>
+              <a:cs typeface="+mn-cs"/>
+            </a:endParaRPr>
+          </a:p>
+        </p:txBody>
+      </p:sp>
+      <p:sp>
+        <p:nvSpPr>
+          <p:cNvPr id="3" name="Content Placeholder 2">
+            <a:extLst>
+              <a:ext uri="{FF2B5EF4-FFF2-40B4-BE49-F238E27FC236}">
+                <a16:creationId xmlns:a16="http://schemas.microsoft.com/office/drawing/2014/main" id="{C173411C-16EF-A741-C58B-C776BE28A550}"/>
+              </a:ext>
+            </a:extLst>
+          </p:cNvPr>
+          <p:cNvSpPr>
+            <a:spLocks noGrp="1"/>
+          </p:cNvSpPr>
+          <p:nvPr>
+            <p:ph idx="1"/>
+          </p:nvPr>
+        </p:nvSpPr>
+        <p:spPr>
+          <a:xfrm>
+            <a:off x="371094" y="2718054"/>
+            <a:ext cx="3438906" cy="3207258"/>
+          </a:xfrm>
+        </p:spPr>
+        <p:txBody>
+          <a:bodyPr anchor="t">
+            <a:normAutofit/>
+          </a:bodyPr>
+          <a:lstStyle/>
+          <a:p>
+            <a:r>
+              <a:rPr lang="en-SG" dirty="0"/>
+              <a:t>Dataset - </a:t>
+            </a:r>
+            <a:r>
+              <a:rPr lang="en-SG" dirty="0">
+                <a:hlinkClick r:id="rId2"/>
+              </a:rPr>
+              <a:t>https://archive.ics.uci.edu/ml/datasets/Air+Quality</a:t>
+            </a:r>
+            <a:endParaRPr lang="en-SG" dirty="0"/>
+          </a:p>
+          <a:p>
+            <a:r>
+              <a:rPr lang="en-US" dirty="0">
+                <a:latin typeface="source-serif-pro"/>
+              </a:rPr>
+              <a:t>H</a:t>
+            </a:r>
+            <a:r>
+              <a:rPr lang="en-US" b="0" i="0" dirty="0">
+                <a:effectLst/>
+                <a:latin typeface="source-serif-pro"/>
+              </a:rPr>
+              <a:t>ourly averaged responses from sensors in a city</a:t>
+            </a:r>
+            <a:endParaRPr lang="en-US" i="1" dirty="0">
+              <a:latin typeface="source-serif-pro"/>
+            </a:endParaRPr>
+          </a:p>
+          <a:p>
+            <a:endParaRPr lang="en-SG" sz="1700" dirty="0"/>
+          </a:p>
+        </p:txBody>
+      </p:sp>
+      <p:pic>
+        <p:nvPicPr>
+          <p:cNvPr id="5" name="Picture 4">
+            <a:extLst>
+              <a:ext uri="{FF2B5EF4-FFF2-40B4-BE49-F238E27FC236}">
+                <a16:creationId xmlns:a16="http://schemas.microsoft.com/office/drawing/2014/main" id="{52BB21ED-6809-B323-53A9-94518C6EE9EB}"/>
+              </a:ext>
+            </a:extLst>
+          </p:cNvPr>
+          <p:cNvPicPr>
+            <a:picLocks noChangeAspect="1"/>
+          </p:cNvPicPr>
+          <p:nvPr/>
+        </p:nvPicPr>
+        <p:blipFill>
+          <a:blip r:embed="rId3"/>
+          <a:stretch>
+            <a:fillRect/>
+          </a:stretch>
+        </p:blipFill>
+        <p:spPr>
+          <a:xfrm>
+            <a:off x="4052316" y="841247"/>
+            <a:ext cx="7758295" cy="5935097"/>
+          </a:xfrm>
+          <a:prstGeom prst="rect">
+            <a:avLst/>
+          </a:prstGeom>
+        </p:spPr>
+      </p:pic>
+    </p:spTree>
+    <p:extLst>
+      <p:ext uri="{BB962C8B-B14F-4D97-AF65-F5344CB8AC3E}">
+        <p14:creationId xmlns:p14="http://schemas.microsoft.com/office/powerpoint/2010/main" val="1032620247"/>
+      </p:ext>
+    </p:extLst>
+  </p:cSld>
+  <p:clrMapOvr>
+    <a:masterClrMapping/>
+  </p:clrMapOvr>
+</p:sld>
+</file>
+
+<file path=ppt/slides/slide14.xml><?xml version="1.0" encoding="utf-8"?>
+<p:sld xmlns:a="http://schemas.openxmlformats.org/drawingml/2006/main" xmlns:r="http://schemas.openxmlformats.org/officeDocument/2006/relationships" xmlns:p="http://schemas.openxmlformats.org/presentationml/2006/main">
+  <p:cSld>
+    <p:spTree>
+      <p:nvGrpSpPr>
+        <p:cNvPr id="1" name=""/>
+        <p:cNvGrpSpPr/>
+        <p:nvPr/>
+      </p:nvGrpSpPr>
+      <p:grpSpPr>
+        <a:xfrm>
+          <a:off x="0" y="0"/>
+          <a:ext cx="0" cy="0"/>
+          <a:chOff x="0" y="0"/>
+          <a:chExt cx="0" cy="0"/>
+        </a:xfrm>
+      </p:grpSpPr>
+      <p:sp>
+        <p:nvSpPr>
+          <p:cNvPr id="2" name="Title 1">
+            <a:extLst>
+              <a:ext uri="{FF2B5EF4-FFF2-40B4-BE49-F238E27FC236}">
+                <a16:creationId xmlns:a16="http://schemas.microsoft.com/office/drawing/2014/main" id="{1BEDC7C6-42F3-B871-4E4A-E94CB8F1809B}"/>
+              </a:ext>
+            </a:extLst>
+          </p:cNvPr>
+          <p:cNvSpPr>
+            <a:spLocks noGrp="1"/>
+          </p:cNvSpPr>
+          <p:nvPr>
+            <p:ph type="title"/>
+          </p:nvPr>
+        </p:nvSpPr>
+        <p:spPr/>
+        <p:txBody>
+          <a:bodyPr/>
+          <a:lstStyle/>
+          <a:p>
+            <a:r>
+              <a:rPr lang="en-SG"/>
+              <a:t>VAR modelling</a:t>
+            </a:r>
+            <a:endParaRPr lang="en-SG" dirty="0"/>
+          </a:p>
+        </p:txBody>
+      </p:sp>
+      <p:pic>
+        <p:nvPicPr>
+          <p:cNvPr id="6" name="Picture 5">
+            <a:extLst>
+              <a:ext uri="{FF2B5EF4-FFF2-40B4-BE49-F238E27FC236}">
+                <a16:creationId xmlns:a16="http://schemas.microsoft.com/office/drawing/2014/main" id="{B9C32102-8FAC-81EB-6497-D5729E7E8ECF}"/>
+              </a:ext>
+            </a:extLst>
+          </p:cNvPr>
+          <p:cNvPicPr>
+            <a:picLocks noChangeAspect="1"/>
+          </p:cNvPicPr>
+          <p:nvPr/>
+        </p:nvPicPr>
+        <p:blipFill>
+          <a:blip r:embed="rId2"/>
+          <a:stretch>
+            <a:fillRect/>
+          </a:stretch>
+        </p:blipFill>
+        <p:spPr>
+          <a:xfrm>
+            <a:off x="609600" y="1224149"/>
+            <a:ext cx="10363200" cy="5173102"/>
+          </a:xfrm>
+          <a:prstGeom prst="rect">
+            <a:avLst/>
+          </a:prstGeom>
+        </p:spPr>
+      </p:pic>
+    </p:spTree>
+    <p:extLst>
+      <p:ext uri="{BB962C8B-B14F-4D97-AF65-F5344CB8AC3E}">
+        <p14:creationId xmlns:p14="http://schemas.microsoft.com/office/powerpoint/2010/main" val="2125329956"/>
+      </p:ext>
+    </p:extLst>
+  </p:cSld>
+  <p:clrMapOvr>
+    <a:masterClrMapping/>
+  </p:clrMapOvr>
+</p:sld>
+</file>
+
+<file path=ppt/slides/slide15.xml><?xml version="1.0" encoding="utf-8"?>
+<p:sld xmlns:a="http://schemas.openxmlformats.org/drawingml/2006/main" xmlns:r="http://schemas.openxmlformats.org/officeDocument/2006/relationships" xmlns:p="http://schemas.openxmlformats.org/presentationml/2006/main">
+  <p:cSld>
+    <p:spTree>
+      <p:nvGrpSpPr>
+        <p:cNvPr id="1" name=""/>
+        <p:cNvGrpSpPr/>
+        <p:nvPr/>
+      </p:nvGrpSpPr>
+      <p:grpSpPr>
+        <a:xfrm>
+          <a:off x="0" y="0"/>
+          <a:ext cx="0" cy="0"/>
+          <a:chOff x="0" y="0"/>
+          <a:chExt cx="0" cy="0"/>
+        </a:xfrm>
+      </p:grpSpPr>
+      <p:sp>
+        <p:nvSpPr>
+          <p:cNvPr id="2" name="Title 1">
+            <a:extLst>
+              <a:ext uri="{FF2B5EF4-FFF2-40B4-BE49-F238E27FC236}">
+                <a16:creationId xmlns:a16="http://schemas.microsoft.com/office/drawing/2014/main" id="{1A8AD717-C09E-D692-193F-567D3B79DC2E}"/>
+              </a:ext>
+            </a:extLst>
+          </p:cNvPr>
+          <p:cNvSpPr>
+            <a:spLocks noGrp="1"/>
+          </p:cNvSpPr>
+          <p:nvPr>
+            <p:ph type="title"/>
+          </p:nvPr>
+        </p:nvSpPr>
+        <p:spPr/>
+        <p:txBody>
+          <a:bodyPr/>
+          <a:lstStyle/>
+          <a:p>
+            <a:r>
+              <a:rPr lang="en-SG" dirty="0"/>
+              <a:t>Model Fitting with automatic AIC/BIC</a:t>
+            </a:r>
+          </a:p>
+        </p:txBody>
+      </p:sp>
+      <p:pic>
+        <p:nvPicPr>
+          <p:cNvPr id="1026" name="Picture 2">
+            <a:extLst>
+              <a:ext uri="{FF2B5EF4-FFF2-40B4-BE49-F238E27FC236}">
+                <a16:creationId xmlns:a16="http://schemas.microsoft.com/office/drawing/2014/main" id="{E7EAD104-8FB3-6849-C13B-CCEAAD7EFD6A}"/>
+              </a:ext>
+            </a:extLst>
+          </p:cNvPr>
+          <p:cNvPicPr>
+            <a:picLocks noChangeAspect="1" noChangeArrowheads="1"/>
+          </p:cNvPicPr>
+          <p:nvPr/>
+        </p:nvPicPr>
+        <p:blipFill>
+          <a:blip r:embed="rId2">
+            <a:extLst>
+              <a:ext uri="{28A0092B-C50C-407E-A947-70E740481C1C}">
+                <a14:useLocalDpi xmlns:a14="http://schemas.microsoft.com/office/drawing/2010/main" val="0"/>
+              </a:ext>
+            </a:extLst>
+          </a:blip>
+          <a:srcRect/>
+          <a:stretch>
+            <a:fillRect/>
+          </a:stretch>
+        </p:blipFill>
+        <p:spPr bwMode="auto">
+          <a:xfrm>
+            <a:off x="396241" y="1409700"/>
+            <a:ext cx="9790748" cy="3548063"/>
+          </a:xfrm>
+          <a:prstGeom prst="rect">
+            <a:avLst/>
+          </a:prstGeom>
+          <a:noFill/>
+          <a:extLst>
+            <a:ext uri="{909E8E84-426E-40DD-AFC4-6F175D3DCCD1}">
+              <a14:hiddenFill xmlns:a14="http://schemas.microsoft.com/office/drawing/2010/main">
+                <a:solidFill>
+                  <a:srgbClr val="FFFFFF"/>
+                </a:solidFill>
+              </a14:hiddenFill>
+            </a:ext>
+          </a:extLst>
+        </p:spPr>
+      </p:pic>
+    </p:spTree>
+    <p:extLst>
+      <p:ext uri="{BB962C8B-B14F-4D97-AF65-F5344CB8AC3E}">
+        <p14:creationId xmlns:p14="http://schemas.microsoft.com/office/powerpoint/2010/main" val="2540054857"/>
+      </p:ext>
+    </p:extLst>
+  </p:cSld>
+  <p:clrMapOvr>
+    <a:masterClrMapping/>
+  </p:clrMapOvr>
+</p:sld>
+</file>
+
+<file path=ppt/slides/slide16.xml><?xml version="1.0" encoding="utf-8"?>
+<p:sld xmlns:a="http://schemas.openxmlformats.org/drawingml/2006/main" xmlns:r="http://schemas.openxmlformats.org/officeDocument/2006/relationships" xmlns:p="http://schemas.openxmlformats.org/presentationml/2006/main">
+  <p:cSld>
+    <p:spTree>
+      <p:nvGrpSpPr>
+        <p:cNvPr id="1" name=""/>
+        <p:cNvGrpSpPr/>
+        <p:nvPr/>
+      </p:nvGrpSpPr>
+      <p:grpSpPr>
+        <a:xfrm>
+          <a:off x="0" y="0"/>
+          <a:ext cx="0" cy="0"/>
+          <a:chOff x="0" y="0"/>
+          <a:chExt cx="0" cy="0"/>
+        </a:xfrm>
+      </p:grpSpPr>
+      <p:sp>
+        <p:nvSpPr>
+          <p:cNvPr id="2" name="Title 1">
+            <a:extLst>
+              <a:ext uri="{FF2B5EF4-FFF2-40B4-BE49-F238E27FC236}">
+                <a16:creationId xmlns:a16="http://schemas.microsoft.com/office/drawing/2014/main" id="{F9430B33-B38F-8AD0-1039-642745399D07}"/>
+              </a:ext>
+            </a:extLst>
+          </p:cNvPr>
+          <p:cNvSpPr>
+            <a:spLocks noGrp="1"/>
+          </p:cNvSpPr>
+          <p:nvPr>
+            <p:ph type="title"/>
+          </p:nvPr>
+        </p:nvSpPr>
+        <p:spPr/>
+        <p:txBody>
+          <a:bodyPr/>
+          <a:lstStyle/>
+          <a:p>
+            <a:r>
+              <a:rPr lang="en-SG" dirty="0"/>
+              <a:t>Combine VAR and LSTM</a:t>
+            </a:r>
+          </a:p>
+        </p:txBody>
+      </p:sp>
+      <p:sp>
+        <p:nvSpPr>
+          <p:cNvPr id="3" name="Content Placeholder 2">
+            <a:extLst>
+              <a:ext uri="{FF2B5EF4-FFF2-40B4-BE49-F238E27FC236}">
+                <a16:creationId xmlns:a16="http://schemas.microsoft.com/office/drawing/2014/main" id="{B262146B-23D0-45D1-4AAC-1075D78DD626}"/>
+              </a:ext>
+            </a:extLst>
+          </p:cNvPr>
+          <p:cNvSpPr>
+            <a:spLocks noGrp="1"/>
+          </p:cNvSpPr>
+          <p:nvPr>
+            <p:ph idx="1"/>
+          </p:nvPr>
+        </p:nvSpPr>
+        <p:spPr/>
+        <p:txBody>
+          <a:bodyPr/>
+          <a:lstStyle/>
+          <a:p>
+            <a:r>
+              <a:rPr lang="en-US" dirty="0">
+                <a:solidFill>
+                  <a:srgbClr val="292929"/>
+                </a:solidFill>
+                <a:latin typeface="source-serif-pro"/>
+              </a:rPr>
+              <a:t>F</a:t>
+            </a:r>
+            <a:r>
+              <a:rPr lang="en-US" b="0" i="0" dirty="0">
+                <a:solidFill>
+                  <a:srgbClr val="292929"/>
+                </a:solidFill>
+                <a:effectLst/>
+                <a:latin typeface="source-serif-pro"/>
+              </a:rPr>
+              <a:t>eeding LSTM autoencoder, using the fitted values produced by VAR, for multi-step ahead forecasts of all the series. </a:t>
+            </a:r>
+          </a:p>
+          <a:p>
+            <a:r>
+              <a:rPr lang="en-US" b="0" i="0" dirty="0">
+                <a:solidFill>
+                  <a:srgbClr val="292929"/>
+                </a:solidFill>
+                <a:effectLst/>
+                <a:latin typeface="source-serif-pro"/>
+              </a:rPr>
+              <a:t>Then we conclude the training with the raw data</a:t>
+            </a:r>
+            <a:endParaRPr lang="en-SG" dirty="0"/>
+          </a:p>
+        </p:txBody>
+      </p:sp>
+    </p:spTree>
+    <p:extLst>
+      <p:ext uri="{BB962C8B-B14F-4D97-AF65-F5344CB8AC3E}">
+        <p14:creationId xmlns:p14="http://schemas.microsoft.com/office/powerpoint/2010/main" val="883571270"/>
+      </p:ext>
+    </p:extLst>
+  </p:cSld>
+  <p:clrMapOvr>
+    <a:masterClrMapping/>
+  </p:clrMapOvr>
+</p:sld>
+</file>
+
+<file path=ppt/slides/slide17.xml><?xml version="1.0" encoding="utf-8"?>
+<p:sld xmlns:a="http://schemas.openxmlformats.org/drawingml/2006/main" xmlns:r="http://schemas.openxmlformats.org/officeDocument/2006/relationships" xmlns:p="http://schemas.openxmlformats.org/presentationml/2006/main">
+  <p:cSld>
+    <p:spTree>
+      <p:nvGrpSpPr>
+        <p:cNvPr id="1" name=""/>
+        <p:cNvGrpSpPr/>
+        <p:nvPr/>
+      </p:nvGrpSpPr>
+      <p:grpSpPr>
+        <a:xfrm>
+          <a:off x="0" y="0"/>
+          <a:ext cx="0" cy="0"/>
+          <a:chOff x="0" y="0"/>
+          <a:chExt cx="0" cy="0"/>
+        </a:xfrm>
+      </p:grpSpPr>
+      <p:sp>
+        <p:nvSpPr>
+          <p:cNvPr id="2" name="Title 1">
+            <a:extLst>
+              <a:ext uri="{FF2B5EF4-FFF2-40B4-BE49-F238E27FC236}">
+                <a16:creationId xmlns:a16="http://schemas.microsoft.com/office/drawing/2014/main" id="{F58F364E-0E65-7267-7A4A-AA4543235C84}"/>
+              </a:ext>
+            </a:extLst>
+          </p:cNvPr>
+          <p:cNvSpPr>
+            <a:spLocks noGrp="1"/>
+          </p:cNvSpPr>
+          <p:nvPr>
+            <p:ph type="title"/>
+          </p:nvPr>
+        </p:nvSpPr>
+        <p:spPr/>
+        <p:txBody>
+          <a:bodyPr/>
+          <a:lstStyle/>
+          <a:p>
+            <a:r>
+              <a:rPr lang="en-SG" dirty="0"/>
+              <a:t>RMSE on test data</a:t>
+            </a:r>
+          </a:p>
+        </p:txBody>
+      </p:sp>
+      <p:pic>
+        <p:nvPicPr>
+          <p:cNvPr id="5" name="Picture 4">
+            <a:extLst>
+              <a:ext uri="{FF2B5EF4-FFF2-40B4-BE49-F238E27FC236}">
+                <a16:creationId xmlns:a16="http://schemas.microsoft.com/office/drawing/2014/main" id="{817DF85F-FD38-87EA-B9A5-AB97C2690DEF}"/>
+              </a:ext>
+            </a:extLst>
+          </p:cNvPr>
+          <p:cNvPicPr>
+            <a:picLocks noChangeAspect="1"/>
+          </p:cNvPicPr>
+          <p:nvPr/>
+        </p:nvPicPr>
+        <p:blipFill>
+          <a:blip r:embed="rId2"/>
+          <a:stretch>
+            <a:fillRect/>
+          </a:stretch>
+        </p:blipFill>
+        <p:spPr>
+          <a:xfrm>
+            <a:off x="937261" y="1775461"/>
+            <a:ext cx="8485158" cy="2930000"/>
+          </a:xfrm>
+          <a:prstGeom prst="rect">
+            <a:avLst/>
+          </a:prstGeom>
+        </p:spPr>
+      </p:pic>
+    </p:spTree>
+    <p:extLst>
+      <p:ext uri="{BB962C8B-B14F-4D97-AF65-F5344CB8AC3E}">
+        <p14:creationId xmlns:p14="http://schemas.microsoft.com/office/powerpoint/2010/main" val="1193175773"/>
+      </p:ext>
+    </p:extLst>
+  </p:cSld>
+  <p:clrMapOvr>
+    <a:masterClrMapping/>
+  </p:clrMapOvr>
+</p:sld>
+</file>
+
+<file path=ppt/slides/slide18.xml><?xml version="1.0" encoding="utf-8"?>
+<p:sld xmlns:a="http://schemas.openxmlformats.org/drawingml/2006/main" xmlns:r="http://schemas.openxmlformats.org/officeDocument/2006/relationships" xmlns:p="http://schemas.openxmlformats.org/presentationml/2006/main">
+  <p:cSld>
     <p:spTree>
       <p:nvGrpSpPr>
         <p:cNvPr id="1" name=""/>
@@ -13131,8 +14254,13 @@
           <a:p>
             <a:r>
               <a:rPr lang="en-SG" dirty="0"/>
-              <a:t>VAR model</a:t>
+              <a:t>VAR </a:t>
             </a:r>
+            <a:r>
+              <a:rPr lang="en-SG"/>
+              <a:t>without RL</a:t>
+            </a:r>
+            <a:endParaRPr lang="en-SG" dirty="0"/>
           </a:p>
         </p:txBody>
       </p:sp>
@@ -13149,7 +14277,7 @@
 </p:sld>
 </file>
 
-<file path=ppt/slides/slide14.xml><?xml version="1.0" encoding="utf-8"?>
+<file path=ppt/slides/slide19.xml><?xml version="1.0" encoding="utf-8"?>
 <p:sld xmlns:a="http://schemas.openxmlformats.org/drawingml/2006/main" xmlns:r="http://schemas.openxmlformats.org/officeDocument/2006/relationships" xmlns:p="http://schemas.openxmlformats.org/presentationml/2006/main">
   <p:cSld>
     <p:bg>
@@ -13611,7 +14739,111 @@
 </p:sld>
 </file>
 
-<file path=ppt/slides/slide15.xml><?xml version="1.0" encoding="utf-8"?>
+<file path=ppt/slides/slide2.xml><?xml version="1.0" encoding="utf-8"?>
+<p:sld xmlns:a="http://schemas.openxmlformats.org/drawingml/2006/main" xmlns:r="http://schemas.openxmlformats.org/officeDocument/2006/relationships" xmlns:p="http://schemas.openxmlformats.org/presentationml/2006/main">
+  <p:cSld>
+    <p:spTree>
+      <p:nvGrpSpPr>
+        <p:cNvPr id="1" name=""/>
+        <p:cNvGrpSpPr/>
+        <p:nvPr/>
+      </p:nvGrpSpPr>
+      <p:grpSpPr>
+        <a:xfrm>
+          <a:off x="0" y="0"/>
+          <a:ext cx="0" cy="0"/>
+          <a:chOff x="0" y="0"/>
+          <a:chExt cx="0" cy="0"/>
+        </a:xfrm>
+      </p:grpSpPr>
+      <p:sp>
+        <p:nvSpPr>
+          <p:cNvPr id="2" name="Title 1">
+            <a:extLst>
+              <a:ext uri="{FF2B5EF4-FFF2-40B4-BE49-F238E27FC236}">
+                <a16:creationId xmlns:a16="http://schemas.microsoft.com/office/drawing/2014/main" id="{D846738F-0131-962F-9832-68719A0020FB}"/>
+              </a:ext>
+            </a:extLst>
+          </p:cNvPr>
+          <p:cNvSpPr>
+            <a:spLocks noGrp="1"/>
+          </p:cNvSpPr>
+          <p:nvPr>
+            <p:ph type="title"/>
+          </p:nvPr>
+        </p:nvSpPr>
+        <p:spPr/>
+        <p:txBody>
+          <a:bodyPr/>
+          <a:lstStyle/>
+          <a:p>
+            <a:r>
+              <a:rPr lang="en-SG" dirty="0"/>
+              <a:t>Problem Statement</a:t>
+            </a:r>
+          </a:p>
+        </p:txBody>
+      </p:sp>
+      <p:sp>
+        <p:nvSpPr>
+          <p:cNvPr id="3" name="Content Placeholder 2">
+            <a:extLst>
+              <a:ext uri="{FF2B5EF4-FFF2-40B4-BE49-F238E27FC236}">
+                <a16:creationId xmlns:a16="http://schemas.microsoft.com/office/drawing/2014/main" id="{21D9613A-9378-AE44-50F8-A8E4D0AB3A24}"/>
+              </a:ext>
+            </a:extLst>
+          </p:cNvPr>
+          <p:cNvSpPr>
+            <a:spLocks noGrp="1"/>
+          </p:cNvSpPr>
+          <p:nvPr>
+            <p:ph idx="1"/>
+          </p:nvPr>
+        </p:nvSpPr>
+        <p:spPr/>
+        <p:txBody>
+          <a:bodyPr/>
+          <a:lstStyle/>
+          <a:p>
+            <a:r>
+              <a:rPr lang="en-US" b="0" i="0" dirty="0">
+                <a:solidFill>
+                  <a:srgbClr val="374151"/>
+                </a:solidFill>
+                <a:effectLst/>
+                <a:latin typeface="Söhne"/>
+              </a:rPr>
+              <a:t>Research current methodologies on multivariate timeseries analysis with missing data</a:t>
+            </a:r>
+          </a:p>
+          <a:p>
+            <a:r>
+              <a:rPr lang="en-US" dirty="0">
+                <a:solidFill>
+                  <a:srgbClr val="374151"/>
+                </a:solidFill>
+                <a:latin typeface="Söhne"/>
+              </a:rPr>
+              <a:t>Suggest deep RL based approach </a:t>
+            </a:r>
+            <a:endParaRPr lang="en-SG" dirty="0"/>
+          </a:p>
+        </p:txBody>
+      </p:sp>
+    </p:spTree>
+    <p:extLst>
+      <p:ext uri="{BB962C8B-B14F-4D97-AF65-F5344CB8AC3E}">
+        <p14:creationId xmlns:p14="http://schemas.microsoft.com/office/powerpoint/2010/main" val="3900042076"/>
+      </p:ext>
+    </p:extLst>
+  </p:cSld>
+  <p:clrMapOvr>
+    <a:masterClrMapping/>
+  </p:clrMapOvr>
+</p:sld>
+</file>
+
+<file path=ppt/slides/slide20.xml><?xml version="1.0" encoding="utf-8"?>
 <p:sld xmlns:a="http://schemas.openxmlformats.org/drawingml/2006/main" xmlns:r="http://schemas.openxmlformats.org/officeDocument/2006/relationships" xmlns:p="http://schemas.openxmlformats.org/presentationml/2006/main">
   <p:cSld>
     <p:spTree>
@@ -13765,7 +14997,7 @@
 </p:sld>
 </file>
 
-<file path=ppt/slides/slide16.xml><?xml version="1.0" encoding="utf-8"?>
+<file path=ppt/slides/slide21.xml><?xml version="1.0" encoding="utf-8"?>
 <p:sld xmlns:a="http://schemas.openxmlformats.org/drawingml/2006/main" xmlns:r="http://schemas.openxmlformats.org/officeDocument/2006/relationships" xmlns:p="http://schemas.openxmlformats.org/presentationml/2006/main">
   <p:cSld>
     <p:bg>
@@ -14307,7 +15539,7 @@
 </p:sld>
 </file>
 
-<file path=ppt/slides/slide17.xml><?xml version="1.0" encoding="utf-8"?>
+<file path=ppt/slides/slide22.xml><?xml version="1.0" encoding="utf-8"?>
 <p:sld xmlns:a="http://schemas.openxmlformats.org/drawingml/2006/main" xmlns:r="http://schemas.openxmlformats.org/officeDocument/2006/relationships" xmlns:p="http://schemas.openxmlformats.org/presentationml/2006/main">
   <p:cSld>
     <p:bg>
@@ -14763,7 +15995,7 @@
 </p:sld>
 </file>
 
-<file path=ppt/slides/slide18.xml><?xml version="1.0" encoding="utf-8"?>
+<file path=ppt/slides/slide23.xml><?xml version="1.0" encoding="utf-8"?>
 <p:sld xmlns:a="http://schemas.openxmlformats.org/drawingml/2006/main" xmlns:r="http://schemas.openxmlformats.org/officeDocument/2006/relationships" xmlns:p="http://schemas.openxmlformats.org/presentationml/2006/main">
   <p:cSld>
     <p:bg>
@@ -15479,7 +16711,7 @@
 </p:sld>
 </file>
 
-<file path=ppt/slides/slide19.xml><?xml version="1.0" encoding="utf-8"?>
+<file path=ppt/slides/slide24.xml><?xml version="1.0" encoding="utf-8"?>
 <p:sld xmlns:a="http://schemas.openxmlformats.org/drawingml/2006/main" xmlns:r="http://schemas.openxmlformats.org/officeDocument/2006/relationships" xmlns:p="http://schemas.openxmlformats.org/presentationml/2006/main">
   <p:cSld>
     <p:bg>
@@ -15911,110 +17143,6 @@
     <p:extLst>
       <p:ext uri="{BB962C8B-B14F-4D97-AF65-F5344CB8AC3E}">
         <p14:creationId xmlns:p14="http://schemas.microsoft.com/office/powerpoint/2010/main" val="54857802"/>
-      </p:ext>
-    </p:extLst>
-  </p:cSld>
-  <p:clrMapOvr>
-    <a:masterClrMapping/>
-  </p:clrMapOvr>
-</p:sld>
-</file>
-
-<file path=ppt/slides/slide2.xml><?xml version="1.0" encoding="utf-8"?>
-<p:sld xmlns:a="http://schemas.openxmlformats.org/drawingml/2006/main" xmlns:r="http://schemas.openxmlformats.org/officeDocument/2006/relationships" xmlns:p="http://schemas.openxmlformats.org/presentationml/2006/main">
-  <p:cSld>
-    <p:spTree>
-      <p:nvGrpSpPr>
-        <p:cNvPr id="1" name=""/>
-        <p:cNvGrpSpPr/>
-        <p:nvPr/>
-      </p:nvGrpSpPr>
-      <p:grpSpPr>
-        <a:xfrm>
-          <a:off x="0" y="0"/>
-          <a:ext cx="0" cy="0"/>
-          <a:chOff x="0" y="0"/>
-          <a:chExt cx="0" cy="0"/>
-        </a:xfrm>
-      </p:grpSpPr>
-      <p:sp>
-        <p:nvSpPr>
-          <p:cNvPr id="2" name="Title 1">
-            <a:extLst>
-              <a:ext uri="{FF2B5EF4-FFF2-40B4-BE49-F238E27FC236}">
-                <a16:creationId xmlns:a16="http://schemas.microsoft.com/office/drawing/2014/main" id="{D846738F-0131-962F-9832-68719A0020FB}"/>
-              </a:ext>
-            </a:extLst>
-          </p:cNvPr>
-          <p:cNvSpPr>
-            <a:spLocks noGrp="1"/>
-          </p:cNvSpPr>
-          <p:nvPr>
-            <p:ph type="title"/>
-          </p:nvPr>
-        </p:nvSpPr>
-        <p:spPr/>
-        <p:txBody>
-          <a:bodyPr/>
-          <a:lstStyle/>
-          <a:p>
-            <a:r>
-              <a:rPr lang="en-SG" dirty="0"/>
-              <a:t>Problem Statement</a:t>
-            </a:r>
-          </a:p>
-        </p:txBody>
-      </p:sp>
-      <p:sp>
-        <p:nvSpPr>
-          <p:cNvPr id="3" name="Content Placeholder 2">
-            <a:extLst>
-              <a:ext uri="{FF2B5EF4-FFF2-40B4-BE49-F238E27FC236}">
-                <a16:creationId xmlns:a16="http://schemas.microsoft.com/office/drawing/2014/main" id="{21D9613A-9378-AE44-50F8-A8E4D0AB3A24}"/>
-              </a:ext>
-            </a:extLst>
-          </p:cNvPr>
-          <p:cNvSpPr>
-            <a:spLocks noGrp="1"/>
-          </p:cNvSpPr>
-          <p:nvPr>
-            <p:ph idx="1"/>
-          </p:nvPr>
-        </p:nvSpPr>
-        <p:spPr/>
-        <p:txBody>
-          <a:bodyPr/>
-          <a:lstStyle/>
-          <a:p>
-            <a:r>
-              <a:rPr lang="en-US" b="0" i="0" dirty="0">
-                <a:solidFill>
-                  <a:srgbClr val="374151"/>
-                </a:solidFill>
-                <a:effectLst/>
-                <a:latin typeface="Söhne"/>
-              </a:rPr>
-              <a:t>Research current methodologies on multivariate timeseries analysis with missing data</a:t>
-            </a:r>
-          </a:p>
-          <a:p>
-            <a:r>
-              <a:rPr lang="en-US" dirty="0">
-                <a:solidFill>
-                  <a:srgbClr val="374151"/>
-                </a:solidFill>
-                <a:latin typeface="Söhne"/>
-              </a:rPr>
-              <a:t>Suggest deep RL based approach </a:t>
-            </a:r>
-            <a:endParaRPr lang="en-SG" dirty="0"/>
-          </a:p>
-        </p:txBody>
-      </p:sp>
-    </p:spTree>
-    <p:extLst>
-      <p:ext uri="{BB962C8B-B14F-4D97-AF65-F5344CB8AC3E}">
-        <p14:creationId xmlns:p14="http://schemas.microsoft.com/office/powerpoint/2010/main" val="3900042076"/>
       </p:ext>
     </p:extLst>
   </p:cSld>

--- a/Multivar TS analysis and prediction.pptx
+++ b/Multivar TS analysis and prediction.pptx
@@ -22,13 +22,7 @@
     <p:sldId id="286" r:id="rId16"/>
     <p:sldId id="287" r:id="rId17"/>
     <p:sldId id="288" r:id="rId18"/>
-    <p:sldId id="257" r:id="rId19"/>
-    <p:sldId id="258" r:id="rId20"/>
-    <p:sldId id="260" r:id="rId21"/>
-    <p:sldId id="261" r:id="rId22"/>
-    <p:sldId id="262" r:id="rId23"/>
-    <p:sldId id="263" r:id="rId24"/>
-    <p:sldId id="270" r:id="rId25"/>
+    <p:sldId id="289" r:id="rId19"/>
   </p:sldIdLst>
   <p:sldSz cx="12192000" cy="6858000"/>
   <p:notesSz cx="6858000" cy="9144000"/>
@@ -14146,10 +14140,38 @@
       </p:grpSpPr>
       <p:sp>
         <p:nvSpPr>
+          <p:cNvPr id="2" name="Title 1">
+            <a:extLst>
+              <a:ext uri="{FF2B5EF4-FFF2-40B4-BE49-F238E27FC236}">
+                <a16:creationId xmlns:a16="http://schemas.microsoft.com/office/drawing/2014/main" id="{B76D8A19-A5B5-B585-B652-2F8D45CD6FAC}"/>
+              </a:ext>
+            </a:extLst>
+          </p:cNvPr>
+          <p:cNvSpPr>
+            <a:spLocks noGrp="1"/>
+          </p:cNvSpPr>
+          <p:nvPr>
+            <p:ph type="title"/>
+          </p:nvPr>
+        </p:nvSpPr>
+        <p:spPr/>
+        <p:txBody>
+          <a:bodyPr/>
+          <a:lstStyle/>
+          <a:p>
+            <a:r>
+              <a:rPr lang="en-SG" dirty="0"/>
+              <a:t>Conclusion</a:t>
+            </a:r>
+          </a:p>
+        </p:txBody>
+      </p:sp>
+      <p:sp>
+        <p:nvSpPr>
           <p:cNvPr id="3" name="Content Placeholder 2">
             <a:extLst>
               <a:ext uri="{FF2B5EF4-FFF2-40B4-BE49-F238E27FC236}">
-                <a16:creationId xmlns:a16="http://schemas.microsoft.com/office/drawing/2014/main" id="{73DF04A7-05FA-3B1A-D77C-F515D5705DE5}"/>
+                <a16:creationId xmlns:a16="http://schemas.microsoft.com/office/drawing/2014/main" id="{EFBB6989-8A4E-EB8A-3D8C-03D53AA51DD5}"/>
               </a:ext>
             </a:extLst>
           </p:cNvPr>
@@ -14162,103 +14184,38 @@
         </p:nvSpPr>
         <p:spPr/>
         <p:txBody>
-          <a:bodyPr>
-            <a:noAutofit/>
-          </a:bodyPr>
+          <a:bodyPr/>
           <a:lstStyle/>
           <a:p>
             <a:r>
-              <a:rPr lang="en-SG" sz="2400" dirty="0">
+              <a:rPr lang="en-US" b="0" i="0" dirty="0">
                 <a:solidFill>
-                  <a:srgbClr val="444444"/>
+                  <a:srgbClr val="292929"/>
                 </a:solidFill>
-                <a:latin typeface="BentonSansRegular"/>
+                <a:effectLst/>
+                <a:latin typeface="source-serif-pro"/>
               </a:rPr>
-              <a:t>To deal with MTS, one of the most popular methods is Vector Auto Regressive Moving Average models (VARMA) that is a vector form of autoregressive integrated moving average (ARIMA) that can be used to examine the relationships among several variables in multivariate time series analysis.</a:t>
+              <a:t> We tried to use the information learned by a VAR model, for a multivariate time series task, to improve the performance of a recurrent neural network trained to predict the future.</a:t>
             </a:r>
           </a:p>
           <a:p>
             <a:r>
-              <a:rPr lang="en-SG" sz="2400" dirty="0">
+              <a:rPr lang="en-US" dirty="0">
                 <a:solidFill>
-                  <a:srgbClr val="444444"/>
+                  <a:srgbClr val="292929"/>
                 </a:solidFill>
-                <a:latin typeface="BentonSansRegular"/>
+                <a:latin typeface="source-serif-pro"/>
               </a:rPr>
-              <a:t>Yash P Mehra’s 1994 article: “Wage Growth and the Inflation Process: An Empirical Approach” Dataset link - </a:t>
+              <a:t>We need to repeat the same for </a:t>
             </a:r>
             <a:r>
-              <a:rPr lang="en-SG" sz="2400" dirty="0">
+              <a:rPr lang="en-US">
                 <a:solidFill>
-                  <a:srgbClr val="444444"/>
+                  <a:srgbClr val="292929"/>
                 </a:solidFill>
-                <a:latin typeface="BentonSansRegular"/>
-                <a:hlinkClick r:id="rId2">
-                  <a:extLst>
-                    <a:ext uri="{A12FA001-AC4F-418D-AE19-62706E023703}">
-                      <ahyp:hlinkClr xmlns:ahyp="http://schemas.microsoft.com/office/drawing/2018/hyperlinkcolor" val="tx"/>
-                    </a:ext>
-                  </a:extLst>
-                </a:hlinkClick>
+                <a:latin typeface="source-serif-pro"/>
               </a:rPr>
-              <a:t>https://raw.githubusercontent.com/selva86/datasets/master/Raotbl6.csv</a:t>
-            </a:r>
-            <a:endParaRPr lang="en-SG" sz="2400" dirty="0">
-              <a:solidFill>
-                <a:srgbClr val="444444"/>
-              </a:solidFill>
-              <a:latin typeface="BentonSansRegular"/>
-            </a:endParaRPr>
-          </a:p>
-          <a:p>
-            <a:pPr algn="l"/>
-            <a:r>
-              <a:rPr lang="en-SG" sz="2400" b="0" i="0" dirty="0">
-                <a:solidFill>
-                  <a:srgbClr val="444444"/>
-                </a:solidFill>
-                <a:effectLst/>
-                <a:latin typeface="BentonSansRegular"/>
-              </a:rPr>
-              <a:t>The dataset has 123 rows and 8 columns.</a:t>
-            </a:r>
-            <a:endParaRPr lang="en-US" sz="2400" dirty="0"/>
-          </a:p>
-        </p:txBody>
-      </p:sp>
-      <p:sp>
-        <p:nvSpPr>
-          <p:cNvPr id="2" name="Title 1">
-            <a:extLst>
-              <a:ext uri="{FF2B5EF4-FFF2-40B4-BE49-F238E27FC236}">
-                <a16:creationId xmlns:a16="http://schemas.microsoft.com/office/drawing/2014/main" id="{38F0AA4E-3DAD-9CA4-69D4-3C4D3E83BA45}"/>
-              </a:ext>
-            </a:extLst>
-          </p:cNvPr>
-          <p:cNvSpPr>
-            <a:spLocks noGrp="1"/>
-          </p:cNvSpPr>
-          <p:nvPr>
-            <p:ph type="title"/>
-          </p:nvPr>
-        </p:nvSpPr>
-        <p:spPr>
-          <a:xfrm>
-            <a:off x="838200" y="365125"/>
-            <a:ext cx="10515600" cy="1325563"/>
-          </a:xfrm>
-        </p:spPr>
-        <p:txBody>
-          <a:bodyPr/>
-          <a:lstStyle/>
-          <a:p>
-            <a:r>
-              <a:rPr lang="en-SG" dirty="0"/>
-              <a:t>VAR </a:t>
-            </a:r>
-            <a:r>
-              <a:rPr lang="en-SG"/>
-              <a:t>without RL</a:t>
+              <a:t>other models like DBNs et al</a:t>
             </a:r>
             <a:endParaRPr lang="en-SG" dirty="0"/>
           </a:p>
@@ -14267,469 +14224,7 @@
     </p:spTree>
     <p:extLst>
       <p:ext uri="{BB962C8B-B14F-4D97-AF65-F5344CB8AC3E}">
-        <p14:creationId xmlns:p14="http://schemas.microsoft.com/office/powerpoint/2010/main" val="3527222825"/>
-      </p:ext>
-    </p:extLst>
-  </p:cSld>
-  <p:clrMapOvr>
-    <a:masterClrMapping/>
-  </p:clrMapOvr>
-</p:sld>
-</file>
-
-<file path=ppt/slides/slide19.xml><?xml version="1.0" encoding="utf-8"?>
-<p:sld xmlns:a="http://schemas.openxmlformats.org/drawingml/2006/main" xmlns:r="http://schemas.openxmlformats.org/officeDocument/2006/relationships" xmlns:p="http://schemas.openxmlformats.org/presentationml/2006/main">
-  <p:cSld>
-    <p:bg>
-      <p:bgPr>
-        <a:solidFill>
-          <a:schemeClr val="bg1"/>
-        </a:solidFill>
-        <a:effectLst/>
-      </p:bgPr>
-    </p:bg>
-    <p:spTree>
-      <p:nvGrpSpPr>
-        <p:cNvPr id="1" name=""/>
-        <p:cNvGrpSpPr/>
-        <p:nvPr/>
-      </p:nvGrpSpPr>
-      <p:grpSpPr>
-        <a:xfrm>
-          <a:off x="0" y="0"/>
-          <a:ext cx="0" cy="0"/>
-          <a:chOff x="0" y="0"/>
-          <a:chExt cx="0" cy="0"/>
-        </a:xfrm>
-      </p:grpSpPr>
-      <p:sp useBgFill="1">
-        <p:nvSpPr>
-          <p:cNvPr id="1033" name="Rectangle 1032">
-            <a:extLst>
-              <a:ext uri="{FF2B5EF4-FFF2-40B4-BE49-F238E27FC236}">
-                <a16:creationId xmlns:a16="http://schemas.microsoft.com/office/drawing/2014/main" id="{2B97F24A-32CE-4C1C-A50D-3016B394DCFB}"/>
-              </a:ext>
-              <a:ext uri="{C183D7F6-B498-43B3-948B-1728B52AA6E4}">
-                <adec:decorative xmlns:adec="http://schemas.microsoft.com/office/drawing/2017/decorative" val="1"/>
-              </a:ext>
-            </a:extLst>
-          </p:cNvPr>
-          <p:cNvSpPr>
-            <a:spLocks noGrp="1" noRot="1" noChangeAspect="1" noMove="1" noResize="1" noEditPoints="1" noAdjustHandles="1" noChangeArrowheads="1" noChangeShapeType="1" noTextEdit="1"/>
-          </p:cNvSpPr>
-          <p:nvPr>
-            <p:extLst>
-              <p:ext uri="{386F3935-93C4-4BCD-93E2-E3B085C9AB24}">
-                <p16:designElem xmlns:p16="http://schemas.microsoft.com/office/powerpoint/2015/main" val="1"/>
-              </p:ext>
-            </p:extLst>
-          </p:nvPr>
-        </p:nvSpPr>
-        <p:spPr>
-          <a:xfrm>
-            <a:off x="0" y="0"/>
-            <a:ext cx="12192000" cy="6858000"/>
-          </a:xfrm>
-          <a:prstGeom prst="rect">
-            <a:avLst/>
-          </a:prstGeom>
-          <a:ln>
-            <a:noFill/>
-          </a:ln>
-        </p:spPr>
-        <p:style>
-          <a:lnRef idx="2">
-            <a:schemeClr val="accent1">
-              <a:shade val="50000"/>
-            </a:schemeClr>
-          </a:lnRef>
-          <a:fillRef idx="1">
-            <a:schemeClr val="accent1"/>
-          </a:fillRef>
-          <a:effectRef idx="0">
-            <a:schemeClr val="accent1"/>
-          </a:effectRef>
-          <a:fontRef idx="minor">
-            <a:schemeClr val="lt1"/>
-          </a:fontRef>
-        </p:style>
-        <p:txBody>
-          <a:bodyPr rtlCol="0" anchor="ctr"/>
-          <a:lstStyle/>
-          <a:p>
-            <a:pPr algn="ctr"/>
-            <a:endParaRPr lang="en-US"/>
-          </a:p>
-        </p:txBody>
-      </p:sp>
-      <p:sp>
-        <p:nvSpPr>
-          <p:cNvPr id="1035" name="sketch line">
-            <a:extLst>
-              <a:ext uri="{FF2B5EF4-FFF2-40B4-BE49-F238E27FC236}">
-                <a16:creationId xmlns:a16="http://schemas.microsoft.com/office/drawing/2014/main" id="{CD8B4F24-440B-49E9-B85D-733523DC064B}"/>
-              </a:ext>
-              <a:ext uri="{C183D7F6-B498-43B3-948B-1728B52AA6E4}">
-                <adec:decorative xmlns:adec="http://schemas.microsoft.com/office/drawing/2017/decorative" val="1"/>
-              </a:ext>
-            </a:extLst>
-          </p:cNvPr>
-          <p:cNvSpPr>
-            <a:spLocks noGrp="1" noRot="1" noChangeAspect="1" noMove="1" noResize="1" noEditPoints="1" noAdjustHandles="1" noChangeArrowheads="1" noChangeShapeType="1" noTextEdit="1"/>
-          </p:cNvSpPr>
-          <p:nvPr>
-            <p:extLst>
-              <p:ext uri="{386F3935-93C4-4BCD-93E2-E3B085C9AB24}">
-                <p16:designElem xmlns:p16="http://schemas.microsoft.com/office/powerpoint/2015/main" val="1"/>
-              </p:ext>
-            </p:extLst>
-          </p:nvPr>
-        </p:nvSpPr>
-        <p:spPr>
-          <a:xfrm>
-            <a:off x="643278" y="2573756"/>
-            <a:ext cx="3255095" cy="18288"/>
-          </a:xfrm>
-          <a:custGeom>
-            <a:avLst/>
-            <a:gdLst>
-              <a:gd name="connsiteX0" fmla="*/ 0 w 3255095"/>
-              <a:gd name="connsiteY0" fmla="*/ 0 h 18288"/>
-              <a:gd name="connsiteX1" fmla="*/ 618468 w 3255095"/>
-              <a:gd name="connsiteY1" fmla="*/ 0 h 18288"/>
-              <a:gd name="connsiteX2" fmla="*/ 1269487 w 3255095"/>
-              <a:gd name="connsiteY2" fmla="*/ 0 h 18288"/>
-              <a:gd name="connsiteX3" fmla="*/ 1953057 w 3255095"/>
-              <a:gd name="connsiteY3" fmla="*/ 0 h 18288"/>
-              <a:gd name="connsiteX4" fmla="*/ 2636627 w 3255095"/>
-              <a:gd name="connsiteY4" fmla="*/ 0 h 18288"/>
-              <a:gd name="connsiteX5" fmla="*/ 3255095 w 3255095"/>
-              <a:gd name="connsiteY5" fmla="*/ 0 h 18288"/>
-              <a:gd name="connsiteX6" fmla="*/ 3255095 w 3255095"/>
-              <a:gd name="connsiteY6" fmla="*/ 18288 h 18288"/>
-              <a:gd name="connsiteX7" fmla="*/ 2538974 w 3255095"/>
-              <a:gd name="connsiteY7" fmla="*/ 18288 h 18288"/>
-              <a:gd name="connsiteX8" fmla="*/ 1822853 w 3255095"/>
-              <a:gd name="connsiteY8" fmla="*/ 18288 h 18288"/>
-              <a:gd name="connsiteX9" fmla="*/ 1171834 w 3255095"/>
-              <a:gd name="connsiteY9" fmla="*/ 18288 h 18288"/>
-              <a:gd name="connsiteX10" fmla="*/ 0 w 3255095"/>
-              <a:gd name="connsiteY10" fmla="*/ 18288 h 18288"/>
-              <a:gd name="connsiteX11" fmla="*/ 0 w 3255095"/>
-              <a:gd name="connsiteY11" fmla="*/ 0 h 18288"/>
-            </a:gdLst>
-            <a:ahLst/>
-            <a:cxnLst>
-              <a:cxn ang="0">
-                <a:pos x="connsiteX0" y="connsiteY0"/>
-              </a:cxn>
-              <a:cxn ang="0">
-                <a:pos x="connsiteX1" y="connsiteY1"/>
-              </a:cxn>
-              <a:cxn ang="0">
-                <a:pos x="connsiteX2" y="connsiteY2"/>
-              </a:cxn>
-              <a:cxn ang="0">
-                <a:pos x="connsiteX3" y="connsiteY3"/>
-              </a:cxn>
-              <a:cxn ang="0">
-                <a:pos x="connsiteX4" y="connsiteY4"/>
-              </a:cxn>
-              <a:cxn ang="0">
-                <a:pos x="connsiteX5" y="connsiteY5"/>
-              </a:cxn>
-              <a:cxn ang="0">
-                <a:pos x="connsiteX6" y="connsiteY6"/>
-              </a:cxn>
-              <a:cxn ang="0">
-                <a:pos x="connsiteX7" y="connsiteY7"/>
-              </a:cxn>
-              <a:cxn ang="0">
-                <a:pos x="connsiteX8" y="connsiteY8"/>
-              </a:cxn>
-              <a:cxn ang="0">
-                <a:pos x="connsiteX9" y="connsiteY9"/>
-              </a:cxn>
-              <a:cxn ang="0">
-                <a:pos x="connsiteX10" y="connsiteY10"/>
-              </a:cxn>
-              <a:cxn ang="0">
-                <a:pos x="connsiteX11" y="connsiteY11"/>
-              </a:cxn>
-            </a:cxnLst>
-            <a:rect l="l" t="t" r="r" b="b"/>
-            <a:pathLst>
-              <a:path w="3255095" h="18288" fill="none" extrusionOk="0">
-                <a:moveTo>
-                  <a:pt x="0" y="0"/>
-                </a:moveTo>
-                <a:cubicBezTo>
-                  <a:pt x="240201" y="-22123"/>
-                  <a:pt x="462021" y="-19623"/>
-                  <a:pt x="618468" y="0"/>
-                </a:cubicBezTo>
-                <a:cubicBezTo>
-                  <a:pt x="774915" y="19623"/>
-                  <a:pt x="974734" y="2035"/>
-                  <a:pt x="1269487" y="0"/>
-                </a:cubicBezTo>
-                <a:cubicBezTo>
-                  <a:pt x="1564240" y="-2035"/>
-                  <a:pt x="1733579" y="10639"/>
-                  <a:pt x="1953057" y="0"/>
-                </a:cubicBezTo>
-                <a:cubicBezTo>
-                  <a:pt x="2172535" y="-10639"/>
-                  <a:pt x="2453962" y="14018"/>
-                  <a:pt x="2636627" y="0"/>
-                </a:cubicBezTo>
-                <a:cubicBezTo>
-                  <a:pt x="2819292" y="-14018"/>
-                  <a:pt x="3121375" y="5399"/>
-                  <a:pt x="3255095" y="0"/>
-                </a:cubicBezTo>
-                <a:cubicBezTo>
-                  <a:pt x="3254386" y="8157"/>
-                  <a:pt x="3254682" y="12125"/>
-                  <a:pt x="3255095" y="18288"/>
-                </a:cubicBezTo>
-                <a:cubicBezTo>
-                  <a:pt x="3088545" y="23203"/>
-                  <a:pt x="2687475" y="7419"/>
-                  <a:pt x="2538974" y="18288"/>
-                </a:cubicBezTo>
-                <a:cubicBezTo>
-                  <a:pt x="2390473" y="29157"/>
-                  <a:pt x="2137381" y="-8959"/>
-                  <a:pt x="1822853" y="18288"/>
-                </a:cubicBezTo>
-                <a:cubicBezTo>
-                  <a:pt x="1508325" y="45535"/>
-                  <a:pt x="1466437" y="20385"/>
-                  <a:pt x="1171834" y="18288"/>
-                </a:cubicBezTo>
-                <a:cubicBezTo>
-                  <a:pt x="877231" y="16191"/>
-                  <a:pt x="561097" y="37643"/>
-                  <a:pt x="0" y="18288"/>
-                </a:cubicBezTo>
-                <a:cubicBezTo>
-                  <a:pt x="-46" y="12483"/>
-                  <a:pt x="-203" y="6491"/>
-                  <a:pt x="0" y="0"/>
-                </a:cubicBezTo>
-                <a:close/>
-              </a:path>
-              <a:path w="3255095" h="18288" stroke="0" extrusionOk="0">
-                <a:moveTo>
-                  <a:pt x="0" y="0"/>
-                </a:moveTo>
-                <a:cubicBezTo>
-                  <a:pt x="291965" y="19429"/>
-                  <a:pt x="363155" y="8568"/>
-                  <a:pt x="618468" y="0"/>
-                </a:cubicBezTo>
-                <a:cubicBezTo>
-                  <a:pt x="873781" y="-8568"/>
-                  <a:pt x="904459" y="-19505"/>
-                  <a:pt x="1171834" y="0"/>
-                </a:cubicBezTo>
-                <a:cubicBezTo>
-                  <a:pt x="1439209" y="19505"/>
-                  <a:pt x="1744369" y="9790"/>
-                  <a:pt x="1887955" y="0"/>
-                </a:cubicBezTo>
-                <a:cubicBezTo>
-                  <a:pt x="2031541" y="-9790"/>
-                  <a:pt x="2346378" y="21240"/>
-                  <a:pt x="2506423" y="0"/>
-                </a:cubicBezTo>
-                <a:cubicBezTo>
-                  <a:pt x="2666468" y="-21240"/>
-                  <a:pt x="2990257" y="30414"/>
-                  <a:pt x="3255095" y="0"/>
-                </a:cubicBezTo>
-                <a:cubicBezTo>
-                  <a:pt x="3254831" y="4493"/>
-                  <a:pt x="3255479" y="9472"/>
-                  <a:pt x="3255095" y="18288"/>
-                </a:cubicBezTo>
-                <a:cubicBezTo>
-                  <a:pt x="3120743" y="16690"/>
-                  <a:pt x="2759628" y="42462"/>
-                  <a:pt x="2604076" y="18288"/>
-                </a:cubicBezTo>
-                <a:cubicBezTo>
-                  <a:pt x="2448524" y="-5886"/>
-                  <a:pt x="2184336" y="19599"/>
-                  <a:pt x="1887955" y="18288"/>
-                </a:cubicBezTo>
-                <a:cubicBezTo>
-                  <a:pt x="1591574" y="16977"/>
-                  <a:pt x="1548845" y="6870"/>
-                  <a:pt x="1334589" y="18288"/>
-                </a:cubicBezTo>
-                <a:cubicBezTo>
-                  <a:pt x="1120333" y="29706"/>
-                  <a:pt x="996014" y="9662"/>
-                  <a:pt x="683570" y="18288"/>
-                </a:cubicBezTo>
-                <a:cubicBezTo>
-                  <a:pt x="371126" y="26914"/>
-                  <a:pt x="198687" y="16167"/>
-                  <a:pt x="0" y="18288"/>
-                </a:cubicBezTo>
-                <a:cubicBezTo>
-                  <a:pt x="843" y="9577"/>
-                  <a:pt x="371" y="6900"/>
-                  <a:pt x="0" y="0"/>
-                </a:cubicBezTo>
-                <a:close/>
-              </a:path>
-            </a:pathLst>
-          </a:custGeom>
-          <a:solidFill>
-            <a:schemeClr val="accent2"/>
-          </a:solidFill>
-          <a:ln w="38100" cap="rnd">
-            <a:solidFill>
-              <a:schemeClr val="accent2"/>
-            </a:solidFill>
-            <a:round/>
-            <a:extLst>
-              <a:ext uri="{C807C97D-BFC1-408E-A445-0C87EB9F89A2}">
-                <ask:lineSketchStyleProps xmlns:ask="http://schemas.microsoft.com/office/drawing/2018/sketchyshapes" sd="1219033472">
-                  <a:prstGeom prst="rect">
-                    <a:avLst/>
-                  </a:prstGeom>
-                  <ask:type>
-                    <ask:lineSketchFreehand/>
-                  </ask:type>
-                </ask:lineSketchStyleProps>
-              </a:ext>
-            </a:extLst>
-          </a:ln>
-        </p:spPr>
-        <p:style>
-          <a:lnRef idx="2">
-            <a:schemeClr val="accent1">
-              <a:shade val="50000"/>
-            </a:schemeClr>
-          </a:lnRef>
-          <a:fillRef idx="1">
-            <a:schemeClr val="accent1"/>
-          </a:fillRef>
-          <a:effectRef idx="0">
-            <a:schemeClr val="accent1"/>
-          </a:effectRef>
-          <a:fontRef idx="minor">
-            <a:schemeClr val="lt1"/>
-          </a:fontRef>
-        </p:style>
-        <p:txBody>
-          <a:bodyPr rtlCol="0" anchor="ctr"/>
-          <a:lstStyle/>
-          <a:p>
-            <a:pPr algn="ctr"/>
-            <a:endParaRPr lang="en-US"/>
-          </a:p>
-        </p:txBody>
-      </p:sp>
-      <p:sp>
-        <p:nvSpPr>
-          <p:cNvPr id="1030" name="Content Placeholder 1029">
-            <a:extLst>
-              <a:ext uri="{FF2B5EF4-FFF2-40B4-BE49-F238E27FC236}">
-                <a16:creationId xmlns:a16="http://schemas.microsoft.com/office/drawing/2014/main" id="{E775CE40-2A93-F5DF-ECFD-649CE6ECFA06}"/>
-              </a:ext>
-            </a:extLst>
-          </p:cNvPr>
-          <p:cNvSpPr>
-            <a:spLocks noGrp="1"/>
-          </p:cNvSpPr>
-          <p:nvPr>
-            <p:ph idx="1"/>
-          </p:nvPr>
-        </p:nvSpPr>
-        <p:spPr>
-          <a:xfrm>
-            <a:off x="62530" y="2807208"/>
-            <a:ext cx="3584184" cy="1223990"/>
-          </a:xfrm>
-        </p:spPr>
-        <p:txBody>
-          <a:bodyPr anchor="t">
-            <a:noAutofit/>
-          </a:bodyPr>
-          <a:lstStyle/>
-          <a:p>
-            <a:pPr marL="0" indent="0">
-              <a:buNone/>
-            </a:pPr>
-            <a:r>
-              <a:rPr lang="en-SG" b="0" i="0" dirty="0">
-                <a:solidFill>
-                  <a:srgbClr val="444444"/>
-                </a:solidFill>
-                <a:effectLst/>
-                <a:latin typeface="BentonSansRegular"/>
-              </a:rPr>
-              <a:t>Visualize the data in the figure below and through our observation, all 8 variables has no obvious seasonality and each curve slopes upward.</a:t>
-            </a:r>
-            <a:endParaRPr lang="en-US" dirty="0"/>
-          </a:p>
-        </p:txBody>
-      </p:sp>
-      <p:pic>
-        <p:nvPicPr>
-          <p:cNvPr id="1026" name="Picture 2">
-            <a:extLst>
-              <a:ext uri="{FF2B5EF4-FFF2-40B4-BE49-F238E27FC236}">
-                <a16:creationId xmlns:a16="http://schemas.microsoft.com/office/drawing/2014/main" id="{FFF59AF3-EFC7-2E67-CBC7-2396E4986B17}"/>
-              </a:ext>
-            </a:extLst>
-          </p:cNvPr>
-          <p:cNvPicPr>
-            <a:picLocks noChangeAspect="1" noChangeArrowheads="1"/>
-          </p:cNvPicPr>
-          <p:nvPr/>
-        </p:nvPicPr>
-        <p:blipFill>
-          <a:blip r:embed="rId2">
-            <a:extLst>
-              <a:ext uri="{28A0092B-C50C-407E-A947-70E740481C1C}">
-                <a14:useLocalDpi xmlns:a14="http://schemas.microsoft.com/office/drawing/2010/main" val="0"/>
-              </a:ext>
-            </a:extLst>
-          </a:blip>
-          <a:stretch>
-            <a:fillRect/>
-          </a:stretch>
-        </p:blipFill>
-        <p:spPr bwMode="auto">
-          <a:xfrm>
-            <a:off x="3646714" y="147484"/>
-            <a:ext cx="8191325" cy="6070436"/>
-          </a:xfrm>
-          <a:prstGeom prst="rect">
-            <a:avLst/>
-          </a:prstGeom>
-          <a:noFill/>
-          <a:extLst>
-            <a:ext uri="{909E8E84-426E-40DD-AFC4-6F175D3DCCD1}">
-              <a14:hiddenFill xmlns:a14="http://schemas.microsoft.com/office/drawing/2010/main">
-                <a:solidFill>
-                  <a:srgbClr val="FFFFFF"/>
-                </a:solidFill>
-              </a14:hiddenFill>
-            </a:ext>
-          </a:extLst>
-        </p:spPr>
-      </p:pic>
-    </p:spTree>
-    <p:extLst>
-      <p:ext uri="{BB962C8B-B14F-4D97-AF65-F5344CB8AC3E}">
-        <p14:creationId xmlns:p14="http://schemas.microsoft.com/office/powerpoint/2010/main" val="1540545026"/>
+        <p14:creationId xmlns:p14="http://schemas.microsoft.com/office/powerpoint/2010/main" val="2840801969"/>
       </p:ext>
     </p:extLst>
   </p:cSld>
@@ -14834,2315 +14329,6 @@
     <p:extLst>
       <p:ext uri="{BB962C8B-B14F-4D97-AF65-F5344CB8AC3E}">
         <p14:creationId xmlns:p14="http://schemas.microsoft.com/office/powerpoint/2010/main" val="3900042076"/>
-      </p:ext>
-    </p:extLst>
-  </p:cSld>
-  <p:clrMapOvr>
-    <a:masterClrMapping/>
-  </p:clrMapOvr>
-</p:sld>
-</file>
-
-<file path=ppt/slides/slide20.xml><?xml version="1.0" encoding="utf-8"?>
-<p:sld xmlns:a="http://schemas.openxmlformats.org/drawingml/2006/main" xmlns:r="http://schemas.openxmlformats.org/officeDocument/2006/relationships" xmlns:p="http://schemas.openxmlformats.org/presentationml/2006/main">
-  <p:cSld>
-    <p:spTree>
-      <p:nvGrpSpPr>
-        <p:cNvPr id="1" name=""/>
-        <p:cNvGrpSpPr/>
-        <p:nvPr/>
-      </p:nvGrpSpPr>
-      <p:grpSpPr>
-        <a:xfrm>
-          <a:off x="0" y="0"/>
-          <a:ext cx="0" cy="0"/>
-          <a:chOff x="0" y="0"/>
-          <a:chExt cx="0" cy="0"/>
-        </a:xfrm>
-      </p:grpSpPr>
-      <p:sp>
-        <p:nvSpPr>
-          <p:cNvPr id="2" name="Title 1">
-            <a:extLst>
-              <a:ext uri="{FF2B5EF4-FFF2-40B4-BE49-F238E27FC236}">
-                <a16:creationId xmlns:a16="http://schemas.microsoft.com/office/drawing/2014/main" id="{3309459F-92CA-C84B-FD28-0322965F343A}"/>
-              </a:ext>
-            </a:extLst>
-          </p:cNvPr>
-          <p:cNvSpPr>
-            <a:spLocks noGrp="1"/>
-          </p:cNvSpPr>
-          <p:nvPr>
-            <p:ph type="title"/>
-          </p:nvPr>
-        </p:nvSpPr>
-        <p:spPr/>
-        <p:txBody>
-          <a:bodyPr/>
-          <a:lstStyle/>
-          <a:p>
-            <a:r>
-              <a:rPr lang="en-SG" b="0" i="0" dirty="0">
-                <a:solidFill>
-                  <a:srgbClr val="000000"/>
-                </a:solidFill>
-                <a:effectLst/>
-                <a:latin typeface="BentonSansRegular"/>
-              </a:rPr>
-              <a:t>Model Building</a:t>
-            </a:r>
-            <a:endParaRPr lang="en-US" dirty="0"/>
-          </a:p>
-        </p:txBody>
-      </p:sp>
-      <p:sp>
-        <p:nvSpPr>
-          <p:cNvPr id="3" name="Content Placeholder 2">
-            <a:extLst>
-              <a:ext uri="{FF2B5EF4-FFF2-40B4-BE49-F238E27FC236}">
-                <a16:creationId xmlns:a16="http://schemas.microsoft.com/office/drawing/2014/main" id="{03F7A847-BEEB-4000-B76B-D9E0AAB811A7}"/>
-              </a:ext>
-            </a:extLst>
-          </p:cNvPr>
-          <p:cNvSpPr>
-            <a:spLocks noGrp="1"/>
-          </p:cNvSpPr>
-          <p:nvPr>
-            <p:ph idx="1"/>
-          </p:nvPr>
-        </p:nvSpPr>
-        <p:spPr/>
-        <p:txBody>
-          <a:bodyPr/>
-          <a:lstStyle/>
-          <a:p>
-            <a:pPr algn="l">
-              <a:buFont typeface="+mj-lt"/>
-              <a:buAutoNum type="arabicPeriod"/>
-            </a:pPr>
-            <a:r>
-              <a:rPr lang="en-SG" b="0" i="0" dirty="0">
-                <a:solidFill>
-                  <a:srgbClr val="3C3C3C"/>
-                </a:solidFill>
-                <a:effectLst/>
-                <a:latin typeface="BentonSansRegular"/>
-              </a:rPr>
-              <a:t> Causality investigation</a:t>
-            </a:r>
-          </a:p>
-          <a:p>
-            <a:pPr algn="l">
-              <a:buFont typeface="+mj-lt"/>
-              <a:buAutoNum type="arabicPeriod"/>
-            </a:pPr>
-            <a:r>
-              <a:rPr lang="en-SG" b="0" i="0" dirty="0">
-                <a:solidFill>
-                  <a:srgbClr val="3C3C3C"/>
-                </a:solidFill>
-                <a:effectLst/>
-                <a:latin typeface="BentonSansRegular"/>
-              </a:rPr>
-              <a:t> Test for stationary</a:t>
-            </a:r>
-          </a:p>
-          <a:p>
-            <a:pPr algn="l">
-              <a:buFont typeface="+mj-lt"/>
-              <a:buAutoNum type="arabicPeriod"/>
-            </a:pPr>
-            <a:r>
-              <a:rPr lang="en-SG" b="0" i="0" dirty="0">
-                <a:solidFill>
-                  <a:srgbClr val="3C3C3C"/>
-                </a:solidFill>
-                <a:effectLst/>
-                <a:latin typeface="BentonSansRegular"/>
-              </a:rPr>
-              <a:t> Model Building</a:t>
-            </a:r>
-          </a:p>
-          <a:p>
-            <a:pPr algn="l">
-              <a:buFont typeface="+mj-lt"/>
-              <a:buAutoNum type="arabicPeriod"/>
-            </a:pPr>
-            <a:r>
-              <a:rPr lang="en-SG" b="0" i="0" dirty="0">
-                <a:solidFill>
-                  <a:srgbClr val="3C3C3C"/>
-                </a:solidFill>
-                <a:effectLst/>
-                <a:latin typeface="BentonSansRegular"/>
-              </a:rPr>
-              <a:t> Test for residuals (errors)</a:t>
-            </a:r>
-          </a:p>
-          <a:p>
-            <a:endParaRPr lang="en-US" dirty="0"/>
-          </a:p>
-        </p:txBody>
-      </p:sp>
-    </p:spTree>
-    <p:extLst>
-      <p:ext uri="{BB962C8B-B14F-4D97-AF65-F5344CB8AC3E}">
-        <p14:creationId xmlns:p14="http://schemas.microsoft.com/office/powerpoint/2010/main" val="1885395453"/>
-      </p:ext>
-    </p:extLst>
-  </p:cSld>
-  <p:clrMapOvr>
-    <a:masterClrMapping/>
-  </p:clrMapOvr>
-</p:sld>
-</file>
-
-<file path=ppt/slides/slide21.xml><?xml version="1.0" encoding="utf-8"?>
-<p:sld xmlns:a="http://schemas.openxmlformats.org/drawingml/2006/main" xmlns:r="http://schemas.openxmlformats.org/officeDocument/2006/relationships" xmlns:p="http://schemas.openxmlformats.org/presentationml/2006/main">
-  <p:cSld>
-    <p:bg>
-      <p:bgPr>
-        <a:solidFill>
-          <a:schemeClr val="bg1"/>
-        </a:solidFill>
-        <a:effectLst/>
-      </p:bgPr>
-    </p:bg>
-    <p:spTree>
-      <p:nvGrpSpPr>
-        <p:cNvPr id="1" name=""/>
-        <p:cNvGrpSpPr/>
-        <p:nvPr/>
-      </p:nvGrpSpPr>
-      <p:grpSpPr>
-        <a:xfrm>
-          <a:off x="0" y="0"/>
-          <a:ext cx="0" cy="0"/>
-          <a:chOff x="0" y="0"/>
-          <a:chExt cx="0" cy="0"/>
-        </a:xfrm>
-      </p:grpSpPr>
-      <p:sp useBgFill="1">
-        <p:nvSpPr>
-          <p:cNvPr id="4105" name="Rectangle 4104">
-            <a:extLst>
-              <a:ext uri="{FF2B5EF4-FFF2-40B4-BE49-F238E27FC236}">
-                <a16:creationId xmlns:a16="http://schemas.microsoft.com/office/drawing/2014/main" id="{2B97F24A-32CE-4C1C-A50D-3016B394DCFB}"/>
-              </a:ext>
-              <a:ext uri="{C183D7F6-B498-43B3-948B-1728B52AA6E4}">
-                <adec:decorative xmlns:adec="http://schemas.microsoft.com/office/drawing/2017/decorative" val="1"/>
-              </a:ext>
-            </a:extLst>
-          </p:cNvPr>
-          <p:cNvSpPr>
-            <a:spLocks noGrp="1" noRot="1" noChangeAspect="1" noMove="1" noResize="1" noEditPoints="1" noAdjustHandles="1" noChangeArrowheads="1" noChangeShapeType="1" noTextEdit="1"/>
-          </p:cNvSpPr>
-          <p:nvPr>
-            <p:extLst>
-              <p:ext uri="{386F3935-93C4-4BCD-93E2-E3B085C9AB24}">
-                <p16:designElem xmlns:p16="http://schemas.microsoft.com/office/powerpoint/2015/main" val="1"/>
-              </p:ext>
-            </p:extLst>
-          </p:nvPr>
-        </p:nvSpPr>
-        <p:spPr>
-          <a:xfrm>
-            <a:off x="0" y="0"/>
-            <a:ext cx="12192000" cy="6858000"/>
-          </a:xfrm>
-          <a:prstGeom prst="rect">
-            <a:avLst/>
-          </a:prstGeom>
-          <a:ln>
-            <a:noFill/>
-          </a:ln>
-        </p:spPr>
-        <p:style>
-          <a:lnRef idx="2">
-            <a:schemeClr val="accent1">
-              <a:shade val="50000"/>
-            </a:schemeClr>
-          </a:lnRef>
-          <a:fillRef idx="1">
-            <a:schemeClr val="accent1"/>
-          </a:fillRef>
-          <a:effectRef idx="0">
-            <a:schemeClr val="accent1"/>
-          </a:effectRef>
-          <a:fontRef idx="minor">
-            <a:schemeClr val="lt1"/>
-          </a:fontRef>
-        </p:style>
-        <p:txBody>
-          <a:bodyPr rtlCol="0" anchor="ctr"/>
-          <a:lstStyle/>
-          <a:p>
-            <a:pPr algn="ctr"/>
-            <a:endParaRPr lang="en-US"/>
-          </a:p>
-        </p:txBody>
-      </p:sp>
-      <p:sp>
-        <p:nvSpPr>
-          <p:cNvPr id="2" name="Title 1">
-            <a:extLst>
-              <a:ext uri="{FF2B5EF4-FFF2-40B4-BE49-F238E27FC236}">
-                <a16:creationId xmlns:a16="http://schemas.microsoft.com/office/drawing/2014/main" id="{A010D140-4EAA-13AA-2C22-4024177C98A4}"/>
-              </a:ext>
-            </a:extLst>
-          </p:cNvPr>
-          <p:cNvSpPr>
-            <a:spLocks noGrp="1"/>
-          </p:cNvSpPr>
-          <p:nvPr>
-            <p:ph type="title"/>
-          </p:nvPr>
-        </p:nvSpPr>
-        <p:spPr>
-          <a:xfrm>
-            <a:off x="630936" y="639520"/>
-            <a:ext cx="3429000" cy="1719072"/>
-          </a:xfrm>
-        </p:spPr>
-        <p:txBody>
-          <a:bodyPr anchor="b">
-            <a:normAutofit/>
-          </a:bodyPr>
-          <a:lstStyle/>
-          <a:p>
-            <a:r>
-              <a:rPr lang="en-SG" sz="4600" b="0" i="0" dirty="0">
-                <a:effectLst/>
-                <a:latin typeface="BentonSansRegular"/>
-              </a:rPr>
-              <a:t>Causality Investigation</a:t>
-            </a:r>
-            <a:endParaRPr lang="en-US" sz="4600" dirty="0"/>
-          </a:p>
-        </p:txBody>
-      </p:sp>
-      <p:sp>
-        <p:nvSpPr>
-          <p:cNvPr id="4107" name="sketch line">
-            <a:extLst>
-              <a:ext uri="{FF2B5EF4-FFF2-40B4-BE49-F238E27FC236}">
-                <a16:creationId xmlns:a16="http://schemas.microsoft.com/office/drawing/2014/main" id="{CD8B4F24-440B-49E9-B85D-733523DC064B}"/>
-              </a:ext>
-              <a:ext uri="{C183D7F6-B498-43B3-948B-1728B52AA6E4}">
-                <adec:decorative xmlns:adec="http://schemas.microsoft.com/office/drawing/2017/decorative" val="1"/>
-              </a:ext>
-            </a:extLst>
-          </p:cNvPr>
-          <p:cNvSpPr>
-            <a:spLocks noGrp="1" noRot="1" noChangeAspect="1" noMove="1" noResize="1" noEditPoints="1" noAdjustHandles="1" noChangeArrowheads="1" noChangeShapeType="1" noTextEdit="1"/>
-          </p:cNvSpPr>
-          <p:nvPr>
-            <p:extLst>
-              <p:ext uri="{386F3935-93C4-4BCD-93E2-E3B085C9AB24}">
-                <p16:designElem xmlns:p16="http://schemas.microsoft.com/office/powerpoint/2015/main" val="1"/>
-              </p:ext>
-            </p:extLst>
-          </p:nvPr>
-        </p:nvSpPr>
-        <p:spPr>
-          <a:xfrm>
-            <a:off x="643278" y="2573756"/>
-            <a:ext cx="3255095" cy="18288"/>
-          </a:xfrm>
-          <a:custGeom>
-            <a:avLst/>
-            <a:gdLst>
-              <a:gd name="connsiteX0" fmla="*/ 0 w 3255095"/>
-              <a:gd name="connsiteY0" fmla="*/ 0 h 18288"/>
-              <a:gd name="connsiteX1" fmla="*/ 618468 w 3255095"/>
-              <a:gd name="connsiteY1" fmla="*/ 0 h 18288"/>
-              <a:gd name="connsiteX2" fmla="*/ 1269487 w 3255095"/>
-              <a:gd name="connsiteY2" fmla="*/ 0 h 18288"/>
-              <a:gd name="connsiteX3" fmla="*/ 1953057 w 3255095"/>
-              <a:gd name="connsiteY3" fmla="*/ 0 h 18288"/>
-              <a:gd name="connsiteX4" fmla="*/ 2636627 w 3255095"/>
-              <a:gd name="connsiteY4" fmla="*/ 0 h 18288"/>
-              <a:gd name="connsiteX5" fmla="*/ 3255095 w 3255095"/>
-              <a:gd name="connsiteY5" fmla="*/ 0 h 18288"/>
-              <a:gd name="connsiteX6" fmla="*/ 3255095 w 3255095"/>
-              <a:gd name="connsiteY6" fmla="*/ 18288 h 18288"/>
-              <a:gd name="connsiteX7" fmla="*/ 2538974 w 3255095"/>
-              <a:gd name="connsiteY7" fmla="*/ 18288 h 18288"/>
-              <a:gd name="connsiteX8" fmla="*/ 1822853 w 3255095"/>
-              <a:gd name="connsiteY8" fmla="*/ 18288 h 18288"/>
-              <a:gd name="connsiteX9" fmla="*/ 1171834 w 3255095"/>
-              <a:gd name="connsiteY9" fmla="*/ 18288 h 18288"/>
-              <a:gd name="connsiteX10" fmla="*/ 0 w 3255095"/>
-              <a:gd name="connsiteY10" fmla="*/ 18288 h 18288"/>
-              <a:gd name="connsiteX11" fmla="*/ 0 w 3255095"/>
-              <a:gd name="connsiteY11" fmla="*/ 0 h 18288"/>
-            </a:gdLst>
-            <a:ahLst/>
-            <a:cxnLst>
-              <a:cxn ang="0">
-                <a:pos x="connsiteX0" y="connsiteY0"/>
-              </a:cxn>
-              <a:cxn ang="0">
-                <a:pos x="connsiteX1" y="connsiteY1"/>
-              </a:cxn>
-              <a:cxn ang="0">
-                <a:pos x="connsiteX2" y="connsiteY2"/>
-              </a:cxn>
-              <a:cxn ang="0">
-                <a:pos x="connsiteX3" y="connsiteY3"/>
-              </a:cxn>
-              <a:cxn ang="0">
-                <a:pos x="connsiteX4" y="connsiteY4"/>
-              </a:cxn>
-              <a:cxn ang="0">
-                <a:pos x="connsiteX5" y="connsiteY5"/>
-              </a:cxn>
-              <a:cxn ang="0">
-                <a:pos x="connsiteX6" y="connsiteY6"/>
-              </a:cxn>
-              <a:cxn ang="0">
-                <a:pos x="connsiteX7" y="connsiteY7"/>
-              </a:cxn>
-              <a:cxn ang="0">
-                <a:pos x="connsiteX8" y="connsiteY8"/>
-              </a:cxn>
-              <a:cxn ang="0">
-                <a:pos x="connsiteX9" y="connsiteY9"/>
-              </a:cxn>
-              <a:cxn ang="0">
-                <a:pos x="connsiteX10" y="connsiteY10"/>
-              </a:cxn>
-              <a:cxn ang="0">
-                <a:pos x="connsiteX11" y="connsiteY11"/>
-              </a:cxn>
-            </a:cxnLst>
-            <a:rect l="l" t="t" r="r" b="b"/>
-            <a:pathLst>
-              <a:path w="3255095" h="18288" fill="none" extrusionOk="0">
-                <a:moveTo>
-                  <a:pt x="0" y="0"/>
-                </a:moveTo>
-                <a:cubicBezTo>
-                  <a:pt x="240201" y="-22123"/>
-                  <a:pt x="462021" y="-19623"/>
-                  <a:pt x="618468" y="0"/>
-                </a:cubicBezTo>
-                <a:cubicBezTo>
-                  <a:pt x="774915" y="19623"/>
-                  <a:pt x="974734" y="2035"/>
-                  <a:pt x="1269487" y="0"/>
-                </a:cubicBezTo>
-                <a:cubicBezTo>
-                  <a:pt x="1564240" y="-2035"/>
-                  <a:pt x="1733579" y="10639"/>
-                  <a:pt x="1953057" y="0"/>
-                </a:cubicBezTo>
-                <a:cubicBezTo>
-                  <a:pt x="2172535" y="-10639"/>
-                  <a:pt x="2453962" y="14018"/>
-                  <a:pt x="2636627" y="0"/>
-                </a:cubicBezTo>
-                <a:cubicBezTo>
-                  <a:pt x="2819292" y="-14018"/>
-                  <a:pt x="3121375" y="5399"/>
-                  <a:pt x="3255095" y="0"/>
-                </a:cubicBezTo>
-                <a:cubicBezTo>
-                  <a:pt x="3254386" y="8157"/>
-                  <a:pt x="3254682" y="12125"/>
-                  <a:pt x="3255095" y="18288"/>
-                </a:cubicBezTo>
-                <a:cubicBezTo>
-                  <a:pt x="3088545" y="23203"/>
-                  <a:pt x="2687475" y="7419"/>
-                  <a:pt x="2538974" y="18288"/>
-                </a:cubicBezTo>
-                <a:cubicBezTo>
-                  <a:pt x="2390473" y="29157"/>
-                  <a:pt x="2137381" y="-8959"/>
-                  <a:pt x="1822853" y="18288"/>
-                </a:cubicBezTo>
-                <a:cubicBezTo>
-                  <a:pt x="1508325" y="45535"/>
-                  <a:pt x="1466437" y="20385"/>
-                  <a:pt x="1171834" y="18288"/>
-                </a:cubicBezTo>
-                <a:cubicBezTo>
-                  <a:pt x="877231" y="16191"/>
-                  <a:pt x="561097" y="37643"/>
-                  <a:pt x="0" y="18288"/>
-                </a:cubicBezTo>
-                <a:cubicBezTo>
-                  <a:pt x="-46" y="12483"/>
-                  <a:pt x="-203" y="6491"/>
-                  <a:pt x="0" y="0"/>
-                </a:cubicBezTo>
-                <a:close/>
-              </a:path>
-              <a:path w="3255095" h="18288" stroke="0" extrusionOk="0">
-                <a:moveTo>
-                  <a:pt x="0" y="0"/>
-                </a:moveTo>
-                <a:cubicBezTo>
-                  <a:pt x="291965" y="19429"/>
-                  <a:pt x="363155" y="8568"/>
-                  <a:pt x="618468" y="0"/>
-                </a:cubicBezTo>
-                <a:cubicBezTo>
-                  <a:pt x="873781" y="-8568"/>
-                  <a:pt x="904459" y="-19505"/>
-                  <a:pt x="1171834" y="0"/>
-                </a:cubicBezTo>
-                <a:cubicBezTo>
-                  <a:pt x="1439209" y="19505"/>
-                  <a:pt x="1744369" y="9790"/>
-                  <a:pt x="1887955" y="0"/>
-                </a:cubicBezTo>
-                <a:cubicBezTo>
-                  <a:pt x="2031541" y="-9790"/>
-                  <a:pt x="2346378" y="21240"/>
-                  <a:pt x="2506423" y="0"/>
-                </a:cubicBezTo>
-                <a:cubicBezTo>
-                  <a:pt x="2666468" y="-21240"/>
-                  <a:pt x="2990257" y="30414"/>
-                  <a:pt x="3255095" y="0"/>
-                </a:cubicBezTo>
-                <a:cubicBezTo>
-                  <a:pt x="3254831" y="4493"/>
-                  <a:pt x="3255479" y="9472"/>
-                  <a:pt x="3255095" y="18288"/>
-                </a:cubicBezTo>
-                <a:cubicBezTo>
-                  <a:pt x="3120743" y="16690"/>
-                  <a:pt x="2759628" y="42462"/>
-                  <a:pt x="2604076" y="18288"/>
-                </a:cubicBezTo>
-                <a:cubicBezTo>
-                  <a:pt x="2448524" y="-5886"/>
-                  <a:pt x="2184336" y="19599"/>
-                  <a:pt x="1887955" y="18288"/>
-                </a:cubicBezTo>
-                <a:cubicBezTo>
-                  <a:pt x="1591574" y="16977"/>
-                  <a:pt x="1548845" y="6870"/>
-                  <a:pt x="1334589" y="18288"/>
-                </a:cubicBezTo>
-                <a:cubicBezTo>
-                  <a:pt x="1120333" y="29706"/>
-                  <a:pt x="996014" y="9662"/>
-                  <a:pt x="683570" y="18288"/>
-                </a:cubicBezTo>
-                <a:cubicBezTo>
-                  <a:pt x="371126" y="26914"/>
-                  <a:pt x="198687" y="16167"/>
-                  <a:pt x="0" y="18288"/>
-                </a:cubicBezTo>
-                <a:cubicBezTo>
-                  <a:pt x="843" y="9577"/>
-                  <a:pt x="371" y="6900"/>
-                  <a:pt x="0" y="0"/>
-                </a:cubicBezTo>
-                <a:close/>
-              </a:path>
-            </a:pathLst>
-          </a:custGeom>
-          <a:solidFill>
-            <a:schemeClr val="accent2"/>
-          </a:solidFill>
-          <a:ln w="38100" cap="rnd">
-            <a:solidFill>
-              <a:schemeClr val="accent2"/>
-            </a:solidFill>
-            <a:round/>
-            <a:extLst>
-              <a:ext uri="{C807C97D-BFC1-408E-A445-0C87EB9F89A2}">
-                <ask:lineSketchStyleProps xmlns:ask="http://schemas.microsoft.com/office/drawing/2018/sketchyshapes" sd="1219033472">
-                  <a:prstGeom prst="rect">
-                    <a:avLst/>
-                  </a:prstGeom>
-                  <ask:type>
-                    <ask:lineSketchFreehand/>
-                  </ask:type>
-                </ask:lineSketchStyleProps>
-              </a:ext>
-            </a:extLst>
-          </a:ln>
-        </p:spPr>
-        <p:style>
-          <a:lnRef idx="2">
-            <a:schemeClr val="accent1">
-              <a:shade val="50000"/>
-            </a:schemeClr>
-          </a:lnRef>
-          <a:fillRef idx="1">
-            <a:schemeClr val="accent1"/>
-          </a:fillRef>
-          <a:effectRef idx="0">
-            <a:schemeClr val="accent1"/>
-          </a:effectRef>
-          <a:fontRef idx="minor">
-            <a:schemeClr val="lt1"/>
-          </a:fontRef>
-        </p:style>
-        <p:txBody>
-          <a:bodyPr rtlCol="0" anchor="ctr"/>
-          <a:lstStyle/>
-          <a:p>
-            <a:pPr algn="ctr"/>
-            <a:endParaRPr lang="en-US"/>
-          </a:p>
-        </p:txBody>
-      </p:sp>
-      <p:sp>
-        <p:nvSpPr>
-          <p:cNvPr id="4102" name="Content Placeholder 4101">
-            <a:extLst>
-              <a:ext uri="{FF2B5EF4-FFF2-40B4-BE49-F238E27FC236}">
-                <a16:creationId xmlns:a16="http://schemas.microsoft.com/office/drawing/2014/main" id="{2AAF7F16-290C-0DD1-8AC6-C34D0E468667}"/>
-              </a:ext>
-            </a:extLst>
-          </p:cNvPr>
-          <p:cNvSpPr>
-            <a:spLocks noGrp="1"/>
-          </p:cNvSpPr>
-          <p:nvPr>
-            <p:ph idx="1"/>
-          </p:nvPr>
-        </p:nvSpPr>
-        <p:spPr>
-          <a:xfrm>
-            <a:off x="630936" y="2807207"/>
-            <a:ext cx="3429000" cy="3728753"/>
-          </a:xfrm>
-        </p:spPr>
-        <p:txBody>
-          <a:bodyPr anchor="t">
-            <a:normAutofit/>
-          </a:bodyPr>
-          <a:lstStyle/>
-          <a:p>
-            <a:pPr marL="342900" indent="-342900">
-              <a:buFont typeface="+mj-lt"/>
-              <a:buAutoNum type="arabicPeriod"/>
-            </a:pPr>
-            <a:r>
-              <a:rPr lang="en-SG" sz="1600" b="0" i="0" dirty="0">
-                <a:solidFill>
-                  <a:srgbClr val="444444"/>
-                </a:solidFill>
-                <a:effectLst/>
-                <a:latin typeface="BentonSansRegular"/>
-              </a:rPr>
-              <a:t>Granger causality is a way to investigate the causality between two variables in a time series which actually means if a particular variable comes before another in the time series. </a:t>
-            </a:r>
-          </a:p>
-          <a:p>
-            <a:pPr marL="342900" indent="-342900">
-              <a:buFont typeface="+mj-lt"/>
-              <a:buAutoNum type="arabicPeriod"/>
-            </a:pPr>
-            <a:r>
-              <a:rPr lang="en-SG" sz="1600" dirty="0">
-                <a:solidFill>
-                  <a:srgbClr val="444444"/>
-                </a:solidFill>
-                <a:latin typeface="BentonSansRegular"/>
-              </a:rPr>
-              <a:t>The Null Hypothesis of the Granger Causality Test is that lagged x-values do not explain the variation in y, so the x does not cause y. </a:t>
-            </a:r>
-          </a:p>
-          <a:p>
-            <a:pPr marL="342900" indent="-342900">
-              <a:buFont typeface="+mj-lt"/>
-              <a:buAutoNum type="arabicPeriod"/>
-            </a:pPr>
-            <a:r>
-              <a:rPr lang="en-SG" sz="1600" dirty="0">
-                <a:solidFill>
-                  <a:srgbClr val="444444"/>
-                </a:solidFill>
-                <a:latin typeface="BentonSansRegular"/>
-              </a:rPr>
-              <a:t>The critical value </a:t>
-            </a:r>
-            <a:r>
-              <a:rPr lang="en-SG" sz="1600" b="0" i="0" dirty="0">
-                <a:solidFill>
-                  <a:srgbClr val="444444"/>
-                </a:solidFill>
-                <a:effectLst/>
-                <a:latin typeface="BentonSansRegular"/>
-              </a:rPr>
-              <a:t>we use is 5% and if the p-value of a pair of variables is smaller than 0.05, we could say with 95% confidence that a predictor x causes a response y.</a:t>
-            </a:r>
-            <a:endParaRPr lang="en-US" sz="2200" dirty="0"/>
-          </a:p>
-        </p:txBody>
-      </p:sp>
-      <p:pic>
-        <p:nvPicPr>
-          <p:cNvPr id="4098" name="Picture 2">
-            <a:extLst>
-              <a:ext uri="{FF2B5EF4-FFF2-40B4-BE49-F238E27FC236}">
-                <a16:creationId xmlns:a16="http://schemas.microsoft.com/office/drawing/2014/main" id="{069E3D0B-EB18-2D82-A78E-E14FAA551617}"/>
-              </a:ext>
-            </a:extLst>
-          </p:cNvPr>
-          <p:cNvPicPr>
-            <a:picLocks noChangeAspect="1" noChangeArrowheads="1"/>
-          </p:cNvPicPr>
-          <p:nvPr/>
-        </p:nvPicPr>
-        <p:blipFill>
-          <a:blip r:embed="rId2">
-            <a:extLst>
-              <a:ext uri="{28A0092B-C50C-407E-A947-70E740481C1C}">
-                <a14:useLocalDpi xmlns:a14="http://schemas.microsoft.com/office/drawing/2010/main" val="0"/>
-              </a:ext>
-            </a:extLst>
-          </a:blip>
-          <a:stretch>
-            <a:fillRect/>
-          </a:stretch>
-        </p:blipFill>
-        <p:spPr bwMode="auto">
-          <a:xfrm>
-            <a:off x="4654296" y="1766180"/>
-            <a:ext cx="6903720" cy="3635747"/>
-          </a:xfrm>
-          <a:prstGeom prst="rect">
-            <a:avLst/>
-          </a:prstGeom>
-          <a:noFill/>
-          <a:extLst>
-            <a:ext uri="{909E8E84-426E-40DD-AFC4-6F175D3DCCD1}">
-              <a14:hiddenFill xmlns:a14="http://schemas.microsoft.com/office/drawing/2010/main">
-                <a:solidFill>
-                  <a:srgbClr val="FFFFFF"/>
-                </a:solidFill>
-              </a14:hiddenFill>
-            </a:ext>
-          </a:extLst>
-        </p:spPr>
-      </p:pic>
-    </p:spTree>
-    <p:extLst>
-      <p:ext uri="{BB962C8B-B14F-4D97-AF65-F5344CB8AC3E}">
-        <p14:creationId xmlns:p14="http://schemas.microsoft.com/office/powerpoint/2010/main" val="3703841738"/>
-      </p:ext>
-    </p:extLst>
-  </p:cSld>
-  <p:clrMapOvr>
-    <a:masterClrMapping/>
-  </p:clrMapOvr>
-</p:sld>
-</file>
-
-<file path=ppt/slides/slide22.xml><?xml version="1.0" encoding="utf-8"?>
-<p:sld xmlns:a="http://schemas.openxmlformats.org/drawingml/2006/main" xmlns:r="http://schemas.openxmlformats.org/officeDocument/2006/relationships" xmlns:p="http://schemas.openxmlformats.org/presentationml/2006/main">
-  <p:cSld>
-    <p:bg>
-      <p:bgPr>
-        <a:solidFill>
-          <a:schemeClr val="bg1"/>
-        </a:solidFill>
-        <a:effectLst/>
-      </p:bgPr>
-    </p:bg>
-    <p:spTree>
-      <p:nvGrpSpPr>
-        <p:cNvPr id="1" name=""/>
-        <p:cNvGrpSpPr/>
-        <p:nvPr/>
-      </p:nvGrpSpPr>
-      <p:grpSpPr>
-        <a:xfrm>
-          <a:off x="0" y="0"/>
-          <a:ext cx="0" cy="0"/>
-          <a:chOff x="0" y="0"/>
-          <a:chExt cx="0" cy="0"/>
-        </a:xfrm>
-      </p:grpSpPr>
-      <p:sp useBgFill="1">
-        <p:nvSpPr>
-          <p:cNvPr id="5127" name="Rectangle 5126">
-            <a:extLst>
-              <a:ext uri="{FF2B5EF4-FFF2-40B4-BE49-F238E27FC236}">
-                <a16:creationId xmlns:a16="http://schemas.microsoft.com/office/drawing/2014/main" id="{2B97F24A-32CE-4C1C-A50D-3016B394DCFB}"/>
-              </a:ext>
-              <a:ext uri="{C183D7F6-B498-43B3-948B-1728B52AA6E4}">
-                <adec:decorative xmlns:adec="http://schemas.microsoft.com/office/drawing/2017/decorative" val="1"/>
-              </a:ext>
-            </a:extLst>
-          </p:cNvPr>
-          <p:cNvSpPr>
-            <a:spLocks noGrp="1" noRot="1" noChangeAspect="1" noMove="1" noResize="1" noEditPoints="1" noAdjustHandles="1" noChangeArrowheads="1" noChangeShapeType="1" noTextEdit="1"/>
-          </p:cNvSpPr>
-          <p:nvPr>
-            <p:extLst>
-              <p:ext uri="{386F3935-93C4-4BCD-93E2-E3B085C9AB24}">
-                <p16:designElem xmlns:p16="http://schemas.microsoft.com/office/powerpoint/2015/main" val="1"/>
-              </p:ext>
-            </p:extLst>
-          </p:nvPr>
-        </p:nvSpPr>
-        <p:spPr>
-          <a:xfrm>
-            <a:off x="0" y="0"/>
-            <a:ext cx="12192000" cy="6858000"/>
-          </a:xfrm>
-          <a:prstGeom prst="rect">
-            <a:avLst/>
-          </a:prstGeom>
-          <a:ln>
-            <a:noFill/>
-          </a:ln>
-        </p:spPr>
-        <p:style>
-          <a:lnRef idx="2">
-            <a:schemeClr val="accent1">
-              <a:shade val="50000"/>
-            </a:schemeClr>
-          </a:lnRef>
-          <a:fillRef idx="1">
-            <a:schemeClr val="accent1"/>
-          </a:fillRef>
-          <a:effectRef idx="0">
-            <a:schemeClr val="accent1"/>
-          </a:effectRef>
-          <a:fontRef idx="minor">
-            <a:schemeClr val="lt1"/>
-          </a:fontRef>
-        </p:style>
-        <p:txBody>
-          <a:bodyPr rtlCol="0" anchor="ctr"/>
-          <a:lstStyle/>
-          <a:p>
-            <a:pPr algn="ctr"/>
-            <a:endParaRPr lang="en-US"/>
-          </a:p>
-        </p:txBody>
-      </p:sp>
-      <p:sp>
-        <p:nvSpPr>
-          <p:cNvPr id="2" name="Title 1">
-            <a:extLst>
-              <a:ext uri="{FF2B5EF4-FFF2-40B4-BE49-F238E27FC236}">
-                <a16:creationId xmlns:a16="http://schemas.microsoft.com/office/drawing/2014/main" id="{81A3D7AB-73F5-C374-6E15-6AA8367E680E}"/>
-              </a:ext>
-            </a:extLst>
-          </p:cNvPr>
-          <p:cNvSpPr>
-            <a:spLocks noGrp="1"/>
-          </p:cNvSpPr>
-          <p:nvPr>
-            <p:ph type="title"/>
-          </p:nvPr>
-        </p:nvSpPr>
-        <p:spPr>
-          <a:xfrm>
-            <a:off x="630936" y="639520"/>
-            <a:ext cx="3429000" cy="1719072"/>
-          </a:xfrm>
-        </p:spPr>
-        <p:txBody>
-          <a:bodyPr anchor="b">
-            <a:normAutofit/>
-          </a:bodyPr>
-          <a:lstStyle/>
-          <a:p>
-            <a:r>
-              <a:rPr lang="en-SG" sz="5400" b="0" i="0" dirty="0">
-                <a:effectLst/>
-                <a:latin typeface="BentonSansRegular"/>
-              </a:rPr>
-              <a:t>Stationary Test</a:t>
-            </a:r>
-            <a:endParaRPr lang="en-US" sz="5400" dirty="0"/>
-          </a:p>
-        </p:txBody>
-      </p:sp>
-      <p:sp>
-        <p:nvSpPr>
-          <p:cNvPr id="5129" name="sketch line">
-            <a:extLst>
-              <a:ext uri="{FF2B5EF4-FFF2-40B4-BE49-F238E27FC236}">
-                <a16:creationId xmlns:a16="http://schemas.microsoft.com/office/drawing/2014/main" id="{6357EC4F-235E-4222-A36F-C7878ACE37F2}"/>
-              </a:ext>
-              <a:ext uri="{C183D7F6-B498-43B3-948B-1728B52AA6E4}">
-                <adec:decorative xmlns:adec="http://schemas.microsoft.com/office/drawing/2017/decorative" val="1"/>
-              </a:ext>
-            </a:extLst>
-          </p:cNvPr>
-          <p:cNvSpPr>
-            <a:spLocks noGrp="1" noRot="1" noChangeAspect="1" noMove="1" noResize="1" noEditPoints="1" noAdjustHandles="1" noChangeArrowheads="1" noChangeShapeType="1" noTextEdit="1"/>
-          </p:cNvSpPr>
-          <p:nvPr>
-            <p:extLst>
-              <p:ext uri="{386F3935-93C4-4BCD-93E2-E3B085C9AB24}">
-                <p16:designElem xmlns:p16="http://schemas.microsoft.com/office/powerpoint/2015/main" val="1"/>
-              </p:ext>
-            </p:extLst>
-          </p:nvPr>
-        </p:nvSpPr>
-        <p:spPr>
-          <a:xfrm>
-            <a:off x="643278" y="2573756"/>
-            <a:ext cx="3255095" cy="18288"/>
-          </a:xfrm>
-          <a:custGeom>
-            <a:avLst/>
-            <a:gdLst>
-              <a:gd name="connsiteX0" fmla="*/ 0 w 3255095"/>
-              <a:gd name="connsiteY0" fmla="*/ 0 h 18288"/>
-              <a:gd name="connsiteX1" fmla="*/ 618468 w 3255095"/>
-              <a:gd name="connsiteY1" fmla="*/ 0 h 18288"/>
-              <a:gd name="connsiteX2" fmla="*/ 1269487 w 3255095"/>
-              <a:gd name="connsiteY2" fmla="*/ 0 h 18288"/>
-              <a:gd name="connsiteX3" fmla="*/ 1953057 w 3255095"/>
-              <a:gd name="connsiteY3" fmla="*/ 0 h 18288"/>
-              <a:gd name="connsiteX4" fmla="*/ 2636627 w 3255095"/>
-              <a:gd name="connsiteY4" fmla="*/ 0 h 18288"/>
-              <a:gd name="connsiteX5" fmla="*/ 3255095 w 3255095"/>
-              <a:gd name="connsiteY5" fmla="*/ 0 h 18288"/>
-              <a:gd name="connsiteX6" fmla="*/ 3255095 w 3255095"/>
-              <a:gd name="connsiteY6" fmla="*/ 18288 h 18288"/>
-              <a:gd name="connsiteX7" fmla="*/ 2538974 w 3255095"/>
-              <a:gd name="connsiteY7" fmla="*/ 18288 h 18288"/>
-              <a:gd name="connsiteX8" fmla="*/ 1822853 w 3255095"/>
-              <a:gd name="connsiteY8" fmla="*/ 18288 h 18288"/>
-              <a:gd name="connsiteX9" fmla="*/ 1171834 w 3255095"/>
-              <a:gd name="connsiteY9" fmla="*/ 18288 h 18288"/>
-              <a:gd name="connsiteX10" fmla="*/ 0 w 3255095"/>
-              <a:gd name="connsiteY10" fmla="*/ 18288 h 18288"/>
-              <a:gd name="connsiteX11" fmla="*/ 0 w 3255095"/>
-              <a:gd name="connsiteY11" fmla="*/ 0 h 18288"/>
-            </a:gdLst>
-            <a:ahLst/>
-            <a:cxnLst>
-              <a:cxn ang="0">
-                <a:pos x="connsiteX0" y="connsiteY0"/>
-              </a:cxn>
-              <a:cxn ang="0">
-                <a:pos x="connsiteX1" y="connsiteY1"/>
-              </a:cxn>
-              <a:cxn ang="0">
-                <a:pos x="connsiteX2" y="connsiteY2"/>
-              </a:cxn>
-              <a:cxn ang="0">
-                <a:pos x="connsiteX3" y="connsiteY3"/>
-              </a:cxn>
-              <a:cxn ang="0">
-                <a:pos x="connsiteX4" y="connsiteY4"/>
-              </a:cxn>
-              <a:cxn ang="0">
-                <a:pos x="connsiteX5" y="connsiteY5"/>
-              </a:cxn>
-              <a:cxn ang="0">
-                <a:pos x="connsiteX6" y="connsiteY6"/>
-              </a:cxn>
-              <a:cxn ang="0">
-                <a:pos x="connsiteX7" y="connsiteY7"/>
-              </a:cxn>
-              <a:cxn ang="0">
-                <a:pos x="connsiteX8" y="connsiteY8"/>
-              </a:cxn>
-              <a:cxn ang="0">
-                <a:pos x="connsiteX9" y="connsiteY9"/>
-              </a:cxn>
-              <a:cxn ang="0">
-                <a:pos x="connsiteX10" y="connsiteY10"/>
-              </a:cxn>
-              <a:cxn ang="0">
-                <a:pos x="connsiteX11" y="connsiteY11"/>
-              </a:cxn>
-            </a:cxnLst>
-            <a:rect l="l" t="t" r="r" b="b"/>
-            <a:pathLst>
-              <a:path w="3255095" h="18288" fill="none" extrusionOk="0">
-                <a:moveTo>
-                  <a:pt x="0" y="0"/>
-                </a:moveTo>
-                <a:cubicBezTo>
-                  <a:pt x="240201" y="-22123"/>
-                  <a:pt x="462021" y="-19623"/>
-                  <a:pt x="618468" y="0"/>
-                </a:cubicBezTo>
-                <a:cubicBezTo>
-                  <a:pt x="774915" y="19623"/>
-                  <a:pt x="974734" y="2035"/>
-                  <a:pt x="1269487" y="0"/>
-                </a:cubicBezTo>
-                <a:cubicBezTo>
-                  <a:pt x="1564240" y="-2035"/>
-                  <a:pt x="1733579" y="10639"/>
-                  <a:pt x="1953057" y="0"/>
-                </a:cubicBezTo>
-                <a:cubicBezTo>
-                  <a:pt x="2172535" y="-10639"/>
-                  <a:pt x="2453962" y="14018"/>
-                  <a:pt x="2636627" y="0"/>
-                </a:cubicBezTo>
-                <a:cubicBezTo>
-                  <a:pt x="2819292" y="-14018"/>
-                  <a:pt x="3121375" y="5399"/>
-                  <a:pt x="3255095" y="0"/>
-                </a:cubicBezTo>
-                <a:cubicBezTo>
-                  <a:pt x="3254386" y="8157"/>
-                  <a:pt x="3254682" y="12125"/>
-                  <a:pt x="3255095" y="18288"/>
-                </a:cubicBezTo>
-                <a:cubicBezTo>
-                  <a:pt x="3088545" y="23203"/>
-                  <a:pt x="2687475" y="7419"/>
-                  <a:pt x="2538974" y="18288"/>
-                </a:cubicBezTo>
-                <a:cubicBezTo>
-                  <a:pt x="2390473" y="29157"/>
-                  <a:pt x="2137381" y="-8959"/>
-                  <a:pt x="1822853" y="18288"/>
-                </a:cubicBezTo>
-                <a:cubicBezTo>
-                  <a:pt x="1508325" y="45535"/>
-                  <a:pt x="1466437" y="20385"/>
-                  <a:pt x="1171834" y="18288"/>
-                </a:cubicBezTo>
-                <a:cubicBezTo>
-                  <a:pt x="877231" y="16191"/>
-                  <a:pt x="561097" y="37643"/>
-                  <a:pt x="0" y="18288"/>
-                </a:cubicBezTo>
-                <a:cubicBezTo>
-                  <a:pt x="-46" y="12483"/>
-                  <a:pt x="-203" y="6491"/>
-                  <a:pt x="0" y="0"/>
-                </a:cubicBezTo>
-                <a:close/>
-              </a:path>
-              <a:path w="3255095" h="18288" stroke="0" extrusionOk="0">
-                <a:moveTo>
-                  <a:pt x="0" y="0"/>
-                </a:moveTo>
-                <a:cubicBezTo>
-                  <a:pt x="291965" y="19429"/>
-                  <a:pt x="363155" y="8568"/>
-                  <a:pt x="618468" y="0"/>
-                </a:cubicBezTo>
-                <a:cubicBezTo>
-                  <a:pt x="873781" y="-8568"/>
-                  <a:pt x="904459" y="-19505"/>
-                  <a:pt x="1171834" y="0"/>
-                </a:cubicBezTo>
-                <a:cubicBezTo>
-                  <a:pt x="1439209" y="19505"/>
-                  <a:pt x="1744369" y="9790"/>
-                  <a:pt x="1887955" y="0"/>
-                </a:cubicBezTo>
-                <a:cubicBezTo>
-                  <a:pt x="2031541" y="-9790"/>
-                  <a:pt x="2346378" y="21240"/>
-                  <a:pt x="2506423" y="0"/>
-                </a:cubicBezTo>
-                <a:cubicBezTo>
-                  <a:pt x="2666468" y="-21240"/>
-                  <a:pt x="2990257" y="30414"/>
-                  <a:pt x="3255095" y="0"/>
-                </a:cubicBezTo>
-                <a:cubicBezTo>
-                  <a:pt x="3254831" y="4493"/>
-                  <a:pt x="3255479" y="9472"/>
-                  <a:pt x="3255095" y="18288"/>
-                </a:cubicBezTo>
-                <a:cubicBezTo>
-                  <a:pt x="3120743" y="16690"/>
-                  <a:pt x="2759628" y="42462"/>
-                  <a:pt x="2604076" y="18288"/>
-                </a:cubicBezTo>
-                <a:cubicBezTo>
-                  <a:pt x="2448524" y="-5886"/>
-                  <a:pt x="2184336" y="19599"/>
-                  <a:pt x="1887955" y="18288"/>
-                </a:cubicBezTo>
-                <a:cubicBezTo>
-                  <a:pt x="1591574" y="16977"/>
-                  <a:pt x="1548845" y="6870"/>
-                  <a:pt x="1334589" y="18288"/>
-                </a:cubicBezTo>
-                <a:cubicBezTo>
-                  <a:pt x="1120333" y="29706"/>
-                  <a:pt x="996014" y="9662"/>
-                  <a:pt x="683570" y="18288"/>
-                </a:cubicBezTo>
-                <a:cubicBezTo>
-                  <a:pt x="371126" y="26914"/>
-                  <a:pt x="198687" y="16167"/>
-                  <a:pt x="0" y="18288"/>
-                </a:cubicBezTo>
-                <a:cubicBezTo>
-                  <a:pt x="843" y="9577"/>
-                  <a:pt x="371" y="6900"/>
-                  <a:pt x="0" y="0"/>
-                </a:cubicBezTo>
-                <a:close/>
-              </a:path>
-            </a:pathLst>
-          </a:custGeom>
-          <a:solidFill>
-            <a:schemeClr val="accent2"/>
-          </a:solidFill>
-          <a:ln w="38100" cap="rnd">
-            <a:solidFill>
-              <a:schemeClr val="accent2"/>
-            </a:solidFill>
-            <a:round/>
-            <a:extLst>
-              <a:ext uri="{C807C97D-BFC1-408E-A445-0C87EB9F89A2}">
-                <ask:lineSketchStyleProps xmlns:ask="http://schemas.microsoft.com/office/drawing/2018/sketchyshapes" sd="1219033472">
-                  <a:prstGeom prst="rect">
-                    <a:avLst/>
-                  </a:prstGeom>
-                  <ask:type>
-                    <ask:lineSketchFreehand/>
-                  </ask:type>
-                </ask:lineSketchStyleProps>
-              </a:ext>
-            </a:extLst>
-          </a:ln>
-        </p:spPr>
-        <p:style>
-          <a:lnRef idx="2">
-            <a:schemeClr val="accent1">
-              <a:shade val="50000"/>
-            </a:schemeClr>
-          </a:lnRef>
-          <a:fillRef idx="1">
-            <a:schemeClr val="accent1"/>
-          </a:fillRef>
-          <a:effectRef idx="0">
-            <a:schemeClr val="accent1"/>
-          </a:effectRef>
-          <a:fontRef idx="minor">
-            <a:schemeClr val="lt1"/>
-          </a:fontRef>
-        </p:style>
-        <p:txBody>
-          <a:bodyPr rtlCol="0" anchor="ctr"/>
-          <a:lstStyle/>
-          <a:p>
-            <a:pPr algn="ctr"/>
-            <a:endParaRPr lang="en-US"/>
-          </a:p>
-        </p:txBody>
-      </p:sp>
-      <p:pic>
-        <p:nvPicPr>
-          <p:cNvPr id="5122" name="Picture 2">
-            <a:extLst>
-              <a:ext uri="{FF2B5EF4-FFF2-40B4-BE49-F238E27FC236}">
-                <a16:creationId xmlns:a16="http://schemas.microsoft.com/office/drawing/2014/main" id="{717CECF9-E1E1-571D-A7C5-42B5F4480A9B}"/>
-              </a:ext>
-            </a:extLst>
-          </p:cNvPr>
-          <p:cNvPicPr>
-            <a:picLocks noChangeAspect="1" noChangeArrowheads="1"/>
-          </p:cNvPicPr>
-          <p:nvPr/>
-        </p:nvPicPr>
-        <p:blipFill>
-          <a:blip r:embed="rId2">
-            <a:extLst>
-              <a:ext uri="{28A0092B-C50C-407E-A947-70E740481C1C}">
-                <a14:useLocalDpi xmlns:a14="http://schemas.microsoft.com/office/drawing/2010/main" val="0"/>
-              </a:ext>
-            </a:extLst>
-          </a:blip>
-          <a:stretch>
-            <a:fillRect/>
-          </a:stretch>
-        </p:blipFill>
-        <p:spPr bwMode="auto">
-          <a:xfrm>
-            <a:off x="3716594" y="1954262"/>
-            <a:ext cx="7841422" cy="4264218"/>
-          </a:xfrm>
-          <a:prstGeom prst="rect">
-            <a:avLst/>
-          </a:prstGeom>
-          <a:noFill/>
-          <a:extLst>
-            <a:ext uri="{909E8E84-426E-40DD-AFC4-6F175D3DCCD1}">
-              <a14:hiddenFill xmlns:a14="http://schemas.microsoft.com/office/drawing/2010/main">
-                <a:solidFill>
-                  <a:srgbClr val="FFFFFF"/>
-                </a:solidFill>
-              </a14:hiddenFill>
-            </a:ext>
-          </a:extLst>
-        </p:spPr>
-      </p:pic>
-    </p:spTree>
-    <p:extLst>
-      <p:ext uri="{BB962C8B-B14F-4D97-AF65-F5344CB8AC3E}">
-        <p14:creationId xmlns:p14="http://schemas.microsoft.com/office/powerpoint/2010/main" val="1757804095"/>
-      </p:ext>
-    </p:extLst>
-  </p:cSld>
-  <p:clrMapOvr>
-    <a:masterClrMapping/>
-  </p:clrMapOvr>
-</p:sld>
-</file>
-
-<file path=ppt/slides/slide23.xml><?xml version="1.0" encoding="utf-8"?>
-<p:sld xmlns:a="http://schemas.openxmlformats.org/drawingml/2006/main" xmlns:r="http://schemas.openxmlformats.org/officeDocument/2006/relationships" xmlns:p="http://schemas.openxmlformats.org/presentationml/2006/main">
-  <p:cSld>
-    <p:bg>
-      <p:bgPr>
-        <a:solidFill>
-          <a:schemeClr val="bg1"/>
-        </a:solidFill>
-        <a:effectLst/>
-      </p:bgPr>
-    </p:bg>
-    <p:spTree>
-      <p:nvGrpSpPr>
-        <p:cNvPr id="1" name=""/>
-        <p:cNvGrpSpPr/>
-        <p:nvPr/>
-      </p:nvGrpSpPr>
-      <p:grpSpPr>
-        <a:xfrm>
-          <a:off x="0" y="0"/>
-          <a:ext cx="0" cy="0"/>
-          <a:chOff x="0" y="0"/>
-          <a:chExt cx="0" cy="0"/>
-        </a:xfrm>
-      </p:grpSpPr>
-      <p:sp useBgFill="1">
-        <p:nvSpPr>
-          <p:cNvPr id="12" name="Rectangle 11">
-            <a:extLst>
-              <a:ext uri="{FF2B5EF4-FFF2-40B4-BE49-F238E27FC236}">
-                <a16:creationId xmlns:a16="http://schemas.microsoft.com/office/drawing/2014/main" id="{5C9B446A-6343-4E56-90BA-061E4DDF0FFB}"/>
-              </a:ext>
-              <a:ext uri="{C183D7F6-B498-43B3-948B-1728B52AA6E4}">
-                <adec:decorative xmlns:adec="http://schemas.microsoft.com/office/drawing/2017/decorative" val="1"/>
-              </a:ext>
-            </a:extLst>
-          </p:cNvPr>
-          <p:cNvSpPr>
-            <a:spLocks noGrp="1" noRot="1" noChangeAspect="1" noMove="1" noResize="1" noEditPoints="1" noAdjustHandles="1" noChangeArrowheads="1" noChangeShapeType="1" noTextEdit="1"/>
-          </p:cNvSpPr>
-          <p:nvPr>
-            <p:extLst>
-              <p:ext uri="{386F3935-93C4-4BCD-93E2-E3B085C9AB24}">
-                <p16:designElem xmlns:p16="http://schemas.microsoft.com/office/powerpoint/2015/main" val="1"/>
-              </p:ext>
-            </p:extLst>
-          </p:nvPr>
-        </p:nvSpPr>
-        <p:spPr>
-          <a:xfrm>
-            <a:off x="0" y="0"/>
-            <a:ext cx="12192000" cy="6858000"/>
-          </a:xfrm>
-          <a:prstGeom prst="rect">
-            <a:avLst/>
-          </a:prstGeom>
-          <a:ln>
-            <a:noFill/>
-          </a:ln>
-        </p:spPr>
-        <p:style>
-          <a:lnRef idx="2">
-            <a:schemeClr val="accent1">
-              <a:shade val="50000"/>
-            </a:schemeClr>
-          </a:lnRef>
-          <a:fillRef idx="1">
-            <a:schemeClr val="accent1"/>
-          </a:fillRef>
-          <a:effectRef idx="0">
-            <a:schemeClr val="accent1"/>
-          </a:effectRef>
-          <a:fontRef idx="minor">
-            <a:schemeClr val="lt1"/>
-          </a:fontRef>
-        </p:style>
-        <p:txBody>
-          <a:bodyPr rtlCol="0" anchor="ctr"/>
-          <a:lstStyle/>
-          <a:p>
-            <a:pPr algn="ctr"/>
-            <a:endParaRPr lang="en-US"/>
-          </a:p>
-        </p:txBody>
-      </p:sp>
-      <p:sp useBgFill="1">
-        <p:nvSpPr>
-          <p:cNvPr id="14" name="Freeform: Shape 13">
-            <a:extLst>
-              <a:ext uri="{FF2B5EF4-FFF2-40B4-BE49-F238E27FC236}">
-                <a16:creationId xmlns:a16="http://schemas.microsoft.com/office/drawing/2014/main" id="{3EC72A1B-03D3-499C-B4BF-AC68EEC22B10}"/>
-              </a:ext>
-              <a:ext uri="{C183D7F6-B498-43B3-948B-1728B52AA6E4}">
-                <adec:decorative xmlns:adec="http://schemas.microsoft.com/office/drawing/2017/decorative" val="1"/>
-              </a:ext>
-            </a:extLst>
-          </p:cNvPr>
-          <p:cNvSpPr>
-            <a:spLocks noGrp="1" noRot="1" noChangeAspect="1" noMove="1" noResize="1" noEditPoints="1" noAdjustHandles="1" noChangeArrowheads="1" noChangeShapeType="1" noTextEdit="1"/>
-          </p:cNvSpPr>
-          <p:nvPr>
-            <p:extLst>
-              <p:ext uri="{386F3935-93C4-4BCD-93E2-E3B085C9AB24}">
-                <p16:designElem xmlns:p16="http://schemas.microsoft.com/office/powerpoint/2015/main" val="1"/>
-              </p:ext>
-            </p:extLst>
-          </p:nvPr>
-        </p:nvSpPr>
-        <p:spPr>
-          <a:xfrm>
-            <a:off x="-1" y="0"/>
-            <a:ext cx="4455673" cy="6858000"/>
-          </a:xfrm>
-          <a:custGeom>
-            <a:avLst/>
-            <a:gdLst>
-              <a:gd name="connsiteX0" fmla="*/ 0 w 4455673"/>
-              <a:gd name="connsiteY0" fmla="*/ 0 h 6858000"/>
-              <a:gd name="connsiteX1" fmla="*/ 3242695 w 4455673"/>
-              <a:gd name="connsiteY1" fmla="*/ 0 h 6858000"/>
-              <a:gd name="connsiteX2" fmla="*/ 3305678 w 4455673"/>
-              <a:gd name="connsiteY2" fmla="*/ 69271 h 6858000"/>
-              <a:gd name="connsiteX3" fmla="*/ 4455673 w 4455673"/>
-              <a:gd name="connsiteY3" fmla="*/ 3429000 h 6858000"/>
-              <a:gd name="connsiteX4" fmla="*/ 3305678 w 4455673"/>
-              <a:gd name="connsiteY4" fmla="*/ 6788730 h 6858000"/>
-              <a:gd name="connsiteX5" fmla="*/ 3242695 w 4455673"/>
-              <a:gd name="connsiteY5" fmla="*/ 6858000 h 6858000"/>
-              <a:gd name="connsiteX6" fmla="*/ 0 w 4455673"/>
-              <a:gd name="connsiteY6" fmla="*/ 6858000 h 6858000"/>
-            </a:gdLst>
-            <a:ahLst/>
-            <a:cxnLst>
-              <a:cxn ang="0">
-                <a:pos x="connsiteX0" y="connsiteY0"/>
-              </a:cxn>
-              <a:cxn ang="0">
-                <a:pos x="connsiteX1" y="connsiteY1"/>
-              </a:cxn>
-              <a:cxn ang="0">
-                <a:pos x="connsiteX2" y="connsiteY2"/>
-              </a:cxn>
-              <a:cxn ang="0">
-                <a:pos x="connsiteX3" y="connsiteY3"/>
-              </a:cxn>
-              <a:cxn ang="0">
-                <a:pos x="connsiteX4" y="connsiteY4"/>
-              </a:cxn>
-              <a:cxn ang="0">
-                <a:pos x="connsiteX5" y="connsiteY5"/>
-              </a:cxn>
-              <a:cxn ang="0">
-                <a:pos x="connsiteX6" y="connsiteY6"/>
-              </a:cxn>
-            </a:cxnLst>
-            <a:rect l="l" t="t" r="r" b="b"/>
-            <a:pathLst>
-              <a:path w="4455673" h="6858000">
-                <a:moveTo>
-                  <a:pt x="0" y="0"/>
-                </a:moveTo>
-                <a:lnTo>
-                  <a:pt x="3242695" y="0"/>
-                </a:lnTo>
-                <a:lnTo>
-                  <a:pt x="3305678" y="69271"/>
-                </a:lnTo>
-                <a:cubicBezTo>
-                  <a:pt x="4016204" y="929100"/>
-                  <a:pt x="4455673" y="2116944"/>
-                  <a:pt x="4455673" y="3429000"/>
-                </a:cubicBezTo>
-                <a:cubicBezTo>
-                  <a:pt x="4455673" y="4741056"/>
-                  <a:pt x="4016204" y="5928900"/>
-                  <a:pt x="3305678" y="6788730"/>
-                </a:cubicBezTo>
-                <a:lnTo>
-                  <a:pt x="3242695" y="6858000"/>
-                </a:lnTo>
-                <a:lnTo>
-                  <a:pt x="0" y="6858000"/>
-                </a:lnTo>
-                <a:close/>
-              </a:path>
-            </a:pathLst>
-          </a:custGeom>
-          <a:ln w="9525">
-            <a:solidFill>
-              <a:srgbClr val="EFEFEF"/>
-            </a:solidFill>
-          </a:ln>
-          <a:effectLst>
-            <a:outerShdw blurRad="88900" dist="38100" algn="l" rotWithShape="0">
-              <a:schemeClr val="bg1">
-                <a:lumMod val="85000"/>
-                <a:alpha val="50000"/>
-              </a:schemeClr>
-            </a:outerShdw>
-          </a:effectLst>
-        </p:spPr>
-        <p:style>
-          <a:lnRef idx="2">
-            <a:schemeClr val="accent1">
-              <a:shade val="50000"/>
-            </a:schemeClr>
-          </a:lnRef>
-          <a:fillRef idx="1">
-            <a:schemeClr val="accent1"/>
-          </a:fillRef>
-          <a:effectRef idx="0">
-            <a:schemeClr val="accent1"/>
-          </a:effectRef>
-          <a:fontRef idx="minor">
-            <a:schemeClr val="lt1"/>
-          </a:fontRef>
-        </p:style>
-        <p:txBody>
-          <a:bodyPr wrap="square" rtlCol="0" anchor="ctr">
-            <a:noAutofit/>
-          </a:bodyPr>
-          <a:lstStyle/>
-          <a:p>
-            <a:pPr marL="0" marR="0" lvl="0" indent="0" algn="ctr" defTabSz="914400" rtl="0" eaLnBrk="1" fontAlgn="auto" latinLnBrk="0" hangingPunct="1">
-              <a:lnSpc>
-                <a:spcPct val="100000"/>
-              </a:lnSpc>
-              <a:spcBef>
-                <a:spcPts val="0"/>
-              </a:spcBef>
-              <a:spcAft>
-                <a:spcPts val="0"/>
-              </a:spcAft>
-              <a:buClrTx/>
-              <a:buSzTx/>
-              <a:buFontTx/>
-              <a:buNone/>
-              <a:tabLst/>
-              <a:defRPr/>
-            </a:pPr>
-            <a:endParaRPr kumimoji="0" lang="en-US" sz="1800" b="0" i="0" u="none" strike="noStrike" kern="1200" cap="none" spc="0" normalizeH="0" baseline="0" noProof="0">
-              <a:ln>
-                <a:noFill/>
-              </a:ln>
-              <a:solidFill>
-                <a:prstClr val="white"/>
-              </a:solidFill>
-              <a:effectLst/>
-              <a:uLnTx/>
-              <a:uFillTx/>
-              <a:latin typeface="Calibri" panose="020F0502020204030204"/>
-              <a:ea typeface="+mn-ea"/>
-              <a:cs typeface="+mn-cs"/>
-            </a:endParaRPr>
-          </a:p>
-        </p:txBody>
-      </p:sp>
-      <p:sp useBgFill="1">
-        <p:nvSpPr>
-          <p:cNvPr id="16" name="Freeform: Shape 15">
-            <a:extLst>
-              <a:ext uri="{FF2B5EF4-FFF2-40B4-BE49-F238E27FC236}">
-                <a16:creationId xmlns:a16="http://schemas.microsoft.com/office/drawing/2014/main" id="{216322C2-3CF0-4D33-BF90-3F384CF6D232}"/>
-              </a:ext>
-              <a:ext uri="{C183D7F6-B498-43B3-948B-1728B52AA6E4}">
-                <adec:decorative xmlns:adec="http://schemas.microsoft.com/office/drawing/2017/decorative" val="1"/>
-              </a:ext>
-            </a:extLst>
-          </p:cNvPr>
-          <p:cNvSpPr>
-            <a:spLocks noGrp="1" noRot="1" noChangeAspect="1" noMove="1" noResize="1" noEditPoints="1" noAdjustHandles="1" noChangeArrowheads="1" noChangeShapeType="1" noTextEdit="1"/>
-          </p:cNvSpPr>
-          <p:nvPr>
-            <p:extLst>
-              <p:ext uri="{386F3935-93C4-4BCD-93E2-E3B085C9AB24}">
-                <p16:designElem xmlns:p16="http://schemas.microsoft.com/office/powerpoint/2015/main" val="1"/>
-              </p:ext>
-            </p:extLst>
-          </p:nvPr>
-        </p:nvSpPr>
-        <p:spPr>
-          <a:xfrm>
-            <a:off x="0" y="0"/>
-            <a:ext cx="4446529" cy="6858000"/>
-          </a:xfrm>
-          <a:custGeom>
-            <a:avLst/>
-            <a:gdLst>
-              <a:gd name="connsiteX0" fmla="*/ 0 w 4446529"/>
-              <a:gd name="connsiteY0" fmla="*/ 0 h 6858000"/>
-              <a:gd name="connsiteX1" fmla="*/ 3233551 w 4446529"/>
-              <a:gd name="connsiteY1" fmla="*/ 0 h 6858000"/>
-              <a:gd name="connsiteX2" fmla="*/ 3296534 w 4446529"/>
-              <a:gd name="connsiteY2" fmla="*/ 69271 h 6858000"/>
-              <a:gd name="connsiteX3" fmla="*/ 4446529 w 4446529"/>
-              <a:gd name="connsiteY3" fmla="*/ 3429000 h 6858000"/>
-              <a:gd name="connsiteX4" fmla="*/ 3296534 w 4446529"/>
-              <a:gd name="connsiteY4" fmla="*/ 6788730 h 6858000"/>
-              <a:gd name="connsiteX5" fmla="*/ 3233551 w 4446529"/>
-              <a:gd name="connsiteY5" fmla="*/ 6858000 h 6858000"/>
-              <a:gd name="connsiteX6" fmla="*/ 0 w 4446529"/>
-              <a:gd name="connsiteY6" fmla="*/ 6858000 h 6858000"/>
-            </a:gdLst>
-            <a:ahLst/>
-            <a:cxnLst>
-              <a:cxn ang="0">
-                <a:pos x="connsiteX0" y="connsiteY0"/>
-              </a:cxn>
-              <a:cxn ang="0">
-                <a:pos x="connsiteX1" y="connsiteY1"/>
-              </a:cxn>
-              <a:cxn ang="0">
-                <a:pos x="connsiteX2" y="connsiteY2"/>
-              </a:cxn>
-              <a:cxn ang="0">
-                <a:pos x="connsiteX3" y="connsiteY3"/>
-              </a:cxn>
-              <a:cxn ang="0">
-                <a:pos x="connsiteX4" y="connsiteY4"/>
-              </a:cxn>
-              <a:cxn ang="0">
-                <a:pos x="connsiteX5" y="connsiteY5"/>
-              </a:cxn>
-              <a:cxn ang="0">
-                <a:pos x="connsiteX6" y="connsiteY6"/>
-              </a:cxn>
-            </a:cxnLst>
-            <a:rect l="l" t="t" r="r" b="b"/>
-            <a:pathLst>
-              <a:path w="4446529" h="6858000">
-                <a:moveTo>
-                  <a:pt x="0" y="0"/>
-                </a:moveTo>
-                <a:lnTo>
-                  <a:pt x="3233551" y="0"/>
-                </a:lnTo>
-                <a:lnTo>
-                  <a:pt x="3296534" y="69271"/>
-                </a:lnTo>
-                <a:cubicBezTo>
-                  <a:pt x="4007060" y="929100"/>
-                  <a:pt x="4446529" y="2116944"/>
-                  <a:pt x="4446529" y="3429000"/>
-                </a:cubicBezTo>
-                <a:cubicBezTo>
-                  <a:pt x="4446529" y="4741056"/>
-                  <a:pt x="4007060" y="5928900"/>
-                  <a:pt x="3296534" y="6788730"/>
-                </a:cubicBezTo>
-                <a:lnTo>
-                  <a:pt x="3233551" y="6858000"/>
-                </a:lnTo>
-                <a:lnTo>
-                  <a:pt x="0" y="6858000"/>
-                </a:lnTo>
-                <a:close/>
-              </a:path>
-            </a:pathLst>
-          </a:custGeom>
-          <a:ln w="9525">
-            <a:noFill/>
-          </a:ln>
-          <a:effectLst/>
-        </p:spPr>
-        <p:style>
-          <a:lnRef idx="2">
-            <a:schemeClr val="accent1">
-              <a:shade val="50000"/>
-            </a:schemeClr>
-          </a:lnRef>
-          <a:fillRef idx="1">
-            <a:schemeClr val="accent1"/>
-          </a:fillRef>
-          <a:effectRef idx="0">
-            <a:schemeClr val="accent1"/>
-          </a:effectRef>
-          <a:fontRef idx="minor">
-            <a:schemeClr val="lt1"/>
-          </a:fontRef>
-        </p:style>
-        <p:txBody>
-          <a:bodyPr wrap="square" rtlCol="0" anchor="ctr">
-            <a:noAutofit/>
-          </a:bodyPr>
-          <a:lstStyle/>
-          <a:p>
-            <a:pPr marL="0" marR="0" lvl="0" indent="0" algn="ctr" defTabSz="914400" rtl="0" eaLnBrk="1" fontAlgn="auto" latinLnBrk="0" hangingPunct="1">
-              <a:lnSpc>
-                <a:spcPct val="100000"/>
-              </a:lnSpc>
-              <a:spcBef>
-                <a:spcPts val="0"/>
-              </a:spcBef>
-              <a:spcAft>
-                <a:spcPts val="0"/>
-              </a:spcAft>
-              <a:buClrTx/>
-              <a:buSzTx/>
-              <a:buFontTx/>
-              <a:buNone/>
-              <a:tabLst/>
-              <a:defRPr/>
-            </a:pPr>
-            <a:endParaRPr kumimoji="0" lang="en-US" sz="1800" b="0" i="0" u="none" strike="noStrike" kern="1200" cap="none" spc="0" normalizeH="0" baseline="0" noProof="0">
-              <a:ln>
-                <a:noFill/>
-              </a:ln>
-              <a:solidFill>
-                <a:prstClr val="white"/>
-              </a:solidFill>
-              <a:effectLst/>
-              <a:uLnTx/>
-              <a:uFillTx/>
-              <a:latin typeface="Calibri" panose="020F0502020204030204"/>
-              <a:ea typeface="+mn-ea"/>
-              <a:cs typeface="+mn-cs"/>
-            </a:endParaRPr>
-          </a:p>
-        </p:txBody>
-      </p:sp>
-      <p:sp>
-        <p:nvSpPr>
-          <p:cNvPr id="2" name="Title 1">
-            <a:extLst>
-              <a:ext uri="{FF2B5EF4-FFF2-40B4-BE49-F238E27FC236}">
-                <a16:creationId xmlns:a16="http://schemas.microsoft.com/office/drawing/2014/main" id="{D4FC85C2-C13E-EAD8-1425-E4998ACCB2B8}"/>
-              </a:ext>
-            </a:extLst>
-          </p:cNvPr>
-          <p:cNvSpPr>
-            <a:spLocks noGrp="1"/>
-          </p:cNvSpPr>
-          <p:nvPr>
-            <p:ph type="title"/>
-          </p:nvPr>
-        </p:nvSpPr>
-        <p:spPr>
-          <a:xfrm>
-            <a:off x="371093" y="660545"/>
-            <a:ext cx="3841677" cy="1625455"/>
-          </a:xfrm>
-        </p:spPr>
-        <p:txBody>
-          <a:bodyPr vert="horz" lIns="91440" tIns="45720" rIns="91440" bIns="45720" rtlCol="0" anchor="b">
-            <a:noAutofit/>
-          </a:bodyPr>
-          <a:lstStyle/>
-          <a:p>
-            <a:r>
-              <a:rPr lang="en-US" sz="5400" b="0" i="0" kern="1200" dirty="0">
-                <a:solidFill>
-                  <a:schemeClr val="tx1"/>
-                </a:solidFill>
-                <a:effectLst/>
-                <a:latin typeface="+mj-lt"/>
-                <a:ea typeface="+mj-ea"/>
-                <a:cs typeface="+mj-cs"/>
-              </a:rPr>
-              <a:t>Stationary Test</a:t>
-            </a:r>
-            <a:endParaRPr lang="en-US" sz="5400" kern="1200" dirty="0">
-              <a:solidFill>
-                <a:schemeClr val="tx1"/>
-              </a:solidFill>
-              <a:latin typeface="+mj-lt"/>
-              <a:ea typeface="+mj-ea"/>
-              <a:cs typeface="+mj-cs"/>
-            </a:endParaRPr>
-          </a:p>
-        </p:txBody>
-      </p:sp>
-      <p:sp>
-        <p:nvSpPr>
-          <p:cNvPr id="18" name="Rectangle 17">
-            <a:extLst>
-              <a:ext uri="{FF2B5EF4-FFF2-40B4-BE49-F238E27FC236}">
-                <a16:creationId xmlns:a16="http://schemas.microsoft.com/office/drawing/2014/main" id="{55D4142C-5077-457F-A6AD-3FECFDB39685}"/>
-              </a:ext>
-              <a:ext uri="{C183D7F6-B498-43B3-948B-1728B52AA6E4}">
-                <adec:decorative xmlns:adec="http://schemas.microsoft.com/office/drawing/2017/decorative" val="1"/>
-              </a:ext>
-            </a:extLst>
-          </p:cNvPr>
-          <p:cNvSpPr>
-            <a:spLocks noGrp="1" noRot="1" noChangeAspect="1" noMove="1" noResize="1" noEditPoints="1" noAdjustHandles="1" noChangeArrowheads="1" noChangeShapeType="1" noTextEdit="1"/>
-          </p:cNvSpPr>
-          <p:nvPr>
-            <p:extLst>
-              <p:ext uri="{386F3935-93C4-4BCD-93E2-E3B085C9AB24}">
-                <p16:designElem xmlns:p16="http://schemas.microsoft.com/office/powerpoint/2015/main" val="1"/>
-              </p:ext>
-            </p:extLst>
-          </p:nvPr>
-        </p:nvSpPr>
-        <p:spPr>
-          <a:xfrm rot="5400000">
-            <a:off x="662559" y="605790"/>
-            <a:ext cx="73152" cy="548640"/>
-          </a:xfrm>
-          <a:prstGeom prst="rect">
-            <a:avLst/>
-          </a:prstGeom>
-          <a:solidFill>
-            <a:schemeClr val="accent2"/>
-          </a:solidFill>
-          <a:ln>
-            <a:noFill/>
-          </a:ln>
-        </p:spPr>
-        <p:style>
-          <a:lnRef idx="2">
-            <a:schemeClr val="accent1">
-              <a:shade val="50000"/>
-            </a:schemeClr>
-          </a:lnRef>
-          <a:fillRef idx="1">
-            <a:schemeClr val="accent1"/>
-          </a:fillRef>
-          <a:effectRef idx="0">
-            <a:schemeClr val="accent1"/>
-          </a:effectRef>
-          <a:fontRef idx="minor">
-            <a:schemeClr val="lt1"/>
-          </a:fontRef>
-        </p:style>
-        <p:txBody>
-          <a:bodyPr rtlCol="0" anchor="ctr"/>
-          <a:lstStyle/>
-          <a:p>
-            <a:pPr algn="ctr"/>
-            <a:endParaRPr lang="en-US">
-              <a:solidFill>
-                <a:prstClr val="white"/>
-              </a:solidFill>
-              <a:latin typeface="Calibri" panose="020F0502020204030204"/>
-            </a:endParaRPr>
-          </a:p>
-        </p:txBody>
-      </p:sp>
-      <p:sp>
-        <p:nvSpPr>
-          <p:cNvPr id="20" name="Rectangle 19">
-            <a:extLst>
-              <a:ext uri="{FF2B5EF4-FFF2-40B4-BE49-F238E27FC236}">
-                <a16:creationId xmlns:a16="http://schemas.microsoft.com/office/drawing/2014/main" id="{7A5F0580-5EE9-419F-96EE-B6529EF6E7D0}"/>
-              </a:ext>
-              <a:ext uri="{C183D7F6-B498-43B3-948B-1728B52AA6E4}">
-                <adec:decorative xmlns:adec="http://schemas.microsoft.com/office/drawing/2017/decorative" val="1"/>
-              </a:ext>
-            </a:extLst>
-          </p:cNvPr>
-          <p:cNvSpPr>
-            <a:spLocks noGrp="1" noRot="1" noChangeAspect="1" noMove="1" noResize="1" noEditPoints="1" noAdjustHandles="1" noChangeArrowheads="1" noChangeShapeType="1" noTextEdit="1"/>
-          </p:cNvSpPr>
-          <p:nvPr>
-            <p:extLst>
-              <p:ext uri="{386F3935-93C4-4BCD-93E2-E3B085C9AB24}">
-                <p16:designElem xmlns:p16="http://schemas.microsoft.com/office/powerpoint/2015/main" val="1"/>
-              </p:ext>
-            </p:extLst>
-          </p:nvPr>
-        </p:nvSpPr>
-        <p:spPr>
-          <a:xfrm>
-            <a:off x="428244" y="2443480"/>
-            <a:ext cx="3337560" cy="18288"/>
-          </a:xfrm>
-          <a:prstGeom prst="rect">
-            <a:avLst/>
-          </a:prstGeom>
-          <a:solidFill>
-            <a:srgbClr val="D5D5D5"/>
-          </a:solidFill>
-          <a:ln w="3175">
-            <a:noFill/>
-          </a:ln>
-          <a:effectLst/>
-        </p:spPr>
-        <p:style>
-          <a:lnRef idx="2">
-            <a:schemeClr val="accent1">
-              <a:shade val="50000"/>
-            </a:schemeClr>
-          </a:lnRef>
-          <a:fillRef idx="1">
-            <a:schemeClr val="accent1"/>
-          </a:fillRef>
-          <a:effectRef idx="0">
-            <a:schemeClr val="accent1"/>
-          </a:effectRef>
-          <a:fontRef idx="minor">
-            <a:schemeClr val="lt1"/>
-          </a:fontRef>
-        </p:style>
-        <p:txBody>
-          <a:bodyPr rtlCol="0" anchor="ctr"/>
-          <a:lstStyle/>
-          <a:p>
-            <a:pPr algn="ctr"/>
-            <a:endParaRPr lang="en-US">
-              <a:solidFill>
-                <a:prstClr val="white"/>
-              </a:solidFill>
-              <a:latin typeface="Calibri" panose="020F0502020204030204"/>
-            </a:endParaRPr>
-          </a:p>
-        </p:txBody>
-      </p:sp>
-      <p:sp>
-        <p:nvSpPr>
-          <p:cNvPr id="5" name="TextBox 4">
-            <a:extLst>
-              <a:ext uri="{FF2B5EF4-FFF2-40B4-BE49-F238E27FC236}">
-                <a16:creationId xmlns:a16="http://schemas.microsoft.com/office/drawing/2014/main" id="{4E9F4BA7-B5C0-7410-9C35-8BF173ABBD09}"/>
-              </a:ext>
-            </a:extLst>
-          </p:cNvPr>
-          <p:cNvSpPr txBox="1"/>
-          <p:nvPr/>
-        </p:nvSpPr>
-        <p:spPr>
-          <a:xfrm>
-            <a:off x="371094" y="2718054"/>
-            <a:ext cx="3438906" cy="3207258"/>
-          </a:xfrm>
-          <a:prstGeom prst="rect">
-            <a:avLst/>
-          </a:prstGeom>
-        </p:spPr>
-        <p:txBody>
-          <a:bodyPr vert="horz" lIns="91440" tIns="45720" rIns="91440" bIns="45720" rtlCol="0" anchor="t">
-            <a:normAutofit/>
-          </a:bodyPr>
-          <a:lstStyle/>
-          <a:p>
-            <a:pPr indent="-228600">
-              <a:lnSpc>
-                <a:spcPct val="90000"/>
-              </a:lnSpc>
-              <a:spcAft>
-                <a:spcPts val="600"/>
-              </a:spcAft>
-              <a:buFont typeface="Arial" panose="020B0604020202020204" pitchFamily="34" charset="0"/>
-              <a:buChar char="•"/>
-            </a:pPr>
-            <a:r>
-              <a:rPr lang="en-US" sz="2800" b="0" i="0">
-                <a:effectLst/>
-              </a:rPr>
-              <a:t>Multiple differencing method to make them stationary.</a:t>
-            </a:r>
-            <a:endParaRPr lang="en-US" sz="2800"/>
-          </a:p>
-        </p:txBody>
-      </p:sp>
-      <p:pic>
-        <p:nvPicPr>
-          <p:cNvPr id="7" name="Picture 4">
-            <a:extLst>
-              <a:ext uri="{FF2B5EF4-FFF2-40B4-BE49-F238E27FC236}">
-                <a16:creationId xmlns:a16="http://schemas.microsoft.com/office/drawing/2014/main" id="{38D2226C-DFDD-BD1C-68C6-56755C4E31E5}"/>
-              </a:ext>
-            </a:extLst>
-          </p:cNvPr>
-          <p:cNvPicPr>
-            <a:picLocks noGrp="1" noChangeAspect="1" noChangeArrowheads="1"/>
-          </p:cNvPicPr>
-          <p:nvPr>
-            <p:ph idx="1"/>
-          </p:nvPr>
-        </p:nvPicPr>
-        <p:blipFill>
-          <a:blip r:embed="rId2">
-            <a:extLst>
-              <a:ext uri="{28A0092B-C50C-407E-A947-70E740481C1C}">
-                <a14:useLocalDpi xmlns:a14="http://schemas.microsoft.com/office/drawing/2010/main" val="0"/>
-              </a:ext>
-            </a:extLst>
-          </a:blip>
-          <a:stretch>
-            <a:fillRect/>
-          </a:stretch>
-        </p:blipFill>
-        <p:spPr bwMode="auto">
-          <a:xfrm>
-            <a:off x="4898967" y="1905419"/>
-            <a:ext cx="6921940" cy="3156403"/>
-          </a:xfrm>
-          <a:prstGeom prst="rect">
-            <a:avLst/>
-          </a:prstGeom>
-          <a:noFill/>
-          <a:extLst>
-            <a:ext uri="{909E8E84-426E-40DD-AFC4-6F175D3DCCD1}">
-              <a14:hiddenFill xmlns:a14="http://schemas.microsoft.com/office/drawing/2010/main">
-                <a:solidFill>
-                  <a:srgbClr val="FFFFFF"/>
-                </a:solidFill>
-              </a14:hiddenFill>
-            </a:ext>
-          </a:extLst>
-        </p:spPr>
-      </p:pic>
-    </p:spTree>
-    <p:extLst>
-      <p:ext uri="{BB962C8B-B14F-4D97-AF65-F5344CB8AC3E}">
-        <p14:creationId xmlns:p14="http://schemas.microsoft.com/office/powerpoint/2010/main" val="3810891464"/>
-      </p:ext>
-    </p:extLst>
-  </p:cSld>
-  <p:clrMapOvr>
-    <a:masterClrMapping/>
-  </p:clrMapOvr>
-</p:sld>
-</file>
-
-<file path=ppt/slides/slide24.xml><?xml version="1.0" encoding="utf-8"?>
-<p:sld xmlns:a="http://schemas.openxmlformats.org/drawingml/2006/main" xmlns:r="http://schemas.openxmlformats.org/officeDocument/2006/relationships" xmlns:p="http://schemas.openxmlformats.org/presentationml/2006/main">
-  <p:cSld>
-    <p:bg>
-      <p:bgPr>
-        <a:solidFill>
-          <a:schemeClr val="bg1"/>
-        </a:solidFill>
-        <a:effectLst/>
-      </p:bgPr>
-    </p:bg>
-    <p:spTree>
-      <p:nvGrpSpPr>
-        <p:cNvPr id="1" name=""/>
-        <p:cNvGrpSpPr/>
-        <p:nvPr/>
-      </p:nvGrpSpPr>
-      <p:grpSpPr>
-        <a:xfrm>
-          <a:off x="0" y="0"/>
-          <a:ext cx="0" cy="0"/>
-          <a:chOff x="0" y="0"/>
-          <a:chExt cx="0" cy="0"/>
-        </a:xfrm>
-      </p:grpSpPr>
-      <p:sp useBgFill="1">
-        <p:nvSpPr>
-          <p:cNvPr id="12295" name="Rectangle 12294">
-            <a:extLst>
-              <a:ext uri="{FF2B5EF4-FFF2-40B4-BE49-F238E27FC236}">
-                <a16:creationId xmlns:a16="http://schemas.microsoft.com/office/drawing/2014/main" id="{A8384FB5-9ADC-4DDC-881B-597D56F5B15D}"/>
-              </a:ext>
-              <a:ext uri="{C183D7F6-B498-43B3-948B-1728B52AA6E4}">
-                <adec:decorative xmlns:adec="http://schemas.microsoft.com/office/drawing/2017/decorative" val="1"/>
-              </a:ext>
-            </a:extLst>
-          </p:cNvPr>
-          <p:cNvSpPr>
-            <a:spLocks noGrp="1" noRot="1" noChangeAspect="1" noMove="1" noResize="1" noEditPoints="1" noAdjustHandles="1" noChangeArrowheads="1" noChangeShapeType="1" noTextEdit="1"/>
-          </p:cNvSpPr>
-          <p:nvPr>
-            <p:extLst>
-              <p:ext uri="{386F3935-93C4-4BCD-93E2-E3B085C9AB24}">
-                <p16:designElem xmlns:p16="http://schemas.microsoft.com/office/powerpoint/2015/main" val="1"/>
-              </p:ext>
-            </p:extLst>
-          </p:nvPr>
-        </p:nvSpPr>
-        <p:spPr>
-          <a:xfrm>
-            <a:off x="0" y="0"/>
-            <a:ext cx="12192000" cy="6858000"/>
-          </a:xfrm>
-          <a:prstGeom prst="rect">
-            <a:avLst/>
-          </a:prstGeom>
-          <a:ln w="12700" cap="flat" cmpd="sng" algn="ctr">
-            <a:noFill/>
-            <a:prstDash val="solid"/>
-            <a:miter lim="800000"/>
-          </a:ln>
-          <a:effectLst/>
-          <a:extLst>
-            <a:ext uri="{91240B29-F687-4F45-9708-019B960494DF}">
-              <a14:hiddenLine xmlns:a14="http://schemas.microsoft.com/office/drawing/2010/main" w="12700" cap="flat" cmpd="sng" algn="ctr">
-                <a:solidFill>
-                  <a:schemeClr val="accent1">
-                    <a:shade val="50000"/>
-                  </a:schemeClr>
-                </a:solidFill>
-                <a:prstDash val="solid"/>
-                <a:miter lim="800000"/>
-              </a14:hiddenLine>
-            </a:ext>
-          </a:extLst>
-        </p:spPr>
-        <p:style>
-          <a:lnRef idx="2">
-            <a:schemeClr val="accent1">
-              <a:shade val="50000"/>
-            </a:schemeClr>
-          </a:lnRef>
-          <a:fillRef idx="1">
-            <a:schemeClr val="accent1"/>
-          </a:fillRef>
-          <a:effectRef idx="0">
-            <a:schemeClr val="accent1"/>
-          </a:effectRef>
-          <a:fontRef idx="minor">
-            <a:schemeClr val="lt1"/>
-          </a:fontRef>
-        </p:style>
-        <p:txBody>
-          <a:bodyPr rtlCol="0" anchor="ctr"/>
-          <a:lstStyle/>
-          <a:p>
-            <a:pPr algn="ctr"/>
-            <a:endParaRPr lang="en-US"/>
-          </a:p>
-        </p:txBody>
-      </p:sp>
-      <p:sp>
-        <p:nvSpPr>
-          <p:cNvPr id="12297" name="Rectangle 12296">
-            <a:extLst>
-              <a:ext uri="{FF2B5EF4-FFF2-40B4-BE49-F238E27FC236}">
-                <a16:creationId xmlns:a16="http://schemas.microsoft.com/office/drawing/2014/main" id="{1199E1B1-A8C0-4FE8-A5A8-1CB41D69F857}"/>
-              </a:ext>
-              <a:ext uri="{C183D7F6-B498-43B3-948B-1728B52AA6E4}">
-                <adec:decorative xmlns:adec="http://schemas.microsoft.com/office/drawing/2017/decorative" val="1"/>
-              </a:ext>
-            </a:extLst>
-          </p:cNvPr>
-          <p:cNvSpPr>
-            <a:spLocks noGrp="1" noRot="1" noChangeAspect="1" noMove="1" noResize="1" noEditPoints="1" noAdjustHandles="1" noChangeArrowheads="1" noChangeShapeType="1" noTextEdit="1"/>
-          </p:cNvSpPr>
-          <p:nvPr>
-            <p:extLst>
-              <p:ext uri="{386F3935-93C4-4BCD-93E2-E3B085C9AB24}">
-                <p16:designElem xmlns:p16="http://schemas.microsoft.com/office/powerpoint/2015/main" val="1"/>
-              </p:ext>
-            </p:extLst>
-          </p:nvPr>
-        </p:nvSpPr>
-        <p:spPr>
-          <a:xfrm rot="10800000" flipH="1">
-            <a:off x="2" y="0"/>
-            <a:ext cx="12191998" cy="1575955"/>
-          </a:xfrm>
-          <a:prstGeom prst="rect">
-            <a:avLst/>
-          </a:prstGeom>
-          <a:gradFill>
-            <a:gsLst>
-              <a:gs pos="0">
-                <a:srgbClr val="000000">
-                  <a:alpha val="96000"/>
-                </a:srgbClr>
-              </a:gs>
-              <a:gs pos="100000">
-                <a:schemeClr val="accent1">
-                  <a:lumMod val="75000"/>
-                </a:schemeClr>
-              </a:gs>
-            </a:gsLst>
-            <a:lin ang="6000000" scaled="0"/>
-          </a:gradFill>
-          <a:ln>
-            <a:noFill/>
-          </a:ln>
-        </p:spPr>
-        <p:style>
-          <a:lnRef idx="2">
-            <a:schemeClr val="accent1">
-              <a:shade val="50000"/>
-            </a:schemeClr>
-          </a:lnRef>
-          <a:fillRef idx="1">
-            <a:schemeClr val="accent1"/>
-          </a:fillRef>
-          <a:effectRef idx="0">
-            <a:schemeClr val="accent1"/>
-          </a:effectRef>
-          <a:fontRef idx="minor">
-            <a:schemeClr val="lt1"/>
-          </a:fontRef>
-        </p:style>
-        <p:txBody>
-          <a:bodyPr rtlCol="0" anchor="ctr"/>
-          <a:lstStyle/>
-          <a:p>
-            <a:pPr algn="ctr"/>
-            <a:endParaRPr lang="en-US"/>
-          </a:p>
-        </p:txBody>
-      </p:sp>
-      <p:sp>
-        <p:nvSpPr>
-          <p:cNvPr id="12299" name="Rectangle 12298">
-            <a:extLst>
-              <a:ext uri="{FF2B5EF4-FFF2-40B4-BE49-F238E27FC236}">
-                <a16:creationId xmlns:a16="http://schemas.microsoft.com/office/drawing/2014/main" id="{84A8DE83-DE75-4B41-9DB4-A7EC0B0DEC0B}"/>
-              </a:ext>
-              <a:ext uri="{C183D7F6-B498-43B3-948B-1728B52AA6E4}">
-                <adec:decorative xmlns:adec="http://schemas.microsoft.com/office/drawing/2017/decorative" val="1"/>
-              </a:ext>
-            </a:extLst>
-          </p:cNvPr>
-          <p:cNvSpPr>
-            <a:spLocks noGrp="1" noRot="1" noChangeAspect="1" noMove="1" noResize="1" noEditPoints="1" noAdjustHandles="1" noChangeArrowheads="1" noChangeShapeType="1" noTextEdit="1"/>
-          </p:cNvSpPr>
-          <p:nvPr>
-            <p:extLst>
-              <p:ext uri="{386F3935-93C4-4BCD-93E2-E3B085C9AB24}">
-                <p16:designElem xmlns:p16="http://schemas.microsoft.com/office/powerpoint/2015/main" val="1"/>
-              </p:ext>
-            </p:extLst>
-          </p:nvPr>
-        </p:nvSpPr>
-        <p:spPr>
-          <a:xfrm>
-            <a:off x="0" y="0"/>
-            <a:ext cx="8128856" cy="1575461"/>
-          </a:xfrm>
-          <a:prstGeom prst="rect">
-            <a:avLst/>
-          </a:prstGeom>
-          <a:gradFill>
-            <a:gsLst>
-              <a:gs pos="0">
-                <a:schemeClr val="accent1">
-                  <a:alpha val="41000"/>
-                </a:schemeClr>
-              </a:gs>
-              <a:gs pos="74000">
-                <a:schemeClr val="accent1">
-                  <a:lumMod val="60000"/>
-                  <a:lumOff val="40000"/>
-                  <a:alpha val="0"/>
-                </a:schemeClr>
-              </a:gs>
-            </a:gsLst>
-            <a:lin ang="8400000" scaled="0"/>
-          </a:gradFill>
-          <a:ln>
-            <a:noFill/>
-          </a:ln>
-        </p:spPr>
-        <p:style>
-          <a:lnRef idx="2">
-            <a:schemeClr val="accent1">
-              <a:shade val="50000"/>
-            </a:schemeClr>
-          </a:lnRef>
-          <a:fillRef idx="1">
-            <a:schemeClr val="accent1"/>
-          </a:fillRef>
-          <a:effectRef idx="0">
-            <a:schemeClr val="accent1"/>
-          </a:effectRef>
-          <a:fontRef idx="minor">
-            <a:schemeClr val="lt1"/>
-          </a:fontRef>
-        </p:style>
-        <p:txBody>
-          <a:bodyPr rtlCol="0" anchor="ctr"/>
-          <a:lstStyle/>
-          <a:p>
-            <a:pPr algn="ctr"/>
-            <a:endParaRPr lang="en-US"/>
-          </a:p>
-        </p:txBody>
-      </p:sp>
-      <p:sp>
-        <p:nvSpPr>
-          <p:cNvPr id="12301" name="Rectangle 12300">
-            <a:extLst>
-              <a:ext uri="{FF2B5EF4-FFF2-40B4-BE49-F238E27FC236}">
-                <a16:creationId xmlns:a16="http://schemas.microsoft.com/office/drawing/2014/main" id="{A7009A0A-BEF5-4EAC-AF15-E4F9F002E239}"/>
-              </a:ext>
-              <a:ext uri="{C183D7F6-B498-43B3-948B-1728B52AA6E4}">
-                <adec:decorative xmlns:adec="http://schemas.microsoft.com/office/drawing/2017/decorative" val="1"/>
-              </a:ext>
-            </a:extLst>
-          </p:cNvPr>
-          <p:cNvSpPr>
-            <a:spLocks noGrp="1" noRot="1" noChangeAspect="1" noMove="1" noResize="1" noEditPoints="1" noAdjustHandles="1" noChangeArrowheads="1" noChangeShapeType="1" noTextEdit="1"/>
-          </p:cNvSpPr>
-          <p:nvPr>
-            <p:extLst>
-              <p:ext uri="{386F3935-93C4-4BCD-93E2-E3B085C9AB24}">
-                <p16:designElem xmlns:p16="http://schemas.microsoft.com/office/powerpoint/2015/main" val="1"/>
-              </p:ext>
-            </p:extLst>
-          </p:nvPr>
-        </p:nvSpPr>
-        <p:spPr>
-          <a:xfrm flipH="1">
-            <a:off x="-3" y="-1"/>
-            <a:ext cx="12192002" cy="1574311"/>
-          </a:xfrm>
-          <a:prstGeom prst="rect">
-            <a:avLst/>
-          </a:prstGeom>
-          <a:gradFill>
-            <a:gsLst>
-              <a:gs pos="0">
-                <a:srgbClr val="000000">
-                  <a:alpha val="63000"/>
-                </a:srgbClr>
-              </a:gs>
-              <a:gs pos="78000">
-                <a:schemeClr val="accent1">
-                  <a:alpha val="15000"/>
-                </a:schemeClr>
-              </a:gs>
-            </a:gsLst>
-            <a:lin ang="15600000" scaled="0"/>
-          </a:gradFill>
-          <a:ln>
-            <a:noFill/>
-          </a:ln>
-        </p:spPr>
-        <p:style>
-          <a:lnRef idx="2">
-            <a:schemeClr val="accent1">
-              <a:shade val="50000"/>
-            </a:schemeClr>
-          </a:lnRef>
-          <a:fillRef idx="1">
-            <a:schemeClr val="accent1"/>
-          </a:fillRef>
-          <a:effectRef idx="0">
-            <a:schemeClr val="accent1"/>
-          </a:effectRef>
-          <a:fontRef idx="minor">
-            <a:schemeClr val="lt1"/>
-          </a:fontRef>
-        </p:style>
-        <p:txBody>
-          <a:bodyPr rtlCol="0" anchor="ctr"/>
-          <a:lstStyle/>
-          <a:p>
-            <a:pPr algn="ctr"/>
-            <a:endParaRPr lang="en-US"/>
-          </a:p>
-        </p:txBody>
-      </p:sp>
-      <p:sp>
-        <p:nvSpPr>
-          <p:cNvPr id="2" name="Title 1">
-            <a:extLst>
-              <a:ext uri="{FF2B5EF4-FFF2-40B4-BE49-F238E27FC236}">
-                <a16:creationId xmlns:a16="http://schemas.microsoft.com/office/drawing/2014/main" id="{B4CA9BBF-EBD0-6505-F91C-4ADD8D4A6035}"/>
-              </a:ext>
-            </a:extLst>
-          </p:cNvPr>
-          <p:cNvSpPr>
-            <a:spLocks noGrp="1"/>
-          </p:cNvSpPr>
-          <p:nvPr>
-            <p:ph type="title"/>
-          </p:nvPr>
-        </p:nvSpPr>
-        <p:spPr>
-          <a:xfrm>
-            <a:off x="699713" y="248038"/>
-            <a:ext cx="7063721" cy="1159200"/>
-          </a:xfrm>
-        </p:spPr>
-        <p:txBody>
-          <a:bodyPr vert="horz" lIns="91440" tIns="45720" rIns="91440" bIns="45720" rtlCol="0" anchor="ctr">
-            <a:normAutofit/>
-          </a:bodyPr>
-          <a:lstStyle/>
-          <a:p>
-            <a:r>
-              <a:rPr lang="en-US" sz="4000" b="0" i="0" kern="1200">
-                <a:solidFill>
-                  <a:srgbClr val="FFFFFF"/>
-                </a:solidFill>
-                <a:effectLst/>
-                <a:latin typeface="+mj-lt"/>
-                <a:ea typeface="+mj-ea"/>
-                <a:cs typeface="+mj-cs"/>
-              </a:rPr>
-              <a:t>Model Forecasting</a:t>
-            </a:r>
-            <a:endParaRPr lang="en-US" sz="4000" kern="1200">
-              <a:solidFill>
-                <a:srgbClr val="FFFFFF"/>
-              </a:solidFill>
-              <a:latin typeface="+mj-lt"/>
-              <a:ea typeface="+mj-ea"/>
-              <a:cs typeface="+mj-cs"/>
-            </a:endParaRPr>
-          </a:p>
-        </p:txBody>
-      </p:sp>
-      <p:pic>
-        <p:nvPicPr>
-          <p:cNvPr id="12292" name="Picture 4">
-            <a:extLst>
-              <a:ext uri="{FF2B5EF4-FFF2-40B4-BE49-F238E27FC236}">
-                <a16:creationId xmlns:a16="http://schemas.microsoft.com/office/drawing/2014/main" id="{56B09929-EE80-66A0-1F87-9D50D1DC0CCB}"/>
-              </a:ext>
-            </a:extLst>
-          </p:cNvPr>
-          <p:cNvPicPr>
-            <a:picLocks noGrp="1" noChangeAspect="1" noChangeArrowheads="1"/>
-          </p:cNvPicPr>
-          <p:nvPr>
-            <p:ph idx="1"/>
-          </p:nvPr>
-        </p:nvPicPr>
-        <p:blipFill>
-          <a:blip r:embed="rId2">
-            <a:extLst>
-              <a:ext uri="{28A0092B-C50C-407E-A947-70E740481C1C}">
-                <a14:useLocalDpi xmlns:a14="http://schemas.microsoft.com/office/drawing/2010/main" val="0"/>
-              </a:ext>
-            </a:extLst>
-          </a:blip>
-          <a:srcRect/>
-          <a:stretch>
-            <a:fillRect/>
-          </a:stretch>
-        </p:blipFill>
-        <p:spPr bwMode="auto">
-          <a:xfrm>
-            <a:off x="283030" y="1655276"/>
-            <a:ext cx="11184040" cy="5225414"/>
-          </a:xfrm>
-          <a:prstGeom prst="rect">
-            <a:avLst/>
-          </a:prstGeom>
-          <a:noFill/>
-          <a:extLst>
-            <a:ext uri="{909E8E84-426E-40DD-AFC4-6F175D3DCCD1}">
-              <a14:hiddenFill xmlns:a14="http://schemas.microsoft.com/office/drawing/2010/main">
-                <a:solidFill>
-                  <a:srgbClr val="FFFFFF"/>
-                </a:solidFill>
-              </a14:hiddenFill>
-            </a:ext>
-          </a:extLst>
-        </p:spPr>
-      </p:pic>
-    </p:spTree>
-    <p:extLst>
-      <p:ext uri="{BB962C8B-B14F-4D97-AF65-F5344CB8AC3E}">
-        <p14:creationId xmlns:p14="http://schemas.microsoft.com/office/powerpoint/2010/main" val="54857802"/>
       </p:ext>
     </p:extLst>
   </p:cSld>

--- a/Multivar TS analysis and prediction.pptx
+++ b/Multivar TS analysis and prediction.pptx
@@ -9,20 +9,19 @@
     <p:sldId id="272" r:id="rId3"/>
     <p:sldId id="273" r:id="rId4"/>
     <p:sldId id="274" r:id="rId5"/>
-    <p:sldId id="276" r:id="rId6"/>
-    <p:sldId id="275" r:id="rId7"/>
-    <p:sldId id="282" r:id="rId8"/>
-    <p:sldId id="278" r:id="rId9"/>
-    <p:sldId id="279" r:id="rId10"/>
-    <p:sldId id="280" r:id="rId11"/>
-    <p:sldId id="281" r:id="rId12"/>
-    <p:sldId id="283" r:id="rId13"/>
-    <p:sldId id="284" r:id="rId14"/>
-    <p:sldId id="285" r:id="rId15"/>
-    <p:sldId id="286" r:id="rId16"/>
-    <p:sldId id="287" r:id="rId17"/>
-    <p:sldId id="288" r:id="rId18"/>
-    <p:sldId id="289" r:id="rId19"/>
+    <p:sldId id="275" r:id="rId6"/>
+    <p:sldId id="282" r:id="rId7"/>
+    <p:sldId id="278" r:id="rId8"/>
+    <p:sldId id="279" r:id="rId9"/>
+    <p:sldId id="280" r:id="rId10"/>
+    <p:sldId id="281" r:id="rId11"/>
+    <p:sldId id="283" r:id="rId12"/>
+    <p:sldId id="284" r:id="rId13"/>
+    <p:sldId id="285" r:id="rId14"/>
+    <p:sldId id="286" r:id="rId15"/>
+    <p:sldId id="287" r:id="rId16"/>
+    <p:sldId id="288" r:id="rId17"/>
+    <p:sldId id="289" r:id="rId18"/>
   </p:sldIdLst>
   <p:sldSz cx="12192000" cy="6858000"/>
   <p:notesSz cx="6858000" cy="9144000"/>
@@ -12038,573 +12037,6 @@
 <file path=ppt/slides/slide10.xml><?xml version="1.0" encoding="utf-8"?>
 <p:sld xmlns:a="http://schemas.openxmlformats.org/drawingml/2006/main" xmlns:r="http://schemas.openxmlformats.org/officeDocument/2006/relationships" xmlns:p="http://schemas.openxmlformats.org/presentationml/2006/main">
   <p:cSld>
-    <p:bg>
-      <p:bgPr>
-        <a:solidFill>
-          <a:schemeClr val="bg1"/>
-        </a:solidFill>
-        <a:effectLst/>
-      </p:bgPr>
-    </p:bg>
-    <p:spTree>
-      <p:nvGrpSpPr>
-        <p:cNvPr id="1" name=""/>
-        <p:cNvGrpSpPr/>
-        <p:nvPr/>
-      </p:nvGrpSpPr>
-      <p:grpSpPr>
-        <a:xfrm>
-          <a:off x="0" y="0"/>
-          <a:ext cx="0" cy="0"/>
-          <a:chOff x="0" y="0"/>
-          <a:chExt cx="0" cy="0"/>
-        </a:xfrm>
-      </p:grpSpPr>
-      <p:sp useBgFill="1">
-        <p:nvSpPr>
-          <p:cNvPr id="9" name="Rectangle 8">
-            <a:extLst>
-              <a:ext uri="{FF2B5EF4-FFF2-40B4-BE49-F238E27FC236}">
-                <a16:creationId xmlns:a16="http://schemas.microsoft.com/office/drawing/2014/main" id="{2E442304-DDBD-4F7B-8017-36BCC863FB40}"/>
-              </a:ext>
-              <a:ext uri="{C183D7F6-B498-43B3-948B-1728B52AA6E4}">
-                <adec:decorative xmlns:adec="http://schemas.microsoft.com/office/drawing/2017/decorative" val="1"/>
-              </a:ext>
-            </a:extLst>
-          </p:cNvPr>
-          <p:cNvSpPr>
-            <a:spLocks noGrp="1" noRot="1" noChangeAspect="1" noMove="1" noResize="1" noEditPoints="1" noAdjustHandles="1" noChangeArrowheads="1" noChangeShapeType="1" noTextEdit="1"/>
-          </p:cNvSpPr>
-          <p:nvPr>
-            <p:extLst>
-              <p:ext uri="{386F3935-93C4-4BCD-93E2-E3B085C9AB24}">
-                <p16:designElem xmlns:p16="http://schemas.microsoft.com/office/powerpoint/2015/main" val="1"/>
-              </p:ext>
-            </p:extLst>
-          </p:nvPr>
-        </p:nvSpPr>
-        <p:spPr>
-          <a:xfrm>
-            <a:off x="0" y="0"/>
-            <a:ext cx="12188952" cy="6858000"/>
-          </a:xfrm>
-          <a:prstGeom prst="rect">
-            <a:avLst/>
-          </a:prstGeom>
-          <a:ln>
-            <a:noFill/>
-          </a:ln>
-        </p:spPr>
-        <p:style>
-          <a:lnRef idx="2">
-            <a:schemeClr val="accent1">
-              <a:shade val="50000"/>
-            </a:schemeClr>
-          </a:lnRef>
-          <a:fillRef idx="1">
-            <a:schemeClr val="accent1"/>
-          </a:fillRef>
-          <a:effectRef idx="0">
-            <a:schemeClr val="accent1"/>
-          </a:effectRef>
-          <a:fontRef idx="minor">
-            <a:schemeClr val="lt1"/>
-          </a:fontRef>
-        </p:style>
-        <p:txBody>
-          <a:bodyPr rtlCol="0" anchor="ctr"/>
-          <a:lstStyle/>
-          <a:p>
-            <a:pPr algn="ctr"/>
-            <a:endParaRPr lang="en-US"/>
-          </a:p>
-        </p:txBody>
-      </p:sp>
-      <p:sp>
-        <p:nvSpPr>
-          <p:cNvPr id="2" name="Title 1">
-            <a:extLst>
-              <a:ext uri="{FF2B5EF4-FFF2-40B4-BE49-F238E27FC236}">
-                <a16:creationId xmlns:a16="http://schemas.microsoft.com/office/drawing/2014/main" id="{649093BE-28F5-34CC-E3E8-0020622523C5}"/>
-              </a:ext>
-            </a:extLst>
-          </p:cNvPr>
-          <p:cNvSpPr>
-            <a:spLocks noGrp="1"/>
-          </p:cNvSpPr>
-          <p:nvPr>
-            <p:ph type="title"/>
-          </p:nvPr>
-        </p:nvSpPr>
-        <p:spPr>
-          <a:xfrm>
-            <a:off x="635000" y="640823"/>
-            <a:ext cx="3418659" cy="5583148"/>
-          </a:xfrm>
-        </p:spPr>
-        <p:txBody>
-          <a:bodyPr anchor="ctr">
-            <a:normAutofit/>
-          </a:bodyPr>
-          <a:lstStyle/>
-          <a:p>
-            <a:r>
-              <a:rPr lang="en-SG" sz="5400"/>
-              <a:t>Prediction Algorithm</a:t>
-            </a:r>
-          </a:p>
-        </p:txBody>
-      </p:sp>
-      <p:sp>
-        <p:nvSpPr>
-          <p:cNvPr id="11" name="sketch line">
-            <a:extLst>
-              <a:ext uri="{FF2B5EF4-FFF2-40B4-BE49-F238E27FC236}">
-                <a16:creationId xmlns:a16="http://schemas.microsoft.com/office/drawing/2014/main" id="{5E107275-3853-46FD-A241-DE4355A42675}"/>
-              </a:ext>
-              <a:ext uri="{C183D7F6-B498-43B3-948B-1728B52AA6E4}">
-                <adec:decorative xmlns:adec="http://schemas.microsoft.com/office/drawing/2017/decorative" val="1"/>
-              </a:ext>
-            </a:extLst>
-          </p:cNvPr>
-          <p:cNvSpPr>
-            <a:spLocks noGrp="1" noRot="1" noChangeAspect="1" noMove="1" noResize="1" noEditPoints="1" noAdjustHandles="1" noChangeArrowheads="1" noChangeShapeType="1" noTextEdit="1"/>
-          </p:cNvSpPr>
-          <p:nvPr>
-            <p:extLst>
-              <p:ext uri="{386F3935-93C4-4BCD-93E2-E3B085C9AB24}">
-                <p16:designElem xmlns:p16="http://schemas.microsoft.com/office/powerpoint/2015/main" val="1"/>
-              </p:ext>
-            </p:extLst>
-          </p:nvPr>
-        </p:nvSpPr>
-        <p:spPr>
-          <a:xfrm rot="5400000">
-            <a:off x="1627450" y="3462719"/>
-            <a:ext cx="5410200" cy="18288"/>
-          </a:xfrm>
-          <a:custGeom>
-            <a:avLst/>
-            <a:gdLst>
-              <a:gd name="connsiteX0" fmla="*/ 0 w 5410200"/>
-              <a:gd name="connsiteY0" fmla="*/ 0 h 18288"/>
-              <a:gd name="connsiteX1" fmla="*/ 568071 w 5410200"/>
-              <a:gd name="connsiteY1" fmla="*/ 0 h 18288"/>
-              <a:gd name="connsiteX2" fmla="*/ 1298448 w 5410200"/>
-              <a:gd name="connsiteY2" fmla="*/ 0 h 18288"/>
-              <a:gd name="connsiteX3" fmla="*/ 1920621 w 5410200"/>
-              <a:gd name="connsiteY3" fmla="*/ 0 h 18288"/>
-              <a:gd name="connsiteX4" fmla="*/ 2488692 w 5410200"/>
-              <a:gd name="connsiteY4" fmla="*/ 0 h 18288"/>
-              <a:gd name="connsiteX5" fmla="*/ 3219069 w 5410200"/>
-              <a:gd name="connsiteY5" fmla="*/ 0 h 18288"/>
-              <a:gd name="connsiteX6" fmla="*/ 3895344 w 5410200"/>
-              <a:gd name="connsiteY6" fmla="*/ 0 h 18288"/>
-              <a:gd name="connsiteX7" fmla="*/ 4571619 w 5410200"/>
-              <a:gd name="connsiteY7" fmla="*/ 0 h 18288"/>
-              <a:gd name="connsiteX8" fmla="*/ 5410200 w 5410200"/>
-              <a:gd name="connsiteY8" fmla="*/ 0 h 18288"/>
-              <a:gd name="connsiteX9" fmla="*/ 5410200 w 5410200"/>
-              <a:gd name="connsiteY9" fmla="*/ 18288 h 18288"/>
-              <a:gd name="connsiteX10" fmla="*/ 4842129 w 5410200"/>
-              <a:gd name="connsiteY10" fmla="*/ 18288 h 18288"/>
-              <a:gd name="connsiteX11" fmla="*/ 4328160 w 5410200"/>
-              <a:gd name="connsiteY11" fmla="*/ 18288 h 18288"/>
-              <a:gd name="connsiteX12" fmla="*/ 3597783 w 5410200"/>
-              <a:gd name="connsiteY12" fmla="*/ 18288 h 18288"/>
-              <a:gd name="connsiteX13" fmla="*/ 3029712 w 5410200"/>
-              <a:gd name="connsiteY13" fmla="*/ 18288 h 18288"/>
-              <a:gd name="connsiteX14" fmla="*/ 2299335 w 5410200"/>
-              <a:gd name="connsiteY14" fmla="*/ 18288 h 18288"/>
-              <a:gd name="connsiteX15" fmla="*/ 1514856 w 5410200"/>
-              <a:gd name="connsiteY15" fmla="*/ 18288 h 18288"/>
-              <a:gd name="connsiteX16" fmla="*/ 892683 w 5410200"/>
-              <a:gd name="connsiteY16" fmla="*/ 18288 h 18288"/>
-              <a:gd name="connsiteX17" fmla="*/ 0 w 5410200"/>
-              <a:gd name="connsiteY17" fmla="*/ 18288 h 18288"/>
-              <a:gd name="connsiteX18" fmla="*/ 0 w 5410200"/>
-              <a:gd name="connsiteY18" fmla="*/ 0 h 18288"/>
-            </a:gdLst>
-            <a:ahLst/>
-            <a:cxnLst>
-              <a:cxn ang="0">
-                <a:pos x="connsiteX0" y="connsiteY0"/>
-              </a:cxn>
-              <a:cxn ang="0">
-                <a:pos x="connsiteX1" y="connsiteY1"/>
-              </a:cxn>
-              <a:cxn ang="0">
-                <a:pos x="connsiteX2" y="connsiteY2"/>
-              </a:cxn>
-              <a:cxn ang="0">
-                <a:pos x="connsiteX3" y="connsiteY3"/>
-              </a:cxn>
-              <a:cxn ang="0">
-                <a:pos x="connsiteX4" y="connsiteY4"/>
-              </a:cxn>
-              <a:cxn ang="0">
-                <a:pos x="connsiteX5" y="connsiteY5"/>
-              </a:cxn>
-              <a:cxn ang="0">
-                <a:pos x="connsiteX6" y="connsiteY6"/>
-              </a:cxn>
-              <a:cxn ang="0">
-                <a:pos x="connsiteX7" y="connsiteY7"/>
-              </a:cxn>
-              <a:cxn ang="0">
-                <a:pos x="connsiteX8" y="connsiteY8"/>
-              </a:cxn>
-              <a:cxn ang="0">
-                <a:pos x="connsiteX9" y="connsiteY9"/>
-              </a:cxn>
-              <a:cxn ang="0">
-                <a:pos x="connsiteX10" y="connsiteY10"/>
-              </a:cxn>
-              <a:cxn ang="0">
-                <a:pos x="connsiteX11" y="connsiteY11"/>
-              </a:cxn>
-              <a:cxn ang="0">
-                <a:pos x="connsiteX12" y="connsiteY12"/>
-              </a:cxn>
-              <a:cxn ang="0">
-                <a:pos x="connsiteX13" y="connsiteY13"/>
-              </a:cxn>
-              <a:cxn ang="0">
-                <a:pos x="connsiteX14" y="connsiteY14"/>
-              </a:cxn>
-              <a:cxn ang="0">
-                <a:pos x="connsiteX15" y="connsiteY15"/>
-              </a:cxn>
-              <a:cxn ang="0">
-                <a:pos x="connsiteX16" y="connsiteY16"/>
-              </a:cxn>
-              <a:cxn ang="0">
-                <a:pos x="connsiteX17" y="connsiteY17"/>
-              </a:cxn>
-              <a:cxn ang="0">
-                <a:pos x="connsiteX18" y="connsiteY18"/>
-              </a:cxn>
-            </a:cxnLst>
-            <a:rect l="l" t="t" r="r" b="b"/>
-            <a:pathLst>
-              <a:path w="5410200" h="18288" fill="none" extrusionOk="0">
-                <a:moveTo>
-                  <a:pt x="0" y="0"/>
-                </a:moveTo>
-                <a:cubicBezTo>
-                  <a:pt x="163050" y="-18707"/>
-                  <a:pt x="319321" y="-16364"/>
-                  <a:pt x="568071" y="0"/>
-                </a:cubicBezTo>
-                <a:cubicBezTo>
-                  <a:pt x="816821" y="16364"/>
-                  <a:pt x="1013224" y="-7268"/>
-                  <a:pt x="1298448" y="0"/>
-                </a:cubicBezTo>
-                <a:cubicBezTo>
-                  <a:pt x="1583672" y="7268"/>
-                  <a:pt x="1631711" y="-3367"/>
-                  <a:pt x="1920621" y="0"/>
-                </a:cubicBezTo>
-                <a:cubicBezTo>
-                  <a:pt x="2209531" y="3367"/>
-                  <a:pt x="2364420" y="-19184"/>
-                  <a:pt x="2488692" y="0"/>
-                </a:cubicBezTo>
-                <a:cubicBezTo>
-                  <a:pt x="2612964" y="19184"/>
-                  <a:pt x="3023298" y="-34627"/>
-                  <a:pt x="3219069" y="0"/>
-                </a:cubicBezTo>
-                <a:cubicBezTo>
-                  <a:pt x="3414840" y="34627"/>
-                  <a:pt x="3656810" y="24043"/>
-                  <a:pt x="3895344" y="0"/>
-                </a:cubicBezTo>
-                <a:cubicBezTo>
-                  <a:pt x="4133879" y="-24043"/>
-                  <a:pt x="4393984" y="-19577"/>
-                  <a:pt x="4571619" y="0"/>
-                </a:cubicBezTo>
-                <a:cubicBezTo>
-                  <a:pt x="4749255" y="19577"/>
-                  <a:pt x="5179928" y="-6281"/>
-                  <a:pt x="5410200" y="0"/>
-                </a:cubicBezTo>
-                <a:cubicBezTo>
-                  <a:pt x="5410730" y="6954"/>
-                  <a:pt x="5410934" y="12839"/>
-                  <a:pt x="5410200" y="18288"/>
-                </a:cubicBezTo>
-                <a:cubicBezTo>
-                  <a:pt x="5139060" y="6751"/>
-                  <a:pt x="5121593" y="31035"/>
-                  <a:pt x="4842129" y="18288"/>
-                </a:cubicBezTo>
-                <a:cubicBezTo>
-                  <a:pt x="4562665" y="5541"/>
-                  <a:pt x="4448273" y="9487"/>
-                  <a:pt x="4328160" y="18288"/>
-                </a:cubicBezTo>
-                <a:cubicBezTo>
-                  <a:pt x="4208047" y="27089"/>
-                  <a:pt x="3760936" y="22567"/>
-                  <a:pt x="3597783" y="18288"/>
-                </a:cubicBezTo>
-                <a:cubicBezTo>
-                  <a:pt x="3434630" y="14009"/>
-                  <a:pt x="3299718" y="33213"/>
-                  <a:pt x="3029712" y="18288"/>
-                </a:cubicBezTo>
-                <a:cubicBezTo>
-                  <a:pt x="2759706" y="3363"/>
-                  <a:pt x="2640159" y="27394"/>
-                  <a:pt x="2299335" y="18288"/>
-                </a:cubicBezTo>
-                <a:cubicBezTo>
-                  <a:pt x="1958511" y="9182"/>
-                  <a:pt x="1801186" y="28985"/>
-                  <a:pt x="1514856" y="18288"/>
-                </a:cubicBezTo>
-                <a:cubicBezTo>
-                  <a:pt x="1228526" y="7591"/>
-                  <a:pt x="1063509" y="-5305"/>
-                  <a:pt x="892683" y="18288"/>
-                </a:cubicBezTo>
-                <a:cubicBezTo>
-                  <a:pt x="721857" y="41881"/>
-                  <a:pt x="186945" y="-20897"/>
-                  <a:pt x="0" y="18288"/>
-                </a:cubicBezTo>
-                <a:cubicBezTo>
-                  <a:pt x="-570" y="9279"/>
-                  <a:pt x="132" y="5100"/>
-                  <a:pt x="0" y="0"/>
-                </a:cubicBezTo>
-                <a:close/>
-              </a:path>
-              <a:path w="5410200" h="18288" stroke="0" extrusionOk="0">
-                <a:moveTo>
-                  <a:pt x="0" y="0"/>
-                </a:moveTo>
-                <a:cubicBezTo>
-                  <a:pt x="285096" y="-4925"/>
-                  <a:pt x="376456" y="22268"/>
-                  <a:pt x="622173" y="0"/>
-                </a:cubicBezTo>
-                <a:cubicBezTo>
-                  <a:pt x="867890" y="-22268"/>
-                  <a:pt x="1031392" y="7228"/>
-                  <a:pt x="1136142" y="0"/>
-                </a:cubicBezTo>
-                <a:cubicBezTo>
-                  <a:pt x="1240892" y="-7228"/>
-                  <a:pt x="1561853" y="9877"/>
-                  <a:pt x="1920621" y="0"/>
-                </a:cubicBezTo>
-                <a:cubicBezTo>
-                  <a:pt x="2279389" y="-9877"/>
-                  <a:pt x="2367255" y="19546"/>
-                  <a:pt x="2542794" y="0"/>
-                </a:cubicBezTo>
-                <a:cubicBezTo>
-                  <a:pt x="2718333" y="-19546"/>
-                  <a:pt x="2866732" y="-22226"/>
-                  <a:pt x="3164967" y="0"/>
-                </a:cubicBezTo>
-                <a:cubicBezTo>
-                  <a:pt x="3463202" y="22226"/>
-                  <a:pt x="3568055" y="-2765"/>
-                  <a:pt x="3949446" y="0"/>
-                </a:cubicBezTo>
-                <a:cubicBezTo>
-                  <a:pt x="4330837" y="2765"/>
-                  <a:pt x="4287895" y="10557"/>
-                  <a:pt x="4517517" y="0"/>
-                </a:cubicBezTo>
-                <a:cubicBezTo>
-                  <a:pt x="4747139" y="-10557"/>
-                  <a:pt x="5149588" y="8716"/>
-                  <a:pt x="5410200" y="0"/>
-                </a:cubicBezTo>
-                <a:cubicBezTo>
-                  <a:pt x="5409517" y="5414"/>
-                  <a:pt x="5409480" y="12510"/>
-                  <a:pt x="5410200" y="18288"/>
-                </a:cubicBezTo>
-                <a:cubicBezTo>
-                  <a:pt x="5163327" y="41494"/>
-                  <a:pt x="5008749" y="10693"/>
-                  <a:pt x="4842129" y="18288"/>
-                </a:cubicBezTo>
-                <a:cubicBezTo>
-                  <a:pt x="4675509" y="25883"/>
-                  <a:pt x="4433401" y="-615"/>
-                  <a:pt x="4165854" y="18288"/>
-                </a:cubicBezTo>
-                <a:cubicBezTo>
-                  <a:pt x="3898308" y="37191"/>
-                  <a:pt x="3809032" y="-8710"/>
-                  <a:pt x="3543681" y="18288"/>
-                </a:cubicBezTo>
-                <a:cubicBezTo>
-                  <a:pt x="3278330" y="45286"/>
-                  <a:pt x="3073876" y="-15917"/>
-                  <a:pt x="2759202" y="18288"/>
-                </a:cubicBezTo>
-                <a:cubicBezTo>
-                  <a:pt x="2444528" y="52493"/>
-                  <a:pt x="2204144" y="3372"/>
-                  <a:pt x="1974723" y="18288"/>
-                </a:cubicBezTo>
-                <a:cubicBezTo>
-                  <a:pt x="1745302" y="33204"/>
-                  <a:pt x="1602335" y="31490"/>
-                  <a:pt x="1406652" y="18288"/>
-                </a:cubicBezTo>
-                <a:cubicBezTo>
-                  <a:pt x="1210969" y="5086"/>
-                  <a:pt x="923948" y="3161"/>
-                  <a:pt x="730377" y="18288"/>
-                </a:cubicBezTo>
-                <a:cubicBezTo>
-                  <a:pt x="536806" y="33415"/>
-                  <a:pt x="336496" y="-141"/>
-                  <a:pt x="0" y="18288"/>
-                </a:cubicBezTo>
-                <a:cubicBezTo>
-                  <a:pt x="-306" y="11061"/>
-                  <a:pt x="-655" y="7751"/>
-                  <a:pt x="0" y="0"/>
-                </a:cubicBezTo>
-                <a:close/>
-              </a:path>
-            </a:pathLst>
-          </a:custGeom>
-          <a:solidFill>
-            <a:schemeClr val="accent2"/>
-          </a:solidFill>
-          <a:ln w="41275" cap="rnd">
-            <a:solidFill>
-              <a:schemeClr val="accent2"/>
-            </a:solidFill>
-            <a:round/>
-            <a:extLst>
-              <a:ext uri="{C807C97D-BFC1-408E-A445-0C87EB9F89A2}">
-                <ask:lineSketchStyleProps xmlns:ask="http://schemas.microsoft.com/office/drawing/2018/sketchyshapes" sd="1219033472">
-                  <a:prstGeom prst="rect">
-                    <a:avLst/>
-                  </a:prstGeom>
-                  <ask:type>
-                    <ask:lineSketchFreehand/>
-                  </ask:type>
-                </ask:lineSketchStyleProps>
-              </a:ext>
-            </a:extLst>
-          </a:ln>
-        </p:spPr>
-        <p:style>
-          <a:lnRef idx="2">
-            <a:schemeClr val="accent1">
-              <a:shade val="50000"/>
-            </a:schemeClr>
-          </a:lnRef>
-          <a:fillRef idx="1">
-            <a:schemeClr val="accent1"/>
-          </a:fillRef>
-          <a:effectRef idx="0">
-            <a:schemeClr val="accent1"/>
-          </a:effectRef>
-          <a:fontRef idx="minor">
-            <a:schemeClr val="lt1"/>
-          </a:fontRef>
-        </p:style>
-        <p:txBody>
-          <a:bodyPr rtlCol="0" anchor="ctr"/>
-          <a:lstStyle/>
-          <a:p>
-            <a:pPr algn="ctr"/>
-            <a:endParaRPr lang="en-US"/>
-          </a:p>
-        </p:txBody>
-      </p:sp>
-      <p:graphicFrame>
-        <p:nvGraphicFramePr>
-          <p:cNvPr id="5" name="Content Placeholder 2">
-            <a:extLst>
-              <a:ext uri="{FF2B5EF4-FFF2-40B4-BE49-F238E27FC236}">
-                <a16:creationId xmlns:a16="http://schemas.microsoft.com/office/drawing/2014/main" id="{F0EA4FD6-D005-D399-4D6F-71AB96EB2541}"/>
-              </a:ext>
-            </a:extLst>
-          </p:cNvPr>
-          <p:cNvGraphicFramePr>
-            <a:graphicFrameLocks noGrp="1"/>
-          </p:cNvGraphicFramePr>
-          <p:nvPr>
-            <p:ph idx="1"/>
-            <p:extLst>
-              <p:ext uri="{D42A27DB-BD31-4B8C-83A1-F6EECF244321}">
-                <p14:modId xmlns:p14="http://schemas.microsoft.com/office/powerpoint/2010/main" val="3105881089"/>
-              </p:ext>
-            </p:extLst>
-          </p:nvPr>
-        </p:nvGraphicFramePr>
-        <p:xfrm>
-          <a:off x="4648018" y="640822"/>
-          <a:ext cx="6900512" cy="5536141"/>
-        </p:xfrm>
-        <a:graphic>
-          <a:graphicData uri="http://schemas.openxmlformats.org/drawingml/2006/diagram">
-            <dgm:relIds xmlns:dgm="http://schemas.openxmlformats.org/drawingml/2006/diagram" xmlns:r="http://schemas.openxmlformats.org/officeDocument/2006/relationships" r:dm="rId2" r:lo="rId3" r:qs="rId4" r:cs="rId5"/>
-          </a:graphicData>
-        </a:graphic>
-      </p:graphicFrame>
-      <p:pic>
-        <p:nvPicPr>
-          <p:cNvPr id="4" name="Picture 3" descr="A screenshot of a phone&#10;&#10;Description automatically generated with low confidence">
-            <a:extLst>
-              <a:ext uri="{FF2B5EF4-FFF2-40B4-BE49-F238E27FC236}">
-                <a16:creationId xmlns:a16="http://schemas.microsoft.com/office/drawing/2014/main" id="{6D7078B0-27EA-9F47-1DBA-FBB3BDAA361C}"/>
-              </a:ext>
-            </a:extLst>
-          </p:cNvPr>
-          <p:cNvPicPr>
-            <a:picLocks noChangeAspect="1"/>
-          </p:cNvPicPr>
-          <p:nvPr/>
-        </p:nvPicPr>
-        <p:blipFill>
-          <a:blip r:embed="rId7"/>
-          <a:stretch>
-            <a:fillRect/>
-          </a:stretch>
-        </p:blipFill>
-        <p:spPr>
-          <a:xfrm>
-            <a:off x="5512117" y="1475422"/>
-            <a:ext cx="3250883" cy="5098656"/>
-          </a:xfrm>
-          <a:prstGeom prst="rect">
-            <a:avLst/>
-          </a:prstGeom>
-        </p:spPr>
-      </p:pic>
-    </p:spTree>
-    <p:extLst>
-      <p:ext uri="{BB962C8B-B14F-4D97-AF65-F5344CB8AC3E}">
-        <p14:creationId xmlns:p14="http://schemas.microsoft.com/office/powerpoint/2010/main" val="4221802617"/>
-      </p:ext>
-    </p:extLst>
-  </p:cSld>
-  <p:clrMapOvr>
-    <a:masterClrMapping/>
-  </p:clrMapOvr>
-</p:sld>
-</file>
-
-<file path=ppt/slides/slide11.xml><?xml version="1.0" encoding="utf-8"?>
-<p:sld xmlns:a="http://schemas.openxmlformats.org/drawingml/2006/main" xmlns:r="http://schemas.openxmlformats.org/officeDocument/2006/relationships" xmlns:p="http://schemas.openxmlformats.org/presentationml/2006/main">
-  <p:cSld>
     <p:spTree>
       <p:nvGrpSpPr>
         <p:cNvPr id="1" name=""/>
@@ -12810,7 +12242,7 @@
 </p:sld>
 </file>
 
-<file path=ppt/slides/slide12.xml><?xml version="1.0" encoding="utf-8"?>
+<file path=ppt/slides/slide11.xml><?xml version="1.0" encoding="utf-8"?>
 <p:sld xmlns:a="http://schemas.openxmlformats.org/drawingml/2006/main" xmlns:r="http://schemas.openxmlformats.org/officeDocument/2006/relationships" xmlns:p="http://schemas.openxmlformats.org/presentationml/2006/main">
   <p:cSld>
     <p:spTree>
@@ -13003,7 +12435,7 @@
 </p:sld>
 </file>
 
-<file path=ppt/slides/slide13.xml><?xml version="1.0" encoding="utf-8"?>
+<file path=ppt/slides/slide12.xml><?xml version="1.0" encoding="utf-8"?>
 <p:sld xmlns:a="http://schemas.openxmlformats.org/drawingml/2006/main" xmlns:r="http://schemas.openxmlformats.org/officeDocument/2006/relationships" xmlns:p="http://schemas.openxmlformats.org/presentationml/2006/main">
   <p:cSld>
     <p:bg>
@@ -13725,7 +13157,7 @@
 </p:sld>
 </file>
 
-<file path=ppt/slides/slide14.xml><?xml version="1.0" encoding="utf-8"?>
+<file path=ppt/slides/slide13.xml><?xml version="1.0" encoding="utf-8"?>
 <p:sld xmlns:a="http://schemas.openxmlformats.org/drawingml/2006/main" xmlns:r="http://schemas.openxmlformats.org/officeDocument/2006/relationships" xmlns:p="http://schemas.openxmlformats.org/presentationml/2006/main">
   <p:cSld>
     <p:spTree>
@@ -13814,7 +13246,7 @@
 </p:sld>
 </file>
 
-<file path=ppt/slides/slide15.xml><?xml version="1.0" encoding="utf-8"?>
+<file path=ppt/slides/slide14.xml><?xml version="1.0" encoding="utf-8"?>
 <p:sld xmlns:a="http://schemas.openxmlformats.org/drawingml/2006/main" xmlns:r="http://schemas.openxmlformats.org/officeDocument/2006/relationships" xmlns:p="http://schemas.openxmlformats.org/presentationml/2006/main">
   <p:cSld>
     <p:spTree>
@@ -13919,7 +13351,7 @@
 </p:sld>
 </file>
 
-<file path=ppt/slides/slide16.xml><?xml version="1.0" encoding="utf-8"?>
+<file path=ppt/slides/slide15.xml><?xml version="1.0" encoding="utf-8"?>
 <p:sld xmlns:a="http://schemas.openxmlformats.org/drawingml/2006/main" xmlns:r="http://schemas.openxmlformats.org/officeDocument/2006/relationships" xmlns:p="http://schemas.openxmlformats.org/presentationml/2006/main">
   <p:cSld>
     <p:spTree>
@@ -14033,7 +13465,7 @@
 </p:sld>
 </file>
 
-<file path=ppt/slides/slide17.xml><?xml version="1.0" encoding="utf-8"?>
+<file path=ppt/slides/slide16.xml><?xml version="1.0" encoding="utf-8"?>
 <p:sld xmlns:a="http://schemas.openxmlformats.org/drawingml/2006/main" xmlns:r="http://schemas.openxmlformats.org/officeDocument/2006/relationships" xmlns:p="http://schemas.openxmlformats.org/presentationml/2006/main">
   <p:cSld>
     <p:spTree>
@@ -14121,7 +13553,7 @@
 </p:sld>
 </file>
 
-<file path=ppt/slides/slide18.xml><?xml version="1.0" encoding="utf-8"?>
+<file path=ppt/slides/slide17.xml><?xml version="1.0" encoding="utf-8"?>
 <p:sld xmlns:a="http://schemas.openxmlformats.org/drawingml/2006/main" xmlns:r="http://schemas.openxmlformats.org/officeDocument/2006/relationships" xmlns:p="http://schemas.openxmlformats.org/presentationml/2006/main">
   <p:cSld>
     <p:spTree>
@@ -15404,124 +14836,6 @@
           <a:chExt cx="0" cy="0"/>
         </a:xfrm>
       </p:grpSpPr>
-      <p:pic>
-        <p:nvPicPr>
-          <p:cNvPr id="5" name="Picture 4" descr="Glasses on top of a book">
-            <a:extLst>
-              <a:ext uri="{FF2B5EF4-FFF2-40B4-BE49-F238E27FC236}">
-                <a16:creationId xmlns:a16="http://schemas.microsoft.com/office/drawing/2014/main" id="{4FE291BE-B68A-5B93-099A-2E88EF1838B4}"/>
-              </a:ext>
-            </a:extLst>
-          </p:cNvPr>
-          <p:cNvPicPr>
-            <a:picLocks noChangeAspect="1"/>
-          </p:cNvPicPr>
-          <p:nvPr/>
-        </p:nvPicPr>
-        <p:blipFill rotWithShape="1">
-          <a:blip r:embed="rId2"/>
-          <a:srcRect t="14112" b="983"/>
-          <a:stretch/>
-        </p:blipFill>
-        <p:spPr>
-          <a:xfrm>
-            <a:off x="20" y="10"/>
-            <a:ext cx="12191980" cy="6857990"/>
-          </a:xfrm>
-          <a:prstGeom prst="rect">
-            <a:avLst/>
-          </a:prstGeom>
-        </p:spPr>
-      </p:pic>
-      <p:sp>
-        <p:nvSpPr>
-          <p:cNvPr id="2" name="Title 1">
-            <a:extLst>
-              <a:ext uri="{FF2B5EF4-FFF2-40B4-BE49-F238E27FC236}">
-                <a16:creationId xmlns:a16="http://schemas.microsoft.com/office/drawing/2014/main" id="{F43002C4-7CFD-0CA9-9869-2BC697890FED}"/>
-              </a:ext>
-            </a:extLst>
-          </p:cNvPr>
-          <p:cNvSpPr>
-            <a:spLocks noGrp="1"/>
-          </p:cNvSpPr>
-          <p:nvPr>
-            <p:ph type="title"/>
-          </p:nvPr>
-        </p:nvSpPr>
-        <p:spPr>
-          <a:xfrm>
-            <a:off x="640080" y="640080"/>
-            <a:ext cx="2752354" cy="2709275"/>
-          </a:xfrm>
-          <a:prstGeom prst="ellipse">
-            <a:avLst/>
-          </a:prstGeom>
-          <a:solidFill>
-            <a:srgbClr val="FFFFFF"/>
-          </a:solidFill>
-          <a:ln w="174625" cmpd="thinThick">
-            <a:solidFill>
-              <a:srgbClr val="FFFFFF"/>
-            </a:solidFill>
-          </a:ln>
-        </p:spPr>
-        <p:txBody>
-          <a:bodyPr vert="horz" lIns="91440" tIns="45720" rIns="91440" bIns="45720" rtlCol="0" anchor="ctr">
-            <a:normAutofit/>
-          </a:bodyPr>
-          <a:lstStyle/>
-          <a:p>
-            <a:pPr algn="ctr"/>
-            <a:r>
-              <a:rPr lang="en-US" sz="2800">
-                <a:solidFill>
-                  <a:srgbClr val="262626"/>
-                </a:solidFill>
-              </a:rPr>
-              <a:t>Citations</a:t>
-            </a:r>
-          </a:p>
-        </p:txBody>
-      </p:sp>
-    </p:spTree>
-    <p:extLst>
-      <p:ext uri="{BB962C8B-B14F-4D97-AF65-F5344CB8AC3E}">
-        <p14:creationId xmlns:p14="http://schemas.microsoft.com/office/powerpoint/2010/main" val="3937006087"/>
-      </p:ext>
-    </p:extLst>
-  </p:cSld>
-  <p:clrMapOvr>
-    <a:masterClrMapping/>
-  </p:clrMapOvr>
-</p:sld>
-</file>
-
-<file path=ppt/slides/slide6.xml><?xml version="1.0" encoding="utf-8"?>
-<p:sld xmlns:a="http://schemas.openxmlformats.org/drawingml/2006/main" xmlns:r="http://schemas.openxmlformats.org/officeDocument/2006/relationships" xmlns:p="http://schemas.openxmlformats.org/presentationml/2006/main">
-  <p:cSld>
-    <p:bg>
-      <p:bgPr>
-        <a:solidFill>
-          <a:schemeClr val="bg1"/>
-        </a:solidFill>
-        <a:effectLst/>
-      </p:bgPr>
-    </p:bg>
-    <p:spTree>
-      <p:nvGrpSpPr>
-        <p:cNvPr id="1" name=""/>
-        <p:cNvGrpSpPr/>
-        <p:nvPr/>
-      </p:nvGrpSpPr>
-      <p:grpSpPr>
-        <a:xfrm>
-          <a:off x="0" y="0"/>
-          <a:ext cx="0" cy="0"/>
-          <a:chOff x="0" y="0"/>
-          <a:chExt cx="0" cy="0"/>
-        </a:xfrm>
-      </p:grpSpPr>
       <p:sp useBgFill="1">
         <p:nvSpPr>
           <p:cNvPr id="10" name="Rectangle 9">
@@ -18774,7 +18088,7 @@
 </p:sld>
 </file>
 
-<file path=ppt/slides/slide7.xml><?xml version="1.0" encoding="utf-8"?>
+<file path=ppt/slides/slide6.xml><?xml version="1.0" encoding="utf-8"?>
 <p:sld xmlns:a="http://schemas.openxmlformats.org/drawingml/2006/main" xmlns:r="http://schemas.openxmlformats.org/officeDocument/2006/relationships" xmlns:p="http://schemas.openxmlformats.org/presentationml/2006/main">
   <p:cSld>
     <p:spTree>
@@ -18900,7 +18214,7 @@
 </p:sld>
 </file>
 
-<file path=ppt/slides/slide8.xml><?xml version="1.0" encoding="utf-8"?>
+<file path=ppt/slides/slide7.xml><?xml version="1.0" encoding="utf-8"?>
 <p:sld xmlns:a="http://schemas.openxmlformats.org/drawingml/2006/main" xmlns:r="http://schemas.openxmlformats.org/officeDocument/2006/relationships" xmlns:p="http://schemas.openxmlformats.org/presentationml/2006/main">
   <p:cSld>
     <p:spTree>
@@ -18968,10 +18282,62 @@
         </p:nvSpPr>
         <p:spPr/>
         <p:txBody>
-          <a:bodyPr/>
+          <a:bodyPr>
+            <a:noAutofit/>
+          </a:bodyPr>
           <a:lstStyle/>
           <a:p>
-            <a:endParaRPr lang="en-SG"/>
+            <a:r>
+              <a:rPr lang="en-US" dirty="0"/>
+              <a:t>Mean Absolute Error (MAE.</a:t>
+            </a:r>
+          </a:p>
+          <a:p>
+            <a:r>
+              <a:rPr lang="en-US" dirty="0"/>
+              <a:t>Root Mean Squared Error (RMSE)</a:t>
+            </a:r>
+          </a:p>
+          <a:p>
+            <a:r>
+              <a:rPr lang="en-US" dirty="0"/>
+              <a:t>Mean Absolute Percentage Error (MAPE)</a:t>
+            </a:r>
+          </a:p>
+          <a:p>
+            <a:r>
+              <a:rPr lang="en-US" dirty="0"/>
+              <a:t>Symmetric Mean Absolute Percentage Error (SMAPE)</a:t>
+            </a:r>
+          </a:p>
+          <a:p>
+            <a:r>
+              <a:rPr lang="en-US" dirty="0"/>
+              <a:t>Mean Absolute Scaled Error (MASE)</a:t>
+            </a:r>
+          </a:p>
+          <a:p>
+            <a:r>
+              <a:rPr lang="en-US" dirty="0"/>
+              <a:t>R-squared (R²) or Coefficient of Determination</a:t>
+            </a:r>
+          </a:p>
+          <a:p>
+            <a:r>
+              <a:rPr lang="en-US" dirty="0"/>
+              <a:t>Forecast Bias</a:t>
+            </a:r>
+          </a:p>
+          <a:p>
+            <a:r>
+              <a:rPr lang="en-US" dirty="0"/>
+              <a:t>Forecast </a:t>
+            </a:r>
+            <a:r>
+              <a:rPr lang="en-US"/>
+              <a:t>Interval Coverage</a:t>
+            </a:r>
+            <a:endParaRPr lang="en-US" dirty="0"/>
           </a:p>
         </p:txBody>
       </p:sp>
@@ -18988,7 +18354,7 @@
 </p:sld>
 </file>
 
-<file path=ppt/slides/slide9.xml><?xml version="1.0" encoding="utf-8"?>
+<file path=ppt/slides/slide8.xml><?xml version="1.0" encoding="utf-8"?>
 <p:sld xmlns:a="http://schemas.openxmlformats.org/drawingml/2006/main" xmlns:r="http://schemas.openxmlformats.org/officeDocument/2006/relationships" xmlns:p="http://schemas.openxmlformats.org/presentationml/2006/main">
   <p:cSld>
     <p:bg>
@@ -19525,6 +18891,573 @@
 </p:sld>
 </file>
 
+<file path=ppt/slides/slide9.xml><?xml version="1.0" encoding="utf-8"?>
+<p:sld xmlns:a="http://schemas.openxmlformats.org/drawingml/2006/main" xmlns:r="http://schemas.openxmlformats.org/officeDocument/2006/relationships" xmlns:p="http://schemas.openxmlformats.org/presentationml/2006/main">
+  <p:cSld>
+    <p:bg>
+      <p:bgPr>
+        <a:solidFill>
+          <a:schemeClr val="bg1"/>
+        </a:solidFill>
+        <a:effectLst/>
+      </p:bgPr>
+    </p:bg>
+    <p:spTree>
+      <p:nvGrpSpPr>
+        <p:cNvPr id="1" name=""/>
+        <p:cNvGrpSpPr/>
+        <p:nvPr/>
+      </p:nvGrpSpPr>
+      <p:grpSpPr>
+        <a:xfrm>
+          <a:off x="0" y="0"/>
+          <a:ext cx="0" cy="0"/>
+          <a:chOff x="0" y="0"/>
+          <a:chExt cx="0" cy="0"/>
+        </a:xfrm>
+      </p:grpSpPr>
+      <p:sp useBgFill="1">
+        <p:nvSpPr>
+          <p:cNvPr id="9" name="Rectangle 8">
+            <a:extLst>
+              <a:ext uri="{FF2B5EF4-FFF2-40B4-BE49-F238E27FC236}">
+                <a16:creationId xmlns:a16="http://schemas.microsoft.com/office/drawing/2014/main" id="{2E442304-DDBD-4F7B-8017-36BCC863FB40}"/>
+              </a:ext>
+              <a:ext uri="{C183D7F6-B498-43B3-948B-1728B52AA6E4}">
+                <adec:decorative xmlns:adec="http://schemas.microsoft.com/office/drawing/2017/decorative" val="1"/>
+              </a:ext>
+            </a:extLst>
+          </p:cNvPr>
+          <p:cNvSpPr>
+            <a:spLocks noGrp="1" noRot="1" noChangeAspect="1" noMove="1" noResize="1" noEditPoints="1" noAdjustHandles="1" noChangeArrowheads="1" noChangeShapeType="1" noTextEdit="1"/>
+          </p:cNvSpPr>
+          <p:nvPr>
+            <p:extLst>
+              <p:ext uri="{386F3935-93C4-4BCD-93E2-E3B085C9AB24}">
+                <p16:designElem xmlns:p16="http://schemas.microsoft.com/office/powerpoint/2015/main" val="1"/>
+              </p:ext>
+            </p:extLst>
+          </p:nvPr>
+        </p:nvSpPr>
+        <p:spPr>
+          <a:xfrm>
+            <a:off x="0" y="0"/>
+            <a:ext cx="12188952" cy="6858000"/>
+          </a:xfrm>
+          <a:prstGeom prst="rect">
+            <a:avLst/>
+          </a:prstGeom>
+          <a:ln>
+            <a:noFill/>
+          </a:ln>
+        </p:spPr>
+        <p:style>
+          <a:lnRef idx="2">
+            <a:schemeClr val="accent1">
+              <a:shade val="50000"/>
+            </a:schemeClr>
+          </a:lnRef>
+          <a:fillRef idx="1">
+            <a:schemeClr val="accent1"/>
+          </a:fillRef>
+          <a:effectRef idx="0">
+            <a:schemeClr val="accent1"/>
+          </a:effectRef>
+          <a:fontRef idx="minor">
+            <a:schemeClr val="lt1"/>
+          </a:fontRef>
+        </p:style>
+        <p:txBody>
+          <a:bodyPr rtlCol="0" anchor="ctr"/>
+          <a:lstStyle/>
+          <a:p>
+            <a:pPr algn="ctr"/>
+            <a:endParaRPr lang="en-US"/>
+          </a:p>
+        </p:txBody>
+      </p:sp>
+      <p:sp>
+        <p:nvSpPr>
+          <p:cNvPr id="2" name="Title 1">
+            <a:extLst>
+              <a:ext uri="{FF2B5EF4-FFF2-40B4-BE49-F238E27FC236}">
+                <a16:creationId xmlns:a16="http://schemas.microsoft.com/office/drawing/2014/main" id="{649093BE-28F5-34CC-E3E8-0020622523C5}"/>
+              </a:ext>
+            </a:extLst>
+          </p:cNvPr>
+          <p:cNvSpPr>
+            <a:spLocks noGrp="1"/>
+          </p:cNvSpPr>
+          <p:nvPr>
+            <p:ph type="title"/>
+          </p:nvPr>
+        </p:nvSpPr>
+        <p:spPr>
+          <a:xfrm>
+            <a:off x="635000" y="640823"/>
+            <a:ext cx="3418659" cy="5583148"/>
+          </a:xfrm>
+        </p:spPr>
+        <p:txBody>
+          <a:bodyPr anchor="ctr">
+            <a:normAutofit/>
+          </a:bodyPr>
+          <a:lstStyle/>
+          <a:p>
+            <a:r>
+              <a:rPr lang="en-SG" sz="5400"/>
+              <a:t>Prediction Algorithm</a:t>
+            </a:r>
+          </a:p>
+        </p:txBody>
+      </p:sp>
+      <p:sp>
+        <p:nvSpPr>
+          <p:cNvPr id="11" name="sketch line">
+            <a:extLst>
+              <a:ext uri="{FF2B5EF4-FFF2-40B4-BE49-F238E27FC236}">
+                <a16:creationId xmlns:a16="http://schemas.microsoft.com/office/drawing/2014/main" id="{5E107275-3853-46FD-A241-DE4355A42675}"/>
+              </a:ext>
+              <a:ext uri="{C183D7F6-B498-43B3-948B-1728B52AA6E4}">
+                <adec:decorative xmlns:adec="http://schemas.microsoft.com/office/drawing/2017/decorative" val="1"/>
+              </a:ext>
+            </a:extLst>
+          </p:cNvPr>
+          <p:cNvSpPr>
+            <a:spLocks noGrp="1" noRot="1" noChangeAspect="1" noMove="1" noResize="1" noEditPoints="1" noAdjustHandles="1" noChangeArrowheads="1" noChangeShapeType="1" noTextEdit="1"/>
+          </p:cNvSpPr>
+          <p:nvPr>
+            <p:extLst>
+              <p:ext uri="{386F3935-93C4-4BCD-93E2-E3B085C9AB24}">
+                <p16:designElem xmlns:p16="http://schemas.microsoft.com/office/powerpoint/2015/main" val="1"/>
+              </p:ext>
+            </p:extLst>
+          </p:nvPr>
+        </p:nvSpPr>
+        <p:spPr>
+          <a:xfrm rot="5400000">
+            <a:off x="1627450" y="3462719"/>
+            <a:ext cx="5410200" cy="18288"/>
+          </a:xfrm>
+          <a:custGeom>
+            <a:avLst/>
+            <a:gdLst>
+              <a:gd name="connsiteX0" fmla="*/ 0 w 5410200"/>
+              <a:gd name="connsiteY0" fmla="*/ 0 h 18288"/>
+              <a:gd name="connsiteX1" fmla="*/ 568071 w 5410200"/>
+              <a:gd name="connsiteY1" fmla="*/ 0 h 18288"/>
+              <a:gd name="connsiteX2" fmla="*/ 1298448 w 5410200"/>
+              <a:gd name="connsiteY2" fmla="*/ 0 h 18288"/>
+              <a:gd name="connsiteX3" fmla="*/ 1920621 w 5410200"/>
+              <a:gd name="connsiteY3" fmla="*/ 0 h 18288"/>
+              <a:gd name="connsiteX4" fmla="*/ 2488692 w 5410200"/>
+              <a:gd name="connsiteY4" fmla="*/ 0 h 18288"/>
+              <a:gd name="connsiteX5" fmla="*/ 3219069 w 5410200"/>
+              <a:gd name="connsiteY5" fmla="*/ 0 h 18288"/>
+              <a:gd name="connsiteX6" fmla="*/ 3895344 w 5410200"/>
+              <a:gd name="connsiteY6" fmla="*/ 0 h 18288"/>
+              <a:gd name="connsiteX7" fmla="*/ 4571619 w 5410200"/>
+              <a:gd name="connsiteY7" fmla="*/ 0 h 18288"/>
+              <a:gd name="connsiteX8" fmla="*/ 5410200 w 5410200"/>
+              <a:gd name="connsiteY8" fmla="*/ 0 h 18288"/>
+              <a:gd name="connsiteX9" fmla="*/ 5410200 w 5410200"/>
+              <a:gd name="connsiteY9" fmla="*/ 18288 h 18288"/>
+              <a:gd name="connsiteX10" fmla="*/ 4842129 w 5410200"/>
+              <a:gd name="connsiteY10" fmla="*/ 18288 h 18288"/>
+              <a:gd name="connsiteX11" fmla="*/ 4328160 w 5410200"/>
+              <a:gd name="connsiteY11" fmla="*/ 18288 h 18288"/>
+              <a:gd name="connsiteX12" fmla="*/ 3597783 w 5410200"/>
+              <a:gd name="connsiteY12" fmla="*/ 18288 h 18288"/>
+              <a:gd name="connsiteX13" fmla="*/ 3029712 w 5410200"/>
+              <a:gd name="connsiteY13" fmla="*/ 18288 h 18288"/>
+              <a:gd name="connsiteX14" fmla="*/ 2299335 w 5410200"/>
+              <a:gd name="connsiteY14" fmla="*/ 18288 h 18288"/>
+              <a:gd name="connsiteX15" fmla="*/ 1514856 w 5410200"/>
+              <a:gd name="connsiteY15" fmla="*/ 18288 h 18288"/>
+              <a:gd name="connsiteX16" fmla="*/ 892683 w 5410200"/>
+              <a:gd name="connsiteY16" fmla="*/ 18288 h 18288"/>
+              <a:gd name="connsiteX17" fmla="*/ 0 w 5410200"/>
+              <a:gd name="connsiteY17" fmla="*/ 18288 h 18288"/>
+              <a:gd name="connsiteX18" fmla="*/ 0 w 5410200"/>
+              <a:gd name="connsiteY18" fmla="*/ 0 h 18288"/>
+            </a:gdLst>
+            <a:ahLst/>
+            <a:cxnLst>
+              <a:cxn ang="0">
+                <a:pos x="connsiteX0" y="connsiteY0"/>
+              </a:cxn>
+              <a:cxn ang="0">
+                <a:pos x="connsiteX1" y="connsiteY1"/>
+              </a:cxn>
+              <a:cxn ang="0">
+                <a:pos x="connsiteX2" y="connsiteY2"/>
+              </a:cxn>
+              <a:cxn ang="0">
+                <a:pos x="connsiteX3" y="connsiteY3"/>
+              </a:cxn>
+              <a:cxn ang="0">
+                <a:pos x="connsiteX4" y="connsiteY4"/>
+              </a:cxn>
+              <a:cxn ang="0">
+                <a:pos x="connsiteX5" y="connsiteY5"/>
+              </a:cxn>
+              <a:cxn ang="0">
+                <a:pos x="connsiteX6" y="connsiteY6"/>
+              </a:cxn>
+              <a:cxn ang="0">
+                <a:pos x="connsiteX7" y="connsiteY7"/>
+              </a:cxn>
+              <a:cxn ang="0">
+                <a:pos x="connsiteX8" y="connsiteY8"/>
+              </a:cxn>
+              <a:cxn ang="0">
+                <a:pos x="connsiteX9" y="connsiteY9"/>
+              </a:cxn>
+              <a:cxn ang="0">
+                <a:pos x="connsiteX10" y="connsiteY10"/>
+              </a:cxn>
+              <a:cxn ang="0">
+                <a:pos x="connsiteX11" y="connsiteY11"/>
+              </a:cxn>
+              <a:cxn ang="0">
+                <a:pos x="connsiteX12" y="connsiteY12"/>
+              </a:cxn>
+              <a:cxn ang="0">
+                <a:pos x="connsiteX13" y="connsiteY13"/>
+              </a:cxn>
+              <a:cxn ang="0">
+                <a:pos x="connsiteX14" y="connsiteY14"/>
+              </a:cxn>
+              <a:cxn ang="0">
+                <a:pos x="connsiteX15" y="connsiteY15"/>
+              </a:cxn>
+              <a:cxn ang="0">
+                <a:pos x="connsiteX16" y="connsiteY16"/>
+              </a:cxn>
+              <a:cxn ang="0">
+                <a:pos x="connsiteX17" y="connsiteY17"/>
+              </a:cxn>
+              <a:cxn ang="0">
+                <a:pos x="connsiteX18" y="connsiteY18"/>
+              </a:cxn>
+            </a:cxnLst>
+            <a:rect l="l" t="t" r="r" b="b"/>
+            <a:pathLst>
+              <a:path w="5410200" h="18288" fill="none" extrusionOk="0">
+                <a:moveTo>
+                  <a:pt x="0" y="0"/>
+                </a:moveTo>
+                <a:cubicBezTo>
+                  <a:pt x="163050" y="-18707"/>
+                  <a:pt x="319321" y="-16364"/>
+                  <a:pt x="568071" y="0"/>
+                </a:cubicBezTo>
+                <a:cubicBezTo>
+                  <a:pt x="816821" y="16364"/>
+                  <a:pt x="1013224" y="-7268"/>
+                  <a:pt x="1298448" y="0"/>
+                </a:cubicBezTo>
+                <a:cubicBezTo>
+                  <a:pt x="1583672" y="7268"/>
+                  <a:pt x="1631711" y="-3367"/>
+                  <a:pt x="1920621" y="0"/>
+                </a:cubicBezTo>
+                <a:cubicBezTo>
+                  <a:pt x="2209531" y="3367"/>
+                  <a:pt x="2364420" y="-19184"/>
+                  <a:pt x="2488692" y="0"/>
+                </a:cubicBezTo>
+                <a:cubicBezTo>
+                  <a:pt x="2612964" y="19184"/>
+                  <a:pt x="3023298" y="-34627"/>
+                  <a:pt x="3219069" y="0"/>
+                </a:cubicBezTo>
+                <a:cubicBezTo>
+                  <a:pt x="3414840" y="34627"/>
+                  <a:pt x="3656810" y="24043"/>
+                  <a:pt x="3895344" y="0"/>
+                </a:cubicBezTo>
+                <a:cubicBezTo>
+                  <a:pt x="4133879" y="-24043"/>
+                  <a:pt x="4393984" y="-19577"/>
+                  <a:pt x="4571619" y="0"/>
+                </a:cubicBezTo>
+                <a:cubicBezTo>
+                  <a:pt x="4749255" y="19577"/>
+                  <a:pt x="5179928" y="-6281"/>
+                  <a:pt x="5410200" y="0"/>
+                </a:cubicBezTo>
+                <a:cubicBezTo>
+                  <a:pt x="5410730" y="6954"/>
+                  <a:pt x="5410934" y="12839"/>
+                  <a:pt x="5410200" y="18288"/>
+                </a:cubicBezTo>
+                <a:cubicBezTo>
+                  <a:pt x="5139060" y="6751"/>
+                  <a:pt x="5121593" y="31035"/>
+                  <a:pt x="4842129" y="18288"/>
+                </a:cubicBezTo>
+                <a:cubicBezTo>
+                  <a:pt x="4562665" y="5541"/>
+                  <a:pt x="4448273" y="9487"/>
+                  <a:pt x="4328160" y="18288"/>
+                </a:cubicBezTo>
+                <a:cubicBezTo>
+                  <a:pt x="4208047" y="27089"/>
+                  <a:pt x="3760936" y="22567"/>
+                  <a:pt x="3597783" y="18288"/>
+                </a:cubicBezTo>
+                <a:cubicBezTo>
+                  <a:pt x="3434630" y="14009"/>
+                  <a:pt x="3299718" y="33213"/>
+                  <a:pt x="3029712" y="18288"/>
+                </a:cubicBezTo>
+                <a:cubicBezTo>
+                  <a:pt x="2759706" y="3363"/>
+                  <a:pt x="2640159" y="27394"/>
+                  <a:pt x="2299335" y="18288"/>
+                </a:cubicBezTo>
+                <a:cubicBezTo>
+                  <a:pt x="1958511" y="9182"/>
+                  <a:pt x="1801186" y="28985"/>
+                  <a:pt x="1514856" y="18288"/>
+                </a:cubicBezTo>
+                <a:cubicBezTo>
+                  <a:pt x="1228526" y="7591"/>
+                  <a:pt x="1063509" y="-5305"/>
+                  <a:pt x="892683" y="18288"/>
+                </a:cubicBezTo>
+                <a:cubicBezTo>
+                  <a:pt x="721857" y="41881"/>
+                  <a:pt x="186945" y="-20897"/>
+                  <a:pt x="0" y="18288"/>
+                </a:cubicBezTo>
+                <a:cubicBezTo>
+                  <a:pt x="-570" y="9279"/>
+                  <a:pt x="132" y="5100"/>
+                  <a:pt x="0" y="0"/>
+                </a:cubicBezTo>
+                <a:close/>
+              </a:path>
+              <a:path w="5410200" h="18288" stroke="0" extrusionOk="0">
+                <a:moveTo>
+                  <a:pt x="0" y="0"/>
+                </a:moveTo>
+                <a:cubicBezTo>
+                  <a:pt x="285096" y="-4925"/>
+                  <a:pt x="376456" y="22268"/>
+                  <a:pt x="622173" y="0"/>
+                </a:cubicBezTo>
+                <a:cubicBezTo>
+                  <a:pt x="867890" y="-22268"/>
+                  <a:pt x="1031392" y="7228"/>
+                  <a:pt x="1136142" y="0"/>
+                </a:cubicBezTo>
+                <a:cubicBezTo>
+                  <a:pt x="1240892" y="-7228"/>
+                  <a:pt x="1561853" y="9877"/>
+                  <a:pt x="1920621" y="0"/>
+                </a:cubicBezTo>
+                <a:cubicBezTo>
+                  <a:pt x="2279389" y="-9877"/>
+                  <a:pt x="2367255" y="19546"/>
+                  <a:pt x="2542794" y="0"/>
+                </a:cubicBezTo>
+                <a:cubicBezTo>
+                  <a:pt x="2718333" y="-19546"/>
+                  <a:pt x="2866732" y="-22226"/>
+                  <a:pt x="3164967" y="0"/>
+                </a:cubicBezTo>
+                <a:cubicBezTo>
+                  <a:pt x="3463202" y="22226"/>
+                  <a:pt x="3568055" y="-2765"/>
+                  <a:pt x="3949446" y="0"/>
+                </a:cubicBezTo>
+                <a:cubicBezTo>
+                  <a:pt x="4330837" y="2765"/>
+                  <a:pt x="4287895" y="10557"/>
+                  <a:pt x="4517517" y="0"/>
+                </a:cubicBezTo>
+                <a:cubicBezTo>
+                  <a:pt x="4747139" y="-10557"/>
+                  <a:pt x="5149588" y="8716"/>
+                  <a:pt x="5410200" y="0"/>
+                </a:cubicBezTo>
+                <a:cubicBezTo>
+                  <a:pt x="5409517" y="5414"/>
+                  <a:pt x="5409480" y="12510"/>
+                  <a:pt x="5410200" y="18288"/>
+                </a:cubicBezTo>
+                <a:cubicBezTo>
+                  <a:pt x="5163327" y="41494"/>
+                  <a:pt x="5008749" y="10693"/>
+                  <a:pt x="4842129" y="18288"/>
+                </a:cubicBezTo>
+                <a:cubicBezTo>
+                  <a:pt x="4675509" y="25883"/>
+                  <a:pt x="4433401" y="-615"/>
+                  <a:pt x="4165854" y="18288"/>
+                </a:cubicBezTo>
+                <a:cubicBezTo>
+                  <a:pt x="3898308" y="37191"/>
+                  <a:pt x="3809032" y="-8710"/>
+                  <a:pt x="3543681" y="18288"/>
+                </a:cubicBezTo>
+                <a:cubicBezTo>
+                  <a:pt x="3278330" y="45286"/>
+                  <a:pt x="3073876" y="-15917"/>
+                  <a:pt x="2759202" y="18288"/>
+                </a:cubicBezTo>
+                <a:cubicBezTo>
+                  <a:pt x="2444528" y="52493"/>
+                  <a:pt x="2204144" y="3372"/>
+                  <a:pt x="1974723" y="18288"/>
+                </a:cubicBezTo>
+                <a:cubicBezTo>
+                  <a:pt x="1745302" y="33204"/>
+                  <a:pt x="1602335" y="31490"/>
+                  <a:pt x="1406652" y="18288"/>
+                </a:cubicBezTo>
+                <a:cubicBezTo>
+                  <a:pt x="1210969" y="5086"/>
+                  <a:pt x="923948" y="3161"/>
+                  <a:pt x="730377" y="18288"/>
+                </a:cubicBezTo>
+                <a:cubicBezTo>
+                  <a:pt x="536806" y="33415"/>
+                  <a:pt x="336496" y="-141"/>
+                  <a:pt x="0" y="18288"/>
+                </a:cubicBezTo>
+                <a:cubicBezTo>
+                  <a:pt x="-306" y="11061"/>
+                  <a:pt x="-655" y="7751"/>
+                  <a:pt x="0" y="0"/>
+                </a:cubicBezTo>
+                <a:close/>
+              </a:path>
+            </a:pathLst>
+          </a:custGeom>
+          <a:solidFill>
+            <a:schemeClr val="accent2"/>
+          </a:solidFill>
+          <a:ln w="41275" cap="rnd">
+            <a:solidFill>
+              <a:schemeClr val="accent2"/>
+            </a:solidFill>
+            <a:round/>
+            <a:extLst>
+              <a:ext uri="{C807C97D-BFC1-408E-A445-0C87EB9F89A2}">
+                <ask:lineSketchStyleProps xmlns:ask="http://schemas.microsoft.com/office/drawing/2018/sketchyshapes" sd="1219033472">
+                  <a:prstGeom prst="rect">
+                    <a:avLst/>
+                  </a:prstGeom>
+                  <ask:type>
+                    <ask:lineSketchFreehand/>
+                  </ask:type>
+                </ask:lineSketchStyleProps>
+              </a:ext>
+            </a:extLst>
+          </a:ln>
+        </p:spPr>
+        <p:style>
+          <a:lnRef idx="2">
+            <a:schemeClr val="accent1">
+              <a:shade val="50000"/>
+            </a:schemeClr>
+          </a:lnRef>
+          <a:fillRef idx="1">
+            <a:schemeClr val="accent1"/>
+          </a:fillRef>
+          <a:effectRef idx="0">
+            <a:schemeClr val="accent1"/>
+          </a:effectRef>
+          <a:fontRef idx="minor">
+            <a:schemeClr val="lt1"/>
+          </a:fontRef>
+        </p:style>
+        <p:txBody>
+          <a:bodyPr rtlCol="0" anchor="ctr"/>
+          <a:lstStyle/>
+          <a:p>
+            <a:pPr algn="ctr"/>
+            <a:endParaRPr lang="en-US"/>
+          </a:p>
+        </p:txBody>
+      </p:sp>
+      <p:graphicFrame>
+        <p:nvGraphicFramePr>
+          <p:cNvPr id="5" name="Content Placeholder 2">
+            <a:extLst>
+              <a:ext uri="{FF2B5EF4-FFF2-40B4-BE49-F238E27FC236}">
+                <a16:creationId xmlns:a16="http://schemas.microsoft.com/office/drawing/2014/main" id="{F0EA4FD6-D005-D399-4D6F-71AB96EB2541}"/>
+              </a:ext>
+            </a:extLst>
+          </p:cNvPr>
+          <p:cNvGraphicFramePr>
+            <a:graphicFrameLocks noGrp="1"/>
+          </p:cNvGraphicFramePr>
+          <p:nvPr>
+            <p:ph idx="1"/>
+            <p:extLst>
+              <p:ext uri="{D42A27DB-BD31-4B8C-83A1-F6EECF244321}">
+                <p14:modId xmlns:p14="http://schemas.microsoft.com/office/powerpoint/2010/main" val="3105881089"/>
+              </p:ext>
+            </p:extLst>
+          </p:nvPr>
+        </p:nvGraphicFramePr>
+        <p:xfrm>
+          <a:off x="4648018" y="640822"/>
+          <a:ext cx="6900512" cy="5536141"/>
+        </p:xfrm>
+        <a:graphic>
+          <a:graphicData uri="http://schemas.openxmlformats.org/drawingml/2006/diagram">
+            <dgm:relIds xmlns:dgm="http://schemas.openxmlformats.org/drawingml/2006/diagram" xmlns:r="http://schemas.openxmlformats.org/officeDocument/2006/relationships" r:dm="rId2" r:lo="rId3" r:qs="rId4" r:cs="rId5"/>
+          </a:graphicData>
+        </a:graphic>
+      </p:graphicFrame>
+      <p:pic>
+        <p:nvPicPr>
+          <p:cNvPr id="4" name="Picture 3" descr="A screenshot of a phone&#10;&#10;Description automatically generated with low confidence">
+            <a:extLst>
+              <a:ext uri="{FF2B5EF4-FFF2-40B4-BE49-F238E27FC236}">
+                <a16:creationId xmlns:a16="http://schemas.microsoft.com/office/drawing/2014/main" id="{6D7078B0-27EA-9F47-1DBA-FBB3BDAA361C}"/>
+              </a:ext>
+            </a:extLst>
+          </p:cNvPr>
+          <p:cNvPicPr>
+            <a:picLocks noChangeAspect="1"/>
+          </p:cNvPicPr>
+          <p:nvPr/>
+        </p:nvPicPr>
+        <p:blipFill>
+          <a:blip r:embed="rId7"/>
+          <a:stretch>
+            <a:fillRect/>
+          </a:stretch>
+        </p:blipFill>
+        <p:spPr>
+          <a:xfrm>
+            <a:off x="5512117" y="1475422"/>
+            <a:ext cx="3250883" cy="5098656"/>
+          </a:xfrm>
+          <a:prstGeom prst="rect">
+            <a:avLst/>
+          </a:prstGeom>
+        </p:spPr>
+      </p:pic>
+    </p:spTree>
+    <p:extLst>
+      <p:ext uri="{BB962C8B-B14F-4D97-AF65-F5344CB8AC3E}">
+        <p14:creationId xmlns:p14="http://schemas.microsoft.com/office/powerpoint/2010/main" val="4221802617"/>
+      </p:ext>
+    </p:extLst>
+  </p:cSld>
+  <p:clrMapOvr>
+    <a:masterClrMapping/>
+  </p:clrMapOvr>
+</p:sld>
+</file>
+
 <file path=ppt/theme/theme1.xml><?xml version="1.0" encoding="utf-8"?>
 <a:theme xmlns:a="http://schemas.openxmlformats.org/drawingml/2006/main" name="Office Theme">
   <a:themeElements>
